--- a/Hbase学习分享.pptx
+++ b/Hbase学习分享.pptx
@@ -20,18 +20,26 @@
     <p:sldId id="428" r:id="rId14"/>
     <p:sldId id="426" r:id="rId15"/>
     <p:sldId id="429" r:id="rId16"/>
-    <p:sldId id="378" r:id="rId17"/>
-    <p:sldId id="431" r:id="rId18"/>
-    <p:sldId id="434" r:id="rId19"/>
-    <p:sldId id="435" r:id="rId20"/>
-    <p:sldId id="436" r:id="rId21"/>
-    <p:sldId id="437" r:id="rId22"/>
-    <p:sldId id="438" r:id="rId23"/>
-    <p:sldId id="439" r:id="rId24"/>
-    <p:sldId id="440" r:id="rId25"/>
-    <p:sldId id="398" r:id="rId26"/>
-    <p:sldId id="441" r:id="rId27"/>
-    <p:sldId id="385" r:id="rId28"/>
+    <p:sldId id="431" r:id="rId17"/>
+    <p:sldId id="434" r:id="rId18"/>
+    <p:sldId id="435" r:id="rId19"/>
+    <p:sldId id="436" r:id="rId20"/>
+    <p:sldId id="437" r:id="rId21"/>
+    <p:sldId id="438" r:id="rId22"/>
+    <p:sldId id="439" r:id="rId23"/>
+    <p:sldId id="442" r:id="rId24"/>
+    <p:sldId id="443" r:id="rId25"/>
+    <p:sldId id="444" r:id="rId26"/>
+    <p:sldId id="445" r:id="rId27"/>
+    <p:sldId id="449" r:id="rId28"/>
+    <p:sldId id="448" r:id="rId29"/>
+    <p:sldId id="450" r:id="rId30"/>
+    <p:sldId id="447" r:id="rId31"/>
+    <p:sldId id="451" r:id="rId32"/>
+    <p:sldId id="440" r:id="rId33"/>
+    <p:sldId id="398" r:id="rId34"/>
+    <p:sldId id="441" r:id="rId35"/>
+    <p:sldId id="385" r:id="rId36"/>
   </p:sldIdLst>
   <p:sldSz cx="12192000" cy="6858000"/>
   <p:notesSz cx="6858000" cy="9144000"/>
@@ -132,7 +140,7 @@
   </p:defaultTextStyle>
   <p:extLst>
     <p:ext uri="{EFAFB233-063F-42B5-8137-9DF3F51BA10A}">
-      <p15:sldGuideLst xmlns:p15="http://schemas.microsoft.com/office/powerpoint/2012/main">
+      <p15:sldGuideLst xmlns:p15="http://schemas.microsoft.com/office/powerpoint/2012/main" xmlns="">
         <p15:guide id="2" pos="3840" userDrawn="1">
           <p15:clr>
             <a:srgbClr val="A4A3A4"/>
@@ -290,7 +298,8 @@
           <a:p>
             <a:fld id="{264220FB-8DE8-4120-B22F-61CCAE7E7B32}" type="datetimeFigureOut">
               <a:rPr lang="zh-CN" altLang="en-US" smtClean="0"/>
-              <a:t>2016/8/28</a:t>
+              <a:pPr/>
+              <a:t>2016/9/8</a:t>
             </a:fld>
             <a:endParaRPr lang="zh-CN" altLang="en-US"/>
           </a:p>
@@ -332,6 +341,7 @@
           <a:p>
             <a:fld id="{A6180A65-5293-442E-93AB-FDB6D2B4B30C}" type="slidenum">
               <a:rPr lang="zh-CN" altLang="en-US" smtClean="0"/>
+              <a:pPr/>
               <a:t>‹#›</a:t>
             </a:fld>
             <a:endParaRPr lang="zh-CN" altLang="en-US"/>
@@ -341,7 +351,7 @@
     </p:spTree>
     <p:extLst>
       <p:ext uri="{BB962C8B-B14F-4D97-AF65-F5344CB8AC3E}">
-        <p14:creationId xmlns:p14="http://schemas.microsoft.com/office/powerpoint/2010/main" val="894816957"/>
+        <p14:creationId xmlns:p14="http://schemas.microsoft.com/office/powerpoint/2010/main" xmlns="" val="894816957"/>
       </p:ext>
     </p:extLst>
   </p:cSld>
@@ -460,7 +470,8 @@
           <a:p>
             <a:fld id="{264220FB-8DE8-4120-B22F-61CCAE7E7B32}" type="datetimeFigureOut">
               <a:rPr lang="zh-CN" altLang="en-US" smtClean="0"/>
-              <a:t>2016/8/28</a:t>
+              <a:pPr/>
+              <a:t>2016/9/8</a:t>
             </a:fld>
             <a:endParaRPr lang="zh-CN" altLang="en-US"/>
           </a:p>
@@ -502,6 +513,7 @@
           <a:p>
             <a:fld id="{A6180A65-5293-442E-93AB-FDB6D2B4B30C}" type="slidenum">
               <a:rPr lang="zh-CN" altLang="en-US" smtClean="0"/>
+              <a:pPr/>
               <a:t>‹#›</a:t>
             </a:fld>
             <a:endParaRPr lang="zh-CN" altLang="en-US"/>
@@ -511,7 +523,7 @@
     </p:spTree>
     <p:extLst>
       <p:ext uri="{BB962C8B-B14F-4D97-AF65-F5344CB8AC3E}">
-        <p14:creationId xmlns:p14="http://schemas.microsoft.com/office/powerpoint/2010/main" val="1827701581"/>
+        <p14:creationId xmlns:p14="http://schemas.microsoft.com/office/powerpoint/2010/main" xmlns="" val="1827701581"/>
       </p:ext>
     </p:extLst>
   </p:cSld>
@@ -640,7 +652,8 @@
           <a:p>
             <a:fld id="{264220FB-8DE8-4120-B22F-61CCAE7E7B32}" type="datetimeFigureOut">
               <a:rPr lang="zh-CN" altLang="en-US" smtClean="0"/>
-              <a:t>2016/8/28</a:t>
+              <a:pPr/>
+              <a:t>2016/9/8</a:t>
             </a:fld>
             <a:endParaRPr lang="zh-CN" altLang="en-US"/>
           </a:p>
@@ -682,6 +695,7 @@
           <a:p>
             <a:fld id="{A6180A65-5293-442E-93AB-FDB6D2B4B30C}" type="slidenum">
               <a:rPr lang="zh-CN" altLang="en-US" smtClean="0"/>
+              <a:pPr/>
               <a:t>‹#›</a:t>
             </a:fld>
             <a:endParaRPr lang="zh-CN" altLang="en-US"/>
@@ -691,7 +705,7 @@
     </p:spTree>
     <p:extLst>
       <p:ext uri="{BB962C8B-B14F-4D97-AF65-F5344CB8AC3E}">
-        <p14:creationId xmlns:p14="http://schemas.microsoft.com/office/powerpoint/2010/main" val="528678638"/>
+        <p14:creationId xmlns:p14="http://schemas.microsoft.com/office/powerpoint/2010/main" xmlns="" val="528678638"/>
       </p:ext>
     </p:extLst>
   </p:cSld>
@@ -810,7 +824,8 @@
           <a:p>
             <a:fld id="{264220FB-8DE8-4120-B22F-61CCAE7E7B32}" type="datetimeFigureOut">
               <a:rPr lang="zh-CN" altLang="en-US" smtClean="0"/>
-              <a:t>2016/8/28</a:t>
+              <a:pPr/>
+              <a:t>2016/9/8</a:t>
             </a:fld>
             <a:endParaRPr lang="zh-CN" altLang="en-US"/>
           </a:p>
@@ -852,6 +867,7 @@
           <a:p>
             <a:fld id="{A6180A65-5293-442E-93AB-FDB6D2B4B30C}" type="slidenum">
               <a:rPr lang="zh-CN" altLang="en-US" smtClean="0"/>
+              <a:pPr/>
               <a:t>‹#›</a:t>
             </a:fld>
             <a:endParaRPr lang="zh-CN" altLang="en-US"/>
@@ -861,7 +877,7 @@
     </p:spTree>
     <p:extLst>
       <p:ext uri="{BB962C8B-B14F-4D97-AF65-F5344CB8AC3E}">
-        <p14:creationId xmlns:p14="http://schemas.microsoft.com/office/powerpoint/2010/main" val="2117736709"/>
+        <p14:creationId xmlns:p14="http://schemas.microsoft.com/office/powerpoint/2010/main" xmlns="" val="2117736709"/>
       </p:ext>
     </p:extLst>
   </p:cSld>
@@ -1056,7 +1072,8 @@
           <a:p>
             <a:fld id="{264220FB-8DE8-4120-B22F-61CCAE7E7B32}" type="datetimeFigureOut">
               <a:rPr lang="zh-CN" altLang="en-US" smtClean="0"/>
-              <a:t>2016/8/28</a:t>
+              <a:pPr/>
+              <a:t>2016/9/8</a:t>
             </a:fld>
             <a:endParaRPr lang="zh-CN" altLang="en-US"/>
           </a:p>
@@ -1098,6 +1115,7 @@
           <a:p>
             <a:fld id="{A6180A65-5293-442E-93AB-FDB6D2B4B30C}" type="slidenum">
               <a:rPr lang="zh-CN" altLang="en-US" smtClean="0"/>
+              <a:pPr/>
               <a:t>‹#›</a:t>
             </a:fld>
             <a:endParaRPr lang="zh-CN" altLang="en-US"/>
@@ -1107,7 +1125,7 @@
     </p:spTree>
     <p:extLst>
       <p:ext uri="{BB962C8B-B14F-4D97-AF65-F5344CB8AC3E}">
-        <p14:creationId xmlns:p14="http://schemas.microsoft.com/office/powerpoint/2010/main" val="681259305"/>
+        <p14:creationId xmlns:p14="http://schemas.microsoft.com/office/powerpoint/2010/main" xmlns="" val="681259305"/>
       </p:ext>
     </p:extLst>
   </p:cSld>
@@ -1288,7 +1306,8 @@
           <a:p>
             <a:fld id="{264220FB-8DE8-4120-B22F-61CCAE7E7B32}" type="datetimeFigureOut">
               <a:rPr lang="zh-CN" altLang="en-US" smtClean="0"/>
-              <a:t>2016/8/28</a:t>
+              <a:pPr/>
+              <a:t>2016/9/8</a:t>
             </a:fld>
             <a:endParaRPr lang="zh-CN" altLang="en-US"/>
           </a:p>
@@ -1330,6 +1349,7 @@
           <a:p>
             <a:fld id="{A6180A65-5293-442E-93AB-FDB6D2B4B30C}" type="slidenum">
               <a:rPr lang="zh-CN" altLang="en-US" smtClean="0"/>
+              <a:pPr/>
               <a:t>‹#›</a:t>
             </a:fld>
             <a:endParaRPr lang="zh-CN" altLang="en-US"/>
@@ -1339,7 +1359,7 @@
     </p:spTree>
     <p:extLst>
       <p:ext uri="{BB962C8B-B14F-4D97-AF65-F5344CB8AC3E}">
-        <p14:creationId xmlns:p14="http://schemas.microsoft.com/office/powerpoint/2010/main" val="2754062993"/>
+        <p14:creationId xmlns:p14="http://schemas.microsoft.com/office/powerpoint/2010/main" xmlns="" val="2754062993"/>
       </p:ext>
     </p:extLst>
   </p:cSld>
@@ -1655,7 +1675,8 @@
           <a:p>
             <a:fld id="{264220FB-8DE8-4120-B22F-61CCAE7E7B32}" type="datetimeFigureOut">
               <a:rPr lang="zh-CN" altLang="en-US" smtClean="0"/>
-              <a:t>2016/8/28</a:t>
+              <a:pPr/>
+              <a:t>2016/9/8</a:t>
             </a:fld>
             <a:endParaRPr lang="zh-CN" altLang="en-US"/>
           </a:p>
@@ -1697,6 +1718,7 @@
           <a:p>
             <a:fld id="{A6180A65-5293-442E-93AB-FDB6D2B4B30C}" type="slidenum">
               <a:rPr lang="zh-CN" altLang="en-US" smtClean="0"/>
+              <a:pPr/>
               <a:t>‹#›</a:t>
             </a:fld>
             <a:endParaRPr lang="zh-CN" altLang="en-US"/>
@@ -1706,7 +1728,7 @@
     </p:spTree>
     <p:extLst>
       <p:ext uri="{BB962C8B-B14F-4D97-AF65-F5344CB8AC3E}">
-        <p14:creationId xmlns:p14="http://schemas.microsoft.com/office/powerpoint/2010/main" val="3023545688"/>
+        <p14:creationId xmlns:p14="http://schemas.microsoft.com/office/powerpoint/2010/main" xmlns="" val="3023545688"/>
       </p:ext>
     </p:extLst>
   </p:cSld>
@@ -1773,7 +1795,8 @@
           <a:p>
             <a:fld id="{264220FB-8DE8-4120-B22F-61CCAE7E7B32}" type="datetimeFigureOut">
               <a:rPr lang="zh-CN" altLang="en-US" smtClean="0"/>
-              <a:t>2016/8/28</a:t>
+              <a:pPr/>
+              <a:t>2016/9/8</a:t>
             </a:fld>
             <a:endParaRPr lang="zh-CN" altLang="en-US"/>
           </a:p>
@@ -1815,6 +1838,7 @@
           <a:p>
             <a:fld id="{A6180A65-5293-442E-93AB-FDB6D2B4B30C}" type="slidenum">
               <a:rPr lang="zh-CN" altLang="en-US" smtClean="0"/>
+              <a:pPr/>
               <a:t>‹#›</a:t>
             </a:fld>
             <a:endParaRPr lang="zh-CN" altLang="en-US"/>
@@ -1824,7 +1848,7 @@
     </p:spTree>
     <p:extLst>
       <p:ext uri="{BB962C8B-B14F-4D97-AF65-F5344CB8AC3E}">
-        <p14:creationId xmlns:p14="http://schemas.microsoft.com/office/powerpoint/2010/main" val="506046982"/>
+        <p14:creationId xmlns:p14="http://schemas.microsoft.com/office/powerpoint/2010/main" xmlns="" val="506046982"/>
       </p:ext>
     </p:extLst>
   </p:cSld>
@@ -1868,7 +1892,8 @@
           <a:p>
             <a:fld id="{264220FB-8DE8-4120-B22F-61CCAE7E7B32}" type="datetimeFigureOut">
               <a:rPr lang="zh-CN" altLang="en-US" smtClean="0"/>
-              <a:t>2016/8/28</a:t>
+              <a:pPr/>
+              <a:t>2016/9/8</a:t>
             </a:fld>
             <a:endParaRPr lang="zh-CN" altLang="en-US"/>
           </a:p>
@@ -1910,6 +1935,7 @@
           <a:p>
             <a:fld id="{A6180A65-5293-442E-93AB-FDB6D2B4B30C}" type="slidenum">
               <a:rPr lang="zh-CN" altLang="en-US" smtClean="0"/>
+              <a:pPr/>
               <a:t>‹#›</a:t>
             </a:fld>
             <a:endParaRPr lang="zh-CN" altLang="en-US"/>
@@ -1919,7 +1945,7 @@
     </p:spTree>
     <p:extLst>
       <p:ext uri="{BB962C8B-B14F-4D97-AF65-F5344CB8AC3E}">
-        <p14:creationId xmlns:p14="http://schemas.microsoft.com/office/powerpoint/2010/main" val="2664167585"/>
+        <p14:creationId xmlns:p14="http://schemas.microsoft.com/office/powerpoint/2010/main" xmlns="" val="2664167585"/>
       </p:ext>
     </p:extLst>
   </p:cSld>
@@ -2145,7 +2171,8 @@
           <a:p>
             <a:fld id="{264220FB-8DE8-4120-B22F-61CCAE7E7B32}" type="datetimeFigureOut">
               <a:rPr lang="zh-CN" altLang="en-US" smtClean="0"/>
-              <a:t>2016/8/28</a:t>
+              <a:pPr/>
+              <a:t>2016/9/8</a:t>
             </a:fld>
             <a:endParaRPr lang="zh-CN" altLang="en-US"/>
           </a:p>
@@ -2187,6 +2214,7 @@
           <a:p>
             <a:fld id="{A6180A65-5293-442E-93AB-FDB6D2B4B30C}" type="slidenum">
               <a:rPr lang="zh-CN" altLang="en-US" smtClean="0"/>
+              <a:pPr/>
               <a:t>‹#›</a:t>
             </a:fld>
             <a:endParaRPr lang="zh-CN" altLang="en-US"/>
@@ -2196,7 +2224,7 @@
     </p:spTree>
     <p:extLst>
       <p:ext uri="{BB962C8B-B14F-4D97-AF65-F5344CB8AC3E}">
-        <p14:creationId xmlns:p14="http://schemas.microsoft.com/office/powerpoint/2010/main" val="3261370019"/>
+        <p14:creationId xmlns:p14="http://schemas.microsoft.com/office/powerpoint/2010/main" xmlns="" val="3261370019"/>
       </p:ext>
     </p:extLst>
   </p:cSld>
@@ -2398,7 +2426,8 @@
           <a:p>
             <a:fld id="{264220FB-8DE8-4120-B22F-61CCAE7E7B32}" type="datetimeFigureOut">
               <a:rPr lang="zh-CN" altLang="en-US" smtClean="0"/>
-              <a:t>2016/8/28</a:t>
+              <a:pPr/>
+              <a:t>2016/9/8</a:t>
             </a:fld>
             <a:endParaRPr lang="zh-CN" altLang="en-US"/>
           </a:p>
@@ -2440,6 +2469,7 @@
           <a:p>
             <a:fld id="{A6180A65-5293-442E-93AB-FDB6D2B4B30C}" type="slidenum">
               <a:rPr lang="zh-CN" altLang="en-US" smtClean="0"/>
+              <a:pPr/>
               <a:t>‹#›</a:t>
             </a:fld>
             <a:endParaRPr lang="zh-CN" altLang="en-US"/>
@@ -2449,7 +2479,7 @@
     </p:spTree>
     <p:extLst>
       <p:ext uri="{BB962C8B-B14F-4D97-AF65-F5344CB8AC3E}">
-        <p14:creationId xmlns:p14="http://schemas.microsoft.com/office/powerpoint/2010/main" val="3800074799"/>
+        <p14:creationId xmlns:p14="http://schemas.microsoft.com/office/powerpoint/2010/main" xmlns="" val="3800074799"/>
       </p:ext>
     </p:extLst>
   </p:cSld>
@@ -2614,7 +2644,8 @@
           <a:p>
             <a:fld id="{264220FB-8DE8-4120-B22F-61CCAE7E7B32}" type="datetimeFigureOut">
               <a:rPr lang="zh-CN" altLang="en-US" smtClean="0"/>
-              <a:t>2016/8/28</a:t>
+              <a:pPr/>
+              <a:t>2016/9/8</a:t>
             </a:fld>
             <a:endParaRPr lang="zh-CN" altLang="en-US"/>
           </a:p>
@@ -2692,6 +2723,7 @@
           <a:p>
             <a:fld id="{A6180A65-5293-442E-93AB-FDB6D2B4B30C}" type="slidenum">
               <a:rPr lang="zh-CN" altLang="en-US" smtClean="0"/>
+              <a:pPr/>
               <a:t>‹#›</a:t>
             </a:fld>
             <a:endParaRPr lang="zh-CN" altLang="en-US"/>
@@ -2701,7 +2733,7 @@
     </p:spTree>
     <p:extLst>
       <p:ext uri="{BB962C8B-B14F-4D97-AF65-F5344CB8AC3E}">
-        <p14:creationId xmlns:p14="http://schemas.microsoft.com/office/powerpoint/2010/main" val="275273748"/>
+        <p14:creationId xmlns:p14="http://schemas.microsoft.com/office/powerpoint/2010/main" xmlns="" val="275273748"/>
       </p:ext>
     </p:extLst>
   </p:cSld>
@@ -3031,7 +3063,7 @@
           <a:blip r:embed="rId2" cstate="print">
             <a:extLst>
               <a:ext uri="{28A0092B-C50C-407E-A947-70E740481C1C}">
-                <a14:useLocalDpi xmlns:a14="http://schemas.microsoft.com/office/drawing/2010/main" val="0"/>
+                <a14:useLocalDpi xmlns:a14="http://schemas.microsoft.com/office/drawing/2010/main" xmlns="" val="0"/>
               </a:ext>
             </a:extLst>
           </a:blip>
@@ -3080,17 +3112,7 @@
                 <a:latin typeface="微软雅黑" panose="020B0503020204020204" pitchFamily="34" charset="-122"/>
                 <a:ea typeface="微软雅黑" panose="020B0503020204020204" pitchFamily="34" charset="-122"/>
               </a:rPr>
-              <a:t>ROAS 2016</a:t>
-            </a:r>
-            <a:r>
-              <a:rPr lang="en-US" altLang="zh-CN" sz="1200" dirty="0" smtClean="0">
-                <a:solidFill>
-                  <a:schemeClr val="bg1"/>
-                </a:solidFill>
-                <a:latin typeface="微软雅黑" panose="020B0503020204020204" pitchFamily="34" charset="-122"/>
-                <a:ea typeface="微软雅黑" panose="020B0503020204020204" pitchFamily="34" charset="-122"/>
-              </a:rPr>
-              <a:t>/8/28</a:t>
+              <a:t>ROAS 2016/8/28</a:t>
             </a:r>
             <a:endParaRPr lang="zh-CN" altLang="en-US" sz="1200" dirty="0">
               <a:solidFill>
@@ -3313,20 +3335,20 @@
     </p:spTree>
     <p:extLst>
       <p:ext uri="{BB962C8B-B14F-4D97-AF65-F5344CB8AC3E}">
-        <p14:creationId xmlns:p14="http://schemas.microsoft.com/office/powerpoint/2010/main" val="2354439040"/>
+        <p14:creationId xmlns:p14="http://schemas.microsoft.com/office/powerpoint/2010/main" xmlns="" val="2354439040"/>
       </p:ext>
     </p:extLst>
   </p:cSld>
   <p:clrMapOvr>
     <a:masterClrMapping/>
   </p:clrMapOvr>
-  <mc:AlternateContent xmlns:mc="http://schemas.openxmlformats.org/markup-compatibility/2006" xmlns:p15="http://schemas.microsoft.com/office/powerpoint/2012/main">
-    <mc:Choice Requires="p15">
+  <mc:AlternateContent xmlns:mc="http://schemas.openxmlformats.org/markup-compatibility/2006">
+    <mc:Choice xmlns:p15="http://schemas.microsoft.com/office/powerpoint/2012/main" xmlns="" Requires="p15">
       <p:transition xmlns:p14="http://schemas.microsoft.com/office/powerpoint/2010/main" spd="slow" p14:dur="2000">
         <p15:prstTrans prst="drape"/>
       </p:transition>
     </mc:Choice>
-    <mc:Fallback xmlns="">
+    <mc:Fallback>
       <p:transition spd="slow">
         <p:fade/>
       </p:transition>
@@ -3371,7 +3393,7 @@
           <a:blip r:embed="rId2">
             <a:extLst>
               <a:ext uri="{28A0092B-C50C-407E-A947-70E740481C1C}">
-                <a14:useLocalDpi xmlns:a14="http://schemas.microsoft.com/office/drawing/2010/main" val="0"/>
+                <a14:useLocalDpi xmlns:a14="http://schemas.microsoft.com/office/drawing/2010/main" xmlns="" val="0"/>
               </a:ext>
             </a:extLst>
           </a:blip>
@@ -3467,17 +3489,7 @@
                 <a:latin typeface="苹方 细体" panose="020B0200000000000000" pitchFamily="34" charset="-122"/>
                 <a:ea typeface="苹方 细体" panose="020B0200000000000000" pitchFamily="34" charset="-122"/>
               </a:rPr>
-              <a:t>             </a:t>
-            </a:r>
-            <a:r>
-              <a:rPr lang="zh-CN" altLang="en-US" sz="2400" dirty="0" smtClean="0">
-                <a:solidFill>
-                  <a:schemeClr val="bg1"/>
-                </a:solidFill>
-                <a:latin typeface="苹方 细体" panose="020B0200000000000000" pitchFamily="34" charset="-122"/>
-                <a:ea typeface="苹方 细体" panose="020B0200000000000000" pitchFamily="34" charset="-122"/>
-              </a:rPr>
-              <a:t>表结构设计</a:t>
+              <a:t>             表结构设计</a:t>
             </a:r>
             <a:endParaRPr lang="zh-CN" altLang="en-US" sz="2400" dirty="0">
               <a:solidFill>
@@ -3926,7 +3938,7 @@
     </p:spTree>
     <p:extLst>
       <p:ext uri="{BB962C8B-B14F-4D97-AF65-F5344CB8AC3E}">
-        <p14:creationId xmlns:p14="http://schemas.microsoft.com/office/powerpoint/2010/main" val="304883530"/>
+        <p14:creationId xmlns:p14="http://schemas.microsoft.com/office/powerpoint/2010/main" xmlns="" val="304883530"/>
       </p:ext>
     </p:extLst>
   </p:cSld>
@@ -3934,7 +3946,7 @@
     <a:masterClrMapping/>
   </p:clrMapOvr>
   <mc:AlternateContent xmlns:mc="http://schemas.openxmlformats.org/markup-compatibility/2006">
-    <mc:Choice xmlns:p14="http://schemas.microsoft.com/office/powerpoint/2010/main" Requires="p14">
+    <mc:Choice xmlns:p14="http://schemas.microsoft.com/office/powerpoint/2010/main" xmlns="" Requires="p14">
       <p:transition spd="slow" p14:dur="2500" advClick="0">
         <p:checker/>
       </p:transition>
@@ -3984,7 +3996,7 @@
           <a:blip r:embed="rId2">
             <a:extLst>
               <a:ext uri="{28A0092B-C50C-407E-A947-70E740481C1C}">
-                <a14:useLocalDpi xmlns:a14="http://schemas.microsoft.com/office/drawing/2010/main" val="0"/>
+                <a14:useLocalDpi xmlns:a14="http://schemas.microsoft.com/office/drawing/2010/main" xmlns="" val="0"/>
               </a:ext>
             </a:extLst>
           </a:blip>
@@ -4080,17 +4092,7 @@
                 <a:latin typeface="苹方 细体" panose="020B0200000000000000" pitchFamily="34" charset="-122"/>
                 <a:ea typeface="苹方 细体" panose="020B0200000000000000" pitchFamily="34" charset="-122"/>
               </a:rPr>
-              <a:t>             </a:t>
-            </a:r>
-            <a:r>
-              <a:rPr lang="zh-CN" altLang="en-US" sz="2400" dirty="0" smtClean="0">
-                <a:solidFill>
-                  <a:schemeClr val="bg1"/>
-                </a:solidFill>
-                <a:latin typeface="苹方 细体" panose="020B0200000000000000" pitchFamily="34" charset="-122"/>
-                <a:ea typeface="苹方 细体" panose="020B0200000000000000" pitchFamily="34" charset="-122"/>
-              </a:rPr>
-              <a:t>表结构设计</a:t>
+              <a:t>             表结构设计</a:t>
             </a:r>
             <a:endParaRPr lang="zh-CN" altLang="en-US" sz="2400" dirty="0">
               <a:solidFill>
@@ -4230,7 +4232,7 @@
     </p:spTree>
     <p:extLst>
       <p:ext uri="{BB962C8B-B14F-4D97-AF65-F5344CB8AC3E}">
-        <p14:creationId xmlns:p14="http://schemas.microsoft.com/office/powerpoint/2010/main" val="4203493762"/>
+        <p14:creationId xmlns:p14="http://schemas.microsoft.com/office/powerpoint/2010/main" xmlns="" val="4203493762"/>
       </p:ext>
     </p:extLst>
   </p:cSld>
@@ -4238,7 +4240,7 @@
     <a:masterClrMapping/>
   </p:clrMapOvr>
   <mc:AlternateContent xmlns:mc="http://schemas.openxmlformats.org/markup-compatibility/2006">
-    <mc:Choice xmlns:p14="http://schemas.microsoft.com/office/powerpoint/2010/main" Requires="p14">
+    <mc:Choice xmlns:p14="http://schemas.microsoft.com/office/powerpoint/2010/main" xmlns="" Requires="p14">
       <p:transition spd="slow" p14:dur="2500" advClick="0">
         <p:checker/>
       </p:transition>
@@ -4288,7 +4290,7 @@
           <a:blip r:embed="rId2">
             <a:extLst>
               <a:ext uri="{28A0092B-C50C-407E-A947-70E740481C1C}">
-                <a14:useLocalDpi xmlns:a14="http://schemas.microsoft.com/office/drawing/2010/main" val="0"/>
+                <a14:useLocalDpi xmlns:a14="http://schemas.microsoft.com/office/drawing/2010/main" xmlns="" val="0"/>
               </a:ext>
             </a:extLst>
           </a:blip>
@@ -4630,6 +4632,26 @@
                 <a:latin typeface="微软雅黑" panose="020B0503020204020204" pitchFamily="34" charset="-122"/>
                 <a:ea typeface="微软雅黑" panose="020B0503020204020204" pitchFamily="34" charset="-122"/>
               </a:rPr>
+              <a:t>、</a:t>
+            </a:r>
+            <a:r>
+              <a:rPr lang="en-US" altLang="zh-CN" sz="4400" dirty="0" smtClean="0">
+                <a:solidFill>
+                  <a:schemeClr val="bg1"/>
+                </a:solidFill>
+                <a:latin typeface="微软雅黑" panose="020B0503020204020204" pitchFamily="34" charset="-122"/>
+                <a:ea typeface="微软雅黑" panose="020B0503020204020204" pitchFamily="34" charset="-122"/>
+              </a:rPr>
+              <a:t>DML</a:t>
+            </a:r>
+            <a:r>
+              <a:rPr lang="zh-CN" altLang="en-US" sz="4400" dirty="0" smtClean="0">
+                <a:solidFill>
+                  <a:schemeClr val="bg1"/>
+                </a:solidFill>
+                <a:latin typeface="微软雅黑" panose="020B0503020204020204" pitchFamily="34" charset="-122"/>
+                <a:ea typeface="微软雅黑" panose="020B0503020204020204" pitchFamily="34" charset="-122"/>
+              </a:rPr>
               <a:t>操作</a:t>
             </a:r>
             <a:endParaRPr lang="zh-CN" altLang="en-US" sz="4400" dirty="0">
@@ -4688,20 +4710,20 @@
     </p:spTree>
     <p:extLst>
       <p:ext uri="{BB962C8B-B14F-4D97-AF65-F5344CB8AC3E}">
-        <p14:creationId xmlns:p14="http://schemas.microsoft.com/office/powerpoint/2010/main" val="433162609"/>
+        <p14:creationId xmlns:p14="http://schemas.microsoft.com/office/powerpoint/2010/main" xmlns="" val="433162609"/>
       </p:ext>
     </p:extLst>
   </p:cSld>
   <p:clrMapOvr>
     <a:masterClrMapping/>
   </p:clrMapOvr>
-  <mc:AlternateContent xmlns:mc="http://schemas.openxmlformats.org/markup-compatibility/2006" xmlns:p15="http://schemas.microsoft.com/office/powerpoint/2012/main">
-    <mc:Choice Requires="p15">
+  <mc:AlternateContent xmlns:mc="http://schemas.openxmlformats.org/markup-compatibility/2006">
+    <mc:Choice xmlns:p15="http://schemas.microsoft.com/office/powerpoint/2012/main" xmlns="" Requires="p15">
       <p:transition xmlns:p14="http://schemas.microsoft.com/office/powerpoint/2010/main" spd="slow" p14:dur="1250" advClick="0">
         <p15:prstTrans prst="pageCurlDouble"/>
       </p:transition>
     </mc:Choice>
-    <mc:Fallback xmlns="">
+    <mc:Fallback>
       <p:transition spd="slow" advClick="0">
         <p:fade/>
       </p:transition>
@@ -4746,7 +4768,7 @@
           <a:blip r:embed="rId2">
             <a:extLst>
               <a:ext uri="{28A0092B-C50C-407E-A947-70E740481C1C}">
-                <a14:useLocalDpi xmlns:a14="http://schemas.microsoft.com/office/drawing/2010/main" val="0"/>
+                <a14:useLocalDpi xmlns:a14="http://schemas.microsoft.com/office/drawing/2010/main" xmlns="" val="0"/>
               </a:ext>
             </a:extLst>
           </a:blip>
@@ -5018,23 +5040,13 @@
               </a:rPr>
               <a:t>：</a:t>
             </a:r>
-            <a:endParaRPr lang="zh-CN" altLang="en-US" dirty="0">
-              <a:solidFill>
-                <a:schemeClr val="tx1">
-                  <a:lumMod val="75000"/>
-                  <a:lumOff val="25000"/>
-                </a:schemeClr>
-              </a:solidFill>
-              <a:latin typeface="微软雅黑" panose="020B0503020204020204" pitchFamily="34" charset="-122"/>
-              <a:ea typeface="微软雅黑" panose="020B0503020204020204" pitchFamily="34" charset="-122"/>
-            </a:endParaRPr>
           </a:p>
         </p:txBody>
       </p:sp>
     </p:spTree>
     <p:extLst>
       <p:ext uri="{BB962C8B-B14F-4D97-AF65-F5344CB8AC3E}">
-        <p14:creationId xmlns:p14="http://schemas.microsoft.com/office/powerpoint/2010/main" val="80938560"/>
+        <p14:creationId xmlns:p14="http://schemas.microsoft.com/office/powerpoint/2010/main" xmlns="" val="80938560"/>
       </p:ext>
     </p:extLst>
   </p:cSld>
@@ -5042,7 +5054,7 @@
     <a:masterClrMapping/>
   </p:clrMapOvr>
   <mc:AlternateContent xmlns:mc="http://schemas.openxmlformats.org/markup-compatibility/2006">
-    <mc:Choice xmlns:p14="http://schemas.microsoft.com/office/powerpoint/2010/main" Requires="p14">
+    <mc:Choice xmlns:p14="http://schemas.microsoft.com/office/powerpoint/2010/main" xmlns="" Requires="p14">
       <p:transition spd="slow" p14:dur="2500" advClick="0">
         <p:checker/>
       </p:transition>
@@ -5092,7 +5104,7 @@
           <a:blip r:embed="rId2">
             <a:extLst>
               <a:ext uri="{28A0092B-C50C-407E-A947-70E740481C1C}">
-                <a14:useLocalDpi xmlns:a14="http://schemas.microsoft.com/office/drawing/2010/main" val="0"/>
+                <a14:useLocalDpi xmlns:a14="http://schemas.microsoft.com/office/drawing/2010/main" xmlns="" val="0"/>
               </a:ext>
             </a:extLst>
           </a:blip>
@@ -5531,23 +5543,13 @@
               </a:rPr>
               <a:t>：</a:t>
             </a:r>
-            <a:endParaRPr lang="zh-CN" altLang="en-US" dirty="0">
-              <a:solidFill>
-                <a:schemeClr val="tx1">
-                  <a:lumMod val="75000"/>
-                  <a:lumOff val="25000"/>
-                </a:schemeClr>
-              </a:solidFill>
-              <a:latin typeface="微软雅黑" panose="020B0503020204020204" pitchFamily="34" charset="-122"/>
-              <a:ea typeface="微软雅黑" panose="020B0503020204020204" pitchFamily="34" charset="-122"/>
-            </a:endParaRPr>
           </a:p>
         </p:txBody>
       </p:sp>
     </p:spTree>
     <p:extLst>
       <p:ext uri="{BB962C8B-B14F-4D97-AF65-F5344CB8AC3E}">
-        <p14:creationId xmlns:p14="http://schemas.microsoft.com/office/powerpoint/2010/main" val="2444322559"/>
+        <p14:creationId xmlns:p14="http://schemas.microsoft.com/office/powerpoint/2010/main" xmlns="" val="2444322559"/>
       </p:ext>
     </p:extLst>
   </p:cSld>
@@ -5555,7 +5557,7 @@
     <a:masterClrMapping/>
   </p:clrMapOvr>
   <mc:AlternateContent xmlns:mc="http://schemas.openxmlformats.org/markup-compatibility/2006">
-    <mc:Choice xmlns:p14="http://schemas.microsoft.com/office/powerpoint/2010/main" Requires="p14">
+    <mc:Choice xmlns:p14="http://schemas.microsoft.com/office/powerpoint/2010/main" xmlns="" Requires="p14">
       <p:transition spd="slow" p14:dur="2500" advClick="0">
         <p:checker/>
       </p:transition>
@@ -5605,7 +5607,7 @@
           <a:blip r:embed="rId2">
             <a:extLst>
               <a:ext uri="{28A0092B-C50C-407E-A947-70E740481C1C}">
-                <a14:useLocalDpi xmlns:a14="http://schemas.microsoft.com/office/drawing/2010/main" val="0"/>
+                <a14:useLocalDpi xmlns:a14="http://schemas.microsoft.com/office/drawing/2010/main" xmlns="" val="0"/>
               </a:ext>
             </a:extLst>
           </a:blip>
@@ -5877,16 +5879,6 @@
               </a:rPr>
               <a:t>：</a:t>
             </a:r>
-            <a:endParaRPr lang="zh-CN" altLang="en-US" dirty="0">
-              <a:solidFill>
-                <a:schemeClr val="tx1">
-                  <a:lumMod val="75000"/>
-                  <a:lumOff val="25000"/>
-                </a:schemeClr>
-              </a:solidFill>
-              <a:latin typeface="微软雅黑" panose="020B0503020204020204" pitchFamily="34" charset="-122"/>
-              <a:ea typeface="微软雅黑" panose="020B0503020204020204" pitchFamily="34" charset="-122"/>
-            </a:endParaRPr>
           </a:p>
         </p:txBody>
       </p:sp>
@@ -5953,34 +5945,10 @@
                 <a:latin typeface="微软雅黑" panose="020B0503020204020204" pitchFamily="34" charset="-122"/>
                 <a:ea typeface="微软雅黑" panose="020B0503020204020204" pitchFamily="34" charset="-122"/>
               </a:rPr>
-              <a:t>disable </a:t>
-            </a:r>
-            <a:r>
-              <a:rPr lang="en-US" altLang="zh-CN" dirty="0">
-                <a:solidFill>
-                  <a:schemeClr val="tx1">
-                    <a:lumMod val="75000"/>
-                    <a:lumOff val="25000"/>
-                  </a:schemeClr>
-                </a:solidFill>
-                <a:latin typeface="微软雅黑" panose="020B0503020204020204" pitchFamily="34" charset="-122"/>
-                <a:ea typeface="微软雅黑" panose="020B0503020204020204" pitchFamily="34" charset="-122"/>
-              </a:rPr>
-              <a:t>‘table'</a:t>
-            </a:r>
-            <a:r>
-              <a:rPr lang="en-US" altLang="zh-CN" dirty="0">
-                <a:solidFill>
-                  <a:schemeClr val="tx1">
-                    <a:lumMod val="75000"/>
-                    <a:lumOff val="25000"/>
-                  </a:schemeClr>
-                </a:solidFill>
-                <a:latin typeface="微软雅黑" panose="020B0503020204020204" pitchFamily="34" charset="-122"/>
-                <a:ea typeface="微软雅黑" panose="020B0503020204020204" pitchFamily="34" charset="-122"/>
-              </a:rPr>
-              <a:t>      </a:t>
-            </a:r>
+              <a:t>disable ‘table'      </a:t>
+            </a:r>
+          </a:p>
+          <a:p>
             <a:endParaRPr lang="en-US" altLang="zh-CN" dirty="0">
               <a:solidFill>
                 <a:schemeClr val="tx1">
@@ -5993,18 +5961,6 @@
             </a:endParaRPr>
           </a:p>
           <a:p>
-            <a:endParaRPr lang="en-US" altLang="zh-CN" dirty="0">
-              <a:solidFill>
-                <a:schemeClr val="tx1">
-                  <a:lumMod val="75000"/>
-                  <a:lumOff val="25000"/>
-                </a:schemeClr>
-              </a:solidFill>
-              <a:latin typeface="微软雅黑" panose="020B0503020204020204" pitchFamily="34" charset="-122"/>
-              <a:ea typeface="微软雅黑" panose="020B0503020204020204" pitchFamily="34" charset="-122"/>
-            </a:endParaRPr>
-          </a:p>
-          <a:p>
             <a:r>
               <a:rPr lang="en-US" altLang="zh-CN" dirty="0">
                 <a:solidFill>
@@ -6016,20 +5972,7 @@
                 <a:latin typeface="微软雅黑" panose="020B0503020204020204" pitchFamily="34" charset="-122"/>
                 <a:ea typeface="微软雅黑" panose="020B0503020204020204" pitchFamily="34" charset="-122"/>
               </a:rPr>
-              <a:t>drop </a:t>
-            </a:r>
-            <a:r>
-              <a:rPr lang="en-US" altLang="zh-CN" dirty="0">
-                <a:solidFill>
-                  <a:schemeClr val="tx1">
-                    <a:lumMod val="75000"/>
-                    <a:lumOff val="25000"/>
-                  </a:schemeClr>
-                </a:solidFill>
-                <a:latin typeface="微软雅黑" panose="020B0503020204020204" pitchFamily="34" charset="-122"/>
-                <a:ea typeface="微软雅黑" panose="020B0503020204020204" pitchFamily="34" charset="-122"/>
-              </a:rPr>
-              <a:t>‘table'</a:t>
+              <a:t>drop ‘table'</a:t>
             </a:r>
             <a:endParaRPr lang="zh-CN" altLang="en-US" dirty="0">
               <a:solidFill>
@@ -6047,7 +5990,7 @@
     </p:spTree>
     <p:extLst>
       <p:ext uri="{BB962C8B-B14F-4D97-AF65-F5344CB8AC3E}">
-        <p14:creationId xmlns:p14="http://schemas.microsoft.com/office/powerpoint/2010/main" val="2942056220"/>
+        <p14:creationId xmlns:p14="http://schemas.microsoft.com/office/powerpoint/2010/main" xmlns="" val="2942056220"/>
       </p:ext>
     </p:extLst>
   </p:cSld>
@@ -6055,7 +5998,7 @@
     <a:masterClrMapping/>
   </p:clrMapOvr>
   <mc:AlternateContent xmlns:mc="http://schemas.openxmlformats.org/markup-compatibility/2006">
-    <mc:Choice xmlns:p14="http://schemas.microsoft.com/office/powerpoint/2010/main" Requires="p14">
+    <mc:Choice xmlns:p14="http://schemas.microsoft.com/office/powerpoint/2010/main" xmlns="" Requires="p14">
       <p:transition spd="slow" p14:dur="2500" advClick="0">
         <p:checker/>
       </p:transition>
@@ -6095,7 +6038,7 @@
       </p:grpSpPr>
       <p:pic>
         <p:nvPicPr>
-          <p:cNvPr id="6" name="图片 5"/>
+          <p:cNvPr id="83" name="图片 82"/>
           <p:cNvPicPr>
             <a:picLocks noChangeAspect="1"/>
           </p:cNvPicPr>
@@ -6105,7 +6048,7 @@
           <a:blip r:embed="rId2">
             <a:extLst>
               <a:ext uri="{28A0092B-C50C-407E-A947-70E740481C1C}">
-                <a14:useLocalDpi xmlns:a14="http://schemas.microsoft.com/office/drawing/2010/main" val="0"/>
+                <a14:useLocalDpi xmlns:a14="http://schemas.microsoft.com/office/drawing/2010/main" xmlns="" val="0"/>
               </a:ext>
             </a:extLst>
           </a:blip>
@@ -6125,25 +6068,26 @@
       </p:pic>
       <p:sp>
         <p:nvSpPr>
-          <p:cNvPr id="20" name="流程图: 卡片 19"/>
+          <p:cNvPr id="81" name="剪去单角的矩形 80"/>
           <p:cNvSpPr/>
           <p:nvPr/>
         </p:nvSpPr>
         <p:spPr>
-          <a:xfrm flipH="1" flipV="1">
-            <a:off x="5316920" y="2204305"/>
-            <a:ext cx="6875080" cy="2520000"/>
-          </a:xfrm>
-          <a:prstGeom prst="flowChartPunchedCard">
+          <a:xfrm flipV="1">
+            <a:off x="0" y="566671"/>
+            <a:ext cx="6120000" cy="540000"/>
+          </a:xfrm>
+          <a:prstGeom prst="snip1Rect">
             <a:avLst/>
           </a:prstGeom>
           <a:solidFill>
-            <a:srgbClr val="002060"/>
+            <a:schemeClr val="bg1">
+              <a:lumMod val="65000"/>
+            </a:schemeClr>
           </a:solidFill>
           <a:ln>
             <a:noFill/>
           </a:ln>
-          <a:effectLst/>
         </p:spPr>
         <p:style>
           <a:lnRef idx="2">
@@ -6172,321 +6116,57 @@
       </p:sp>
       <p:sp>
         <p:nvSpPr>
-          <p:cNvPr id="9" name="任意多边形 8"/>
-          <p:cNvSpPr/>
-          <p:nvPr/>
+          <p:cNvPr id="82" name="标题 1"/>
+          <p:cNvSpPr>
+            <a:spLocks noGrp="1"/>
+          </p:cNvSpPr>
+          <p:nvPr>
+            <p:ph type="title"/>
+          </p:nvPr>
         </p:nvSpPr>
         <p:spPr>
           <a:xfrm>
-            <a:off x="4430665" y="2190450"/>
-            <a:ext cx="720000" cy="2520000"/>
-          </a:xfrm>
-          <a:custGeom>
-            <a:avLst/>
-            <a:gdLst/>
-            <a:ahLst/>
-            <a:cxnLst/>
-            <a:rect l="l" t="t" r="r" b="b"/>
-            <a:pathLst>
-              <a:path w="720000" h="2520000">
-                <a:moveTo>
-                  <a:pt x="205714" y="109264"/>
-                </a:moveTo>
-                <a:cubicBezTo>
-                  <a:pt x="152694" y="109264"/>
-                  <a:pt x="102465" y="121356"/>
-                  <a:pt x="55026" y="145541"/>
-                </a:cubicBezTo>
-                <a:lnTo>
-                  <a:pt x="55026" y="432965"/>
-                </a:lnTo>
-                <a:cubicBezTo>
-                  <a:pt x="87582" y="420873"/>
-                  <a:pt x="114092" y="414827"/>
-                  <a:pt x="134556" y="414827"/>
-                </a:cubicBezTo>
-                <a:cubicBezTo>
-                  <a:pt x="181995" y="414827"/>
-                  <a:pt x="222457" y="437849"/>
-                  <a:pt x="255944" y="483892"/>
-                </a:cubicBezTo>
-                <a:cubicBezTo>
-                  <a:pt x="289430" y="529936"/>
-                  <a:pt x="306173" y="614815"/>
-                  <a:pt x="306173" y="738528"/>
-                </a:cubicBezTo>
-                <a:cubicBezTo>
-                  <a:pt x="306173" y="818523"/>
-                  <a:pt x="295011" y="892007"/>
-                  <a:pt x="272687" y="958980"/>
-                </a:cubicBezTo>
-                <a:cubicBezTo>
-                  <a:pt x="250363" y="1025952"/>
-                  <a:pt x="221295" y="1072228"/>
-                  <a:pt x="185483" y="1097808"/>
-                </a:cubicBezTo>
-                <a:cubicBezTo>
-                  <a:pt x="149671" y="1123388"/>
-                  <a:pt x="106185" y="1135713"/>
-                  <a:pt x="55026" y="1134783"/>
-                </a:cubicBezTo>
-                <a:lnTo>
-                  <a:pt x="55026" y="1387326"/>
-                </a:lnTo>
-                <a:cubicBezTo>
-                  <a:pt x="134091" y="1391976"/>
-                  <a:pt x="197110" y="1423370"/>
-                  <a:pt x="244084" y="1481506"/>
-                </a:cubicBezTo>
-                <a:cubicBezTo>
-                  <a:pt x="291058" y="1539642"/>
-                  <a:pt x="314545" y="1629636"/>
-                  <a:pt x="314545" y="1751489"/>
-                </a:cubicBezTo>
-                <a:cubicBezTo>
-                  <a:pt x="314545" y="1859390"/>
-                  <a:pt x="291988" y="1941943"/>
-                  <a:pt x="246874" y="1999148"/>
-                </a:cubicBezTo>
-                <a:cubicBezTo>
-                  <a:pt x="201761" y="2056354"/>
-                  <a:pt x="137811" y="2090538"/>
-                  <a:pt x="55026" y="2101700"/>
-                </a:cubicBezTo>
-                <a:lnTo>
-                  <a:pt x="55026" y="2419820"/>
-                </a:lnTo>
-                <a:cubicBezTo>
-                  <a:pt x="178739" y="2406798"/>
-                  <a:pt x="275477" y="2380753"/>
-                  <a:pt x="345241" y="2341686"/>
-                </a:cubicBezTo>
-                <a:cubicBezTo>
-                  <a:pt x="441049" y="2288666"/>
-                  <a:pt x="513602" y="2212159"/>
-                  <a:pt x="562902" y="2112165"/>
-                </a:cubicBezTo>
-                <a:cubicBezTo>
-                  <a:pt x="612201" y="2012171"/>
-                  <a:pt x="636851" y="1892876"/>
-                  <a:pt x="636851" y="1754280"/>
-                </a:cubicBezTo>
-                <a:cubicBezTo>
-                  <a:pt x="636851" y="1624985"/>
-                  <a:pt x="613596" y="1513829"/>
-                  <a:pt x="567087" y="1420812"/>
-                </a:cubicBezTo>
-                <a:cubicBezTo>
-                  <a:pt x="531741" y="1350118"/>
-                  <a:pt x="478721" y="1287332"/>
-                  <a:pt x="408027" y="1232451"/>
-                </a:cubicBezTo>
-                <a:cubicBezTo>
-                  <a:pt x="549414" y="1131062"/>
-                  <a:pt x="620107" y="956654"/>
-                  <a:pt x="620107" y="709227"/>
-                </a:cubicBezTo>
-                <a:cubicBezTo>
-                  <a:pt x="620107" y="513890"/>
-                  <a:pt x="578017" y="365062"/>
-                  <a:pt x="493836" y="262743"/>
-                </a:cubicBezTo>
-                <a:cubicBezTo>
-                  <a:pt x="409655" y="160424"/>
-                  <a:pt x="313615" y="109264"/>
-                  <a:pt x="205714" y="109264"/>
-                </a:cubicBezTo>
-                <a:close/>
-                <a:moveTo>
-                  <a:pt x="0" y="0"/>
-                </a:moveTo>
-                <a:lnTo>
-                  <a:pt x="720000" y="0"/>
-                </a:lnTo>
-                <a:lnTo>
-                  <a:pt x="720000" y="2520000"/>
-                </a:lnTo>
-                <a:lnTo>
-                  <a:pt x="0" y="2520000"/>
-                </a:lnTo>
-                <a:close/>
-              </a:path>
-            </a:pathLst>
-          </a:custGeom>
-          <a:solidFill>
-            <a:srgbClr val="002060"/>
-          </a:solidFill>
-          <a:ln>
-            <a:solidFill>
-              <a:srgbClr val="002060"/>
-            </a:solidFill>
-          </a:ln>
-        </p:spPr>
-        <p:style>
-          <a:lnRef idx="2">
-            <a:schemeClr val="accent1">
-              <a:shade val="50000"/>
-            </a:schemeClr>
-          </a:lnRef>
-          <a:fillRef idx="1">
-            <a:schemeClr val="accent1"/>
-          </a:fillRef>
-          <a:effectRef idx="0">
-            <a:schemeClr val="accent1"/>
-          </a:effectRef>
-          <a:fontRef idx="minor">
-            <a:schemeClr val="lt1"/>
-          </a:fontRef>
-        </p:style>
-        <p:txBody>
-          <a:bodyPr rtlCol="0" anchor="ctr"/>
-          <a:lstStyle/>
-          <a:p>
-            <a:pPr algn="ctr"/>
-            <a:endParaRPr lang="zh-CN" altLang="en-US"/>
-          </a:p>
-        </p:txBody>
-      </p:sp>
-      <p:sp>
-        <p:nvSpPr>
-          <p:cNvPr id="14" name="文本框 13"/>
-          <p:cNvSpPr txBox="1"/>
-          <p:nvPr/>
-        </p:nvSpPr>
-        <p:spPr>
-          <a:xfrm>
-            <a:off x="267496" y="1853079"/>
-            <a:ext cx="3916457" cy="1862048"/>
-          </a:xfrm>
-          <a:prstGeom prst="rect">
-            <a:avLst/>
-          </a:prstGeom>
-          <a:noFill/>
-        </p:spPr>
-        <p:txBody>
-          <a:bodyPr wrap="none" rtlCol="0">
-            <a:spAutoFit/>
+            <a:off x="0" y="184819"/>
+            <a:ext cx="12190930" cy="1325563"/>
+          </a:xfrm>
+        </p:spPr>
+        <p:txBody>
+          <a:bodyPr>
+            <a:normAutofit/>
           </a:bodyPr>
           <a:lstStyle/>
           <a:p>
             <a:r>
-              <a:rPr lang="en-US" altLang="zh-CN" sz="11500" dirty="0" smtClean="0">
-                <a:solidFill>
-                  <a:schemeClr val="tx1">
-                    <a:lumMod val="50000"/>
-                    <a:lumOff val="50000"/>
-                  </a:schemeClr>
+              <a:rPr lang="zh-CN" altLang="en-US" sz="2400" dirty="0" smtClean="0">
+                <a:solidFill>
+                  <a:schemeClr val="bg1"/>
                 </a:solidFill>
                 <a:latin typeface="苹方 细体" panose="020B0200000000000000" pitchFamily="34" charset="-122"/>
                 <a:ea typeface="苹方 细体" panose="020B0200000000000000" pitchFamily="34" charset="-122"/>
               </a:rPr>
-              <a:t>PART</a:t>
-            </a:r>
-            <a:endParaRPr lang="zh-CN" altLang="en-US" sz="11500" dirty="0">
-              <a:solidFill>
-                <a:schemeClr val="tx1">
-                  <a:lumMod val="50000"/>
-                  <a:lumOff val="50000"/>
-                </a:schemeClr>
-              </a:solidFill>
-              <a:latin typeface="苹方 细体" panose="020B0200000000000000" pitchFamily="34" charset="-122"/>
-              <a:ea typeface="苹方 细体" panose="020B0200000000000000" pitchFamily="34" charset="-122"/>
-            </a:endParaRPr>
-          </a:p>
-        </p:txBody>
-      </p:sp>
-      <p:sp>
-        <p:nvSpPr>
-          <p:cNvPr id="15" name="文本框 14"/>
-          <p:cNvSpPr txBox="1"/>
-          <p:nvPr/>
-        </p:nvSpPr>
-        <p:spPr>
-          <a:xfrm>
-            <a:off x="267496" y="3659708"/>
-            <a:ext cx="3839513" cy="1446550"/>
-          </a:xfrm>
-          <a:prstGeom prst="rect">
-            <a:avLst/>
-          </a:prstGeom>
-          <a:noFill/>
-        </p:spPr>
-        <p:txBody>
-          <a:bodyPr wrap="none" rtlCol="0">
-            <a:spAutoFit/>
-          </a:bodyPr>
-          <a:lstStyle/>
-          <a:p>
-            <a:r>
-              <a:rPr lang="en-US" altLang="zh-CN" sz="8800" dirty="0" smtClean="0">
-                <a:solidFill>
-                  <a:schemeClr val="tx1">
-                    <a:lumMod val="50000"/>
-                    <a:lumOff val="50000"/>
-                  </a:schemeClr>
+              <a:t>            </a:t>
+            </a:r>
+            <a:r>
+              <a:rPr lang="en-US" altLang="zh-CN" sz="2800" dirty="0" smtClean="0">
+                <a:solidFill>
+                  <a:schemeClr val="bg1"/>
                 </a:solidFill>
                 <a:latin typeface="苹方 细体" panose="020B0200000000000000" pitchFamily="34" charset="-122"/>
                 <a:ea typeface="苹方 细体" panose="020B0200000000000000" pitchFamily="34" charset="-122"/>
               </a:rPr>
-              <a:t>THREE</a:t>
-            </a:r>
-            <a:endParaRPr lang="zh-CN" altLang="en-US" sz="8800" dirty="0">
-              <a:solidFill>
-                <a:schemeClr val="tx1">
-                  <a:lumMod val="50000"/>
-                  <a:lumOff val="50000"/>
-                </a:schemeClr>
-              </a:solidFill>
-              <a:latin typeface="苹方 细体" panose="020B0200000000000000" pitchFamily="34" charset="-122"/>
-              <a:ea typeface="苹方 细体" panose="020B0200000000000000" pitchFamily="34" charset="-122"/>
-            </a:endParaRPr>
-          </a:p>
-        </p:txBody>
-      </p:sp>
-      <p:sp>
-        <p:nvSpPr>
-          <p:cNvPr id="10" name="文本框 9"/>
-          <p:cNvSpPr txBox="1"/>
-          <p:nvPr/>
-        </p:nvSpPr>
-        <p:spPr>
-          <a:xfrm>
-            <a:off x="5625413" y="3099180"/>
-            <a:ext cx="2812005" cy="769441"/>
-          </a:xfrm>
-          <a:prstGeom prst="rect">
-            <a:avLst/>
-          </a:prstGeom>
-          <a:noFill/>
-        </p:spPr>
-        <p:txBody>
-          <a:bodyPr wrap="square" rtlCol="0">
-            <a:spAutoFit/>
-          </a:bodyPr>
-          <a:lstStyle/>
-          <a:p>
-            <a:pPr algn="ctr"/>
-            <a:r>
-              <a:rPr lang="en-US" altLang="zh-CN" sz="4400" dirty="0" smtClean="0">
+              <a:t>DML</a:t>
+            </a:r>
+            <a:r>
+              <a:rPr lang="zh-CN" altLang="en-US" sz="2400" dirty="0" smtClean="0">
                 <a:solidFill>
                   <a:schemeClr val="bg1"/>
                 </a:solidFill>
-                <a:latin typeface="微软雅黑" panose="020B0503020204020204" pitchFamily="34" charset="-122"/>
-                <a:ea typeface="微软雅黑" panose="020B0503020204020204" pitchFamily="34" charset="-122"/>
-              </a:rPr>
-              <a:t>DML</a:t>
-            </a:r>
-            <a:r>
-              <a:rPr lang="zh-CN" altLang="en-US" sz="4400" dirty="0" smtClean="0">
-                <a:solidFill>
-                  <a:schemeClr val="bg1"/>
-                </a:solidFill>
-                <a:latin typeface="微软雅黑" panose="020B0503020204020204" pitchFamily="34" charset="-122"/>
-                <a:ea typeface="微软雅黑" panose="020B0503020204020204" pitchFamily="34" charset="-122"/>
-              </a:rPr>
-              <a:t>操作</a:t>
-            </a:r>
-            <a:endParaRPr lang="zh-CN" altLang="en-US" sz="4400" dirty="0">
+                <a:latin typeface="苹方 细体" panose="020B0200000000000000" pitchFamily="34" charset="-122"/>
+                <a:ea typeface="苹方 细体" panose="020B0200000000000000" pitchFamily="34" charset="-122"/>
+              </a:rPr>
+              <a:t>操作（数据操控语言）</a:t>
+            </a:r>
+            <a:endParaRPr lang="zh-CN" altLang="en-US" sz="2400" dirty="0">
               <a:solidFill>
                 <a:schemeClr val="bg1"/>
               </a:solidFill>
@@ -6498,14 +6178,14 @@
       </p:sp>
       <p:sp>
         <p:nvSpPr>
-          <p:cNvPr id="11" name="文本框 10"/>
+          <p:cNvPr id="2" name="文本框 1"/>
           <p:cNvSpPr txBox="1"/>
           <p:nvPr/>
         </p:nvSpPr>
         <p:spPr>
           <a:xfrm>
-            <a:off x="4673762" y="6359949"/>
-            <a:ext cx="2872198" cy="276999"/>
+            <a:off x="746974" y="1510382"/>
+            <a:ext cx="3734873" cy="523220"/>
           </a:xfrm>
           <a:prstGeom prst="rect">
             <a:avLst/>
@@ -6513,25 +6193,78 @@
           <a:noFill/>
         </p:spPr>
         <p:txBody>
-          <a:bodyPr wrap="none" rtlCol="0">
+          <a:bodyPr wrap="square" rtlCol="0">
             <a:spAutoFit/>
           </a:bodyPr>
           <a:lstStyle/>
           <a:p>
-            <a:pPr algn="ctr"/>
-            <a:r>
-              <a:rPr lang="en-US" altLang="zh-CN" sz="1200" dirty="0" smtClean="0">
-                <a:solidFill>
-                  <a:srgbClr val="404040"/>
-                </a:solidFill>
-                <a:latin typeface="微软雅黑" panose="020B0503020204020204" pitchFamily="34" charset="-122"/>
-                <a:ea typeface="微软雅黑" panose="020B0503020204020204" pitchFamily="34" charset="-122"/>
-              </a:rPr>
-              <a:t>OOAD  3-2  QUADGRAM  2015/10/8</a:t>
-            </a:r>
-            <a:endParaRPr lang="zh-CN" altLang="en-US" sz="1200" dirty="0">
+            <a:r>
+              <a:rPr lang="zh-CN" altLang="en-US" sz="2800" b="1" dirty="0" smtClean="0"/>
+              <a:t>增加数据：</a:t>
+            </a:r>
+            <a:endParaRPr lang="zh-CN" altLang="zh-CN" sz="2800" b="1" dirty="0"/>
+          </a:p>
+        </p:txBody>
+      </p:sp>
+      <p:sp>
+        <p:nvSpPr>
+          <p:cNvPr id="3" name="文本框 2"/>
+          <p:cNvSpPr txBox="1"/>
+          <p:nvPr/>
+        </p:nvSpPr>
+        <p:spPr>
+          <a:xfrm>
+            <a:off x="1201493" y="3340016"/>
+            <a:ext cx="9787944" cy="562783"/>
+          </a:xfrm>
+          <a:prstGeom prst="rect">
+            <a:avLst/>
+          </a:prstGeom>
+          <a:noFill/>
+        </p:spPr>
+        <p:txBody>
+          <a:bodyPr wrap="square" rtlCol="0">
+            <a:spAutoFit/>
+          </a:bodyPr>
+          <a:lstStyle/>
+          <a:p>
+            <a:pPr>
+              <a:lnSpc>
+                <a:spcPct val="200000"/>
+              </a:lnSpc>
+            </a:pPr>
+            <a:r>
+              <a:rPr lang="en-US" altLang="zh-CN" dirty="0">
+                <a:solidFill>
+                  <a:schemeClr val="tx1">
+                    <a:lumMod val="75000"/>
+                    <a:lumOff val="25000"/>
+                  </a:schemeClr>
+                </a:solidFill>
+                <a:latin typeface="微软雅黑" panose="020B0503020204020204" pitchFamily="34" charset="-122"/>
+                <a:ea typeface="微软雅黑" panose="020B0503020204020204" pitchFamily="34" charset="-122"/>
+              </a:rPr>
+              <a:t>Java</a:t>
+            </a:r>
+            <a:r>
+              <a:rPr lang="zh-CN" altLang="en-US" dirty="0">
+                <a:solidFill>
+                  <a:schemeClr val="tx1">
+                    <a:lumMod val="75000"/>
+                    <a:lumOff val="25000"/>
+                  </a:schemeClr>
+                </a:solidFill>
+                <a:latin typeface="微软雅黑" panose="020B0503020204020204" pitchFamily="34" charset="-122"/>
+                <a:ea typeface="微软雅黑" panose="020B0503020204020204" pitchFamily="34" charset="-122"/>
+              </a:rPr>
+              <a:t>：</a:t>
+            </a:r>
+            <a:endParaRPr lang="zh-CN" altLang="zh-CN" dirty="0">
               <a:solidFill>
-                <a:srgbClr val="404040"/>
+                <a:schemeClr val="tx1">
+                  <a:lumMod val="75000"/>
+                  <a:lumOff val="25000"/>
+                </a:schemeClr>
               </a:solidFill>
               <a:latin typeface="微软雅黑" panose="020B0503020204020204" pitchFamily="34" charset="-122"/>
               <a:ea typeface="微软雅黑" panose="020B0503020204020204" pitchFamily="34" charset="-122"/>
@@ -6539,25 +6272,341 @@
           </a:p>
         </p:txBody>
       </p:sp>
+      <p:sp>
+        <p:nvSpPr>
+          <p:cNvPr id="4" name="文本框 3"/>
+          <p:cNvSpPr txBox="1"/>
+          <p:nvPr/>
+        </p:nvSpPr>
+        <p:spPr>
+          <a:xfrm>
+            <a:off x="1197735" y="2202287"/>
+            <a:ext cx="1635617" cy="369332"/>
+          </a:xfrm>
+          <a:prstGeom prst="rect">
+            <a:avLst/>
+          </a:prstGeom>
+          <a:noFill/>
+        </p:spPr>
+        <p:txBody>
+          <a:bodyPr wrap="square" rtlCol="0">
+            <a:spAutoFit/>
+          </a:bodyPr>
+          <a:lstStyle/>
+          <a:p>
+            <a:r>
+              <a:rPr lang="en-US" altLang="zh-CN" dirty="0">
+                <a:solidFill>
+                  <a:schemeClr val="tx1">
+                    <a:lumMod val="75000"/>
+                    <a:lumOff val="25000"/>
+                  </a:schemeClr>
+                </a:solidFill>
+                <a:latin typeface="微软雅黑" panose="020B0503020204020204" pitchFamily="34" charset="-122"/>
+                <a:ea typeface="微软雅黑" panose="020B0503020204020204" pitchFamily="34" charset="-122"/>
+              </a:rPr>
+              <a:t>Shell</a:t>
+            </a:r>
+            <a:r>
+              <a:rPr lang="zh-CN" altLang="en-US" dirty="0">
+                <a:solidFill>
+                  <a:schemeClr val="tx1">
+                    <a:lumMod val="75000"/>
+                    <a:lumOff val="25000"/>
+                  </a:schemeClr>
+                </a:solidFill>
+                <a:latin typeface="微软雅黑" panose="020B0503020204020204" pitchFamily="34" charset="-122"/>
+                <a:ea typeface="微软雅黑" panose="020B0503020204020204" pitchFamily="34" charset="-122"/>
+              </a:rPr>
+              <a:t>：</a:t>
+            </a:r>
+          </a:p>
+        </p:txBody>
+      </p:sp>
+      <p:sp>
+        <p:nvSpPr>
+          <p:cNvPr id="5" name="文本框 4"/>
+          <p:cNvSpPr txBox="1"/>
+          <p:nvPr/>
+        </p:nvSpPr>
+        <p:spPr>
+          <a:xfrm>
+            <a:off x="2331075" y="2137349"/>
+            <a:ext cx="5228823" cy="1200329"/>
+          </a:xfrm>
+          <a:prstGeom prst="rect">
+            <a:avLst/>
+          </a:prstGeom>
+          <a:noFill/>
+        </p:spPr>
+        <p:txBody>
+          <a:bodyPr wrap="square" rtlCol="0">
+            <a:spAutoFit/>
+          </a:bodyPr>
+          <a:lstStyle/>
+          <a:p>
+            <a:r>
+              <a:rPr lang="en-US" altLang="zh-CN" dirty="0">
+                <a:solidFill>
+                  <a:schemeClr val="tx1">
+                    <a:lumMod val="75000"/>
+                    <a:lumOff val="25000"/>
+                  </a:schemeClr>
+                </a:solidFill>
+                <a:latin typeface="微软雅黑" panose="020B0503020204020204" pitchFamily="34" charset="-122"/>
+                <a:ea typeface="微软雅黑" panose="020B0503020204020204" pitchFamily="34" charset="-122"/>
+              </a:rPr>
+              <a:t>hbase&gt; put ‘t1′, ‘r1′, ‘c1′, ‘value', ts1 </a:t>
+            </a:r>
+            <a:br>
+              <a:rPr lang="en-US" altLang="zh-CN" dirty="0">
+                <a:solidFill>
+                  <a:schemeClr val="tx1">
+                    <a:lumMod val="75000"/>
+                    <a:lumOff val="25000"/>
+                  </a:schemeClr>
+                </a:solidFill>
+                <a:latin typeface="微软雅黑" panose="020B0503020204020204" pitchFamily="34" charset="-122"/>
+                <a:ea typeface="微软雅黑" panose="020B0503020204020204" pitchFamily="34" charset="-122"/>
+              </a:rPr>
+            </a:br>
+            <a:r>
+              <a:rPr lang="en-US" altLang="zh-CN" dirty="0">
+                <a:solidFill>
+                  <a:schemeClr val="tx1">
+                    <a:lumMod val="75000"/>
+                    <a:lumOff val="25000"/>
+                  </a:schemeClr>
+                </a:solidFill>
+                <a:latin typeface="微软雅黑" panose="020B0503020204020204" pitchFamily="34" charset="-122"/>
+                <a:ea typeface="微软雅黑" panose="020B0503020204020204" pitchFamily="34" charset="-122"/>
+              </a:rPr>
+              <a:t/>
+            </a:r>
+            <a:br>
+              <a:rPr lang="en-US" altLang="zh-CN" dirty="0">
+                <a:solidFill>
+                  <a:schemeClr val="tx1">
+                    <a:lumMod val="75000"/>
+                    <a:lumOff val="25000"/>
+                  </a:schemeClr>
+                </a:solidFill>
+                <a:latin typeface="微软雅黑" panose="020B0503020204020204" pitchFamily="34" charset="-122"/>
+                <a:ea typeface="微软雅黑" panose="020B0503020204020204" pitchFamily="34" charset="-122"/>
+              </a:rPr>
+            </a:br>
+            <a:r>
+              <a:rPr lang="en-US" altLang="zh-CN" dirty="0">
+                <a:solidFill>
+                  <a:schemeClr val="tx1">
+                    <a:lumMod val="75000"/>
+                    <a:lumOff val="25000"/>
+                  </a:schemeClr>
+                </a:solidFill>
+                <a:latin typeface="微软雅黑" panose="020B0503020204020204" pitchFamily="34" charset="-122"/>
+                <a:ea typeface="微软雅黑" panose="020B0503020204020204" pitchFamily="34" charset="-122"/>
+              </a:rPr>
+              <a:t>t1</a:t>
+            </a:r>
+            <a:r>
+              <a:rPr lang="zh-CN" altLang="en-US" dirty="0">
+                <a:solidFill>
+                  <a:schemeClr val="tx1">
+                    <a:lumMod val="75000"/>
+                    <a:lumOff val="25000"/>
+                  </a:schemeClr>
+                </a:solidFill>
+                <a:latin typeface="微软雅黑" panose="020B0503020204020204" pitchFamily="34" charset="-122"/>
+                <a:ea typeface="微软雅黑" panose="020B0503020204020204" pitchFamily="34" charset="-122"/>
+              </a:rPr>
+              <a:t>指表名，</a:t>
+            </a:r>
+            <a:r>
+              <a:rPr lang="en-US" altLang="zh-CN" dirty="0">
+                <a:solidFill>
+                  <a:schemeClr val="tx1">
+                    <a:lumMod val="75000"/>
+                    <a:lumOff val="25000"/>
+                  </a:schemeClr>
+                </a:solidFill>
+                <a:latin typeface="微软雅黑" panose="020B0503020204020204" pitchFamily="34" charset="-122"/>
+                <a:ea typeface="微软雅黑" panose="020B0503020204020204" pitchFamily="34" charset="-122"/>
+              </a:rPr>
+              <a:t>r1</a:t>
+            </a:r>
+            <a:r>
+              <a:rPr lang="zh-CN" altLang="en-US" dirty="0">
+                <a:solidFill>
+                  <a:schemeClr val="tx1">
+                    <a:lumMod val="75000"/>
+                    <a:lumOff val="25000"/>
+                  </a:schemeClr>
+                </a:solidFill>
+                <a:latin typeface="微软雅黑" panose="020B0503020204020204" pitchFamily="34" charset="-122"/>
+                <a:ea typeface="微软雅黑" panose="020B0503020204020204" pitchFamily="34" charset="-122"/>
+              </a:rPr>
+              <a:t>指行键名，</a:t>
+            </a:r>
+            <a:r>
+              <a:rPr lang="en-US" altLang="zh-CN" dirty="0">
+                <a:solidFill>
+                  <a:schemeClr val="tx1">
+                    <a:lumMod val="75000"/>
+                    <a:lumOff val="25000"/>
+                  </a:schemeClr>
+                </a:solidFill>
+                <a:latin typeface="微软雅黑" panose="020B0503020204020204" pitchFamily="34" charset="-122"/>
+                <a:ea typeface="微软雅黑" panose="020B0503020204020204" pitchFamily="34" charset="-122"/>
+              </a:rPr>
+              <a:t>c1</a:t>
+            </a:r>
+            <a:r>
+              <a:rPr lang="zh-CN" altLang="en-US" dirty="0">
+                <a:solidFill>
+                  <a:schemeClr val="tx1">
+                    <a:lumMod val="75000"/>
+                    <a:lumOff val="25000"/>
+                  </a:schemeClr>
+                </a:solidFill>
+                <a:latin typeface="微软雅黑" panose="020B0503020204020204" pitchFamily="34" charset="-122"/>
+                <a:ea typeface="微软雅黑" panose="020B0503020204020204" pitchFamily="34" charset="-122"/>
+              </a:rPr>
+              <a:t>指列名，</a:t>
+            </a:r>
+            <a:r>
+              <a:rPr lang="en-US" altLang="zh-CN" dirty="0">
+                <a:solidFill>
+                  <a:schemeClr val="tx1">
+                    <a:lumMod val="75000"/>
+                    <a:lumOff val="25000"/>
+                  </a:schemeClr>
+                </a:solidFill>
+                <a:latin typeface="微软雅黑" panose="020B0503020204020204" pitchFamily="34" charset="-122"/>
+                <a:ea typeface="微软雅黑" panose="020B0503020204020204" pitchFamily="34" charset="-122"/>
+              </a:rPr>
+              <a:t>value</a:t>
+            </a:r>
+            <a:r>
+              <a:rPr lang="zh-CN" altLang="en-US" dirty="0">
+                <a:solidFill>
+                  <a:schemeClr val="tx1">
+                    <a:lumMod val="75000"/>
+                    <a:lumOff val="25000"/>
+                  </a:schemeClr>
+                </a:solidFill>
+                <a:latin typeface="微软雅黑" panose="020B0503020204020204" pitchFamily="34" charset="-122"/>
+                <a:ea typeface="微软雅黑" panose="020B0503020204020204" pitchFamily="34" charset="-122"/>
+              </a:rPr>
+              <a:t>指单元格值。</a:t>
+            </a:r>
+            <a:r>
+              <a:rPr lang="en-US" altLang="zh-CN" dirty="0">
+                <a:solidFill>
+                  <a:schemeClr val="tx1">
+                    <a:lumMod val="75000"/>
+                    <a:lumOff val="25000"/>
+                  </a:schemeClr>
+                </a:solidFill>
+                <a:latin typeface="微软雅黑" panose="020B0503020204020204" pitchFamily="34" charset="-122"/>
+                <a:ea typeface="微软雅黑" panose="020B0503020204020204" pitchFamily="34" charset="-122"/>
+              </a:rPr>
+              <a:t>ts1</a:t>
+            </a:r>
+            <a:r>
+              <a:rPr lang="zh-CN" altLang="en-US" dirty="0">
+                <a:solidFill>
+                  <a:schemeClr val="tx1">
+                    <a:lumMod val="75000"/>
+                    <a:lumOff val="25000"/>
+                  </a:schemeClr>
+                </a:solidFill>
+                <a:latin typeface="微软雅黑" panose="020B0503020204020204" pitchFamily="34" charset="-122"/>
+                <a:ea typeface="微软雅黑" panose="020B0503020204020204" pitchFamily="34" charset="-122"/>
+              </a:rPr>
+              <a:t>指时间戳，一般都省略掉了。 </a:t>
+            </a:r>
+          </a:p>
+        </p:txBody>
+      </p:sp>
+      <p:pic>
+        <p:nvPicPr>
+          <p:cNvPr id="11" name="图片 10"/>
+          <p:cNvPicPr/>
+          <p:nvPr/>
+        </p:nvPicPr>
+        <p:blipFill>
+          <a:blip r:embed="rId3"/>
+          <a:srcRect/>
+          <a:stretch>
+            <a:fillRect/>
+          </a:stretch>
+        </p:blipFill>
+        <p:spPr bwMode="auto">
+          <a:xfrm>
+            <a:off x="2331074" y="3579201"/>
+            <a:ext cx="6323527" cy="1941330"/>
+          </a:xfrm>
+          <a:prstGeom prst="rect">
+            <a:avLst/>
+          </a:prstGeom>
+          <a:noFill/>
+          <a:ln w="9525">
+            <a:noFill/>
+            <a:miter lim="800000"/>
+            <a:headEnd/>
+            <a:tailEnd/>
+          </a:ln>
+        </p:spPr>
+      </p:pic>
+      <p:pic>
+        <p:nvPicPr>
+          <p:cNvPr id="12" name="图片 11"/>
+          <p:cNvPicPr/>
+          <p:nvPr/>
+        </p:nvPicPr>
+        <p:blipFill>
+          <a:blip r:embed="rId4"/>
+          <a:srcRect/>
+          <a:stretch>
+            <a:fillRect/>
+          </a:stretch>
+        </p:blipFill>
+        <p:spPr bwMode="auto">
+          <a:xfrm>
+            <a:off x="2331075" y="5448398"/>
+            <a:ext cx="6323527" cy="1242550"/>
+          </a:xfrm>
+          <a:prstGeom prst="rect">
+            <a:avLst/>
+          </a:prstGeom>
+          <a:noFill/>
+          <a:ln w="9525">
+            <a:noFill/>
+            <a:miter lim="800000"/>
+            <a:headEnd/>
+            <a:tailEnd/>
+          </a:ln>
+        </p:spPr>
+      </p:pic>
     </p:spTree>
     <p:extLst>
       <p:ext uri="{BB962C8B-B14F-4D97-AF65-F5344CB8AC3E}">
-        <p14:creationId xmlns:p14="http://schemas.microsoft.com/office/powerpoint/2010/main" val="1361273422"/>
+        <p14:creationId xmlns:p14="http://schemas.microsoft.com/office/powerpoint/2010/main" xmlns="" val="1046492803"/>
       </p:ext>
     </p:extLst>
   </p:cSld>
   <p:clrMapOvr>
     <a:masterClrMapping/>
   </p:clrMapOvr>
-  <mc:AlternateContent xmlns:mc="http://schemas.openxmlformats.org/markup-compatibility/2006" xmlns:p15="http://schemas.microsoft.com/office/powerpoint/2012/main">
-    <mc:Choice Requires="p15">
-      <p:transition xmlns:p14="http://schemas.microsoft.com/office/powerpoint/2010/main" spd="slow" p14:dur="1250" advClick="0">
-        <p15:prstTrans prst="pageCurlDouble"/>
+  <mc:AlternateContent xmlns:mc="http://schemas.openxmlformats.org/markup-compatibility/2006">
+    <mc:Choice xmlns:p14="http://schemas.microsoft.com/office/powerpoint/2010/main" xmlns="" Requires="p14">
+      <p:transition spd="slow" p14:dur="2500" advClick="0">
+        <p:checker/>
       </p:transition>
     </mc:Choice>
-    <mc:Fallback xmlns="">
+    <mc:Fallback>
       <p:transition spd="slow" advClick="0">
-        <p:fade/>
+        <p:checker/>
       </p:transition>
     </mc:Fallback>
   </mc:AlternateContent>
@@ -6600,7 +6649,7 @@
           <a:blip r:embed="rId2">
             <a:extLst>
               <a:ext uri="{28A0092B-C50C-407E-A947-70E740481C1C}">
-                <a14:useLocalDpi xmlns:a14="http://schemas.microsoft.com/office/drawing/2010/main" val="0"/>
+                <a14:useLocalDpi xmlns:a14="http://schemas.microsoft.com/office/drawing/2010/main" xmlns="" val="0"/>
               </a:ext>
             </a:extLst>
           </a:blip>
@@ -6752,7 +6801,7 @@
           <a:p>
             <a:r>
               <a:rPr lang="zh-CN" altLang="en-US" sz="2800" b="1" dirty="0" smtClean="0"/>
-              <a:t>增加数据：</a:t>
+              <a:t>更新数据：</a:t>
             </a:r>
             <a:endParaRPr lang="zh-CN" altLang="zh-CN" sz="2800" b="1" dirty="0"/>
           </a:p>
@@ -6760,14 +6809,14 @@
       </p:sp>
       <p:sp>
         <p:nvSpPr>
-          <p:cNvPr id="3" name="文本框 2"/>
+          <p:cNvPr id="6" name="文本框 5"/>
           <p:cNvSpPr txBox="1"/>
           <p:nvPr/>
         </p:nvSpPr>
         <p:spPr>
           <a:xfrm>
-            <a:off x="1201493" y="3340016"/>
-            <a:ext cx="9787944" cy="562783"/>
+            <a:off x="1223493" y="2434107"/>
+            <a:ext cx="8783392" cy="2778774"/>
           </a:xfrm>
           <a:prstGeom prst="rect">
             <a:avLst/>
@@ -6796,56 +6845,21 @@
                 <a:latin typeface="微软雅黑" panose="020B0503020204020204" pitchFamily="34" charset="-122"/>
                 <a:ea typeface="微软雅黑" panose="020B0503020204020204" pitchFamily="34" charset="-122"/>
               </a:rPr>
-              <a:t>Java</a:t>
-            </a:r>
-            <a:r>
-              <a:rPr lang="zh-CN" altLang="en-US" dirty="0">
-                <a:solidFill>
-                  <a:schemeClr val="tx1">
-                    <a:lumMod val="75000"/>
-                    <a:lumOff val="25000"/>
-                  </a:schemeClr>
-                </a:solidFill>
-                <a:latin typeface="微软雅黑" panose="020B0503020204020204" pitchFamily="34" charset="-122"/>
-                <a:ea typeface="微软雅黑" panose="020B0503020204020204" pitchFamily="34" charset="-122"/>
-              </a:rPr>
-              <a:t>：</a:t>
-            </a:r>
-            <a:endParaRPr lang="zh-CN" altLang="zh-CN" dirty="0">
-              <a:solidFill>
-                <a:schemeClr val="tx1">
-                  <a:lumMod val="75000"/>
-                  <a:lumOff val="25000"/>
-                </a:schemeClr>
-              </a:solidFill>
-              <a:latin typeface="微软雅黑" panose="020B0503020204020204" pitchFamily="34" charset="-122"/>
-              <a:ea typeface="微软雅黑" panose="020B0503020204020204" pitchFamily="34" charset="-122"/>
-            </a:endParaRPr>
-          </a:p>
-        </p:txBody>
-      </p:sp>
-      <p:sp>
-        <p:nvSpPr>
-          <p:cNvPr id="4" name="文本框 3"/>
-          <p:cNvSpPr txBox="1"/>
-          <p:nvPr/>
-        </p:nvSpPr>
-        <p:spPr>
-          <a:xfrm>
-            <a:off x="1197735" y="2202287"/>
-            <a:ext cx="1635617" cy="369332"/>
-          </a:xfrm>
-          <a:prstGeom prst="rect">
-            <a:avLst/>
-          </a:prstGeom>
-          <a:noFill/>
-        </p:spPr>
-        <p:txBody>
-          <a:bodyPr wrap="square" rtlCol="0">
-            <a:spAutoFit/>
-          </a:bodyPr>
-          <a:lstStyle/>
-          <a:p>
+              <a:t>mongodb</a:t>
+            </a:r>
+            <a:r>
+              <a:rPr lang="zh-CN" altLang="zh-CN" dirty="0">
+                <a:solidFill>
+                  <a:schemeClr val="tx1">
+                    <a:lumMod val="75000"/>
+                    <a:lumOff val="25000"/>
+                  </a:schemeClr>
+                </a:solidFill>
+                <a:latin typeface="微软雅黑" panose="020B0503020204020204" pitchFamily="34" charset="-122"/>
+                <a:ea typeface="微软雅黑" panose="020B0503020204020204" pitchFamily="34" charset="-122"/>
+              </a:rPr>
+              <a:t>的</a:t>
+            </a:r>
             <a:r>
               <a:rPr lang="en-US" altLang="zh-CN" dirty="0">
                 <a:solidFill>
@@ -6857,21 +6871,262 @@
                 <a:latin typeface="微软雅黑" panose="020B0503020204020204" pitchFamily="34" charset="-122"/>
                 <a:ea typeface="微软雅黑" panose="020B0503020204020204" pitchFamily="34" charset="-122"/>
               </a:rPr>
-              <a:t>Shell</a:t>
-            </a:r>
-            <a:r>
-              <a:rPr lang="zh-CN" altLang="en-US" dirty="0">
-                <a:solidFill>
-                  <a:schemeClr val="tx1">
-                    <a:lumMod val="75000"/>
-                    <a:lumOff val="25000"/>
-                  </a:schemeClr>
-                </a:solidFill>
-                <a:latin typeface="微软雅黑" panose="020B0503020204020204" pitchFamily="34" charset="-122"/>
-                <a:ea typeface="微软雅黑" panose="020B0503020204020204" pitchFamily="34" charset="-122"/>
-              </a:rPr>
-              <a:t>：</a:t>
-            </a:r>
+              <a:t>update</a:t>
+            </a:r>
+            <a:r>
+              <a:rPr lang="zh-CN" altLang="zh-CN" dirty="0">
+                <a:solidFill>
+                  <a:schemeClr val="tx1">
+                    <a:lumMod val="75000"/>
+                    <a:lumOff val="25000"/>
+                  </a:schemeClr>
+                </a:solidFill>
+                <a:latin typeface="微软雅黑" panose="020B0503020204020204" pitchFamily="34" charset="-122"/>
+                <a:ea typeface="微软雅黑" panose="020B0503020204020204" pitchFamily="34" charset="-122"/>
+              </a:rPr>
+              <a:t>是</a:t>
+            </a:r>
+            <a:r>
+              <a:rPr lang="en-US" altLang="zh-CN" dirty="0">
+                <a:solidFill>
+                  <a:schemeClr val="tx1">
+                    <a:lumMod val="75000"/>
+                    <a:lumOff val="25000"/>
+                  </a:schemeClr>
+                </a:solidFill>
+                <a:latin typeface="微软雅黑" panose="020B0503020204020204" pitchFamily="34" charset="-122"/>
+                <a:ea typeface="微软雅黑" panose="020B0503020204020204" pitchFamily="34" charset="-122"/>
+              </a:rPr>
+              <a:t>update-in-place</a:t>
+            </a:r>
+            <a:r>
+              <a:rPr lang="zh-CN" altLang="zh-CN" dirty="0">
+                <a:solidFill>
+                  <a:schemeClr val="tx1">
+                    <a:lumMod val="75000"/>
+                    <a:lumOff val="25000"/>
+                  </a:schemeClr>
+                </a:solidFill>
+                <a:latin typeface="微软雅黑" panose="020B0503020204020204" pitchFamily="34" charset="-122"/>
+                <a:ea typeface="微软雅黑" panose="020B0503020204020204" pitchFamily="34" charset="-122"/>
+              </a:rPr>
+              <a:t>，也就是原地更新，除非原地容纳不下更新后的数据记录。而</a:t>
+            </a:r>
+            <a:r>
+              <a:rPr lang="en-US" altLang="zh-CN" dirty="0">
+                <a:solidFill>
+                  <a:schemeClr val="tx1">
+                    <a:lumMod val="75000"/>
+                    <a:lumOff val="25000"/>
+                  </a:schemeClr>
+                </a:solidFill>
+                <a:latin typeface="微软雅黑" panose="020B0503020204020204" pitchFamily="34" charset="-122"/>
+                <a:ea typeface="微软雅黑" panose="020B0503020204020204" pitchFamily="34" charset="-122"/>
+              </a:rPr>
+              <a:t>hbase</a:t>
+            </a:r>
+            <a:r>
+              <a:rPr lang="zh-CN" altLang="zh-CN" dirty="0">
+                <a:solidFill>
+                  <a:schemeClr val="tx1">
+                    <a:lumMod val="75000"/>
+                    <a:lumOff val="25000"/>
+                  </a:schemeClr>
+                </a:solidFill>
+                <a:latin typeface="微软雅黑" panose="020B0503020204020204" pitchFamily="34" charset="-122"/>
+                <a:ea typeface="微软雅黑" panose="020B0503020204020204" pitchFamily="34" charset="-122"/>
+              </a:rPr>
+              <a:t>的修改和添加都是同一个命令：</a:t>
+            </a:r>
+            <a:r>
+              <a:rPr lang="en-US" altLang="zh-CN" dirty="0">
+                <a:solidFill>
+                  <a:schemeClr val="tx1">
+                    <a:lumMod val="75000"/>
+                    <a:lumOff val="25000"/>
+                  </a:schemeClr>
+                </a:solidFill>
+                <a:latin typeface="微软雅黑" panose="020B0503020204020204" pitchFamily="34" charset="-122"/>
+                <a:ea typeface="微软雅黑" panose="020B0503020204020204" pitchFamily="34" charset="-122"/>
+              </a:rPr>
+              <a:t>put</a:t>
+            </a:r>
+            <a:r>
+              <a:rPr lang="zh-CN" altLang="zh-CN" dirty="0">
+                <a:solidFill>
+                  <a:schemeClr val="tx1">
+                    <a:lumMod val="75000"/>
+                    <a:lumOff val="25000"/>
+                  </a:schemeClr>
+                </a:solidFill>
+                <a:latin typeface="微软雅黑" panose="020B0503020204020204" pitchFamily="34" charset="-122"/>
+                <a:ea typeface="微软雅黑" panose="020B0503020204020204" pitchFamily="34" charset="-122"/>
+              </a:rPr>
+              <a:t>，如果</a:t>
+            </a:r>
+            <a:r>
+              <a:rPr lang="en-US" altLang="zh-CN" dirty="0">
+                <a:solidFill>
+                  <a:schemeClr val="tx1">
+                    <a:lumMod val="75000"/>
+                    <a:lumOff val="25000"/>
+                  </a:schemeClr>
+                </a:solidFill>
+                <a:latin typeface="微软雅黑" panose="020B0503020204020204" pitchFamily="34" charset="-122"/>
+                <a:ea typeface="微软雅黑" panose="020B0503020204020204" pitchFamily="34" charset="-122"/>
+              </a:rPr>
+              <a:t>put</a:t>
+            </a:r>
+            <a:r>
+              <a:rPr lang="zh-CN" altLang="zh-CN" dirty="0">
+                <a:solidFill>
+                  <a:schemeClr val="tx1">
+                    <a:lumMod val="75000"/>
+                    <a:lumOff val="25000"/>
+                  </a:schemeClr>
+                </a:solidFill>
+                <a:latin typeface="微软雅黑" panose="020B0503020204020204" pitchFamily="34" charset="-122"/>
+                <a:ea typeface="微软雅黑" panose="020B0503020204020204" pitchFamily="34" charset="-122"/>
+              </a:rPr>
+              <a:t>传入的</a:t>
+            </a:r>
+            <a:r>
+              <a:rPr lang="en-US" altLang="zh-CN" dirty="0">
+                <a:solidFill>
+                  <a:schemeClr val="tx1">
+                    <a:lumMod val="75000"/>
+                    <a:lumOff val="25000"/>
+                  </a:schemeClr>
+                </a:solidFill>
+                <a:latin typeface="微软雅黑" panose="020B0503020204020204" pitchFamily="34" charset="-122"/>
+                <a:ea typeface="微软雅黑" panose="020B0503020204020204" pitchFamily="34" charset="-122"/>
+              </a:rPr>
+              <a:t>row key</a:t>
+            </a:r>
+            <a:r>
+              <a:rPr lang="zh-CN" altLang="zh-CN" dirty="0">
+                <a:solidFill>
+                  <a:schemeClr val="tx1">
+                    <a:lumMod val="75000"/>
+                    <a:lumOff val="25000"/>
+                  </a:schemeClr>
+                </a:solidFill>
+                <a:latin typeface="微软雅黑" panose="020B0503020204020204" pitchFamily="34" charset="-122"/>
+                <a:ea typeface="微软雅黑" panose="020B0503020204020204" pitchFamily="34" charset="-122"/>
+              </a:rPr>
+              <a:t>已经存在就更新原记录</a:t>
+            </a:r>
+            <a:r>
+              <a:rPr lang="en-US" altLang="zh-CN" dirty="0">
+                <a:solidFill>
+                  <a:schemeClr val="tx1">
+                    <a:lumMod val="75000"/>
+                    <a:lumOff val="25000"/>
+                  </a:schemeClr>
+                </a:solidFill>
+                <a:latin typeface="微软雅黑" panose="020B0503020204020204" pitchFamily="34" charset="-122"/>
+                <a:ea typeface="微软雅黑" panose="020B0503020204020204" pitchFamily="34" charset="-122"/>
+              </a:rPr>
+              <a:t>,</a:t>
+            </a:r>
+            <a:r>
+              <a:rPr lang="zh-CN" altLang="zh-CN" dirty="0">
+                <a:solidFill>
+                  <a:schemeClr val="tx1">
+                    <a:lumMod val="75000"/>
+                    <a:lumOff val="25000"/>
+                  </a:schemeClr>
+                </a:solidFill>
+                <a:latin typeface="微软雅黑" panose="020B0503020204020204" pitchFamily="34" charset="-122"/>
+                <a:ea typeface="微软雅黑" panose="020B0503020204020204" pitchFamily="34" charset="-122"/>
+              </a:rPr>
+              <a:t>实际上</a:t>
+            </a:r>
+            <a:r>
+              <a:rPr lang="en-US" altLang="zh-CN" dirty="0">
+                <a:solidFill>
+                  <a:schemeClr val="tx1">
+                    <a:lumMod val="75000"/>
+                    <a:lumOff val="25000"/>
+                  </a:schemeClr>
+                </a:solidFill>
+                <a:latin typeface="微软雅黑" panose="020B0503020204020204" pitchFamily="34" charset="-122"/>
+                <a:ea typeface="微软雅黑" panose="020B0503020204020204" pitchFamily="34" charset="-122"/>
+              </a:rPr>
+              <a:t>hbase</a:t>
+            </a:r>
+            <a:r>
+              <a:rPr lang="zh-CN" altLang="zh-CN" dirty="0">
+                <a:solidFill>
+                  <a:schemeClr val="tx1">
+                    <a:lumMod val="75000"/>
+                    <a:lumOff val="25000"/>
+                  </a:schemeClr>
+                </a:solidFill>
+                <a:latin typeface="微软雅黑" panose="020B0503020204020204" pitchFamily="34" charset="-122"/>
+                <a:ea typeface="微软雅黑" panose="020B0503020204020204" pitchFamily="34" charset="-122"/>
+              </a:rPr>
+              <a:t>内部也不是更新，它只是将这一份数据已不同的版本保存下来而已，</a:t>
+            </a:r>
+            <a:r>
+              <a:rPr lang="en-US" altLang="zh-CN" dirty="0">
+                <a:solidFill>
+                  <a:schemeClr val="tx1">
+                    <a:lumMod val="75000"/>
+                    <a:lumOff val="25000"/>
+                  </a:schemeClr>
+                </a:solidFill>
+                <a:latin typeface="微软雅黑" panose="020B0503020204020204" pitchFamily="34" charset="-122"/>
+                <a:ea typeface="微软雅黑" panose="020B0503020204020204" pitchFamily="34" charset="-122"/>
+              </a:rPr>
+              <a:t>hbase</a:t>
+            </a:r>
+            <a:r>
+              <a:rPr lang="zh-CN" altLang="zh-CN" dirty="0">
+                <a:solidFill>
+                  <a:schemeClr val="tx1">
+                    <a:lumMod val="75000"/>
+                    <a:lumOff val="25000"/>
+                  </a:schemeClr>
+                </a:solidFill>
+                <a:latin typeface="微软雅黑" panose="020B0503020204020204" pitchFamily="34" charset="-122"/>
+                <a:ea typeface="微软雅黑" panose="020B0503020204020204" pitchFamily="34" charset="-122"/>
+              </a:rPr>
+              <a:t>默认的保存版本的历史数量是</a:t>
+            </a:r>
+            <a:r>
+              <a:rPr lang="en-US" altLang="zh-CN" dirty="0">
+                <a:solidFill>
+                  <a:schemeClr val="tx1">
+                    <a:lumMod val="75000"/>
+                    <a:lumOff val="25000"/>
+                  </a:schemeClr>
+                </a:solidFill>
+                <a:latin typeface="微软雅黑" panose="020B0503020204020204" pitchFamily="34" charset="-122"/>
+                <a:ea typeface="微软雅黑" panose="020B0503020204020204" pitchFamily="34" charset="-122"/>
+              </a:rPr>
+              <a:t>3</a:t>
+            </a:r>
+            <a:r>
+              <a:rPr lang="zh-CN" altLang="zh-CN" dirty="0">
+                <a:solidFill>
+                  <a:schemeClr val="tx1">
+                    <a:lumMod val="75000"/>
+                    <a:lumOff val="25000"/>
+                  </a:schemeClr>
+                </a:solidFill>
+                <a:latin typeface="微软雅黑" panose="020B0503020204020204" pitchFamily="34" charset="-122"/>
+                <a:ea typeface="微软雅黑" panose="020B0503020204020204" pitchFamily="34" charset="-122"/>
+              </a:rPr>
+              <a:t>。</a:t>
+            </a:r>
+          </a:p>
+          <a:p>
+            <a:pPr>
+              <a:lnSpc>
+                <a:spcPct val="200000"/>
+              </a:lnSpc>
+            </a:pPr>
             <a:endParaRPr lang="zh-CN" altLang="en-US" dirty="0">
               <a:solidFill>
                 <a:schemeClr val="tx1">
@@ -6885,275 +7140,10 @@
           </a:p>
         </p:txBody>
       </p:sp>
-      <p:sp>
-        <p:nvSpPr>
-          <p:cNvPr id="5" name="文本框 4"/>
-          <p:cNvSpPr txBox="1"/>
-          <p:nvPr/>
-        </p:nvSpPr>
-        <p:spPr>
-          <a:xfrm>
-            <a:off x="2331075" y="2137349"/>
-            <a:ext cx="5228823" cy="1200329"/>
-          </a:xfrm>
-          <a:prstGeom prst="rect">
-            <a:avLst/>
-          </a:prstGeom>
-          <a:noFill/>
-        </p:spPr>
-        <p:txBody>
-          <a:bodyPr wrap="square" rtlCol="0">
-            <a:spAutoFit/>
-          </a:bodyPr>
-          <a:lstStyle/>
-          <a:p>
-            <a:r>
-              <a:rPr lang="en-US" altLang="zh-CN" dirty="0">
-                <a:solidFill>
-                  <a:schemeClr val="tx1">
-                    <a:lumMod val="75000"/>
-                    <a:lumOff val="25000"/>
-                  </a:schemeClr>
-                </a:solidFill>
-                <a:latin typeface="微软雅黑" panose="020B0503020204020204" pitchFamily="34" charset="-122"/>
-                <a:ea typeface="微软雅黑" panose="020B0503020204020204" pitchFamily="34" charset="-122"/>
-              </a:rPr>
-              <a:t>hbase&gt; put ‘t1′, ‘r1′, ‘c1′, ‘value', ts1 </a:t>
-            </a:r>
-            <a:br>
-              <a:rPr lang="en-US" altLang="zh-CN" dirty="0">
-                <a:solidFill>
-                  <a:schemeClr val="tx1">
-                    <a:lumMod val="75000"/>
-                    <a:lumOff val="25000"/>
-                  </a:schemeClr>
-                </a:solidFill>
-                <a:latin typeface="微软雅黑" panose="020B0503020204020204" pitchFamily="34" charset="-122"/>
-                <a:ea typeface="微软雅黑" panose="020B0503020204020204" pitchFamily="34" charset="-122"/>
-              </a:rPr>
-            </a:br>
-            <a:r>
-              <a:rPr lang="en-US" altLang="zh-CN" dirty="0">
-                <a:solidFill>
-                  <a:schemeClr val="tx1">
-                    <a:lumMod val="75000"/>
-                    <a:lumOff val="25000"/>
-                  </a:schemeClr>
-                </a:solidFill>
-                <a:latin typeface="微软雅黑" panose="020B0503020204020204" pitchFamily="34" charset="-122"/>
-                <a:ea typeface="微软雅黑" panose="020B0503020204020204" pitchFamily="34" charset="-122"/>
-              </a:rPr>
-              <a:t/>
-            </a:r>
-            <a:br>
-              <a:rPr lang="en-US" altLang="zh-CN" dirty="0">
-                <a:solidFill>
-                  <a:schemeClr val="tx1">
-                    <a:lumMod val="75000"/>
-                    <a:lumOff val="25000"/>
-                  </a:schemeClr>
-                </a:solidFill>
-                <a:latin typeface="微软雅黑" panose="020B0503020204020204" pitchFamily="34" charset="-122"/>
-                <a:ea typeface="微软雅黑" panose="020B0503020204020204" pitchFamily="34" charset="-122"/>
-              </a:rPr>
-            </a:br>
-            <a:r>
-              <a:rPr lang="en-US" altLang="zh-CN" dirty="0">
-                <a:solidFill>
-                  <a:schemeClr val="tx1">
-                    <a:lumMod val="75000"/>
-                    <a:lumOff val="25000"/>
-                  </a:schemeClr>
-                </a:solidFill>
-                <a:latin typeface="微软雅黑" panose="020B0503020204020204" pitchFamily="34" charset="-122"/>
-                <a:ea typeface="微软雅黑" panose="020B0503020204020204" pitchFamily="34" charset="-122"/>
-              </a:rPr>
-              <a:t>t1</a:t>
-            </a:r>
-            <a:r>
-              <a:rPr lang="zh-CN" altLang="en-US" dirty="0">
-                <a:solidFill>
-                  <a:schemeClr val="tx1">
-                    <a:lumMod val="75000"/>
-                    <a:lumOff val="25000"/>
-                  </a:schemeClr>
-                </a:solidFill>
-                <a:latin typeface="微软雅黑" panose="020B0503020204020204" pitchFamily="34" charset="-122"/>
-                <a:ea typeface="微软雅黑" panose="020B0503020204020204" pitchFamily="34" charset="-122"/>
-              </a:rPr>
-              <a:t>指表名，</a:t>
-            </a:r>
-            <a:r>
-              <a:rPr lang="en-US" altLang="zh-CN" dirty="0">
-                <a:solidFill>
-                  <a:schemeClr val="tx1">
-                    <a:lumMod val="75000"/>
-                    <a:lumOff val="25000"/>
-                  </a:schemeClr>
-                </a:solidFill>
-                <a:latin typeface="微软雅黑" panose="020B0503020204020204" pitchFamily="34" charset="-122"/>
-                <a:ea typeface="微软雅黑" panose="020B0503020204020204" pitchFamily="34" charset="-122"/>
-              </a:rPr>
-              <a:t>r1</a:t>
-            </a:r>
-            <a:r>
-              <a:rPr lang="zh-CN" altLang="en-US" dirty="0">
-                <a:solidFill>
-                  <a:schemeClr val="tx1">
-                    <a:lumMod val="75000"/>
-                    <a:lumOff val="25000"/>
-                  </a:schemeClr>
-                </a:solidFill>
-                <a:latin typeface="微软雅黑" panose="020B0503020204020204" pitchFamily="34" charset="-122"/>
-                <a:ea typeface="微软雅黑" panose="020B0503020204020204" pitchFamily="34" charset="-122"/>
-              </a:rPr>
-              <a:t>指行键名，</a:t>
-            </a:r>
-            <a:r>
-              <a:rPr lang="en-US" altLang="zh-CN" dirty="0">
-                <a:solidFill>
-                  <a:schemeClr val="tx1">
-                    <a:lumMod val="75000"/>
-                    <a:lumOff val="25000"/>
-                  </a:schemeClr>
-                </a:solidFill>
-                <a:latin typeface="微软雅黑" panose="020B0503020204020204" pitchFamily="34" charset="-122"/>
-                <a:ea typeface="微软雅黑" panose="020B0503020204020204" pitchFamily="34" charset="-122"/>
-              </a:rPr>
-              <a:t>c1</a:t>
-            </a:r>
-            <a:r>
-              <a:rPr lang="zh-CN" altLang="en-US" dirty="0">
-                <a:solidFill>
-                  <a:schemeClr val="tx1">
-                    <a:lumMod val="75000"/>
-                    <a:lumOff val="25000"/>
-                  </a:schemeClr>
-                </a:solidFill>
-                <a:latin typeface="微软雅黑" panose="020B0503020204020204" pitchFamily="34" charset="-122"/>
-                <a:ea typeface="微软雅黑" panose="020B0503020204020204" pitchFamily="34" charset="-122"/>
-              </a:rPr>
-              <a:t>指列名，</a:t>
-            </a:r>
-            <a:r>
-              <a:rPr lang="en-US" altLang="zh-CN" dirty="0">
-                <a:solidFill>
-                  <a:schemeClr val="tx1">
-                    <a:lumMod val="75000"/>
-                    <a:lumOff val="25000"/>
-                  </a:schemeClr>
-                </a:solidFill>
-                <a:latin typeface="微软雅黑" panose="020B0503020204020204" pitchFamily="34" charset="-122"/>
-                <a:ea typeface="微软雅黑" panose="020B0503020204020204" pitchFamily="34" charset="-122"/>
-              </a:rPr>
-              <a:t>value</a:t>
-            </a:r>
-            <a:r>
-              <a:rPr lang="zh-CN" altLang="en-US" dirty="0">
-                <a:solidFill>
-                  <a:schemeClr val="tx1">
-                    <a:lumMod val="75000"/>
-                    <a:lumOff val="25000"/>
-                  </a:schemeClr>
-                </a:solidFill>
-                <a:latin typeface="微软雅黑" panose="020B0503020204020204" pitchFamily="34" charset="-122"/>
-                <a:ea typeface="微软雅黑" panose="020B0503020204020204" pitchFamily="34" charset="-122"/>
-              </a:rPr>
-              <a:t>指单元格值。</a:t>
-            </a:r>
-            <a:r>
-              <a:rPr lang="en-US" altLang="zh-CN" dirty="0">
-                <a:solidFill>
-                  <a:schemeClr val="tx1">
-                    <a:lumMod val="75000"/>
-                    <a:lumOff val="25000"/>
-                  </a:schemeClr>
-                </a:solidFill>
-                <a:latin typeface="微软雅黑" panose="020B0503020204020204" pitchFamily="34" charset="-122"/>
-                <a:ea typeface="微软雅黑" panose="020B0503020204020204" pitchFamily="34" charset="-122"/>
-              </a:rPr>
-              <a:t>ts1</a:t>
-            </a:r>
-            <a:r>
-              <a:rPr lang="zh-CN" altLang="en-US" dirty="0">
-                <a:solidFill>
-                  <a:schemeClr val="tx1">
-                    <a:lumMod val="75000"/>
-                    <a:lumOff val="25000"/>
-                  </a:schemeClr>
-                </a:solidFill>
-                <a:latin typeface="微软雅黑" panose="020B0503020204020204" pitchFamily="34" charset="-122"/>
-                <a:ea typeface="微软雅黑" panose="020B0503020204020204" pitchFamily="34" charset="-122"/>
-              </a:rPr>
-              <a:t>指时间戳，一般都省略掉了。 </a:t>
-            </a:r>
-          </a:p>
-        </p:txBody>
-      </p:sp>
-      <p:pic>
-        <p:nvPicPr>
-          <p:cNvPr id="11" name="图片 10"/>
-          <p:cNvPicPr/>
-          <p:nvPr/>
-        </p:nvPicPr>
-        <p:blipFill>
-          <a:blip r:embed="rId3"/>
-          <a:srcRect/>
-          <a:stretch>
-            <a:fillRect/>
-          </a:stretch>
-        </p:blipFill>
-        <p:spPr bwMode="auto">
-          <a:xfrm>
-            <a:off x="2331074" y="3579201"/>
-            <a:ext cx="6323527" cy="1941330"/>
-          </a:xfrm>
-          <a:prstGeom prst="rect">
-            <a:avLst/>
-          </a:prstGeom>
-          <a:noFill/>
-          <a:ln w="9525">
-            <a:noFill/>
-            <a:miter lim="800000"/>
-            <a:headEnd/>
-            <a:tailEnd/>
-          </a:ln>
-        </p:spPr>
-      </p:pic>
-      <p:pic>
-        <p:nvPicPr>
-          <p:cNvPr id="12" name="图片 11"/>
-          <p:cNvPicPr/>
-          <p:nvPr/>
-        </p:nvPicPr>
-        <p:blipFill>
-          <a:blip r:embed="rId4"/>
-          <a:srcRect/>
-          <a:stretch>
-            <a:fillRect/>
-          </a:stretch>
-        </p:blipFill>
-        <p:spPr bwMode="auto">
-          <a:xfrm>
-            <a:off x="2331075" y="5448398"/>
-            <a:ext cx="6323527" cy="1242550"/>
-          </a:xfrm>
-          <a:prstGeom prst="rect">
-            <a:avLst/>
-          </a:prstGeom>
-          <a:noFill/>
-          <a:ln w="9525">
-            <a:noFill/>
-            <a:miter lim="800000"/>
-            <a:headEnd/>
-            <a:tailEnd/>
-          </a:ln>
-        </p:spPr>
-      </p:pic>
     </p:spTree>
     <p:extLst>
       <p:ext uri="{BB962C8B-B14F-4D97-AF65-F5344CB8AC3E}">
-        <p14:creationId xmlns:p14="http://schemas.microsoft.com/office/powerpoint/2010/main" val="1046492803"/>
+        <p14:creationId xmlns:p14="http://schemas.microsoft.com/office/powerpoint/2010/main" xmlns="" val="1378945060"/>
       </p:ext>
     </p:extLst>
   </p:cSld>
@@ -7161,7 +7151,7 @@
     <a:masterClrMapping/>
   </p:clrMapOvr>
   <mc:AlternateContent xmlns:mc="http://schemas.openxmlformats.org/markup-compatibility/2006">
-    <mc:Choice xmlns:p14="http://schemas.microsoft.com/office/powerpoint/2010/main" Requires="p14">
+    <mc:Choice xmlns:p14="http://schemas.microsoft.com/office/powerpoint/2010/main" xmlns="" Requires="p14">
       <p:transition spd="slow" p14:dur="2500" advClick="0">
         <p:checker/>
       </p:transition>
@@ -7211,7 +7201,7 @@
           <a:blip r:embed="rId2">
             <a:extLst>
               <a:ext uri="{28A0092B-C50C-407E-A947-70E740481C1C}">
-                <a14:useLocalDpi xmlns:a14="http://schemas.microsoft.com/office/drawing/2010/main" val="0"/>
+                <a14:useLocalDpi xmlns:a14="http://schemas.microsoft.com/office/drawing/2010/main" xmlns="" val="0"/>
               </a:ext>
             </a:extLst>
           </a:blip>
@@ -7363,7 +7353,7 @@
           <a:p>
             <a:r>
               <a:rPr lang="zh-CN" altLang="en-US" sz="2800" b="1" dirty="0" smtClean="0"/>
-              <a:t>更新数据：</a:t>
+              <a:t>获取数据：</a:t>
             </a:r>
             <a:endParaRPr lang="zh-CN" altLang="zh-CN" sz="2800" b="1" dirty="0"/>
           </a:p>
@@ -7371,14 +7361,14 @@
       </p:sp>
       <p:sp>
         <p:nvSpPr>
-          <p:cNvPr id="6" name="文本框 5"/>
+          <p:cNvPr id="4" name="文本框 3"/>
           <p:cNvSpPr txBox="1"/>
           <p:nvPr/>
         </p:nvSpPr>
         <p:spPr>
           <a:xfrm>
-            <a:off x="1223493" y="2434107"/>
-            <a:ext cx="8783392" cy="2778774"/>
+            <a:off x="978793" y="2136242"/>
+            <a:ext cx="1635617" cy="369332"/>
           </a:xfrm>
           <a:prstGeom prst="rect">
             <a:avLst/>
@@ -7391,9 +7381,60 @@
           </a:bodyPr>
           <a:lstStyle/>
           <a:p>
+            <a:r>
+              <a:rPr lang="en-US" altLang="zh-CN" dirty="0">
+                <a:solidFill>
+                  <a:schemeClr val="tx1">
+                    <a:lumMod val="75000"/>
+                    <a:lumOff val="25000"/>
+                  </a:schemeClr>
+                </a:solidFill>
+                <a:latin typeface="微软雅黑" panose="020B0503020204020204" pitchFamily="34" charset="-122"/>
+                <a:ea typeface="微软雅黑" panose="020B0503020204020204" pitchFamily="34" charset="-122"/>
+              </a:rPr>
+              <a:t>Shell</a:t>
+            </a:r>
+            <a:r>
+              <a:rPr lang="zh-CN" altLang="en-US" dirty="0">
+                <a:solidFill>
+                  <a:schemeClr val="tx1">
+                    <a:lumMod val="75000"/>
+                    <a:lumOff val="25000"/>
+                  </a:schemeClr>
+                </a:solidFill>
+                <a:latin typeface="微软雅黑" panose="020B0503020204020204" pitchFamily="34" charset="-122"/>
+                <a:ea typeface="微软雅黑" panose="020B0503020204020204" pitchFamily="34" charset="-122"/>
+              </a:rPr>
+              <a:t>：</a:t>
+            </a:r>
+          </a:p>
+        </p:txBody>
+      </p:sp>
+      <p:sp>
+        <p:nvSpPr>
+          <p:cNvPr id="6" name="文本框 5"/>
+          <p:cNvSpPr txBox="1"/>
+          <p:nvPr/>
+        </p:nvSpPr>
+        <p:spPr>
+          <a:xfrm>
+            <a:off x="2015543" y="2084994"/>
+            <a:ext cx="9897415" cy="4198393"/>
+          </a:xfrm>
+          <a:prstGeom prst="rect">
+            <a:avLst/>
+          </a:prstGeom>
+          <a:noFill/>
+        </p:spPr>
+        <p:txBody>
+          <a:bodyPr wrap="square" rtlCol="0">
+            <a:spAutoFit/>
+          </a:bodyPr>
+          <a:lstStyle/>
+          <a:p>
             <a:pPr>
               <a:lnSpc>
-                <a:spcPct val="200000"/>
+                <a:spcPct val="150000"/>
               </a:lnSpc>
             </a:pPr>
             <a:r>
@@ -7407,22 +7448,9 @@
                 <a:latin typeface="微软雅黑" panose="020B0503020204020204" pitchFamily="34" charset="-122"/>
                 <a:ea typeface="微软雅黑" panose="020B0503020204020204" pitchFamily="34" charset="-122"/>
               </a:rPr>
-              <a:t>mongodb</a:t>
-            </a:r>
-            <a:r>
-              <a:rPr lang="zh-CN" altLang="zh-CN" dirty="0">
-                <a:solidFill>
-                  <a:schemeClr val="tx1">
-                    <a:lumMod val="75000"/>
-                    <a:lumOff val="25000"/>
-                  </a:schemeClr>
-                </a:solidFill>
-                <a:latin typeface="微软雅黑" panose="020B0503020204020204" pitchFamily="34" charset="-122"/>
-                <a:ea typeface="微软雅黑" panose="020B0503020204020204" pitchFamily="34" charset="-122"/>
-              </a:rPr>
-              <a:t>的</a:t>
-            </a:r>
-            <a:r>
+              <a:t>hbase&gt; get ‘t1′, ‘r1′ </a:t>
+            </a:r>
+            <a:br>
               <a:rPr lang="en-US" altLang="zh-CN" dirty="0">
                 <a:solidFill>
                   <a:schemeClr val="tx1">
@@ -7433,21 +7461,7 @@
                 <a:latin typeface="微软雅黑" panose="020B0503020204020204" pitchFamily="34" charset="-122"/>
                 <a:ea typeface="微软雅黑" panose="020B0503020204020204" pitchFamily="34" charset="-122"/>
               </a:rPr>
-              <a:t>update</a:t>
-            </a:r>
-            <a:r>
-              <a:rPr lang="zh-CN" altLang="zh-CN" dirty="0">
-                <a:solidFill>
-                  <a:schemeClr val="tx1">
-                    <a:lumMod val="75000"/>
-                    <a:lumOff val="25000"/>
-                  </a:schemeClr>
-                </a:solidFill>
-                <a:latin typeface="微软雅黑" panose="020B0503020204020204" pitchFamily="34" charset="-122"/>
-                <a:ea typeface="微软雅黑" panose="020B0503020204020204" pitchFamily="34" charset="-122"/>
-              </a:rPr>
-              <a:t>是</a:t>
-            </a:r>
+            </a:br>
             <a:r>
               <a:rPr lang="en-US" altLang="zh-CN" dirty="0">
                 <a:solidFill>
@@ -7459,22 +7473,9 @@
                 <a:latin typeface="微软雅黑" panose="020B0503020204020204" pitchFamily="34" charset="-122"/>
                 <a:ea typeface="微软雅黑" panose="020B0503020204020204" pitchFamily="34" charset="-122"/>
               </a:rPr>
-              <a:t>update-in-place</a:t>
-            </a:r>
-            <a:r>
-              <a:rPr lang="zh-CN" altLang="zh-CN" dirty="0">
-                <a:solidFill>
-                  <a:schemeClr val="tx1">
-                    <a:lumMod val="75000"/>
-                    <a:lumOff val="25000"/>
-                  </a:schemeClr>
-                </a:solidFill>
-                <a:latin typeface="微软雅黑" panose="020B0503020204020204" pitchFamily="34" charset="-122"/>
-                <a:ea typeface="微软雅黑" panose="020B0503020204020204" pitchFamily="34" charset="-122"/>
-              </a:rPr>
-              <a:t>，也就是原地更新，除非原地容纳不下更新后的数据记录。而</a:t>
-            </a:r>
-            <a:r>
+              <a:t>hbase&gt; get ‘t1′, ‘r1′, {TIMERANGE =&gt; [ts1, ts2]} </a:t>
+            </a:r>
+            <a:br>
               <a:rPr lang="en-US" altLang="zh-CN" dirty="0">
                 <a:solidFill>
                   <a:schemeClr val="tx1">
@@ -7485,21 +7486,7 @@
                 <a:latin typeface="微软雅黑" panose="020B0503020204020204" pitchFamily="34" charset="-122"/>
                 <a:ea typeface="微软雅黑" panose="020B0503020204020204" pitchFamily="34" charset="-122"/>
               </a:rPr>
-              <a:t>hbase</a:t>
-            </a:r>
-            <a:r>
-              <a:rPr lang="zh-CN" altLang="zh-CN" dirty="0">
-                <a:solidFill>
-                  <a:schemeClr val="tx1">
-                    <a:lumMod val="75000"/>
-                    <a:lumOff val="25000"/>
-                  </a:schemeClr>
-                </a:solidFill>
-                <a:latin typeface="微软雅黑" panose="020B0503020204020204" pitchFamily="34" charset="-122"/>
-                <a:ea typeface="微软雅黑" panose="020B0503020204020204" pitchFamily="34" charset="-122"/>
-              </a:rPr>
-              <a:t>的修改和添加都是同一个命令：</a:t>
-            </a:r>
+            </a:br>
             <a:r>
               <a:rPr lang="en-US" altLang="zh-CN" dirty="0">
                 <a:solidFill>
@@ -7511,22 +7498,9 @@
                 <a:latin typeface="微软雅黑" panose="020B0503020204020204" pitchFamily="34" charset="-122"/>
                 <a:ea typeface="微软雅黑" panose="020B0503020204020204" pitchFamily="34" charset="-122"/>
               </a:rPr>
-              <a:t>put</a:t>
-            </a:r>
-            <a:r>
-              <a:rPr lang="zh-CN" altLang="zh-CN" dirty="0">
-                <a:solidFill>
-                  <a:schemeClr val="tx1">
-                    <a:lumMod val="75000"/>
-                    <a:lumOff val="25000"/>
-                  </a:schemeClr>
-                </a:solidFill>
-                <a:latin typeface="微软雅黑" panose="020B0503020204020204" pitchFamily="34" charset="-122"/>
-                <a:ea typeface="微软雅黑" panose="020B0503020204020204" pitchFamily="34" charset="-122"/>
-              </a:rPr>
-              <a:t>，如果</a:t>
-            </a:r>
-            <a:r>
+              <a:t>hbase&gt; get ‘t1′, ‘r1′, {COLUMN =&gt; ‘c1′} </a:t>
+            </a:r>
+            <a:br>
               <a:rPr lang="en-US" altLang="zh-CN" dirty="0">
                 <a:solidFill>
                   <a:schemeClr val="tx1">
@@ -7537,21 +7511,7 @@
                 <a:latin typeface="微软雅黑" panose="020B0503020204020204" pitchFamily="34" charset="-122"/>
                 <a:ea typeface="微软雅黑" panose="020B0503020204020204" pitchFamily="34" charset="-122"/>
               </a:rPr>
-              <a:t>put</a:t>
-            </a:r>
-            <a:r>
-              <a:rPr lang="zh-CN" altLang="zh-CN" dirty="0">
-                <a:solidFill>
-                  <a:schemeClr val="tx1">
-                    <a:lumMod val="75000"/>
-                    <a:lumOff val="25000"/>
-                  </a:schemeClr>
-                </a:solidFill>
-                <a:latin typeface="微软雅黑" panose="020B0503020204020204" pitchFamily="34" charset="-122"/>
-                <a:ea typeface="微软雅黑" panose="020B0503020204020204" pitchFamily="34" charset="-122"/>
-              </a:rPr>
-              <a:t>传入的</a:t>
-            </a:r>
+            </a:br>
             <a:r>
               <a:rPr lang="en-US" altLang="zh-CN" dirty="0">
                 <a:solidFill>
@@ -7563,22 +7523,9 @@
                 <a:latin typeface="微软雅黑" panose="020B0503020204020204" pitchFamily="34" charset="-122"/>
                 <a:ea typeface="微软雅黑" panose="020B0503020204020204" pitchFamily="34" charset="-122"/>
               </a:rPr>
-              <a:t>row key</a:t>
-            </a:r>
-            <a:r>
-              <a:rPr lang="zh-CN" altLang="zh-CN" dirty="0">
-                <a:solidFill>
-                  <a:schemeClr val="tx1">
-                    <a:lumMod val="75000"/>
-                    <a:lumOff val="25000"/>
-                  </a:schemeClr>
-                </a:solidFill>
-                <a:latin typeface="微软雅黑" panose="020B0503020204020204" pitchFamily="34" charset="-122"/>
-                <a:ea typeface="微软雅黑" panose="020B0503020204020204" pitchFamily="34" charset="-122"/>
-              </a:rPr>
-              <a:t>已经存在就更新原记录</a:t>
-            </a:r>
-            <a:r>
+              <a:t>hbase&gt; get ‘t1′, ‘r1′, {COLUMN =&gt; ['c1', 'c2', 'c3']} </a:t>
+            </a:r>
+            <a:br>
               <a:rPr lang="en-US" altLang="zh-CN" dirty="0">
                 <a:solidFill>
                   <a:schemeClr val="tx1">
@@ -7589,21 +7536,7 @@
                 <a:latin typeface="微软雅黑" panose="020B0503020204020204" pitchFamily="34" charset="-122"/>
                 <a:ea typeface="微软雅黑" panose="020B0503020204020204" pitchFamily="34" charset="-122"/>
               </a:rPr>
-              <a:t>,</a:t>
-            </a:r>
-            <a:r>
-              <a:rPr lang="zh-CN" altLang="zh-CN" dirty="0">
-                <a:solidFill>
-                  <a:schemeClr val="tx1">
-                    <a:lumMod val="75000"/>
-                    <a:lumOff val="25000"/>
-                  </a:schemeClr>
-                </a:solidFill>
-                <a:latin typeface="微软雅黑" panose="020B0503020204020204" pitchFamily="34" charset="-122"/>
-                <a:ea typeface="微软雅黑" panose="020B0503020204020204" pitchFamily="34" charset="-122"/>
-              </a:rPr>
-              <a:t>实际上</a:t>
-            </a:r>
+            </a:br>
             <a:r>
               <a:rPr lang="en-US" altLang="zh-CN" dirty="0">
                 <a:solidFill>
@@ -7615,22 +7548,9 @@
                 <a:latin typeface="微软雅黑" panose="020B0503020204020204" pitchFamily="34" charset="-122"/>
                 <a:ea typeface="微软雅黑" panose="020B0503020204020204" pitchFamily="34" charset="-122"/>
               </a:rPr>
-              <a:t>hbase</a:t>
-            </a:r>
-            <a:r>
-              <a:rPr lang="zh-CN" altLang="zh-CN" dirty="0">
-                <a:solidFill>
-                  <a:schemeClr val="tx1">
-                    <a:lumMod val="75000"/>
-                    <a:lumOff val="25000"/>
-                  </a:schemeClr>
-                </a:solidFill>
-                <a:latin typeface="微软雅黑" panose="020B0503020204020204" pitchFamily="34" charset="-122"/>
-                <a:ea typeface="微软雅黑" panose="020B0503020204020204" pitchFamily="34" charset="-122"/>
-              </a:rPr>
-              <a:t>内部也不是更新，它只是将这一份数据已不同的版本保存下来而已，</a:t>
-            </a:r>
-            <a:r>
+              <a:t>hbase&gt; get ‘t1′, ‘r1′, {COLUMN =&gt; ‘c1′, TIMESTAMP =&gt; ts1} </a:t>
+            </a:r>
+            <a:br>
               <a:rPr lang="en-US" altLang="zh-CN" dirty="0">
                 <a:solidFill>
                   <a:schemeClr val="tx1">
@@ -7641,21 +7561,7 @@
                 <a:latin typeface="微软雅黑" panose="020B0503020204020204" pitchFamily="34" charset="-122"/>
                 <a:ea typeface="微软雅黑" panose="020B0503020204020204" pitchFamily="34" charset="-122"/>
               </a:rPr>
-              <a:t>hbase</a:t>
-            </a:r>
-            <a:r>
-              <a:rPr lang="zh-CN" altLang="zh-CN" dirty="0">
-                <a:solidFill>
-                  <a:schemeClr val="tx1">
-                    <a:lumMod val="75000"/>
-                    <a:lumOff val="25000"/>
-                  </a:schemeClr>
-                </a:solidFill>
-                <a:latin typeface="微软雅黑" panose="020B0503020204020204" pitchFamily="34" charset="-122"/>
-                <a:ea typeface="微软雅黑" panose="020B0503020204020204" pitchFamily="34" charset="-122"/>
-              </a:rPr>
-              <a:t>默认的保存版本的历史数量是</a:t>
-            </a:r>
+            </a:br>
             <a:r>
               <a:rPr lang="en-US" altLang="zh-CN" dirty="0">
                 <a:solidFill>
@@ -7667,28 +7573,108 @@
                 <a:latin typeface="微软雅黑" panose="020B0503020204020204" pitchFamily="34" charset="-122"/>
                 <a:ea typeface="微软雅黑" panose="020B0503020204020204" pitchFamily="34" charset="-122"/>
               </a:rPr>
-              <a:t>3</a:t>
-            </a:r>
-            <a:r>
-              <a:rPr lang="zh-CN" altLang="zh-CN" dirty="0">
-                <a:solidFill>
-                  <a:schemeClr val="tx1">
-                    <a:lumMod val="75000"/>
-                    <a:lumOff val="25000"/>
-                  </a:schemeClr>
-                </a:solidFill>
-                <a:latin typeface="微软雅黑" panose="020B0503020204020204" pitchFamily="34" charset="-122"/>
-                <a:ea typeface="微软雅黑" panose="020B0503020204020204" pitchFamily="34" charset="-122"/>
-              </a:rPr>
-              <a:t>。</a:t>
-            </a:r>
-          </a:p>
-          <a:p>
-            <a:pPr>
-              <a:lnSpc>
-                <a:spcPct val="200000"/>
-              </a:lnSpc>
-            </a:pPr>
+              <a:t>hbase&gt; get ‘t1′, ‘r1′, {COLUMN =&gt; ‘c1′, TIMERANGE =&gt; [ts1, ts2], VERSIONS =&gt; 4} </a:t>
+            </a:r>
+            <a:br>
+              <a:rPr lang="en-US" altLang="zh-CN" dirty="0">
+                <a:solidFill>
+                  <a:schemeClr val="tx1">
+                    <a:lumMod val="75000"/>
+                    <a:lumOff val="25000"/>
+                  </a:schemeClr>
+                </a:solidFill>
+                <a:latin typeface="微软雅黑" panose="020B0503020204020204" pitchFamily="34" charset="-122"/>
+                <a:ea typeface="微软雅黑" panose="020B0503020204020204" pitchFamily="34" charset="-122"/>
+              </a:rPr>
+            </a:br>
+            <a:r>
+              <a:rPr lang="en-US" altLang="zh-CN" dirty="0">
+                <a:solidFill>
+                  <a:schemeClr val="tx1">
+                    <a:lumMod val="75000"/>
+                    <a:lumOff val="25000"/>
+                  </a:schemeClr>
+                </a:solidFill>
+                <a:latin typeface="微软雅黑" panose="020B0503020204020204" pitchFamily="34" charset="-122"/>
+                <a:ea typeface="微软雅黑" panose="020B0503020204020204" pitchFamily="34" charset="-122"/>
+              </a:rPr>
+              <a:t>hbase&gt; get ‘t1′, ‘r1′, {COLUMN =&gt; ‘c1′, TIMESTAMP =&gt; ts1, VERSIONS =&gt; 4} </a:t>
+            </a:r>
+            <a:br>
+              <a:rPr lang="en-US" altLang="zh-CN" dirty="0">
+                <a:solidFill>
+                  <a:schemeClr val="tx1">
+                    <a:lumMod val="75000"/>
+                    <a:lumOff val="25000"/>
+                  </a:schemeClr>
+                </a:solidFill>
+                <a:latin typeface="微软雅黑" panose="020B0503020204020204" pitchFamily="34" charset="-122"/>
+                <a:ea typeface="微软雅黑" panose="020B0503020204020204" pitchFamily="34" charset="-122"/>
+              </a:rPr>
+            </a:br>
+            <a:r>
+              <a:rPr lang="en-US" altLang="zh-CN" dirty="0">
+                <a:solidFill>
+                  <a:schemeClr val="tx1">
+                    <a:lumMod val="75000"/>
+                    <a:lumOff val="25000"/>
+                  </a:schemeClr>
+                </a:solidFill>
+                <a:latin typeface="微软雅黑" panose="020B0503020204020204" pitchFamily="34" charset="-122"/>
+                <a:ea typeface="微软雅黑" panose="020B0503020204020204" pitchFamily="34" charset="-122"/>
+              </a:rPr>
+              <a:t>hbase&gt; get ‘t1′, ‘r1′, ‘c1′ </a:t>
+            </a:r>
+            <a:br>
+              <a:rPr lang="en-US" altLang="zh-CN" dirty="0">
+                <a:solidFill>
+                  <a:schemeClr val="tx1">
+                    <a:lumMod val="75000"/>
+                    <a:lumOff val="25000"/>
+                  </a:schemeClr>
+                </a:solidFill>
+                <a:latin typeface="微软雅黑" panose="020B0503020204020204" pitchFamily="34" charset="-122"/>
+                <a:ea typeface="微软雅黑" panose="020B0503020204020204" pitchFamily="34" charset="-122"/>
+              </a:rPr>
+            </a:br>
+            <a:r>
+              <a:rPr lang="en-US" altLang="zh-CN" dirty="0">
+                <a:solidFill>
+                  <a:schemeClr val="tx1">
+                    <a:lumMod val="75000"/>
+                    <a:lumOff val="25000"/>
+                  </a:schemeClr>
+                </a:solidFill>
+                <a:latin typeface="微软雅黑" panose="020B0503020204020204" pitchFamily="34" charset="-122"/>
+                <a:ea typeface="微软雅黑" panose="020B0503020204020204" pitchFamily="34" charset="-122"/>
+              </a:rPr>
+              <a:t>hbase&gt; get ‘t1′, ‘r1′, ‘c1′, ‘c2′ </a:t>
+            </a:r>
+            <a:br>
+              <a:rPr lang="en-US" altLang="zh-CN" dirty="0">
+                <a:solidFill>
+                  <a:schemeClr val="tx1">
+                    <a:lumMod val="75000"/>
+                    <a:lumOff val="25000"/>
+                  </a:schemeClr>
+                </a:solidFill>
+                <a:latin typeface="微软雅黑" panose="020B0503020204020204" pitchFamily="34" charset="-122"/>
+                <a:ea typeface="微软雅黑" panose="020B0503020204020204" pitchFamily="34" charset="-122"/>
+              </a:rPr>
+            </a:br>
+            <a:r>
+              <a:rPr lang="en-US" altLang="zh-CN" dirty="0">
+                <a:solidFill>
+                  <a:schemeClr val="tx1">
+                    <a:lumMod val="75000"/>
+                    <a:lumOff val="25000"/>
+                  </a:schemeClr>
+                </a:solidFill>
+                <a:latin typeface="微软雅黑" panose="020B0503020204020204" pitchFamily="34" charset="-122"/>
+                <a:ea typeface="微软雅黑" panose="020B0503020204020204" pitchFamily="34" charset="-122"/>
+              </a:rPr>
+              <a:t>hbase&gt; get ‘t1′, ‘r1′, ['c1', 'c2'] </a:t>
+            </a:r>
             <a:endParaRPr lang="zh-CN" altLang="en-US" dirty="0">
               <a:solidFill>
                 <a:schemeClr val="tx1">
@@ -7705,7 +7691,7 @@
     </p:spTree>
     <p:extLst>
       <p:ext uri="{BB962C8B-B14F-4D97-AF65-F5344CB8AC3E}">
-        <p14:creationId xmlns:p14="http://schemas.microsoft.com/office/powerpoint/2010/main" val="1378945060"/>
+        <p14:creationId xmlns:p14="http://schemas.microsoft.com/office/powerpoint/2010/main" xmlns="" val="977844192"/>
       </p:ext>
     </p:extLst>
   </p:cSld>
@@ -7713,7 +7699,7 @@
     <a:masterClrMapping/>
   </p:clrMapOvr>
   <mc:AlternateContent xmlns:mc="http://schemas.openxmlformats.org/markup-compatibility/2006">
-    <mc:Choice xmlns:p14="http://schemas.microsoft.com/office/powerpoint/2010/main" Requires="p14">
+    <mc:Choice xmlns:p14="http://schemas.microsoft.com/office/powerpoint/2010/main" xmlns="" Requires="p14">
       <p:transition spd="slow" p14:dur="2500" advClick="0">
         <p:checker/>
       </p:transition>
@@ -7763,7 +7749,7 @@
           <a:blip r:embed="rId2">
             <a:extLst>
               <a:ext uri="{28A0092B-C50C-407E-A947-70E740481C1C}">
-                <a14:useLocalDpi xmlns:a14="http://schemas.microsoft.com/office/drawing/2010/main" val="0"/>
+                <a14:useLocalDpi xmlns:a14="http://schemas.microsoft.com/office/drawing/2010/main" xmlns="" val="0"/>
               </a:ext>
             </a:extLst>
           </a:blip>
@@ -7944,20 +7930,20 @@
           <a:lstStyle/>
           <a:p>
             <a:r>
-              <a:rPr lang="en-US" altLang="zh-CN" dirty="0">
-                <a:solidFill>
-                  <a:schemeClr val="tx1">
-                    <a:lumMod val="75000"/>
-                    <a:lumOff val="25000"/>
-                  </a:schemeClr>
-                </a:solidFill>
-                <a:latin typeface="微软雅黑" panose="020B0503020204020204" pitchFamily="34" charset="-122"/>
-                <a:ea typeface="微软雅黑" panose="020B0503020204020204" pitchFamily="34" charset="-122"/>
-              </a:rPr>
-              <a:t>Shell</a:t>
-            </a:r>
-            <a:r>
-              <a:rPr lang="zh-CN" altLang="en-US" dirty="0">
+              <a:rPr lang="en-US" altLang="zh-CN" dirty="0" smtClean="0">
+                <a:solidFill>
+                  <a:schemeClr val="tx1">
+                    <a:lumMod val="75000"/>
+                    <a:lumOff val="25000"/>
+                  </a:schemeClr>
+                </a:solidFill>
+                <a:latin typeface="微软雅黑" panose="020B0503020204020204" pitchFamily="34" charset="-122"/>
+                <a:ea typeface="微软雅黑" panose="020B0503020204020204" pitchFamily="34" charset="-122"/>
+              </a:rPr>
+              <a:t>java</a:t>
+            </a:r>
+            <a:r>
+              <a:rPr lang="zh-CN" altLang="en-US" dirty="0" smtClean="0">
                 <a:solidFill>
                   <a:schemeClr val="tx1">
                     <a:lumMod val="75000"/>
@@ -7984,14 +7970,14 @@
       </p:sp>
       <p:sp>
         <p:nvSpPr>
-          <p:cNvPr id="6" name="文本框 5"/>
+          <p:cNvPr id="3" name="文本框 2"/>
           <p:cNvSpPr txBox="1"/>
           <p:nvPr/>
         </p:nvSpPr>
         <p:spPr>
           <a:xfrm>
-            <a:off x="2015543" y="2084994"/>
-            <a:ext cx="9897415" cy="4198393"/>
+            <a:off x="1468192" y="2756079"/>
+            <a:ext cx="3155323" cy="646331"/>
           </a:xfrm>
           <a:prstGeom prst="rect">
             <a:avLst/>
@@ -8004,12 +7990,37 @@
           </a:bodyPr>
           <a:lstStyle/>
           <a:p>
-            <a:pPr>
-              <a:lnSpc>
-                <a:spcPct val="150000"/>
-              </a:lnSpc>
+            <a:pPr marL="285750" indent="-285750">
+              <a:buFont typeface="Arial" panose="020B0604020202020204" pitchFamily="34" charset="0"/>
+              <a:buChar char="•"/>
             </a:pPr>
             <a:r>
+              <a:rPr lang="zh-CN" altLang="zh-CN" dirty="0" smtClean="0">
+                <a:solidFill>
+                  <a:schemeClr val="tx1">
+                    <a:lumMod val="75000"/>
+                    <a:lumOff val="25000"/>
+                  </a:schemeClr>
+                </a:solidFill>
+                <a:latin typeface="微软雅黑" panose="020B0503020204020204" pitchFamily="34" charset="-122"/>
+                <a:ea typeface="微软雅黑" panose="020B0503020204020204" pitchFamily="34" charset="-122"/>
+              </a:rPr>
+              <a:t>通过</a:t>
+            </a:r>
+            <a:r>
+              <a:rPr lang="zh-CN" altLang="zh-CN" dirty="0">
+                <a:solidFill>
+                  <a:schemeClr val="tx1">
+                    <a:lumMod val="75000"/>
+                    <a:lumOff val="25000"/>
+                  </a:schemeClr>
+                </a:solidFill>
+                <a:latin typeface="微软雅黑" panose="020B0503020204020204" pitchFamily="34" charset="-122"/>
+                <a:ea typeface="微软雅黑" panose="020B0503020204020204" pitchFamily="34" charset="-122"/>
+              </a:rPr>
+              <a:t>单个</a:t>
+            </a:r>
+            <a:r>
               <a:rPr lang="en-US" altLang="zh-CN" dirty="0">
                 <a:solidFill>
                   <a:schemeClr val="tx1">
@@ -8020,233 +8031,27 @@
                 <a:latin typeface="微软雅黑" panose="020B0503020204020204" pitchFamily="34" charset="-122"/>
                 <a:ea typeface="微软雅黑" panose="020B0503020204020204" pitchFamily="34" charset="-122"/>
               </a:rPr>
-              <a:t>hbase&gt; get ‘t1′, ‘r1′ </a:t>
-            </a:r>
-            <a:br>
-              <a:rPr lang="en-US" altLang="zh-CN" dirty="0">
-                <a:solidFill>
-                  <a:schemeClr val="tx1">
-                    <a:lumMod val="75000"/>
-                    <a:lumOff val="25000"/>
-                  </a:schemeClr>
-                </a:solidFill>
-                <a:latin typeface="微软雅黑" panose="020B0503020204020204" pitchFamily="34" charset="-122"/>
-                <a:ea typeface="微软雅黑" panose="020B0503020204020204" pitchFamily="34" charset="-122"/>
-              </a:rPr>
-            </a:br>
-            <a:r>
-              <a:rPr lang="en-US" altLang="zh-CN" dirty="0">
-                <a:solidFill>
-                  <a:schemeClr val="tx1">
-                    <a:lumMod val="75000"/>
-                    <a:lumOff val="25000"/>
-                  </a:schemeClr>
-                </a:solidFill>
-                <a:latin typeface="微软雅黑" panose="020B0503020204020204" pitchFamily="34" charset="-122"/>
-                <a:ea typeface="微软雅黑" panose="020B0503020204020204" pitchFamily="34" charset="-122"/>
-              </a:rPr>
-              <a:t>hbase&gt; get ‘t1′, ‘r1′, {TIMERANGE =&gt; [ts1, ts2]} </a:t>
-            </a:r>
-            <a:br>
-              <a:rPr lang="en-US" altLang="zh-CN" dirty="0">
-                <a:solidFill>
-                  <a:schemeClr val="tx1">
-                    <a:lumMod val="75000"/>
-                    <a:lumOff val="25000"/>
-                  </a:schemeClr>
-                </a:solidFill>
-                <a:latin typeface="微软雅黑" panose="020B0503020204020204" pitchFamily="34" charset="-122"/>
-                <a:ea typeface="微软雅黑" panose="020B0503020204020204" pitchFamily="34" charset="-122"/>
-              </a:rPr>
-            </a:br>
-            <a:r>
-              <a:rPr lang="en-US" altLang="zh-CN" dirty="0">
-                <a:solidFill>
-                  <a:schemeClr val="tx1">
-                    <a:lumMod val="75000"/>
-                    <a:lumOff val="25000"/>
-                  </a:schemeClr>
-                </a:solidFill>
-                <a:latin typeface="微软雅黑" panose="020B0503020204020204" pitchFamily="34" charset="-122"/>
-                <a:ea typeface="微软雅黑" panose="020B0503020204020204" pitchFamily="34" charset="-122"/>
-              </a:rPr>
-              <a:t>hbase&gt; get ‘t1′, ‘r1′, {COLUMN =&gt; ‘c1′} </a:t>
-            </a:r>
-            <a:br>
-              <a:rPr lang="en-US" altLang="zh-CN" dirty="0">
-                <a:solidFill>
-                  <a:schemeClr val="tx1">
-                    <a:lumMod val="75000"/>
-                    <a:lumOff val="25000"/>
-                  </a:schemeClr>
-                </a:solidFill>
-                <a:latin typeface="微软雅黑" panose="020B0503020204020204" pitchFamily="34" charset="-122"/>
-                <a:ea typeface="微软雅黑" panose="020B0503020204020204" pitchFamily="34" charset="-122"/>
-              </a:rPr>
-            </a:br>
-            <a:r>
-              <a:rPr lang="en-US" altLang="zh-CN" dirty="0">
-                <a:solidFill>
-                  <a:schemeClr val="tx1">
-                    <a:lumMod val="75000"/>
-                    <a:lumOff val="25000"/>
-                  </a:schemeClr>
-                </a:solidFill>
-                <a:latin typeface="微软雅黑" panose="020B0503020204020204" pitchFamily="34" charset="-122"/>
-                <a:ea typeface="微软雅黑" panose="020B0503020204020204" pitchFamily="34" charset="-122"/>
-              </a:rPr>
-              <a:t>hbase&gt; get ‘t1′, ‘r1′, {COLUMN =&gt; ['c1', 'c2', 'c3']} </a:t>
-            </a:r>
-            <a:br>
-              <a:rPr lang="en-US" altLang="zh-CN" dirty="0">
-                <a:solidFill>
-                  <a:schemeClr val="tx1">
-                    <a:lumMod val="75000"/>
-                    <a:lumOff val="25000"/>
-                  </a:schemeClr>
-                </a:solidFill>
-                <a:latin typeface="微软雅黑" panose="020B0503020204020204" pitchFamily="34" charset="-122"/>
-                <a:ea typeface="微软雅黑" panose="020B0503020204020204" pitchFamily="34" charset="-122"/>
-              </a:rPr>
-            </a:br>
-            <a:r>
-              <a:rPr lang="en-US" altLang="zh-CN" dirty="0">
-                <a:solidFill>
-                  <a:schemeClr val="tx1">
-                    <a:lumMod val="75000"/>
-                    <a:lumOff val="25000"/>
-                  </a:schemeClr>
-                </a:solidFill>
-                <a:latin typeface="微软雅黑" panose="020B0503020204020204" pitchFamily="34" charset="-122"/>
-                <a:ea typeface="微软雅黑" panose="020B0503020204020204" pitchFamily="34" charset="-122"/>
-              </a:rPr>
-              <a:t>hbase&gt; get ‘t1′, ‘r1′, {COLUMN =&gt; ‘c1′, TIMESTAMP =&gt; ts1} </a:t>
-            </a:r>
-            <a:br>
-              <a:rPr lang="en-US" altLang="zh-CN" dirty="0">
-                <a:solidFill>
-                  <a:schemeClr val="tx1">
-                    <a:lumMod val="75000"/>
-                    <a:lumOff val="25000"/>
-                  </a:schemeClr>
-                </a:solidFill>
-                <a:latin typeface="微软雅黑" panose="020B0503020204020204" pitchFamily="34" charset="-122"/>
-                <a:ea typeface="微软雅黑" panose="020B0503020204020204" pitchFamily="34" charset="-122"/>
-              </a:rPr>
-            </a:br>
-            <a:r>
-              <a:rPr lang="en-US" altLang="zh-CN" dirty="0">
-                <a:solidFill>
-                  <a:schemeClr val="tx1">
-                    <a:lumMod val="75000"/>
-                    <a:lumOff val="25000"/>
-                  </a:schemeClr>
-                </a:solidFill>
-                <a:latin typeface="微软雅黑" panose="020B0503020204020204" pitchFamily="34" charset="-122"/>
-                <a:ea typeface="微软雅黑" panose="020B0503020204020204" pitchFamily="34" charset="-122"/>
-              </a:rPr>
-              <a:t>hbase&gt; get ‘t1′, ‘r1′, {COLUMN =&gt; ‘c1′, TIMERANGE =&gt; [ts1, ts2], VERSIONS =&gt; 4} </a:t>
-            </a:r>
-            <a:br>
-              <a:rPr lang="en-US" altLang="zh-CN" dirty="0">
-                <a:solidFill>
-                  <a:schemeClr val="tx1">
-                    <a:lumMod val="75000"/>
-                    <a:lumOff val="25000"/>
-                  </a:schemeClr>
-                </a:solidFill>
-                <a:latin typeface="微软雅黑" panose="020B0503020204020204" pitchFamily="34" charset="-122"/>
-                <a:ea typeface="微软雅黑" panose="020B0503020204020204" pitchFamily="34" charset="-122"/>
-              </a:rPr>
-            </a:br>
-            <a:r>
-              <a:rPr lang="en-US" altLang="zh-CN" dirty="0">
-                <a:solidFill>
-                  <a:schemeClr val="tx1">
-                    <a:lumMod val="75000"/>
-                    <a:lumOff val="25000"/>
-                  </a:schemeClr>
-                </a:solidFill>
-                <a:latin typeface="微软雅黑" panose="020B0503020204020204" pitchFamily="34" charset="-122"/>
-                <a:ea typeface="微软雅黑" panose="020B0503020204020204" pitchFamily="34" charset="-122"/>
-              </a:rPr>
-              <a:t>hbase&gt; get ‘t1′, ‘r1′, {COLUMN =&gt; ‘c1′, TIMESTAMP =&gt; ts1, VERSIONS =&gt; 4} </a:t>
-            </a:r>
-            <a:br>
-              <a:rPr lang="en-US" altLang="zh-CN" dirty="0">
-                <a:solidFill>
-                  <a:schemeClr val="tx1">
-                    <a:lumMod val="75000"/>
-                    <a:lumOff val="25000"/>
-                  </a:schemeClr>
-                </a:solidFill>
-                <a:latin typeface="微软雅黑" panose="020B0503020204020204" pitchFamily="34" charset="-122"/>
-                <a:ea typeface="微软雅黑" panose="020B0503020204020204" pitchFamily="34" charset="-122"/>
-              </a:rPr>
-            </a:br>
-            <a:r>
-              <a:rPr lang="en-US" altLang="zh-CN" dirty="0">
-                <a:solidFill>
-                  <a:schemeClr val="tx1">
-                    <a:lumMod val="75000"/>
-                    <a:lumOff val="25000"/>
-                  </a:schemeClr>
-                </a:solidFill>
-                <a:latin typeface="微软雅黑" panose="020B0503020204020204" pitchFamily="34" charset="-122"/>
-                <a:ea typeface="微软雅黑" panose="020B0503020204020204" pitchFamily="34" charset="-122"/>
-              </a:rPr>
-              <a:t>hbase&gt; get ‘t1′, ‘r1′, ‘c1′ </a:t>
-            </a:r>
-            <a:br>
-              <a:rPr lang="en-US" altLang="zh-CN" dirty="0">
-                <a:solidFill>
-                  <a:schemeClr val="tx1">
-                    <a:lumMod val="75000"/>
-                    <a:lumOff val="25000"/>
-                  </a:schemeClr>
-                </a:solidFill>
-                <a:latin typeface="微软雅黑" panose="020B0503020204020204" pitchFamily="34" charset="-122"/>
-                <a:ea typeface="微软雅黑" panose="020B0503020204020204" pitchFamily="34" charset="-122"/>
-              </a:rPr>
-            </a:br>
-            <a:r>
-              <a:rPr lang="en-US" altLang="zh-CN" dirty="0">
-                <a:solidFill>
-                  <a:schemeClr val="tx1">
-                    <a:lumMod val="75000"/>
-                    <a:lumOff val="25000"/>
-                  </a:schemeClr>
-                </a:solidFill>
-                <a:latin typeface="微软雅黑" panose="020B0503020204020204" pitchFamily="34" charset="-122"/>
-                <a:ea typeface="微软雅黑" panose="020B0503020204020204" pitchFamily="34" charset="-122"/>
-              </a:rPr>
-              <a:t>hbase&gt; get ‘t1′, ‘r1′, ‘c1′, ‘c2′ </a:t>
-            </a:r>
-            <a:br>
-              <a:rPr lang="en-US" altLang="zh-CN" dirty="0">
-                <a:solidFill>
-                  <a:schemeClr val="tx1">
-                    <a:lumMod val="75000"/>
-                    <a:lumOff val="25000"/>
-                  </a:schemeClr>
-                </a:solidFill>
-                <a:latin typeface="微软雅黑" panose="020B0503020204020204" pitchFamily="34" charset="-122"/>
-                <a:ea typeface="微软雅黑" panose="020B0503020204020204" pitchFamily="34" charset="-122"/>
-              </a:rPr>
-            </a:br>
-            <a:r>
-              <a:rPr lang="en-US" altLang="zh-CN" dirty="0">
-                <a:solidFill>
-                  <a:schemeClr val="tx1">
-                    <a:lumMod val="75000"/>
-                    <a:lumOff val="25000"/>
-                  </a:schemeClr>
-                </a:solidFill>
-                <a:latin typeface="微软雅黑" panose="020B0503020204020204" pitchFamily="34" charset="-122"/>
-                <a:ea typeface="微软雅黑" panose="020B0503020204020204" pitchFamily="34" charset="-122"/>
-              </a:rPr>
-              <a:t>hbase&gt; get ‘t1′, ‘r1′, ['c1', 'c2'] </a:t>
-            </a:r>
+              <a:t>row key</a:t>
+            </a:r>
+            <a:r>
+              <a:rPr lang="zh-CN" altLang="zh-CN" dirty="0">
+                <a:solidFill>
+                  <a:schemeClr val="tx1">
+                    <a:lumMod val="75000"/>
+                    <a:lumOff val="25000"/>
+                  </a:schemeClr>
+                </a:solidFill>
+                <a:latin typeface="微软雅黑" panose="020B0503020204020204" pitchFamily="34" charset="-122"/>
+                <a:ea typeface="微软雅黑" panose="020B0503020204020204" pitchFamily="34" charset="-122"/>
+              </a:rPr>
+              <a:t>访问</a:t>
+            </a:r>
+          </a:p>
+          <a:p>
+            <a:pPr marL="285750" indent="-285750">
+              <a:buFont typeface="Arial" panose="020B0604020202020204" pitchFamily="34" charset="0"/>
+              <a:buChar char="•"/>
+            </a:pPr>
             <a:endParaRPr lang="zh-CN" altLang="en-US" dirty="0">
               <a:solidFill>
                 <a:schemeClr val="tx1">
@@ -8260,10 +8065,40 @@
           </a:p>
         </p:txBody>
       </p:sp>
+      <p:pic>
+        <p:nvPicPr>
+          <p:cNvPr id="9" name="图片 8"/>
+          <p:cNvPicPr/>
+          <p:nvPr/>
+        </p:nvPicPr>
+        <p:blipFill>
+          <a:blip r:embed="rId3"/>
+          <a:srcRect/>
+          <a:stretch>
+            <a:fillRect/>
+          </a:stretch>
+        </p:blipFill>
+        <p:spPr bwMode="auto">
+          <a:xfrm>
+            <a:off x="2248231" y="3402410"/>
+            <a:ext cx="6779859" cy="1993839"/>
+          </a:xfrm>
+          <a:prstGeom prst="rect">
+            <a:avLst/>
+          </a:prstGeom>
+          <a:noFill/>
+          <a:ln w="9525">
+            <a:noFill/>
+            <a:miter lim="800000"/>
+            <a:headEnd/>
+            <a:tailEnd/>
+          </a:ln>
+        </p:spPr>
+      </p:pic>
     </p:spTree>
     <p:extLst>
       <p:ext uri="{BB962C8B-B14F-4D97-AF65-F5344CB8AC3E}">
-        <p14:creationId xmlns:p14="http://schemas.microsoft.com/office/powerpoint/2010/main" val="977844192"/>
+        <p14:creationId xmlns:p14="http://schemas.microsoft.com/office/powerpoint/2010/main" xmlns="" val="195885392"/>
       </p:ext>
     </p:extLst>
   </p:cSld>
@@ -8271,7 +8106,7 @@
     <a:masterClrMapping/>
   </p:clrMapOvr>
   <mc:AlternateContent xmlns:mc="http://schemas.openxmlformats.org/markup-compatibility/2006">
-    <mc:Choice xmlns:p14="http://schemas.microsoft.com/office/powerpoint/2010/main" Requires="p14">
+    <mc:Choice xmlns:p14="http://schemas.microsoft.com/office/powerpoint/2010/main" xmlns="" Requires="p14">
       <p:transition spd="slow" p14:dur="2500" advClick="0">
         <p:checker/>
       </p:transition>
@@ -8329,7 +8164,7 @@
           <a:blip r:embed="rId2">
             <a:extLst>
               <a:ext uri="{28A0092B-C50C-407E-A947-70E740481C1C}">
-                <a14:useLocalDpi xmlns:a14="http://schemas.microsoft.com/office/drawing/2010/main" val="0"/>
+                <a14:useLocalDpi xmlns:a14="http://schemas.microsoft.com/office/drawing/2010/main" xmlns="" val="0"/>
               </a:ext>
             </a:extLst>
           </a:blip>
@@ -8620,19 +8455,6 @@
           <a:p>
             <a:pPr algn="ctr"/>
             <a:r>
-              <a:rPr lang="en-US" altLang="zh-CN" sz="3200" dirty="0">
-                <a:solidFill>
-                  <a:schemeClr val="tx1">
-                    <a:lumMod val="75000"/>
-                    <a:lumOff val="25000"/>
-                  </a:schemeClr>
-                </a:solidFill>
-                <a:latin typeface="微软雅黑" panose="020B0503020204020204" pitchFamily="34" charset="-122"/>
-                <a:ea typeface="微软雅黑" panose="020B0503020204020204" pitchFamily="34" charset="-122"/>
-              </a:rPr>
-              <a:t> </a:t>
-            </a:r>
-            <a:r>
               <a:rPr lang="en-US" altLang="zh-CN" sz="3200" dirty="0" smtClean="0">
                 <a:solidFill>
                   <a:schemeClr val="tx1">
@@ -8643,20 +8465,7 @@
                 <a:latin typeface="微软雅黑" panose="020B0503020204020204" pitchFamily="34" charset="-122"/>
                 <a:ea typeface="微软雅黑" panose="020B0503020204020204" pitchFamily="34" charset="-122"/>
               </a:rPr>
-              <a:t>DML</a:t>
-            </a:r>
-            <a:r>
-              <a:rPr lang="zh-CN" altLang="en-US" sz="3200" dirty="0" smtClean="0">
-                <a:solidFill>
-                  <a:schemeClr val="tx1">
-                    <a:lumMod val="75000"/>
-                    <a:lumOff val="25000"/>
-                  </a:schemeClr>
-                </a:solidFill>
-                <a:latin typeface="微软雅黑" panose="020B0503020204020204" pitchFamily="34" charset="-122"/>
-                <a:ea typeface="微软雅黑" panose="020B0503020204020204" pitchFamily="34" charset="-122"/>
-              </a:rPr>
-              <a:t>操作</a:t>
+              <a:t>Phoenix</a:t>
             </a:r>
             <a:endParaRPr lang="zh-CN" altLang="en-US" sz="3200" dirty="0">
               <a:solidFill>
@@ -8679,7 +8488,7 @@
         </p:nvSpPr>
         <p:spPr>
           <a:xfrm>
-            <a:off x="8982282" y="2744815"/>
+            <a:off x="9159703" y="2731168"/>
             <a:ext cx="2458109" cy="584775"/>
           </a:xfrm>
           <a:prstGeom prst="rect">
@@ -8718,7 +8527,20 @@
                 <a:latin typeface="微软雅黑" panose="020B0503020204020204" pitchFamily="34" charset="-122"/>
                 <a:ea typeface="微软雅黑" panose="020B0503020204020204" pitchFamily="34" charset="-122"/>
               </a:rPr>
-              <a:t>操作</a:t>
+              <a:t>、</a:t>
+            </a:r>
+            <a:r>
+              <a:rPr lang="en-US" altLang="zh-CN" sz="3200" dirty="0" smtClean="0">
+                <a:solidFill>
+                  <a:schemeClr val="tx1">
+                    <a:lumMod val="75000"/>
+                    <a:lumOff val="25000"/>
+                  </a:schemeClr>
+                </a:solidFill>
+                <a:latin typeface="微软雅黑" panose="020B0503020204020204" pitchFamily="34" charset="-122"/>
+                <a:ea typeface="微软雅黑" panose="020B0503020204020204" pitchFamily="34" charset="-122"/>
+              </a:rPr>
+              <a:t>DML</a:t>
             </a:r>
             <a:endParaRPr lang="zh-CN" altLang="en-US" sz="3200" dirty="0">
               <a:solidFill>
@@ -8741,7 +8563,7 @@
         </p:nvSpPr>
         <p:spPr>
           <a:xfrm>
-            <a:off x="9236382" y="4647311"/>
+            <a:off x="9236383" y="4674607"/>
             <a:ext cx="2171198" cy="584775"/>
           </a:xfrm>
           <a:prstGeom prst="rect">
@@ -8757,7 +8579,7 @@
           <a:p>
             <a:pPr algn="ctr"/>
             <a:r>
-              <a:rPr lang="en-US" altLang="zh-CN" sz="3200" dirty="0">
+              <a:rPr lang="en-US" altLang="zh-CN" sz="3200" dirty="0" smtClean="0">
                 <a:solidFill>
                   <a:schemeClr val="tx1">
                     <a:lumMod val="75000"/>
@@ -9211,20 +9033,20 @@
     </p:spTree>
     <p:extLst>
       <p:ext uri="{BB962C8B-B14F-4D97-AF65-F5344CB8AC3E}">
-        <p14:creationId xmlns:p14="http://schemas.microsoft.com/office/powerpoint/2010/main" val="566214928"/>
+        <p14:creationId xmlns:p14="http://schemas.microsoft.com/office/powerpoint/2010/main" xmlns="" val="566214928"/>
       </p:ext>
     </p:extLst>
   </p:cSld>
   <p:clrMapOvr>
     <a:masterClrMapping/>
   </p:clrMapOvr>
-  <mc:AlternateContent xmlns:mc="http://schemas.openxmlformats.org/markup-compatibility/2006" xmlns:p15="http://schemas.microsoft.com/office/powerpoint/2012/main">
-    <mc:Choice Requires="p15">
+  <mc:AlternateContent xmlns:mc="http://schemas.openxmlformats.org/markup-compatibility/2006">
+    <mc:Choice xmlns:p15="http://schemas.microsoft.com/office/powerpoint/2012/main" xmlns="" Requires="p15">
       <p:transition xmlns:p14="http://schemas.microsoft.com/office/powerpoint/2010/main" spd="slow" p14:dur="2000" advClick="0">
         <p15:prstTrans prst="fallOver"/>
       </p:transition>
     </mc:Choice>
-    <mc:Fallback xmlns="">
+    <mc:Fallback>
       <p:transition spd="slow" advClick="0">
         <p:fade/>
       </p:transition>
@@ -9269,7 +9091,7 @@
           <a:blip r:embed="rId2">
             <a:extLst>
               <a:ext uri="{28A0092B-C50C-407E-A947-70E740481C1C}">
-                <a14:useLocalDpi xmlns:a14="http://schemas.microsoft.com/office/drawing/2010/main" val="0"/>
+                <a14:useLocalDpi xmlns:a14="http://schemas.microsoft.com/office/drawing/2010/main" xmlns="" val="0"/>
               </a:ext>
             </a:extLst>
           </a:blip>
@@ -9497,7 +9319,7 @@
         <p:spPr>
           <a:xfrm>
             <a:off x="1468192" y="2756079"/>
-            <a:ext cx="3155323" cy="646331"/>
+            <a:ext cx="3155323" cy="369332"/>
           </a:xfrm>
           <a:prstGeom prst="rect">
             <a:avLst/>
@@ -9515,19 +9337,6 @@
               <a:buChar char="•"/>
             </a:pPr>
             <a:r>
-              <a:rPr lang="zh-CN" altLang="zh-CN" dirty="0" smtClean="0">
-                <a:solidFill>
-                  <a:schemeClr val="tx1">
-                    <a:lumMod val="75000"/>
-                    <a:lumOff val="25000"/>
-                  </a:schemeClr>
-                </a:solidFill>
-                <a:latin typeface="微软雅黑" panose="020B0503020204020204" pitchFamily="34" charset="-122"/>
-                <a:ea typeface="微软雅黑" panose="020B0503020204020204" pitchFamily="34" charset="-122"/>
-              </a:rPr>
-              <a:t>通过</a:t>
-            </a:r>
-            <a:r>
               <a:rPr lang="zh-CN" altLang="zh-CN" dirty="0">
                 <a:solidFill>
                   <a:schemeClr val="tx1">
@@ -9538,7 +9347,7 @@
                 <a:latin typeface="微软雅黑" panose="020B0503020204020204" pitchFamily="34" charset="-122"/>
                 <a:ea typeface="微软雅黑" panose="020B0503020204020204" pitchFamily="34" charset="-122"/>
               </a:rPr>
-              <a:t>单个</a:t>
+              <a:t>全表扫描（</a:t>
             </a:r>
             <a:r>
               <a:rPr lang="en-US" altLang="zh-CN" dirty="0">
@@ -9551,7 +9360,7 @@
                 <a:latin typeface="微软雅黑" panose="020B0503020204020204" pitchFamily="34" charset="-122"/>
                 <a:ea typeface="微软雅黑" panose="020B0503020204020204" pitchFamily="34" charset="-122"/>
               </a:rPr>
-              <a:t>row key</a:t>
+              <a:t>scan</a:t>
             </a:r>
             <a:r>
               <a:rPr lang="zh-CN" altLang="zh-CN" dirty="0">
@@ -9564,14 +9373,8 @@
                 <a:latin typeface="微软雅黑" panose="020B0503020204020204" pitchFamily="34" charset="-122"/>
                 <a:ea typeface="微软雅黑" panose="020B0503020204020204" pitchFamily="34" charset="-122"/>
               </a:rPr>
-              <a:t>访问</a:t>
-            </a:r>
-          </a:p>
-          <a:p>
-            <a:pPr marL="285750" indent="-285750">
-              <a:buFont typeface="Arial" panose="020B0604020202020204" pitchFamily="34" charset="0"/>
-              <a:buChar char="•"/>
-            </a:pPr>
+              <a:t>）</a:t>
+            </a:r>
             <a:endParaRPr lang="zh-CN" altLang="en-US" dirty="0">
               <a:solidFill>
                 <a:schemeClr val="tx1">
@@ -9587,7 +9390,7 @@
       </p:sp>
       <p:pic>
         <p:nvPicPr>
-          <p:cNvPr id="9" name="图片 8"/>
+          <p:cNvPr id="11" name="图片 10"/>
           <p:cNvPicPr/>
           <p:nvPr/>
         </p:nvPicPr>
@@ -9600,8 +9403,8 @@
         </p:blipFill>
         <p:spPr bwMode="auto">
           <a:xfrm>
-            <a:off x="2248231" y="3402410"/>
-            <a:ext cx="6779859" cy="1993839"/>
+            <a:off x="1986359" y="3429000"/>
+            <a:ext cx="7260671" cy="2263462"/>
           </a:xfrm>
           <a:prstGeom prst="rect">
             <a:avLst/>
@@ -9618,7 +9421,7 @@
     </p:spTree>
     <p:extLst>
       <p:ext uri="{BB962C8B-B14F-4D97-AF65-F5344CB8AC3E}">
-        <p14:creationId xmlns:p14="http://schemas.microsoft.com/office/powerpoint/2010/main" val="195885392"/>
+        <p14:creationId xmlns:p14="http://schemas.microsoft.com/office/powerpoint/2010/main" xmlns="" val="2399805559"/>
       </p:ext>
     </p:extLst>
   </p:cSld>
@@ -9626,7 +9429,7 @@
     <a:masterClrMapping/>
   </p:clrMapOvr>
   <mc:AlternateContent xmlns:mc="http://schemas.openxmlformats.org/markup-compatibility/2006">
-    <mc:Choice xmlns:p14="http://schemas.microsoft.com/office/powerpoint/2010/main" Requires="p14">
+    <mc:Choice xmlns:p14="http://schemas.microsoft.com/office/powerpoint/2010/main" xmlns="" Requires="p14">
       <p:transition spd="slow" p14:dur="2500" advClick="0">
         <p:checker/>
       </p:transition>
@@ -9676,7 +9479,7 @@
           <a:blip r:embed="rId2">
             <a:extLst>
               <a:ext uri="{28A0092B-C50C-407E-A947-70E740481C1C}">
-                <a14:useLocalDpi xmlns:a14="http://schemas.microsoft.com/office/drawing/2010/main" val="0"/>
+                <a14:useLocalDpi xmlns:a14="http://schemas.microsoft.com/office/drawing/2010/main" xmlns="" val="0"/>
               </a:ext>
             </a:extLst>
           </a:blip>
@@ -9686,7 +9489,7 @@
         </p:blipFill>
         <p:spPr>
           <a:xfrm>
-            <a:off x="0" y="0"/>
+            <a:off x="24000" y="0"/>
             <a:ext cx="12192000" cy="6858000"/>
           </a:xfrm>
           <a:prstGeom prst="rect">
@@ -9827,8 +9630,12 @@
           <a:lstStyle/>
           <a:p>
             <a:r>
+              <a:rPr lang="zh-CN" altLang="en-US" sz="2800" b="1" dirty="0"/>
+              <a:t>删除</a:t>
+            </a:r>
+            <a:r>
               <a:rPr lang="zh-CN" altLang="en-US" sz="2800" b="1" dirty="0" smtClean="0"/>
-              <a:t>获取数据：</a:t>
+              <a:t>数据：</a:t>
             </a:r>
             <a:endParaRPr lang="zh-CN" altLang="zh-CN" sz="2800" b="1" dirty="0"/>
           </a:p>
@@ -9867,7 +9674,7 @@
                 <a:latin typeface="微软雅黑" panose="020B0503020204020204" pitchFamily="34" charset="-122"/>
                 <a:ea typeface="微软雅黑" panose="020B0503020204020204" pitchFamily="34" charset="-122"/>
               </a:rPr>
-              <a:t>java</a:t>
+              <a:t>shell</a:t>
             </a:r>
             <a:r>
               <a:rPr lang="zh-CN" altLang="en-US" dirty="0" smtClean="0">
@@ -9897,14 +9704,14 @@
       </p:sp>
       <p:sp>
         <p:nvSpPr>
-          <p:cNvPr id="3" name="文本框 2"/>
+          <p:cNvPr id="5" name="文本框 4"/>
           <p:cNvSpPr txBox="1"/>
           <p:nvPr/>
         </p:nvSpPr>
         <p:spPr>
           <a:xfrm>
-            <a:off x="1468192" y="2756079"/>
-            <a:ext cx="3155323" cy="369332"/>
+            <a:off x="2021983" y="2136242"/>
+            <a:ext cx="4391696" cy="369332"/>
           </a:xfrm>
           <a:prstGeom prst="rect">
             <a:avLst/>
@@ -9917,48 +9724,18 @@
           </a:bodyPr>
           <a:lstStyle/>
           <a:p>
-            <a:pPr marL="285750" indent="-285750">
-              <a:buFont typeface="Arial" panose="020B0604020202020204" pitchFamily="34" charset="0"/>
-              <a:buChar char="•"/>
-            </a:pPr>
-            <a:r>
-              <a:rPr lang="zh-CN" altLang="zh-CN" dirty="0">
-                <a:solidFill>
-                  <a:schemeClr val="tx1">
-                    <a:lumMod val="75000"/>
-                    <a:lumOff val="25000"/>
-                  </a:schemeClr>
-                </a:solidFill>
-                <a:latin typeface="微软雅黑" panose="020B0503020204020204" pitchFamily="34" charset="-122"/>
-                <a:ea typeface="微软雅黑" panose="020B0503020204020204" pitchFamily="34" charset="-122"/>
-              </a:rPr>
-              <a:t>全表扫描（</a:t>
-            </a:r>
-            <a:r>
-              <a:rPr lang="en-US" altLang="zh-CN" dirty="0">
-                <a:solidFill>
-                  <a:schemeClr val="tx1">
-                    <a:lumMod val="75000"/>
-                    <a:lumOff val="25000"/>
-                  </a:schemeClr>
-                </a:solidFill>
-                <a:latin typeface="微软雅黑" panose="020B0503020204020204" pitchFamily="34" charset="-122"/>
-                <a:ea typeface="微软雅黑" panose="020B0503020204020204" pitchFamily="34" charset="-122"/>
-              </a:rPr>
-              <a:t>scan</a:t>
-            </a:r>
-            <a:r>
-              <a:rPr lang="zh-CN" altLang="zh-CN" dirty="0">
-                <a:solidFill>
-                  <a:schemeClr val="tx1">
-                    <a:lumMod val="75000"/>
-                    <a:lumOff val="25000"/>
-                  </a:schemeClr>
-                </a:solidFill>
-                <a:latin typeface="微软雅黑" panose="020B0503020204020204" pitchFamily="34" charset="-122"/>
-                <a:ea typeface="微软雅黑" panose="020B0503020204020204" pitchFamily="34" charset="-122"/>
-              </a:rPr>
-              <a:t>）</a:t>
+            <a:r>
+              <a:rPr lang="pt-BR" altLang="zh-CN" dirty="0">
+                <a:solidFill>
+                  <a:schemeClr val="tx1">
+                    <a:lumMod val="75000"/>
+                    <a:lumOff val="25000"/>
+                  </a:schemeClr>
+                </a:solidFill>
+                <a:latin typeface="微软雅黑" panose="020B0503020204020204" pitchFamily="34" charset="-122"/>
+                <a:ea typeface="微软雅黑" panose="020B0503020204020204" pitchFamily="34" charset="-122"/>
+              </a:rPr>
+              <a:t>hbase&gt; delete ‘t1′, ‘r1′, ‘c1′, ts1 </a:t>
             </a:r>
             <a:endParaRPr lang="zh-CN" altLang="en-US" dirty="0">
               <a:solidFill>
@@ -9970,6 +9747,57 @@
               <a:latin typeface="微软雅黑" panose="020B0503020204020204" pitchFamily="34" charset="-122"/>
               <a:ea typeface="微软雅黑" panose="020B0503020204020204" pitchFamily="34" charset="-122"/>
             </a:endParaRPr>
+          </a:p>
+        </p:txBody>
+      </p:sp>
+      <p:sp>
+        <p:nvSpPr>
+          <p:cNvPr id="6" name="文本框 5"/>
+          <p:cNvSpPr txBox="1"/>
+          <p:nvPr/>
+        </p:nvSpPr>
+        <p:spPr>
+          <a:xfrm>
+            <a:off x="978793" y="3059668"/>
+            <a:ext cx="1171978" cy="369332"/>
+          </a:xfrm>
+          <a:prstGeom prst="rect">
+            <a:avLst/>
+          </a:prstGeom>
+          <a:noFill/>
+        </p:spPr>
+        <p:txBody>
+          <a:bodyPr wrap="square" rtlCol="0">
+            <a:spAutoFit/>
+          </a:bodyPr>
+          <a:lstStyle/>
+          <a:p>
+            <a:r>
+              <a:rPr lang="en-US" altLang="zh-CN" dirty="0">
+                <a:solidFill>
+                  <a:schemeClr val="tx1">
+                    <a:lumMod val="75000"/>
+                    <a:lumOff val="25000"/>
+                  </a:schemeClr>
+                </a:solidFill>
+                <a:latin typeface="微软雅黑" panose="020B0503020204020204" pitchFamily="34" charset="-122"/>
+                <a:ea typeface="微软雅黑" panose="020B0503020204020204" pitchFamily="34" charset="-122"/>
+              </a:rPr>
+              <a:t>Java</a:t>
+            </a:r>
+            <a:r>
+              <a:rPr lang="zh-CN" altLang="en-US" dirty="0">
+                <a:solidFill>
+                  <a:schemeClr val="tx1">
+                    <a:lumMod val="75000"/>
+                    <a:lumOff val="25000"/>
+                  </a:schemeClr>
+                </a:solidFill>
+                <a:latin typeface="微软雅黑" panose="020B0503020204020204" pitchFamily="34" charset="-122"/>
+                <a:ea typeface="微软雅黑" panose="020B0503020204020204" pitchFamily="34" charset="-122"/>
+              </a:rPr>
+              <a:t>：</a:t>
+            </a:r>
           </a:p>
         </p:txBody>
       </p:sp>
@@ -9988,8 +9816,8 @@
         </p:blipFill>
         <p:spPr bwMode="auto">
           <a:xfrm>
-            <a:off x="1986359" y="3429000"/>
-            <a:ext cx="7260671" cy="2263462"/>
+            <a:off x="2105695" y="2732021"/>
+            <a:ext cx="7076941" cy="1698311"/>
           </a:xfrm>
           <a:prstGeom prst="rect">
             <a:avLst/>
@@ -10003,10 +9831,40 @@
           </a:ln>
         </p:spPr>
       </p:pic>
+      <p:pic>
+        <p:nvPicPr>
+          <p:cNvPr id="12" name="图片 11"/>
+          <p:cNvPicPr/>
+          <p:nvPr/>
+        </p:nvPicPr>
+        <p:blipFill>
+          <a:blip r:embed="rId4"/>
+          <a:srcRect/>
+          <a:stretch>
+            <a:fillRect/>
+          </a:stretch>
+        </p:blipFill>
+        <p:spPr bwMode="auto">
+          <a:xfrm>
+            <a:off x="2105695" y="4656779"/>
+            <a:ext cx="5827691" cy="1331897"/>
+          </a:xfrm>
+          <a:prstGeom prst="rect">
+            <a:avLst/>
+          </a:prstGeom>
+          <a:noFill/>
+          <a:ln w="9525">
+            <a:noFill/>
+            <a:miter lim="800000"/>
+            <a:headEnd/>
+            <a:tailEnd/>
+          </a:ln>
+        </p:spPr>
+      </p:pic>
     </p:spTree>
     <p:extLst>
       <p:ext uri="{BB962C8B-B14F-4D97-AF65-F5344CB8AC3E}">
-        <p14:creationId xmlns:p14="http://schemas.microsoft.com/office/powerpoint/2010/main" val="2399805559"/>
+        <p14:creationId xmlns:p14="http://schemas.microsoft.com/office/powerpoint/2010/main" xmlns="" val="748268946"/>
       </p:ext>
     </p:extLst>
   </p:cSld>
@@ -10014,7 +9872,7 @@
     <a:masterClrMapping/>
   </p:clrMapOvr>
   <mc:AlternateContent xmlns:mc="http://schemas.openxmlformats.org/markup-compatibility/2006">
-    <mc:Choice xmlns:p14="http://schemas.microsoft.com/office/powerpoint/2010/main" Requires="p14">
+    <mc:Choice xmlns:p14="http://schemas.microsoft.com/office/powerpoint/2010/main" xmlns="" Requires="p14">
       <p:transition spd="slow" p14:dur="2500" advClick="0">
         <p:checker/>
       </p:transition>
@@ -10064,7 +9922,7 @@
           <a:blip r:embed="rId2">
             <a:extLst>
               <a:ext uri="{28A0092B-C50C-407E-A947-70E740481C1C}">
-                <a14:useLocalDpi xmlns:a14="http://schemas.microsoft.com/office/drawing/2010/main" val="0"/>
+                <a14:useLocalDpi xmlns:a14="http://schemas.microsoft.com/office/drawing/2010/main" xmlns="" val="0"/>
               </a:ext>
             </a:extLst>
           </a:blip>
@@ -10228,14 +10086,14 @@
       </p:sp>
       <p:sp>
         <p:nvSpPr>
-          <p:cNvPr id="4" name="文本框 3"/>
+          <p:cNvPr id="3" name="文本框 2"/>
           <p:cNvSpPr txBox="1"/>
           <p:nvPr/>
         </p:nvSpPr>
         <p:spPr>
           <a:xfrm>
-            <a:off x="978793" y="2136242"/>
-            <a:ext cx="1635617" cy="369332"/>
+            <a:off x="1262130" y="2408349"/>
+            <a:ext cx="9620518" cy="2862322"/>
           </a:xfrm>
           <a:prstGeom prst="rect">
             <a:avLst/>
@@ -10248,32 +10106,272 @@
           </a:bodyPr>
           <a:lstStyle/>
           <a:p>
-            <a:r>
-              <a:rPr lang="en-US" altLang="zh-CN" dirty="0" smtClean="0">
-                <a:solidFill>
-                  <a:schemeClr val="tx1">
-                    <a:lumMod val="75000"/>
-                    <a:lumOff val="25000"/>
-                  </a:schemeClr>
-                </a:solidFill>
-                <a:latin typeface="微软雅黑" panose="020B0503020204020204" pitchFamily="34" charset="-122"/>
-                <a:ea typeface="微软雅黑" panose="020B0503020204020204" pitchFamily="34" charset="-122"/>
-              </a:rPr>
-              <a:t>shell</a:t>
-            </a:r>
-            <a:r>
-              <a:rPr lang="zh-CN" altLang="en-US" dirty="0" smtClean="0">
-                <a:solidFill>
-                  <a:schemeClr val="tx1">
-                    <a:lumMod val="75000"/>
-                    <a:lumOff val="25000"/>
-                  </a:schemeClr>
-                </a:solidFill>
-                <a:latin typeface="微软雅黑" panose="020B0503020204020204" pitchFamily="34" charset="-122"/>
-                <a:ea typeface="微软雅黑" panose="020B0503020204020204" pitchFamily="34" charset="-122"/>
-              </a:rPr>
-              <a:t>：</a:t>
-            </a:r>
+            <a:pPr>
+              <a:lnSpc>
+                <a:spcPct val="200000"/>
+              </a:lnSpc>
+            </a:pPr>
+            <a:r>
+              <a:rPr lang="en-US" altLang="zh-CN" dirty="0">
+                <a:solidFill>
+                  <a:schemeClr val="tx1">
+                    <a:lumMod val="75000"/>
+                    <a:lumOff val="25000"/>
+                  </a:schemeClr>
+                </a:solidFill>
+                <a:latin typeface="微软雅黑" panose="020B0503020204020204" pitchFamily="34" charset="-122"/>
+                <a:ea typeface="微软雅黑" panose="020B0503020204020204" pitchFamily="34" charset="-122"/>
+              </a:rPr>
+              <a:t>Hbase</a:t>
+            </a:r>
+            <a:r>
+              <a:rPr lang="zh-CN" altLang="zh-CN" dirty="0">
+                <a:solidFill>
+                  <a:schemeClr val="tx1">
+                    <a:lumMod val="75000"/>
+                    <a:lumOff val="25000"/>
+                  </a:schemeClr>
+                </a:solidFill>
+                <a:latin typeface="微软雅黑" panose="020B0503020204020204" pitchFamily="34" charset="-122"/>
+                <a:ea typeface="微软雅黑" panose="020B0503020204020204" pitchFamily="34" charset="-122"/>
+              </a:rPr>
+              <a:t>的</a:t>
+            </a:r>
+            <a:r>
+              <a:rPr lang="en-US" altLang="zh-CN" dirty="0">
+                <a:solidFill>
+                  <a:schemeClr val="tx1">
+                    <a:lumMod val="75000"/>
+                    <a:lumOff val="25000"/>
+                  </a:schemeClr>
+                </a:solidFill>
+                <a:latin typeface="微软雅黑" panose="020B0503020204020204" pitchFamily="34" charset="-122"/>
+                <a:ea typeface="微软雅黑" panose="020B0503020204020204" pitchFamily="34" charset="-122"/>
+              </a:rPr>
+              <a:t>delete</a:t>
+            </a:r>
+            <a:r>
+              <a:rPr lang="zh-CN" altLang="zh-CN" dirty="0">
+                <a:solidFill>
+                  <a:schemeClr val="tx1">
+                    <a:lumMod val="75000"/>
+                    <a:lumOff val="25000"/>
+                  </a:schemeClr>
+                </a:solidFill>
+                <a:latin typeface="微软雅黑" panose="020B0503020204020204" pitchFamily="34" charset="-122"/>
+                <a:ea typeface="微软雅黑" panose="020B0503020204020204" pitchFamily="34" charset="-122"/>
+              </a:rPr>
+              <a:t>是先新建一个</a:t>
+            </a:r>
+            <a:r>
+              <a:rPr lang="en-US" altLang="zh-CN" dirty="0" err="1">
+                <a:solidFill>
+                  <a:schemeClr val="tx1">
+                    <a:lumMod val="75000"/>
+                    <a:lumOff val="25000"/>
+                  </a:schemeClr>
+                </a:solidFill>
+                <a:latin typeface="微软雅黑" panose="020B0503020204020204" pitchFamily="34" charset="-122"/>
+                <a:ea typeface="微软雅黑" panose="020B0503020204020204" pitchFamily="34" charset="-122"/>
+              </a:rPr>
+              <a:t>tombstonemarkers</a:t>
+            </a:r>
+            <a:r>
+              <a:rPr lang="zh-CN" altLang="zh-CN" dirty="0">
+                <a:solidFill>
+                  <a:schemeClr val="tx1">
+                    <a:lumMod val="75000"/>
+                    <a:lumOff val="25000"/>
+                  </a:schemeClr>
+                </a:solidFill>
+                <a:latin typeface="微软雅黑" panose="020B0503020204020204" pitchFamily="34" charset="-122"/>
+                <a:ea typeface="微软雅黑" panose="020B0503020204020204" pitchFamily="34" charset="-122"/>
+              </a:rPr>
+              <a:t>，然后读的时候会和</a:t>
+            </a:r>
+            <a:r>
+              <a:rPr lang="en-US" altLang="zh-CN" dirty="0" err="1">
+                <a:solidFill>
+                  <a:schemeClr val="tx1">
+                    <a:lumMod val="75000"/>
+                    <a:lumOff val="25000"/>
+                  </a:schemeClr>
+                </a:solidFill>
+                <a:latin typeface="微软雅黑" panose="020B0503020204020204" pitchFamily="34" charset="-122"/>
+                <a:ea typeface="微软雅黑" panose="020B0503020204020204" pitchFamily="34" charset="-122"/>
+              </a:rPr>
+              <a:t>tombstonemarkers</a:t>
+            </a:r>
+            <a:r>
+              <a:rPr lang="zh-CN" altLang="zh-CN" dirty="0">
+                <a:solidFill>
+                  <a:schemeClr val="tx1">
+                    <a:lumMod val="75000"/>
+                    <a:lumOff val="25000"/>
+                  </a:schemeClr>
+                </a:solidFill>
+                <a:latin typeface="微软雅黑" panose="020B0503020204020204" pitchFamily="34" charset="-122"/>
+                <a:ea typeface="微软雅黑" panose="020B0503020204020204" pitchFamily="34" charset="-122"/>
+              </a:rPr>
+              <a:t>做</a:t>
+            </a:r>
+            <a:r>
+              <a:rPr lang="en-US" altLang="zh-CN" dirty="0">
+                <a:solidFill>
+                  <a:schemeClr val="tx1">
+                    <a:lumMod val="75000"/>
+                    <a:lumOff val="25000"/>
+                  </a:schemeClr>
+                </a:solidFill>
+                <a:latin typeface="微软雅黑" panose="020B0503020204020204" pitchFamily="34" charset="-122"/>
+                <a:ea typeface="微软雅黑" panose="020B0503020204020204" pitchFamily="34" charset="-122"/>
+              </a:rPr>
+              <a:t>merge</a:t>
+            </a:r>
+            <a:r>
+              <a:rPr lang="zh-CN" altLang="zh-CN" dirty="0">
+                <a:solidFill>
+                  <a:schemeClr val="tx1">
+                    <a:lumMod val="75000"/>
+                    <a:lumOff val="25000"/>
+                  </a:schemeClr>
+                </a:solidFill>
+                <a:latin typeface="微软雅黑" panose="020B0503020204020204" pitchFamily="34" charset="-122"/>
+                <a:ea typeface="微软雅黑" panose="020B0503020204020204" pitchFamily="34" charset="-122"/>
+              </a:rPr>
+              <a:t>，在 发生</a:t>
+            </a:r>
+            <a:r>
+              <a:rPr lang="en-US" altLang="zh-CN" dirty="0">
+                <a:solidFill>
+                  <a:schemeClr val="tx1">
+                    <a:lumMod val="75000"/>
+                    <a:lumOff val="25000"/>
+                  </a:schemeClr>
+                </a:solidFill>
+                <a:latin typeface="微软雅黑" panose="020B0503020204020204" pitchFamily="34" charset="-122"/>
+                <a:ea typeface="微软雅黑" panose="020B0503020204020204" pitchFamily="34" charset="-122"/>
+              </a:rPr>
+              <a:t>major compaction</a:t>
+            </a:r>
+            <a:r>
+              <a:rPr lang="zh-CN" altLang="zh-CN" dirty="0">
+                <a:solidFill>
+                  <a:schemeClr val="tx1">
+                    <a:lumMod val="75000"/>
+                    <a:lumOff val="25000"/>
+                  </a:schemeClr>
+                </a:solidFill>
+                <a:latin typeface="微软雅黑" panose="020B0503020204020204" pitchFamily="34" charset="-122"/>
+                <a:ea typeface="微软雅黑" panose="020B0503020204020204" pitchFamily="34" charset="-122"/>
+              </a:rPr>
+              <a:t>时</a:t>
+            </a:r>
+            <a:r>
+              <a:rPr lang="en-US" altLang="zh-CN" dirty="0">
+                <a:solidFill>
+                  <a:schemeClr val="tx1">
+                    <a:lumMod val="75000"/>
+                    <a:lumOff val="25000"/>
+                  </a:schemeClr>
+                </a:solidFill>
+                <a:latin typeface="微软雅黑" panose="020B0503020204020204" pitchFamily="34" charset="-122"/>
+                <a:ea typeface="微软雅黑" panose="020B0503020204020204" pitchFamily="34" charset="-122"/>
+              </a:rPr>
+              <a:t>delete</a:t>
+            </a:r>
+            <a:r>
+              <a:rPr lang="zh-CN" altLang="zh-CN" dirty="0">
+                <a:solidFill>
+                  <a:schemeClr val="tx1">
+                    <a:lumMod val="75000"/>
+                    <a:lumOff val="25000"/>
+                  </a:schemeClr>
+                </a:solidFill>
+                <a:latin typeface="微软雅黑" panose="020B0503020204020204" pitchFamily="34" charset="-122"/>
+                <a:ea typeface="微软雅黑" panose="020B0503020204020204" pitchFamily="34" charset="-122"/>
+              </a:rPr>
+              <a:t>的数据记录才会真真删除。</a:t>
+            </a:r>
+          </a:p>
+          <a:p>
+            <a:pPr>
+              <a:lnSpc>
+                <a:spcPct val="200000"/>
+              </a:lnSpc>
+            </a:pPr>
+            <a:r>
+              <a:rPr lang="en-US" altLang="zh-CN" dirty="0" err="1">
+                <a:solidFill>
+                  <a:schemeClr val="tx1">
+                    <a:lumMod val="75000"/>
+                    <a:lumOff val="25000"/>
+                  </a:schemeClr>
+                </a:solidFill>
+                <a:latin typeface="微软雅黑" panose="020B0503020204020204" pitchFamily="34" charset="-122"/>
+                <a:ea typeface="微软雅黑" panose="020B0503020204020204" pitchFamily="34" charset="-122"/>
+              </a:rPr>
+              <a:t>HFile</a:t>
+            </a:r>
+            <a:r>
+              <a:rPr lang="en-US" altLang="zh-CN" dirty="0">
+                <a:solidFill>
+                  <a:schemeClr val="tx1">
+                    <a:lumMod val="75000"/>
+                    <a:lumOff val="25000"/>
+                  </a:schemeClr>
+                </a:solidFill>
+                <a:latin typeface="微软雅黑" panose="020B0503020204020204" pitchFamily="34" charset="-122"/>
+                <a:ea typeface="微软雅黑" panose="020B0503020204020204" pitchFamily="34" charset="-122"/>
+              </a:rPr>
+              <a:t> </a:t>
+            </a:r>
+            <a:r>
+              <a:rPr lang="zh-CN" altLang="zh-CN" dirty="0">
+                <a:solidFill>
+                  <a:schemeClr val="tx1">
+                    <a:lumMod val="75000"/>
+                    <a:lumOff val="25000"/>
+                  </a:schemeClr>
+                </a:solidFill>
+                <a:latin typeface="微软雅黑" panose="020B0503020204020204" pitchFamily="34" charset="-122"/>
+                <a:ea typeface="微软雅黑" panose="020B0503020204020204" pitchFamily="34" charset="-122"/>
+              </a:rPr>
+              <a:t>是不可改变的，当我们发送一条删除指令的时并不能直接在</a:t>
+            </a:r>
+            <a:r>
+              <a:rPr lang="en-US" altLang="zh-CN" dirty="0" err="1">
+                <a:solidFill>
+                  <a:schemeClr val="tx1">
+                    <a:lumMod val="75000"/>
+                    <a:lumOff val="25000"/>
+                  </a:schemeClr>
+                </a:solidFill>
+                <a:latin typeface="微软雅黑" panose="020B0503020204020204" pitchFamily="34" charset="-122"/>
+                <a:ea typeface="微软雅黑" panose="020B0503020204020204" pitchFamily="34" charset="-122"/>
+              </a:rPr>
+              <a:t>HFile</a:t>
+            </a:r>
+            <a:r>
+              <a:rPr lang="zh-CN" altLang="zh-CN" dirty="0">
+                <a:solidFill>
+                  <a:schemeClr val="tx1">
+                    <a:lumMod val="75000"/>
+                    <a:lumOff val="25000"/>
+                  </a:schemeClr>
+                </a:solidFill>
+                <a:latin typeface="微软雅黑" panose="020B0503020204020204" pitchFamily="34" charset="-122"/>
+                <a:ea typeface="微软雅黑" panose="020B0503020204020204" pitchFamily="34" charset="-122"/>
+              </a:rPr>
+              <a:t>中进行数据的删除，得等到合并操作才会真正删除数据，这个是设计的原因。</a:t>
+            </a:r>
+          </a:p>
+          <a:p>
+            <a:pPr>
+              <a:lnSpc>
+                <a:spcPct val="200000"/>
+              </a:lnSpc>
+            </a:pPr>
             <a:endParaRPr lang="zh-CN" altLang="en-US" dirty="0">
               <a:solidFill>
                 <a:schemeClr val="tx1">
@@ -10287,179 +10385,10 @@
           </a:p>
         </p:txBody>
       </p:sp>
-      <p:sp>
-        <p:nvSpPr>
-          <p:cNvPr id="5" name="文本框 4"/>
-          <p:cNvSpPr txBox="1"/>
-          <p:nvPr/>
-        </p:nvSpPr>
-        <p:spPr>
-          <a:xfrm>
-            <a:off x="2021983" y="2136242"/>
-            <a:ext cx="4391696" cy="369332"/>
-          </a:xfrm>
-          <a:prstGeom prst="rect">
-            <a:avLst/>
-          </a:prstGeom>
-          <a:noFill/>
-        </p:spPr>
-        <p:txBody>
-          <a:bodyPr wrap="square" rtlCol="0">
-            <a:spAutoFit/>
-          </a:bodyPr>
-          <a:lstStyle/>
-          <a:p>
-            <a:r>
-              <a:rPr lang="pt-BR" altLang="zh-CN" dirty="0">
-                <a:solidFill>
-                  <a:schemeClr val="tx1">
-                    <a:lumMod val="75000"/>
-                    <a:lumOff val="25000"/>
-                  </a:schemeClr>
-                </a:solidFill>
-                <a:latin typeface="微软雅黑" panose="020B0503020204020204" pitchFamily="34" charset="-122"/>
-                <a:ea typeface="微软雅黑" panose="020B0503020204020204" pitchFamily="34" charset="-122"/>
-              </a:rPr>
-              <a:t>hbase&gt; delete ‘t1′, ‘r1′, ‘c1′, ts1 </a:t>
-            </a:r>
-            <a:endParaRPr lang="zh-CN" altLang="en-US" dirty="0">
-              <a:solidFill>
-                <a:schemeClr val="tx1">
-                  <a:lumMod val="75000"/>
-                  <a:lumOff val="25000"/>
-                </a:schemeClr>
-              </a:solidFill>
-              <a:latin typeface="微软雅黑" panose="020B0503020204020204" pitchFamily="34" charset="-122"/>
-              <a:ea typeface="微软雅黑" panose="020B0503020204020204" pitchFamily="34" charset="-122"/>
-            </a:endParaRPr>
-          </a:p>
-        </p:txBody>
-      </p:sp>
-      <p:sp>
-        <p:nvSpPr>
-          <p:cNvPr id="6" name="文本框 5"/>
-          <p:cNvSpPr txBox="1"/>
-          <p:nvPr/>
-        </p:nvSpPr>
-        <p:spPr>
-          <a:xfrm>
-            <a:off x="978793" y="3059668"/>
-            <a:ext cx="1171978" cy="369332"/>
-          </a:xfrm>
-          <a:prstGeom prst="rect">
-            <a:avLst/>
-          </a:prstGeom>
-          <a:noFill/>
-        </p:spPr>
-        <p:txBody>
-          <a:bodyPr wrap="square" rtlCol="0">
-            <a:spAutoFit/>
-          </a:bodyPr>
-          <a:lstStyle/>
-          <a:p>
-            <a:r>
-              <a:rPr lang="en-US" altLang="zh-CN" dirty="0">
-                <a:solidFill>
-                  <a:schemeClr val="tx1">
-                    <a:lumMod val="75000"/>
-                    <a:lumOff val="25000"/>
-                  </a:schemeClr>
-                </a:solidFill>
-                <a:latin typeface="微软雅黑" panose="020B0503020204020204" pitchFamily="34" charset="-122"/>
-                <a:ea typeface="微软雅黑" panose="020B0503020204020204" pitchFamily="34" charset="-122"/>
-              </a:rPr>
-              <a:t>Java</a:t>
-            </a:r>
-            <a:r>
-              <a:rPr lang="zh-CN" altLang="en-US" dirty="0">
-                <a:solidFill>
-                  <a:schemeClr val="tx1">
-                    <a:lumMod val="75000"/>
-                    <a:lumOff val="25000"/>
-                  </a:schemeClr>
-                </a:solidFill>
-                <a:latin typeface="微软雅黑" panose="020B0503020204020204" pitchFamily="34" charset="-122"/>
-                <a:ea typeface="微软雅黑" panose="020B0503020204020204" pitchFamily="34" charset="-122"/>
-              </a:rPr>
-              <a:t>：</a:t>
-            </a:r>
-            <a:endParaRPr lang="zh-CN" altLang="en-US" dirty="0">
-              <a:solidFill>
-                <a:schemeClr val="tx1">
-                  <a:lumMod val="75000"/>
-                  <a:lumOff val="25000"/>
-                </a:schemeClr>
-              </a:solidFill>
-              <a:latin typeface="微软雅黑" panose="020B0503020204020204" pitchFamily="34" charset="-122"/>
-              <a:ea typeface="微软雅黑" panose="020B0503020204020204" pitchFamily="34" charset="-122"/>
-            </a:endParaRPr>
-          </a:p>
-        </p:txBody>
-      </p:sp>
-      <p:pic>
-        <p:nvPicPr>
-          <p:cNvPr id="11" name="图片 10"/>
-          <p:cNvPicPr/>
-          <p:nvPr/>
-        </p:nvPicPr>
-        <p:blipFill>
-          <a:blip r:embed="rId3"/>
-          <a:srcRect/>
-          <a:stretch>
-            <a:fillRect/>
-          </a:stretch>
-        </p:blipFill>
-        <p:spPr bwMode="auto">
-          <a:xfrm>
-            <a:off x="2105695" y="2732021"/>
-            <a:ext cx="7076941" cy="1698311"/>
-          </a:xfrm>
-          <a:prstGeom prst="rect">
-            <a:avLst/>
-          </a:prstGeom>
-          <a:noFill/>
-          <a:ln w="9525">
-            <a:noFill/>
-            <a:miter lim="800000"/>
-            <a:headEnd/>
-            <a:tailEnd/>
-          </a:ln>
-        </p:spPr>
-      </p:pic>
-      <p:pic>
-        <p:nvPicPr>
-          <p:cNvPr id="12" name="图片 11"/>
-          <p:cNvPicPr/>
-          <p:nvPr/>
-        </p:nvPicPr>
-        <p:blipFill>
-          <a:blip r:embed="rId4"/>
-          <a:srcRect/>
-          <a:stretch>
-            <a:fillRect/>
-          </a:stretch>
-        </p:blipFill>
-        <p:spPr bwMode="auto">
-          <a:xfrm>
-            <a:off x="2105695" y="4656779"/>
-            <a:ext cx="5827691" cy="1331897"/>
-          </a:xfrm>
-          <a:prstGeom prst="rect">
-            <a:avLst/>
-          </a:prstGeom>
-          <a:noFill/>
-          <a:ln w="9525">
-            <a:noFill/>
-            <a:miter lim="800000"/>
-            <a:headEnd/>
-            <a:tailEnd/>
-          </a:ln>
-        </p:spPr>
-      </p:pic>
     </p:spTree>
     <p:extLst>
       <p:ext uri="{BB962C8B-B14F-4D97-AF65-F5344CB8AC3E}">
-        <p14:creationId xmlns:p14="http://schemas.microsoft.com/office/powerpoint/2010/main" val="748268946"/>
+        <p14:creationId xmlns:p14="http://schemas.microsoft.com/office/powerpoint/2010/main" xmlns="" val="1087999994"/>
       </p:ext>
     </p:extLst>
   </p:cSld>
@@ -10467,7 +10396,7 @@
     <a:masterClrMapping/>
   </p:clrMapOvr>
   <mc:AlternateContent xmlns:mc="http://schemas.openxmlformats.org/markup-compatibility/2006">
-    <mc:Choice xmlns:p14="http://schemas.microsoft.com/office/powerpoint/2010/main" Requires="p14">
+    <mc:Choice xmlns:p14="http://schemas.microsoft.com/office/powerpoint/2010/main" xmlns="" Requires="p14">
       <p:transition spd="slow" p14:dur="2500" advClick="0">
         <p:checker/>
       </p:transition>
@@ -10507,7 +10436,7 @@
       </p:grpSpPr>
       <p:pic>
         <p:nvPicPr>
-          <p:cNvPr id="83" name="图片 82"/>
+          <p:cNvPr id="6" name="图片 5"/>
           <p:cNvPicPr>
             <a:picLocks noChangeAspect="1"/>
           </p:cNvPicPr>
@@ -10517,7 +10446,7 @@
           <a:blip r:embed="rId2">
             <a:extLst>
               <a:ext uri="{28A0092B-C50C-407E-A947-70E740481C1C}">
-                <a14:useLocalDpi xmlns:a14="http://schemas.microsoft.com/office/drawing/2010/main" val="0"/>
+                <a14:useLocalDpi xmlns:a14="http://schemas.microsoft.com/office/drawing/2010/main" xmlns="" val="0"/>
               </a:ext>
             </a:extLst>
           </a:blip>
@@ -10527,7 +10456,7 @@
         </p:blipFill>
         <p:spPr>
           <a:xfrm>
-            <a:off x="24000" y="0"/>
+            <a:off x="0" y="0"/>
             <a:ext cx="12192000" cy="6858000"/>
           </a:xfrm>
           <a:prstGeom prst="rect">
@@ -10537,26 +10466,25 @@
       </p:pic>
       <p:sp>
         <p:nvSpPr>
-          <p:cNvPr id="81" name="剪去单角的矩形 80"/>
+          <p:cNvPr id="20" name="流程图: 卡片 19"/>
           <p:cNvSpPr/>
           <p:nvPr/>
         </p:nvSpPr>
         <p:spPr>
-          <a:xfrm flipV="1">
-            <a:off x="0" y="566671"/>
-            <a:ext cx="6120000" cy="540000"/>
-          </a:xfrm>
-          <a:prstGeom prst="snip1Rect">
+          <a:xfrm flipH="1" flipV="1">
+            <a:off x="5316920" y="2204305"/>
+            <a:ext cx="6875080" cy="2520000"/>
+          </a:xfrm>
+          <a:prstGeom prst="flowChartPunchedCard">
             <a:avLst/>
           </a:prstGeom>
           <a:solidFill>
-            <a:schemeClr val="bg1">
-              <a:lumMod val="65000"/>
-            </a:schemeClr>
+            <a:srgbClr val="002060"/>
           </a:solidFill>
           <a:ln>
             <a:noFill/>
           </a:ln>
+          <a:effectLst/>
         </p:spPr>
         <p:style>
           <a:lnRef idx="2">
@@ -10585,57 +10513,311 @@
       </p:sp>
       <p:sp>
         <p:nvSpPr>
-          <p:cNvPr id="82" name="标题 1"/>
-          <p:cNvSpPr>
-            <a:spLocks noGrp="1"/>
-          </p:cNvSpPr>
-          <p:nvPr>
-            <p:ph type="title"/>
-          </p:nvPr>
+          <p:cNvPr id="9" name="任意多边形 8"/>
+          <p:cNvSpPr/>
+          <p:nvPr/>
         </p:nvSpPr>
         <p:spPr>
           <a:xfrm>
-            <a:off x="0" y="184819"/>
-            <a:ext cx="12190930" cy="1325563"/>
-          </a:xfrm>
-        </p:spPr>
-        <p:txBody>
-          <a:bodyPr>
-            <a:normAutofit/>
+            <a:off x="4430665" y="2190450"/>
+            <a:ext cx="720000" cy="2520000"/>
+          </a:xfrm>
+          <a:custGeom>
+            <a:avLst/>
+            <a:gdLst/>
+            <a:ahLst/>
+            <a:cxnLst/>
+            <a:rect l="l" t="t" r="r" b="b"/>
+            <a:pathLst>
+              <a:path w="720000" h="2520000">
+                <a:moveTo>
+                  <a:pt x="205714" y="109264"/>
+                </a:moveTo>
+                <a:cubicBezTo>
+                  <a:pt x="152694" y="109264"/>
+                  <a:pt x="102465" y="121356"/>
+                  <a:pt x="55026" y="145541"/>
+                </a:cubicBezTo>
+                <a:lnTo>
+                  <a:pt x="55026" y="432965"/>
+                </a:lnTo>
+                <a:cubicBezTo>
+                  <a:pt x="87582" y="420873"/>
+                  <a:pt x="114092" y="414827"/>
+                  <a:pt x="134556" y="414827"/>
+                </a:cubicBezTo>
+                <a:cubicBezTo>
+                  <a:pt x="181995" y="414827"/>
+                  <a:pt x="222457" y="437849"/>
+                  <a:pt x="255944" y="483892"/>
+                </a:cubicBezTo>
+                <a:cubicBezTo>
+                  <a:pt x="289430" y="529936"/>
+                  <a:pt x="306173" y="614815"/>
+                  <a:pt x="306173" y="738528"/>
+                </a:cubicBezTo>
+                <a:cubicBezTo>
+                  <a:pt x="306173" y="818523"/>
+                  <a:pt x="295011" y="892007"/>
+                  <a:pt x="272687" y="958980"/>
+                </a:cubicBezTo>
+                <a:cubicBezTo>
+                  <a:pt x="250363" y="1025952"/>
+                  <a:pt x="221295" y="1072228"/>
+                  <a:pt x="185483" y="1097808"/>
+                </a:cubicBezTo>
+                <a:cubicBezTo>
+                  <a:pt x="149671" y="1123388"/>
+                  <a:pt x="106185" y="1135713"/>
+                  <a:pt x="55026" y="1134783"/>
+                </a:cubicBezTo>
+                <a:lnTo>
+                  <a:pt x="55026" y="1387326"/>
+                </a:lnTo>
+                <a:cubicBezTo>
+                  <a:pt x="134091" y="1391976"/>
+                  <a:pt x="197110" y="1423370"/>
+                  <a:pt x="244084" y="1481506"/>
+                </a:cubicBezTo>
+                <a:cubicBezTo>
+                  <a:pt x="291058" y="1539642"/>
+                  <a:pt x="314545" y="1629636"/>
+                  <a:pt x="314545" y="1751489"/>
+                </a:cubicBezTo>
+                <a:cubicBezTo>
+                  <a:pt x="314545" y="1859390"/>
+                  <a:pt x="291988" y="1941943"/>
+                  <a:pt x="246874" y="1999148"/>
+                </a:cubicBezTo>
+                <a:cubicBezTo>
+                  <a:pt x="201761" y="2056354"/>
+                  <a:pt x="137811" y="2090538"/>
+                  <a:pt x="55026" y="2101700"/>
+                </a:cubicBezTo>
+                <a:lnTo>
+                  <a:pt x="55026" y="2419820"/>
+                </a:lnTo>
+                <a:cubicBezTo>
+                  <a:pt x="178739" y="2406798"/>
+                  <a:pt x="275477" y="2380753"/>
+                  <a:pt x="345241" y="2341686"/>
+                </a:cubicBezTo>
+                <a:cubicBezTo>
+                  <a:pt x="441049" y="2288666"/>
+                  <a:pt x="513602" y="2212159"/>
+                  <a:pt x="562902" y="2112165"/>
+                </a:cubicBezTo>
+                <a:cubicBezTo>
+                  <a:pt x="612201" y="2012171"/>
+                  <a:pt x="636851" y="1892876"/>
+                  <a:pt x="636851" y="1754280"/>
+                </a:cubicBezTo>
+                <a:cubicBezTo>
+                  <a:pt x="636851" y="1624985"/>
+                  <a:pt x="613596" y="1513829"/>
+                  <a:pt x="567087" y="1420812"/>
+                </a:cubicBezTo>
+                <a:cubicBezTo>
+                  <a:pt x="531741" y="1350118"/>
+                  <a:pt x="478721" y="1287332"/>
+                  <a:pt x="408027" y="1232451"/>
+                </a:cubicBezTo>
+                <a:cubicBezTo>
+                  <a:pt x="549414" y="1131062"/>
+                  <a:pt x="620107" y="956654"/>
+                  <a:pt x="620107" y="709227"/>
+                </a:cubicBezTo>
+                <a:cubicBezTo>
+                  <a:pt x="620107" y="513890"/>
+                  <a:pt x="578017" y="365062"/>
+                  <a:pt x="493836" y="262743"/>
+                </a:cubicBezTo>
+                <a:cubicBezTo>
+                  <a:pt x="409655" y="160424"/>
+                  <a:pt x="313615" y="109264"/>
+                  <a:pt x="205714" y="109264"/>
+                </a:cubicBezTo>
+                <a:close/>
+                <a:moveTo>
+                  <a:pt x="0" y="0"/>
+                </a:moveTo>
+                <a:lnTo>
+                  <a:pt x="720000" y="0"/>
+                </a:lnTo>
+                <a:lnTo>
+                  <a:pt x="720000" y="2520000"/>
+                </a:lnTo>
+                <a:lnTo>
+                  <a:pt x="0" y="2520000"/>
+                </a:lnTo>
+                <a:close/>
+              </a:path>
+            </a:pathLst>
+          </a:custGeom>
+          <a:solidFill>
+            <a:srgbClr val="002060"/>
+          </a:solidFill>
+          <a:ln>
+            <a:solidFill>
+              <a:srgbClr val="002060"/>
+            </a:solidFill>
+          </a:ln>
+        </p:spPr>
+        <p:style>
+          <a:lnRef idx="2">
+            <a:schemeClr val="accent1">
+              <a:shade val="50000"/>
+            </a:schemeClr>
+          </a:lnRef>
+          <a:fillRef idx="1">
+            <a:schemeClr val="accent1"/>
+          </a:fillRef>
+          <a:effectRef idx="0">
+            <a:schemeClr val="accent1"/>
+          </a:effectRef>
+          <a:fontRef idx="minor">
+            <a:schemeClr val="lt1"/>
+          </a:fontRef>
+        </p:style>
+        <p:txBody>
+          <a:bodyPr rtlCol="0" anchor="ctr"/>
+          <a:lstStyle/>
+          <a:p>
+            <a:pPr algn="ctr"/>
+            <a:endParaRPr lang="zh-CN" altLang="en-US"/>
+          </a:p>
+        </p:txBody>
+      </p:sp>
+      <p:sp>
+        <p:nvSpPr>
+          <p:cNvPr id="14" name="文本框 13"/>
+          <p:cNvSpPr txBox="1"/>
+          <p:nvPr/>
+        </p:nvSpPr>
+        <p:spPr>
+          <a:xfrm>
+            <a:off x="267496" y="1853079"/>
+            <a:ext cx="3916457" cy="1862048"/>
+          </a:xfrm>
+          <a:prstGeom prst="rect">
+            <a:avLst/>
+          </a:prstGeom>
+          <a:noFill/>
+        </p:spPr>
+        <p:txBody>
+          <a:bodyPr wrap="none" rtlCol="0">
+            <a:spAutoFit/>
           </a:bodyPr>
           <a:lstStyle/>
           <a:p>
             <a:r>
-              <a:rPr lang="zh-CN" altLang="en-US" sz="2400" dirty="0" smtClean="0">
-                <a:solidFill>
-                  <a:schemeClr val="bg1"/>
+              <a:rPr lang="en-US" altLang="zh-CN" sz="11500" dirty="0" smtClean="0">
+                <a:solidFill>
+                  <a:schemeClr val="tx1">
+                    <a:lumMod val="50000"/>
+                    <a:lumOff val="50000"/>
+                  </a:schemeClr>
                 </a:solidFill>
                 <a:latin typeface="苹方 细体" panose="020B0200000000000000" pitchFamily="34" charset="-122"/>
                 <a:ea typeface="苹方 细体" panose="020B0200000000000000" pitchFamily="34" charset="-122"/>
               </a:rPr>
-              <a:t>            </a:t>
-            </a:r>
-            <a:r>
-              <a:rPr lang="en-US" altLang="zh-CN" sz="2800" dirty="0" smtClean="0">
-                <a:solidFill>
-                  <a:schemeClr val="bg1"/>
+              <a:t>PART</a:t>
+            </a:r>
+            <a:endParaRPr lang="zh-CN" altLang="en-US" sz="11500" dirty="0">
+              <a:solidFill>
+                <a:schemeClr val="tx1">
+                  <a:lumMod val="50000"/>
+                  <a:lumOff val="50000"/>
+                </a:schemeClr>
+              </a:solidFill>
+              <a:latin typeface="苹方 细体" panose="020B0200000000000000" pitchFamily="34" charset="-122"/>
+              <a:ea typeface="苹方 细体" panose="020B0200000000000000" pitchFamily="34" charset="-122"/>
+            </a:endParaRPr>
+          </a:p>
+        </p:txBody>
+      </p:sp>
+      <p:sp>
+        <p:nvSpPr>
+          <p:cNvPr id="15" name="文本框 14"/>
+          <p:cNvSpPr txBox="1"/>
+          <p:nvPr/>
+        </p:nvSpPr>
+        <p:spPr>
+          <a:xfrm>
+            <a:off x="267496" y="3659708"/>
+            <a:ext cx="3839513" cy="1446550"/>
+          </a:xfrm>
+          <a:prstGeom prst="rect">
+            <a:avLst/>
+          </a:prstGeom>
+          <a:noFill/>
+        </p:spPr>
+        <p:txBody>
+          <a:bodyPr wrap="none" rtlCol="0">
+            <a:spAutoFit/>
+          </a:bodyPr>
+          <a:lstStyle/>
+          <a:p>
+            <a:r>
+              <a:rPr lang="en-US" altLang="zh-CN" sz="8800" dirty="0" smtClean="0">
+                <a:solidFill>
+                  <a:schemeClr val="tx1">
+                    <a:lumMod val="50000"/>
+                    <a:lumOff val="50000"/>
+                  </a:schemeClr>
                 </a:solidFill>
                 <a:latin typeface="苹方 细体" panose="020B0200000000000000" pitchFamily="34" charset="-122"/>
                 <a:ea typeface="苹方 细体" panose="020B0200000000000000" pitchFamily="34" charset="-122"/>
               </a:rPr>
-              <a:t>DML</a:t>
-            </a:r>
-            <a:r>
-              <a:rPr lang="zh-CN" altLang="en-US" sz="2400" dirty="0" smtClean="0">
+              <a:t>THREE</a:t>
+            </a:r>
+            <a:endParaRPr lang="zh-CN" altLang="en-US" sz="8800" dirty="0">
+              <a:solidFill>
+                <a:schemeClr val="tx1">
+                  <a:lumMod val="50000"/>
+                  <a:lumOff val="50000"/>
+                </a:schemeClr>
+              </a:solidFill>
+              <a:latin typeface="苹方 细体" panose="020B0200000000000000" pitchFamily="34" charset="-122"/>
+              <a:ea typeface="苹方 细体" panose="020B0200000000000000" pitchFamily="34" charset="-122"/>
+            </a:endParaRPr>
+          </a:p>
+        </p:txBody>
+      </p:sp>
+      <p:sp>
+        <p:nvSpPr>
+          <p:cNvPr id="10" name="文本框 9"/>
+          <p:cNvSpPr txBox="1"/>
+          <p:nvPr/>
+        </p:nvSpPr>
+        <p:spPr>
+          <a:xfrm>
+            <a:off x="5625413" y="3099180"/>
+            <a:ext cx="2812005" cy="769441"/>
+          </a:xfrm>
+          <a:prstGeom prst="rect">
+            <a:avLst/>
+          </a:prstGeom>
+          <a:noFill/>
+        </p:spPr>
+        <p:txBody>
+          <a:bodyPr wrap="square" rtlCol="0">
+            <a:spAutoFit/>
+          </a:bodyPr>
+          <a:lstStyle/>
+          <a:p>
+            <a:pPr algn="ctr"/>
+            <a:r>
+              <a:rPr lang="en-US" altLang="zh-CN" sz="4400" dirty="0" smtClean="0">
                 <a:solidFill>
                   <a:schemeClr val="bg1"/>
                 </a:solidFill>
-                <a:latin typeface="苹方 细体" panose="020B0200000000000000" pitchFamily="34" charset="-122"/>
-                <a:ea typeface="苹方 细体" panose="020B0200000000000000" pitchFamily="34" charset="-122"/>
-              </a:rPr>
-              <a:t>操作（数据操控语言）</a:t>
-            </a:r>
-            <a:endParaRPr lang="zh-CN" altLang="en-US" sz="2400" dirty="0">
+                <a:latin typeface="微软雅黑" panose="020B0503020204020204" pitchFamily="34" charset="-122"/>
+                <a:ea typeface="微软雅黑" panose="020B0503020204020204" pitchFamily="34" charset="-122"/>
+              </a:rPr>
+              <a:t>Phoenix</a:t>
+            </a:r>
+            <a:endParaRPr lang="zh-CN" altLang="en-US" sz="4400" dirty="0">
               <a:solidFill>
                 <a:schemeClr val="bg1"/>
               </a:solidFill>
@@ -10647,14 +10829,14 @@
       </p:sp>
       <p:sp>
         <p:nvSpPr>
-          <p:cNvPr id="2" name="文本框 1"/>
+          <p:cNvPr id="11" name="文本框 10"/>
           <p:cNvSpPr txBox="1"/>
           <p:nvPr/>
         </p:nvSpPr>
         <p:spPr>
           <a:xfrm>
-            <a:off x="746974" y="1510382"/>
-            <a:ext cx="3734873" cy="523220"/>
+            <a:off x="4673762" y="6359949"/>
+            <a:ext cx="2872198" cy="276999"/>
           </a:xfrm>
           <a:prstGeom prst="rect">
             <a:avLst/>
@@ -10662,317 +10844,25 @@
           <a:noFill/>
         </p:spPr>
         <p:txBody>
-          <a:bodyPr wrap="square" rtlCol="0">
+          <a:bodyPr wrap="none" rtlCol="0">
             <a:spAutoFit/>
           </a:bodyPr>
           <a:lstStyle/>
           <a:p>
-            <a:r>
-              <a:rPr lang="zh-CN" altLang="en-US" sz="2800" b="1" dirty="0"/>
-              <a:t>删除</a:t>
-            </a:r>
-            <a:r>
-              <a:rPr lang="zh-CN" altLang="en-US" sz="2800" b="1" dirty="0" smtClean="0"/>
-              <a:t>数据：</a:t>
-            </a:r>
-            <a:endParaRPr lang="zh-CN" altLang="zh-CN" sz="2800" b="1" dirty="0"/>
-          </a:p>
-        </p:txBody>
-      </p:sp>
-      <p:sp>
-        <p:nvSpPr>
-          <p:cNvPr id="3" name="文本框 2"/>
-          <p:cNvSpPr txBox="1"/>
-          <p:nvPr/>
-        </p:nvSpPr>
-        <p:spPr>
-          <a:xfrm>
-            <a:off x="1262130" y="2408349"/>
-            <a:ext cx="9620518" cy="2862322"/>
-          </a:xfrm>
-          <a:prstGeom prst="rect">
-            <a:avLst/>
-          </a:prstGeom>
-          <a:noFill/>
-        </p:spPr>
-        <p:txBody>
-          <a:bodyPr wrap="square" rtlCol="0">
-            <a:spAutoFit/>
-          </a:bodyPr>
-          <a:lstStyle/>
-          <a:p>
-            <a:pPr>
-              <a:lnSpc>
-                <a:spcPct val="200000"/>
-              </a:lnSpc>
-            </a:pPr>
-            <a:r>
-              <a:rPr lang="en-US" altLang="zh-CN" dirty="0">
-                <a:solidFill>
-                  <a:schemeClr val="tx1">
-                    <a:lumMod val="75000"/>
-                    <a:lumOff val="25000"/>
-                  </a:schemeClr>
-                </a:solidFill>
-                <a:latin typeface="微软雅黑" panose="020B0503020204020204" pitchFamily="34" charset="-122"/>
-                <a:ea typeface="微软雅黑" panose="020B0503020204020204" pitchFamily="34" charset="-122"/>
-              </a:rPr>
-              <a:t>Hbase</a:t>
-            </a:r>
-            <a:r>
-              <a:rPr lang="zh-CN" altLang="zh-CN" dirty="0">
-                <a:solidFill>
-                  <a:schemeClr val="tx1">
-                    <a:lumMod val="75000"/>
-                    <a:lumOff val="25000"/>
-                  </a:schemeClr>
-                </a:solidFill>
-                <a:latin typeface="微软雅黑" panose="020B0503020204020204" pitchFamily="34" charset="-122"/>
-                <a:ea typeface="微软雅黑" panose="020B0503020204020204" pitchFamily="34" charset="-122"/>
-              </a:rPr>
-              <a:t>的</a:t>
-            </a:r>
-            <a:r>
-              <a:rPr lang="en-US" altLang="zh-CN" dirty="0">
-                <a:solidFill>
-                  <a:schemeClr val="tx1">
-                    <a:lumMod val="75000"/>
-                    <a:lumOff val="25000"/>
-                  </a:schemeClr>
-                </a:solidFill>
-                <a:latin typeface="微软雅黑" panose="020B0503020204020204" pitchFamily="34" charset="-122"/>
-                <a:ea typeface="微软雅黑" panose="020B0503020204020204" pitchFamily="34" charset="-122"/>
-              </a:rPr>
-              <a:t>delete</a:t>
-            </a:r>
-            <a:r>
-              <a:rPr lang="zh-CN" altLang="zh-CN" dirty="0">
-                <a:solidFill>
-                  <a:schemeClr val="tx1">
-                    <a:lumMod val="75000"/>
-                    <a:lumOff val="25000"/>
-                  </a:schemeClr>
-                </a:solidFill>
-                <a:latin typeface="微软雅黑" panose="020B0503020204020204" pitchFamily="34" charset="-122"/>
-                <a:ea typeface="微软雅黑" panose="020B0503020204020204" pitchFamily="34" charset="-122"/>
-              </a:rPr>
-              <a:t>是先新建一个</a:t>
-            </a:r>
-            <a:r>
-              <a:rPr lang="en-US" altLang="zh-CN" dirty="0" err="1">
-                <a:solidFill>
-                  <a:schemeClr val="tx1">
-                    <a:lumMod val="75000"/>
-                    <a:lumOff val="25000"/>
-                  </a:schemeClr>
-                </a:solidFill>
-                <a:latin typeface="微软雅黑" panose="020B0503020204020204" pitchFamily="34" charset="-122"/>
-                <a:ea typeface="微软雅黑" panose="020B0503020204020204" pitchFamily="34" charset="-122"/>
-              </a:rPr>
-              <a:t>tombstonemarkers</a:t>
-            </a:r>
-            <a:r>
-              <a:rPr lang="zh-CN" altLang="zh-CN" dirty="0">
-                <a:solidFill>
-                  <a:schemeClr val="tx1">
-                    <a:lumMod val="75000"/>
-                    <a:lumOff val="25000"/>
-                  </a:schemeClr>
-                </a:solidFill>
-                <a:latin typeface="微软雅黑" panose="020B0503020204020204" pitchFamily="34" charset="-122"/>
-                <a:ea typeface="微软雅黑" panose="020B0503020204020204" pitchFamily="34" charset="-122"/>
-              </a:rPr>
-              <a:t>，然后读的时候会和</a:t>
-            </a:r>
-            <a:r>
-              <a:rPr lang="en-US" altLang="zh-CN" dirty="0" err="1">
-                <a:solidFill>
-                  <a:schemeClr val="tx1">
-                    <a:lumMod val="75000"/>
-                    <a:lumOff val="25000"/>
-                  </a:schemeClr>
-                </a:solidFill>
-                <a:latin typeface="微软雅黑" panose="020B0503020204020204" pitchFamily="34" charset="-122"/>
-                <a:ea typeface="微软雅黑" panose="020B0503020204020204" pitchFamily="34" charset="-122"/>
-              </a:rPr>
-              <a:t>tombstonemarkers</a:t>
-            </a:r>
-            <a:r>
-              <a:rPr lang="zh-CN" altLang="zh-CN" dirty="0">
-                <a:solidFill>
-                  <a:schemeClr val="tx1">
-                    <a:lumMod val="75000"/>
-                    <a:lumOff val="25000"/>
-                  </a:schemeClr>
-                </a:solidFill>
-                <a:latin typeface="微软雅黑" panose="020B0503020204020204" pitchFamily="34" charset="-122"/>
-                <a:ea typeface="微软雅黑" panose="020B0503020204020204" pitchFamily="34" charset="-122"/>
-              </a:rPr>
-              <a:t>做</a:t>
-            </a:r>
-            <a:r>
-              <a:rPr lang="en-US" altLang="zh-CN" dirty="0">
-                <a:solidFill>
-                  <a:schemeClr val="tx1">
-                    <a:lumMod val="75000"/>
-                    <a:lumOff val="25000"/>
-                  </a:schemeClr>
-                </a:solidFill>
-                <a:latin typeface="微软雅黑" panose="020B0503020204020204" pitchFamily="34" charset="-122"/>
-                <a:ea typeface="微软雅黑" panose="020B0503020204020204" pitchFamily="34" charset="-122"/>
-              </a:rPr>
-              <a:t>merge</a:t>
-            </a:r>
-            <a:r>
-              <a:rPr lang="zh-CN" altLang="zh-CN" dirty="0">
-                <a:solidFill>
-                  <a:schemeClr val="tx1">
-                    <a:lumMod val="75000"/>
-                    <a:lumOff val="25000"/>
-                  </a:schemeClr>
-                </a:solidFill>
-                <a:latin typeface="微软雅黑" panose="020B0503020204020204" pitchFamily="34" charset="-122"/>
-                <a:ea typeface="微软雅黑" panose="020B0503020204020204" pitchFamily="34" charset="-122"/>
-              </a:rPr>
-              <a:t>，在 发生</a:t>
-            </a:r>
-            <a:r>
-              <a:rPr lang="en-US" altLang="zh-CN" dirty="0">
-                <a:solidFill>
-                  <a:schemeClr val="tx1">
-                    <a:lumMod val="75000"/>
-                    <a:lumOff val="25000"/>
-                  </a:schemeClr>
-                </a:solidFill>
-                <a:latin typeface="微软雅黑" panose="020B0503020204020204" pitchFamily="34" charset="-122"/>
-                <a:ea typeface="微软雅黑" panose="020B0503020204020204" pitchFamily="34" charset="-122"/>
-              </a:rPr>
-              <a:t>major compaction</a:t>
-            </a:r>
-            <a:r>
-              <a:rPr lang="zh-CN" altLang="zh-CN" dirty="0">
-                <a:solidFill>
-                  <a:schemeClr val="tx1">
-                    <a:lumMod val="75000"/>
-                    <a:lumOff val="25000"/>
-                  </a:schemeClr>
-                </a:solidFill>
-                <a:latin typeface="微软雅黑" panose="020B0503020204020204" pitchFamily="34" charset="-122"/>
-                <a:ea typeface="微软雅黑" panose="020B0503020204020204" pitchFamily="34" charset="-122"/>
-              </a:rPr>
-              <a:t>时</a:t>
-            </a:r>
-            <a:r>
-              <a:rPr lang="en-US" altLang="zh-CN" dirty="0">
-                <a:solidFill>
-                  <a:schemeClr val="tx1">
-                    <a:lumMod val="75000"/>
-                    <a:lumOff val="25000"/>
-                  </a:schemeClr>
-                </a:solidFill>
-                <a:latin typeface="微软雅黑" panose="020B0503020204020204" pitchFamily="34" charset="-122"/>
-                <a:ea typeface="微软雅黑" panose="020B0503020204020204" pitchFamily="34" charset="-122"/>
-              </a:rPr>
-              <a:t>delete</a:t>
-            </a:r>
-            <a:r>
-              <a:rPr lang="zh-CN" altLang="zh-CN" dirty="0">
-                <a:solidFill>
-                  <a:schemeClr val="tx1">
-                    <a:lumMod val="75000"/>
-                    <a:lumOff val="25000"/>
-                  </a:schemeClr>
-                </a:solidFill>
-                <a:latin typeface="微软雅黑" panose="020B0503020204020204" pitchFamily="34" charset="-122"/>
-                <a:ea typeface="微软雅黑" panose="020B0503020204020204" pitchFamily="34" charset="-122"/>
-              </a:rPr>
-              <a:t>的数据记录才会真真删除。</a:t>
-            </a:r>
-          </a:p>
-          <a:p>
-            <a:pPr>
-              <a:lnSpc>
-                <a:spcPct val="200000"/>
-              </a:lnSpc>
-            </a:pPr>
-            <a:r>
-              <a:rPr lang="en-US" altLang="zh-CN" dirty="0" err="1">
-                <a:solidFill>
-                  <a:schemeClr val="tx1">
-                    <a:lumMod val="75000"/>
-                    <a:lumOff val="25000"/>
-                  </a:schemeClr>
-                </a:solidFill>
-                <a:latin typeface="微软雅黑" panose="020B0503020204020204" pitchFamily="34" charset="-122"/>
-                <a:ea typeface="微软雅黑" panose="020B0503020204020204" pitchFamily="34" charset="-122"/>
-              </a:rPr>
-              <a:t>HFile</a:t>
-            </a:r>
-            <a:r>
-              <a:rPr lang="en-US" altLang="zh-CN" dirty="0">
-                <a:solidFill>
-                  <a:schemeClr val="tx1">
-                    <a:lumMod val="75000"/>
-                    <a:lumOff val="25000"/>
-                  </a:schemeClr>
-                </a:solidFill>
-                <a:latin typeface="微软雅黑" panose="020B0503020204020204" pitchFamily="34" charset="-122"/>
-                <a:ea typeface="微软雅黑" panose="020B0503020204020204" pitchFamily="34" charset="-122"/>
-              </a:rPr>
-              <a:t> </a:t>
-            </a:r>
-            <a:r>
-              <a:rPr lang="zh-CN" altLang="zh-CN" dirty="0">
-                <a:solidFill>
-                  <a:schemeClr val="tx1">
-                    <a:lumMod val="75000"/>
-                    <a:lumOff val="25000"/>
-                  </a:schemeClr>
-                </a:solidFill>
-                <a:latin typeface="微软雅黑" panose="020B0503020204020204" pitchFamily="34" charset="-122"/>
-                <a:ea typeface="微软雅黑" panose="020B0503020204020204" pitchFamily="34" charset="-122"/>
-              </a:rPr>
-              <a:t>是不可改变的，当我们发送一条删除指令的时并不能直接在</a:t>
-            </a:r>
-            <a:r>
-              <a:rPr lang="en-US" altLang="zh-CN" dirty="0" err="1">
-                <a:solidFill>
-                  <a:schemeClr val="tx1">
-                    <a:lumMod val="75000"/>
-                    <a:lumOff val="25000"/>
-                  </a:schemeClr>
-                </a:solidFill>
-                <a:latin typeface="微软雅黑" panose="020B0503020204020204" pitchFamily="34" charset="-122"/>
-                <a:ea typeface="微软雅黑" panose="020B0503020204020204" pitchFamily="34" charset="-122"/>
-              </a:rPr>
-              <a:t>HFile</a:t>
-            </a:r>
-            <a:r>
-              <a:rPr lang="zh-CN" altLang="zh-CN" dirty="0">
-                <a:solidFill>
-                  <a:schemeClr val="tx1">
-                    <a:lumMod val="75000"/>
-                    <a:lumOff val="25000"/>
-                  </a:schemeClr>
-                </a:solidFill>
-                <a:latin typeface="微软雅黑" panose="020B0503020204020204" pitchFamily="34" charset="-122"/>
-                <a:ea typeface="微软雅黑" panose="020B0503020204020204" pitchFamily="34" charset="-122"/>
-              </a:rPr>
-              <a:t>中进行数据的删除，得等到合并操作才会真正删除数据，这个是设计的原因。</a:t>
-            </a:r>
-          </a:p>
-          <a:p>
-            <a:pPr>
-              <a:lnSpc>
-                <a:spcPct val="200000"/>
-              </a:lnSpc>
-            </a:pPr>
-            <a:endParaRPr lang="zh-CN" altLang="en-US" dirty="0">
+            <a:pPr algn="ctr"/>
+            <a:r>
+              <a:rPr lang="en-US" altLang="zh-CN" sz="1200" dirty="0" smtClean="0">
+                <a:solidFill>
+                  <a:srgbClr val="404040"/>
+                </a:solidFill>
+                <a:latin typeface="微软雅黑" panose="020B0503020204020204" pitchFamily="34" charset="-122"/>
+                <a:ea typeface="微软雅黑" panose="020B0503020204020204" pitchFamily="34" charset="-122"/>
+              </a:rPr>
+              <a:t>OOAD  3-2  QUADGRAM  2015/10/8</a:t>
+            </a:r>
+            <a:endParaRPr lang="zh-CN" altLang="en-US" sz="1200" dirty="0">
               <a:solidFill>
-                <a:schemeClr val="tx1">
-                  <a:lumMod val="75000"/>
-                  <a:lumOff val="25000"/>
-                </a:schemeClr>
+                <a:srgbClr val="404040"/>
               </a:solidFill>
               <a:latin typeface="微软雅黑" panose="020B0503020204020204" pitchFamily="34" charset="-122"/>
               <a:ea typeface="微软雅黑" panose="020B0503020204020204" pitchFamily="34" charset="-122"/>
@@ -10983,7 +10873,7 @@
     </p:spTree>
     <p:extLst>
       <p:ext uri="{BB962C8B-B14F-4D97-AF65-F5344CB8AC3E}">
-        <p14:creationId xmlns:p14="http://schemas.microsoft.com/office/powerpoint/2010/main" val="1087999994"/>
+        <p14:creationId xmlns:p14="http://schemas.microsoft.com/office/powerpoint/2010/main" xmlns="" val="1361273422"/>
       </p:ext>
     </p:extLst>
   </p:cSld>
@@ -10991,14 +10881,14 @@
     <a:masterClrMapping/>
   </p:clrMapOvr>
   <mc:AlternateContent xmlns:mc="http://schemas.openxmlformats.org/markup-compatibility/2006">
-    <mc:Choice xmlns:p14="http://schemas.microsoft.com/office/powerpoint/2010/main" Requires="p14">
-      <p:transition spd="slow" p14:dur="2500" advClick="0">
-        <p:checker/>
+    <mc:Choice xmlns:p15="http://schemas.microsoft.com/office/powerpoint/2012/main" xmlns="" Requires="p15">
+      <p:transition xmlns:p14="http://schemas.microsoft.com/office/powerpoint/2010/main" spd="slow" p14:dur="1250" advClick="0">
+        <p15:prstTrans prst="pageCurlDouble"/>
       </p:transition>
     </mc:Choice>
     <mc:Fallback>
       <p:transition spd="slow" advClick="0">
-        <p:checker/>
+        <p:fade/>
       </p:transition>
     </mc:Fallback>
   </mc:AlternateContent>
@@ -11031,6 +10921,2634 @@
       </p:grpSpPr>
       <p:pic>
         <p:nvPicPr>
+          <p:cNvPr id="83" name="图片 82"/>
+          <p:cNvPicPr>
+            <a:picLocks noChangeAspect="1"/>
+          </p:cNvPicPr>
+          <p:nvPr/>
+        </p:nvPicPr>
+        <p:blipFill>
+          <a:blip r:embed="rId2">
+            <a:extLst>
+              <a:ext uri="{28A0092B-C50C-407E-A947-70E740481C1C}">
+                <a14:useLocalDpi xmlns:a14="http://schemas.microsoft.com/office/drawing/2010/main" xmlns="" val="0"/>
+              </a:ext>
+            </a:extLst>
+          </a:blip>
+          <a:stretch>
+            <a:fillRect/>
+          </a:stretch>
+        </p:blipFill>
+        <p:spPr>
+          <a:xfrm>
+            <a:off x="24000" y="0"/>
+            <a:ext cx="12192000" cy="6858000"/>
+          </a:xfrm>
+          <a:prstGeom prst="rect">
+            <a:avLst/>
+          </a:prstGeom>
+        </p:spPr>
+      </p:pic>
+      <p:sp>
+        <p:nvSpPr>
+          <p:cNvPr id="81" name="剪去单角的矩形 80"/>
+          <p:cNvSpPr/>
+          <p:nvPr/>
+        </p:nvSpPr>
+        <p:spPr>
+          <a:xfrm flipV="1">
+            <a:off x="0" y="566671"/>
+            <a:ext cx="6120000" cy="540000"/>
+          </a:xfrm>
+          <a:prstGeom prst="snip1Rect">
+            <a:avLst/>
+          </a:prstGeom>
+          <a:solidFill>
+            <a:schemeClr val="bg1">
+              <a:lumMod val="65000"/>
+            </a:schemeClr>
+          </a:solidFill>
+          <a:ln>
+            <a:noFill/>
+          </a:ln>
+        </p:spPr>
+        <p:style>
+          <a:lnRef idx="2">
+            <a:schemeClr val="accent1">
+              <a:shade val="50000"/>
+            </a:schemeClr>
+          </a:lnRef>
+          <a:fillRef idx="1">
+            <a:schemeClr val="accent1"/>
+          </a:fillRef>
+          <a:effectRef idx="0">
+            <a:schemeClr val="accent1"/>
+          </a:effectRef>
+          <a:fontRef idx="minor">
+            <a:schemeClr val="lt1"/>
+          </a:fontRef>
+        </p:style>
+        <p:txBody>
+          <a:bodyPr rtlCol="0" anchor="ctr"/>
+          <a:lstStyle/>
+          <a:p>
+            <a:pPr algn="ctr"/>
+            <a:endParaRPr lang="zh-CN" altLang="en-US"/>
+          </a:p>
+        </p:txBody>
+      </p:sp>
+      <p:sp>
+        <p:nvSpPr>
+          <p:cNvPr id="82" name="标题 1"/>
+          <p:cNvSpPr>
+            <a:spLocks noGrp="1"/>
+          </p:cNvSpPr>
+          <p:nvPr>
+            <p:ph type="title"/>
+          </p:nvPr>
+        </p:nvSpPr>
+        <p:spPr>
+          <a:xfrm>
+            <a:off x="0" y="184819"/>
+            <a:ext cx="12190930" cy="1325563"/>
+          </a:xfrm>
+        </p:spPr>
+        <p:txBody>
+          <a:bodyPr>
+            <a:normAutofit/>
+          </a:bodyPr>
+          <a:lstStyle/>
+          <a:p>
+            <a:r>
+              <a:rPr lang="zh-CN" altLang="en-US" sz="2400" dirty="0" smtClean="0">
+                <a:solidFill>
+                  <a:schemeClr val="bg1"/>
+                </a:solidFill>
+                <a:latin typeface="苹方 细体" panose="020B0200000000000000" pitchFamily="34" charset="-122"/>
+                <a:ea typeface="苹方 细体" panose="020B0200000000000000" pitchFamily="34" charset="-122"/>
+              </a:rPr>
+              <a:t>            </a:t>
+            </a:r>
+            <a:r>
+              <a:rPr lang="en-US" altLang="zh-CN" sz="2800" dirty="0" smtClean="0">
+                <a:solidFill>
+                  <a:schemeClr val="bg1"/>
+                </a:solidFill>
+                <a:latin typeface="苹方 细体" panose="020B0200000000000000" pitchFamily="34" charset="-122"/>
+                <a:ea typeface="苹方 细体" panose="020B0200000000000000" pitchFamily="34" charset="-122"/>
+              </a:rPr>
+              <a:t>Phoenix</a:t>
+            </a:r>
+            <a:endParaRPr lang="zh-CN" altLang="en-US" sz="2400" dirty="0">
+              <a:solidFill>
+                <a:schemeClr val="bg1"/>
+              </a:solidFill>
+              <a:latin typeface="微软雅黑" panose="020B0503020204020204" pitchFamily="34" charset="-122"/>
+              <a:ea typeface="微软雅黑" panose="020B0503020204020204" pitchFamily="34" charset="-122"/>
+            </a:endParaRPr>
+          </a:p>
+        </p:txBody>
+      </p:sp>
+      <p:sp>
+        <p:nvSpPr>
+          <p:cNvPr id="3" name="文本框 2"/>
+          <p:cNvSpPr txBox="1"/>
+          <p:nvPr/>
+        </p:nvSpPr>
+        <p:spPr>
+          <a:xfrm>
+            <a:off x="1221187" y="1794200"/>
+            <a:ext cx="9620518" cy="559769"/>
+          </a:xfrm>
+          <a:prstGeom prst="rect">
+            <a:avLst/>
+          </a:prstGeom>
+          <a:noFill/>
+        </p:spPr>
+        <p:txBody>
+          <a:bodyPr wrap="square" rtlCol="0">
+            <a:spAutoFit/>
+          </a:bodyPr>
+          <a:lstStyle/>
+          <a:p>
+            <a:pPr>
+              <a:lnSpc>
+                <a:spcPct val="200000"/>
+              </a:lnSpc>
+            </a:pPr>
+            <a:r>
+              <a:rPr lang="zh-CN" altLang="en-US" dirty="0" smtClean="0">
+                <a:solidFill>
+                  <a:schemeClr val="tx1">
+                    <a:lumMod val="75000"/>
+                    <a:lumOff val="25000"/>
+                  </a:schemeClr>
+                </a:solidFill>
+                <a:latin typeface="微软雅黑" panose="020B0503020204020204" pitchFamily="34" charset="-122"/>
+                <a:ea typeface="微软雅黑" panose="020B0503020204020204" pitchFamily="34" charset="-122"/>
+              </a:rPr>
+              <a:t>通过普通平常的 </a:t>
+            </a:r>
+            <a:r>
+              <a:rPr lang="en-US" altLang="zh-CN" dirty="0" err="1" smtClean="0">
+                <a:solidFill>
+                  <a:schemeClr val="tx1">
+                    <a:lumMod val="75000"/>
+                    <a:lumOff val="25000"/>
+                  </a:schemeClr>
+                </a:solidFill>
+                <a:latin typeface="微软雅黑" panose="020B0503020204020204" pitchFamily="34" charset="-122"/>
+                <a:ea typeface="微软雅黑" panose="020B0503020204020204" pitchFamily="34" charset="-122"/>
+              </a:rPr>
+              <a:t>sql</a:t>
+            </a:r>
+            <a:r>
+              <a:rPr lang="en-US" altLang="zh-CN" dirty="0" smtClean="0">
+                <a:solidFill>
+                  <a:schemeClr val="tx1">
+                    <a:lumMod val="75000"/>
+                    <a:lumOff val="25000"/>
+                  </a:schemeClr>
+                </a:solidFill>
+                <a:latin typeface="微软雅黑" panose="020B0503020204020204" pitchFamily="34" charset="-122"/>
+                <a:ea typeface="微软雅黑" panose="020B0503020204020204" pitchFamily="34" charset="-122"/>
+              </a:rPr>
+              <a:t> </a:t>
+            </a:r>
+            <a:r>
+              <a:rPr lang="zh-CN" altLang="en-US" dirty="0" smtClean="0">
+                <a:solidFill>
+                  <a:schemeClr val="tx1">
+                    <a:lumMod val="75000"/>
+                    <a:lumOff val="25000"/>
+                  </a:schemeClr>
+                </a:solidFill>
+                <a:latin typeface="微软雅黑" panose="020B0503020204020204" pitchFamily="34" charset="-122"/>
+                <a:ea typeface="微软雅黑" panose="020B0503020204020204" pitchFamily="34" charset="-122"/>
+              </a:rPr>
+              <a:t>来对</a:t>
+            </a:r>
+            <a:r>
+              <a:rPr lang="en-US" altLang="zh-CN" dirty="0" err="1" smtClean="0">
+                <a:solidFill>
+                  <a:schemeClr val="tx1">
+                    <a:lumMod val="75000"/>
+                    <a:lumOff val="25000"/>
+                  </a:schemeClr>
+                </a:solidFill>
+                <a:latin typeface="微软雅黑" panose="020B0503020204020204" pitchFamily="34" charset="-122"/>
+                <a:ea typeface="微软雅黑" panose="020B0503020204020204" pitchFamily="34" charset="-122"/>
+              </a:rPr>
+              <a:t>hbase</a:t>
+            </a:r>
+            <a:r>
+              <a:rPr lang="en-US" altLang="zh-CN" dirty="0" smtClean="0">
+                <a:solidFill>
+                  <a:schemeClr val="tx1">
+                    <a:lumMod val="75000"/>
+                    <a:lumOff val="25000"/>
+                  </a:schemeClr>
+                </a:solidFill>
+                <a:latin typeface="微软雅黑" panose="020B0503020204020204" pitchFamily="34" charset="-122"/>
+                <a:ea typeface="微软雅黑" panose="020B0503020204020204" pitchFamily="34" charset="-122"/>
+              </a:rPr>
+              <a:t> </a:t>
+            </a:r>
+            <a:r>
+              <a:rPr lang="zh-CN" altLang="en-US" dirty="0" smtClean="0">
+                <a:solidFill>
+                  <a:schemeClr val="tx1">
+                    <a:lumMod val="75000"/>
+                    <a:lumOff val="25000"/>
+                  </a:schemeClr>
+                </a:solidFill>
+                <a:latin typeface="微软雅黑" panose="020B0503020204020204" pitchFamily="34" charset="-122"/>
+                <a:ea typeface="微软雅黑" panose="020B0503020204020204" pitchFamily="34" charset="-122"/>
+              </a:rPr>
+              <a:t>进行数据的管理</a:t>
+            </a:r>
+            <a:endParaRPr lang="zh-CN" altLang="en-US" dirty="0">
+              <a:solidFill>
+                <a:schemeClr val="tx1">
+                  <a:lumMod val="75000"/>
+                  <a:lumOff val="25000"/>
+                </a:schemeClr>
+              </a:solidFill>
+              <a:latin typeface="微软雅黑" panose="020B0503020204020204" pitchFamily="34" charset="-122"/>
+              <a:ea typeface="微软雅黑" panose="020B0503020204020204" pitchFamily="34" charset="-122"/>
+            </a:endParaRPr>
+          </a:p>
+        </p:txBody>
+      </p:sp>
+      <p:sp>
+        <p:nvSpPr>
+          <p:cNvPr id="7" name="TextBox 6"/>
+          <p:cNvSpPr txBox="1"/>
+          <p:nvPr/>
+        </p:nvSpPr>
+        <p:spPr>
+          <a:xfrm>
+            <a:off x="1296537" y="2674961"/>
+            <a:ext cx="7178722" cy="562783"/>
+          </a:xfrm>
+          <a:prstGeom prst="rect">
+            <a:avLst/>
+          </a:prstGeom>
+          <a:noFill/>
+        </p:spPr>
+        <p:txBody>
+          <a:bodyPr wrap="square" rtlCol="0">
+            <a:spAutoFit/>
+          </a:bodyPr>
+          <a:lstStyle/>
+          <a:p>
+            <a:pPr>
+              <a:lnSpc>
+                <a:spcPct val="200000"/>
+              </a:lnSpc>
+            </a:pPr>
+            <a:r>
+              <a:rPr lang="zh-CN" altLang="en-US" dirty="0" smtClean="0">
+                <a:solidFill>
+                  <a:schemeClr val="tx1">
+                    <a:lumMod val="75000"/>
+                    <a:lumOff val="25000"/>
+                  </a:schemeClr>
+                </a:solidFill>
+                <a:latin typeface="微软雅黑" panose="020B0503020204020204" pitchFamily="34" charset="-122"/>
+                <a:ea typeface="微软雅黑" panose="020B0503020204020204" pitchFamily="34" charset="-122"/>
+              </a:rPr>
+              <a:t>常用</a:t>
+            </a:r>
+            <a:r>
+              <a:rPr lang="en-US" altLang="zh-CN" dirty="0" smtClean="0">
+                <a:solidFill>
+                  <a:schemeClr val="tx1">
+                    <a:lumMod val="75000"/>
+                    <a:lumOff val="25000"/>
+                  </a:schemeClr>
+                </a:solidFill>
+                <a:latin typeface="微软雅黑" panose="020B0503020204020204" pitchFamily="34" charset="-122"/>
+                <a:ea typeface="微软雅黑" panose="020B0503020204020204" pitchFamily="34" charset="-122"/>
+              </a:rPr>
+              <a:t>shell</a:t>
+            </a:r>
+            <a:r>
+              <a:rPr lang="zh-CN" altLang="en-US" dirty="0" smtClean="0">
+                <a:solidFill>
+                  <a:schemeClr val="tx1">
+                    <a:lumMod val="75000"/>
+                    <a:lumOff val="25000"/>
+                  </a:schemeClr>
+                </a:solidFill>
+                <a:latin typeface="微软雅黑" panose="020B0503020204020204" pitchFamily="34" charset="-122"/>
+                <a:ea typeface="微软雅黑" panose="020B0503020204020204" pitchFamily="34" charset="-122"/>
+              </a:rPr>
+              <a:t>指令：</a:t>
+            </a:r>
+            <a:endParaRPr lang="zh-CN" altLang="en-US" dirty="0">
+              <a:solidFill>
+                <a:schemeClr val="tx1">
+                  <a:lumMod val="75000"/>
+                  <a:lumOff val="25000"/>
+                </a:schemeClr>
+              </a:solidFill>
+              <a:latin typeface="微软雅黑" panose="020B0503020204020204" pitchFamily="34" charset="-122"/>
+              <a:ea typeface="微软雅黑" panose="020B0503020204020204" pitchFamily="34" charset="-122"/>
+            </a:endParaRPr>
+          </a:p>
+        </p:txBody>
+      </p:sp>
+      <p:sp>
+        <p:nvSpPr>
+          <p:cNvPr id="8" name="TextBox 7"/>
+          <p:cNvSpPr txBox="1"/>
+          <p:nvPr/>
+        </p:nvSpPr>
+        <p:spPr>
+          <a:xfrm>
+            <a:off x="2060811" y="3370996"/>
+            <a:ext cx="8625385" cy="2862322"/>
+          </a:xfrm>
+          <a:prstGeom prst="rect">
+            <a:avLst/>
+          </a:prstGeom>
+          <a:noFill/>
+        </p:spPr>
+        <p:txBody>
+          <a:bodyPr wrap="square" rtlCol="0">
+            <a:spAutoFit/>
+          </a:bodyPr>
+          <a:lstStyle/>
+          <a:p>
+            <a:pPr>
+              <a:lnSpc>
+                <a:spcPct val="200000"/>
+              </a:lnSpc>
+            </a:pPr>
+            <a:r>
+              <a:rPr lang="en-US" altLang="zh-CN" dirty="0" smtClean="0">
+                <a:solidFill>
+                  <a:schemeClr val="tx1">
+                    <a:lumMod val="75000"/>
+                    <a:lumOff val="25000"/>
+                  </a:schemeClr>
+                </a:solidFill>
+                <a:latin typeface="微软雅黑" panose="020B0503020204020204" pitchFamily="34" charset="-122"/>
+                <a:ea typeface="微软雅黑" panose="020B0503020204020204" pitchFamily="34" charset="-122"/>
+              </a:rPr>
+              <a:t>!tables</a:t>
+            </a:r>
+          </a:p>
+          <a:p>
+            <a:pPr>
+              <a:lnSpc>
+                <a:spcPct val="200000"/>
+              </a:lnSpc>
+            </a:pPr>
+            <a:r>
+              <a:rPr lang="en-US" altLang="zh-CN" dirty="0" smtClean="0">
+                <a:solidFill>
+                  <a:schemeClr val="tx1">
+                    <a:lumMod val="75000"/>
+                    <a:lumOff val="25000"/>
+                  </a:schemeClr>
+                </a:solidFill>
+                <a:latin typeface="微软雅黑" panose="020B0503020204020204" pitchFamily="34" charset="-122"/>
+                <a:ea typeface="微软雅黑" panose="020B0503020204020204" pitchFamily="34" charset="-122"/>
+              </a:rPr>
+              <a:t>create table IF NOT EXISTS </a:t>
+            </a:r>
+            <a:r>
+              <a:rPr lang="en-US" altLang="zh-CN" dirty="0" err="1" smtClean="0">
+                <a:solidFill>
+                  <a:schemeClr val="tx1">
+                    <a:lumMod val="75000"/>
+                    <a:lumOff val="25000"/>
+                  </a:schemeClr>
+                </a:solidFill>
+                <a:latin typeface="微软雅黑" panose="020B0503020204020204" pitchFamily="34" charset="-122"/>
+                <a:ea typeface="微软雅黑" panose="020B0503020204020204" pitchFamily="34" charset="-122"/>
+              </a:rPr>
+              <a:t>test.Person</a:t>
+            </a:r>
+            <a:r>
+              <a:rPr lang="en-US" altLang="zh-CN" dirty="0" smtClean="0">
+                <a:solidFill>
+                  <a:schemeClr val="tx1">
+                    <a:lumMod val="75000"/>
+                    <a:lumOff val="25000"/>
+                  </a:schemeClr>
+                </a:solidFill>
+                <a:latin typeface="微软雅黑" panose="020B0503020204020204" pitchFamily="34" charset="-122"/>
+                <a:ea typeface="微软雅黑" panose="020B0503020204020204" pitchFamily="34" charset="-122"/>
+              </a:rPr>
+              <a:t> (</a:t>
+            </a:r>
+            <a:r>
+              <a:rPr lang="en-US" altLang="zh-CN" dirty="0" err="1" smtClean="0">
+                <a:solidFill>
+                  <a:schemeClr val="tx1">
+                    <a:lumMod val="75000"/>
+                    <a:lumOff val="25000"/>
+                  </a:schemeClr>
+                </a:solidFill>
+                <a:latin typeface="微软雅黑" panose="020B0503020204020204" pitchFamily="34" charset="-122"/>
+                <a:ea typeface="微软雅黑" panose="020B0503020204020204" pitchFamily="34" charset="-122"/>
+              </a:rPr>
+              <a:t>IDCardNum</a:t>
+            </a:r>
+            <a:r>
+              <a:rPr lang="en-US" altLang="zh-CN" dirty="0" smtClean="0">
+                <a:solidFill>
+                  <a:schemeClr val="tx1">
+                    <a:lumMod val="75000"/>
+                    <a:lumOff val="25000"/>
+                  </a:schemeClr>
+                </a:solidFill>
+                <a:latin typeface="微软雅黑" panose="020B0503020204020204" pitchFamily="34" charset="-122"/>
+                <a:ea typeface="微软雅黑" panose="020B0503020204020204" pitchFamily="34" charset="-122"/>
+              </a:rPr>
+              <a:t> INTEGER not null primary key, Name </a:t>
+            </a:r>
+            <a:r>
+              <a:rPr lang="en-US" altLang="zh-CN" dirty="0" err="1" smtClean="0">
+                <a:solidFill>
+                  <a:schemeClr val="tx1">
+                    <a:lumMod val="75000"/>
+                    <a:lumOff val="25000"/>
+                  </a:schemeClr>
+                </a:solidFill>
+                <a:latin typeface="微软雅黑" panose="020B0503020204020204" pitchFamily="34" charset="-122"/>
+                <a:ea typeface="微软雅黑" panose="020B0503020204020204" pitchFamily="34" charset="-122"/>
+              </a:rPr>
+              <a:t>varchar</a:t>
+            </a:r>
+            <a:r>
+              <a:rPr lang="en-US" altLang="zh-CN" dirty="0" smtClean="0">
+                <a:solidFill>
+                  <a:schemeClr val="tx1">
+                    <a:lumMod val="75000"/>
+                    <a:lumOff val="25000"/>
+                  </a:schemeClr>
+                </a:solidFill>
+                <a:latin typeface="微软雅黑" panose="020B0503020204020204" pitchFamily="34" charset="-122"/>
+                <a:ea typeface="微软雅黑" panose="020B0503020204020204" pitchFamily="34" charset="-122"/>
+              </a:rPr>
+              <a:t>(20),Age INTEGER);</a:t>
+            </a:r>
+          </a:p>
+          <a:p>
+            <a:pPr>
+              <a:lnSpc>
+                <a:spcPct val="200000"/>
+              </a:lnSpc>
+            </a:pPr>
+            <a:r>
+              <a:rPr lang="en-US" altLang="zh-CN" dirty="0" err="1" smtClean="0">
+                <a:solidFill>
+                  <a:schemeClr val="tx1">
+                    <a:lumMod val="75000"/>
+                    <a:lumOff val="25000"/>
+                  </a:schemeClr>
+                </a:solidFill>
+                <a:latin typeface="微软雅黑" panose="020B0503020204020204" pitchFamily="34" charset="-122"/>
+                <a:ea typeface="微软雅黑" panose="020B0503020204020204" pitchFamily="34" charset="-122"/>
+              </a:rPr>
+              <a:t>upsert</a:t>
+            </a:r>
+            <a:r>
+              <a:rPr lang="en-US" altLang="zh-CN" dirty="0" smtClean="0">
+                <a:solidFill>
+                  <a:schemeClr val="tx1">
+                    <a:lumMod val="75000"/>
+                    <a:lumOff val="25000"/>
+                  </a:schemeClr>
+                </a:solidFill>
+                <a:latin typeface="微软雅黑" panose="020B0503020204020204" pitchFamily="34" charset="-122"/>
+                <a:ea typeface="微软雅黑" panose="020B0503020204020204" pitchFamily="34" charset="-122"/>
+              </a:rPr>
+              <a:t> into </a:t>
+            </a:r>
+            <a:r>
+              <a:rPr lang="en-US" altLang="zh-CN" dirty="0" err="1" smtClean="0">
+                <a:solidFill>
+                  <a:schemeClr val="tx1">
+                    <a:lumMod val="75000"/>
+                    <a:lumOff val="25000"/>
+                  </a:schemeClr>
+                </a:solidFill>
+                <a:latin typeface="微软雅黑" panose="020B0503020204020204" pitchFamily="34" charset="-122"/>
+                <a:ea typeface="微软雅黑" panose="020B0503020204020204" pitchFamily="34" charset="-122"/>
+              </a:rPr>
+              <a:t>test.Person</a:t>
+            </a:r>
+            <a:r>
+              <a:rPr lang="en-US" altLang="zh-CN" dirty="0" smtClean="0">
+                <a:solidFill>
+                  <a:schemeClr val="tx1">
+                    <a:lumMod val="75000"/>
+                    <a:lumOff val="25000"/>
+                  </a:schemeClr>
+                </a:solidFill>
+                <a:latin typeface="微软雅黑" panose="020B0503020204020204" pitchFamily="34" charset="-122"/>
+                <a:ea typeface="微软雅黑" panose="020B0503020204020204" pitchFamily="34" charset="-122"/>
+              </a:rPr>
+              <a:t> (</a:t>
+            </a:r>
+            <a:r>
+              <a:rPr lang="en-US" altLang="zh-CN" dirty="0" err="1" smtClean="0">
+                <a:solidFill>
+                  <a:schemeClr val="tx1">
+                    <a:lumMod val="75000"/>
+                    <a:lumOff val="25000"/>
+                  </a:schemeClr>
+                </a:solidFill>
+                <a:latin typeface="微软雅黑" panose="020B0503020204020204" pitchFamily="34" charset="-122"/>
+                <a:ea typeface="微软雅黑" panose="020B0503020204020204" pitchFamily="34" charset="-122"/>
+              </a:rPr>
+              <a:t>IDCardNum,Name,Age</a:t>
+            </a:r>
+            <a:r>
+              <a:rPr lang="en-US" altLang="zh-CN" dirty="0" smtClean="0">
+                <a:solidFill>
+                  <a:schemeClr val="tx1">
+                    <a:lumMod val="75000"/>
+                    <a:lumOff val="25000"/>
+                  </a:schemeClr>
+                </a:solidFill>
+                <a:latin typeface="微软雅黑" panose="020B0503020204020204" pitchFamily="34" charset="-122"/>
+                <a:ea typeface="微软雅黑" panose="020B0503020204020204" pitchFamily="34" charset="-122"/>
+              </a:rPr>
+              <a:t>) values (100,'小明',12);</a:t>
+            </a:r>
+          </a:p>
+          <a:p>
+            <a:pPr>
+              <a:lnSpc>
+                <a:spcPct val="200000"/>
+              </a:lnSpc>
+            </a:pPr>
+            <a:r>
+              <a:rPr lang="en-US" altLang="zh-CN" dirty="0" smtClean="0">
+                <a:solidFill>
+                  <a:schemeClr val="tx1">
+                    <a:lumMod val="75000"/>
+                    <a:lumOff val="25000"/>
+                  </a:schemeClr>
+                </a:solidFill>
+                <a:latin typeface="微软雅黑" panose="020B0503020204020204" pitchFamily="34" charset="-122"/>
+                <a:ea typeface="微软雅黑" panose="020B0503020204020204" pitchFamily="34" charset="-122"/>
+              </a:rPr>
+              <a:t>delete from </a:t>
+            </a:r>
+            <a:r>
+              <a:rPr lang="en-US" altLang="zh-CN" dirty="0" err="1" smtClean="0">
+                <a:solidFill>
+                  <a:schemeClr val="tx1">
+                    <a:lumMod val="75000"/>
+                    <a:lumOff val="25000"/>
+                  </a:schemeClr>
+                </a:solidFill>
+                <a:latin typeface="微软雅黑" panose="020B0503020204020204" pitchFamily="34" charset="-122"/>
+                <a:ea typeface="微软雅黑" panose="020B0503020204020204" pitchFamily="34" charset="-122"/>
+              </a:rPr>
+              <a:t>test.Person</a:t>
+            </a:r>
+            <a:r>
+              <a:rPr lang="en-US" altLang="zh-CN" dirty="0" smtClean="0">
+                <a:solidFill>
+                  <a:schemeClr val="tx1">
+                    <a:lumMod val="75000"/>
+                    <a:lumOff val="25000"/>
+                  </a:schemeClr>
+                </a:solidFill>
+                <a:latin typeface="微软雅黑" panose="020B0503020204020204" pitchFamily="34" charset="-122"/>
+                <a:ea typeface="微软雅黑" panose="020B0503020204020204" pitchFamily="34" charset="-122"/>
+              </a:rPr>
+              <a:t> where </a:t>
+            </a:r>
+            <a:r>
+              <a:rPr lang="en-US" altLang="zh-CN" dirty="0" err="1" smtClean="0">
+                <a:solidFill>
+                  <a:schemeClr val="tx1">
+                    <a:lumMod val="75000"/>
+                    <a:lumOff val="25000"/>
+                  </a:schemeClr>
+                </a:solidFill>
+                <a:latin typeface="微软雅黑" panose="020B0503020204020204" pitchFamily="34" charset="-122"/>
+                <a:ea typeface="微软雅黑" panose="020B0503020204020204" pitchFamily="34" charset="-122"/>
+              </a:rPr>
+              <a:t>idcardnum</a:t>
+            </a:r>
+            <a:r>
+              <a:rPr lang="en-US" altLang="zh-CN" dirty="0" smtClean="0">
+                <a:solidFill>
+                  <a:schemeClr val="tx1">
+                    <a:lumMod val="75000"/>
+                    <a:lumOff val="25000"/>
+                  </a:schemeClr>
+                </a:solidFill>
+                <a:latin typeface="微软雅黑" panose="020B0503020204020204" pitchFamily="34" charset="-122"/>
+                <a:ea typeface="微软雅黑" panose="020B0503020204020204" pitchFamily="34" charset="-122"/>
+              </a:rPr>
+              <a:t>=100;</a:t>
+            </a:r>
+            <a:endParaRPr lang="zh-CN" altLang="en-US" dirty="0">
+              <a:solidFill>
+                <a:schemeClr val="tx1">
+                  <a:lumMod val="75000"/>
+                  <a:lumOff val="25000"/>
+                </a:schemeClr>
+              </a:solidFill>
+              <a:latin typeface="微软雅黑" panose="020B0503020204020204" pitchFamily="34" charset="-122"/>
+              <a:ea typeface="微软雅黑" panose="020B0503020204020204" pitchFamily="34" charset="-122"/>
+            </a:endParaRPr>
+          </a:p>
+        </p:txBody>
+      </p:sp>
+    </p:spTree>
+    <p:extLst>
+      <p:ext uri="{BB962C8B-B14F-4D97-AF65-F5344CB8AC3E}">
+        <p14:creationId xmlns:p14="http://schemas.microsoft.com/office/powerpoint/2010/main" xmlns="" val="1087999994"/>
+      </p:ext>
+    </p:extLst>
+  </p:cSld>
+  <p:clrMapOvr>
+    <a:masterClrMapping/>
+  </p:clrMapOvr>
+  <mc:AlternateContent xmlns:mc="http://schemas.openxmlformats.org/markup-compatibility/2006">
+    <mc:Choice xmlns:p14="http://schemas.microsoft.com/office/powerpoint/2010/main" xmlns="" Requires="p14">
+      <p:transition spd="slow" p14:dur="2500" advClick="0">
+        <p:checker/>
+      </p:transition>
+    </mc:Choice>
+    <mc:Fallback>
+      <p:transition spd="slow" advClick="0">
+        <p:checker/>
+      </p:transition>
+    </mc:Fallback>
+  </mc:AlternateContent>
+  <p:timing>
+    <p:tnLst>
+      <p:par>
+        <p:cTn id="1" dur="indefinite" restart="never" nodeType="tmRoot"/>
+      </p:par>
+    </p:tnLst>
+  </p:timing>
+</p:sld>
+</file>
+
+<file path=ppt/slides/slide25.xml><?xml version="1.0" encoding="utf-8"?>
+<p:sld xmlns:a="http://schemas.openxmlformats.org/drawingml/2006/main" xmlns:r="http://schemas.openxmlformats.org/officeDocument/2006/relationships" xmlns:p="http://schemas.openxmlformats.org/presentationml/2006/main">
+  <p:cSld>
+    <p:spTree>
+      <p:nvGrpSpPr>
+        <p:cNvPr id="1" name=""/>
+        <p:cNvGrpSpPr/>
+        <p:nvPr/>
+      </p:nvGrpSpPr>
+      <p:grpSpPr>
+        <a:xfrm>
+          <a:off x="0" y="0"/>
+          <a:ext cx="0" cy="0"/>
+          <a:chOff x="0" y="0"/>
+          <a:chExt cx="0" cy="0"/>
+        </a:xfrm>
+      </p:grpSpPr>
+      <p:pic>
+        <p:nvPicPr>
+          <p:cNvPr id="83" name="图片 82"/>
+          <p:cNvPicPr>
+            <a:picLocks noChangeAspect="1"/>
+          </p:cNvPicPr>
+          <p:nvPr/>
+        </p:nvPicPr>
+        <p:blipFill>
+          <a:blip r:embed="rId2">
+            <a:extLst>
+              <a:ext uri="{28A0092B-C50C-407E-A947-70E740481C1C}">
+                <a14:useLocalDpi xmlns:a14="http://schemas.microsoft.com/office/drawing/2010/main" xmlns="" val="0"/>
+              </a:ext>
+            </a:extLst>
+          </a:blip>
+          <a:stretch>
+            <a:fillRect/>
+          </a:stretch>
+        </p:blipFill>
+        <p:spPr>
+          <a:xfrm>
+            <a:off x="24000" y="0"/>
+            <a:ext cx="12192000" cy="6858000"/>
+          </a:xfrm>
+          <a:prstGeom prst="rect">
+            <a:avLst/>
+          </a:prstGeom>
+        </p:spPr>
+      </p:pic>
+      <p:sp>
+        <p:nvSpPr>
+          <p:cNvPr id="81" name="剪去单角的矩形 80"/>
+          <p:cNvSpPr/>
+          <p:nvPr/>
+        </p:nvSpPr>
+        <p:spPr>
+          <a:xfrm flipV="1">
+            <a:off x="0" y="566671"/>
+            <a:ext cx="6120000" cy="540000"/>
+          </a:xfrm>
+          <a:prstGeom prst="snip1Rect">
+            <a:avLst/>
+          </a:prstGeom>
+          <a:solidFill>
+            <a:schemeClr val="bg1">
+              <a:lumMod val="65000"/>
+            </a:schemeClr>
+          </a:solidFill>
+          <a:ln>
+            <a:noFill/>
+          </a:ln>
+        </p:spPr>
+        <p:style>
+          <a:lnRef idx="2">
+            <a:schemeClr val="accent1">
+              <a:shade val="50000"/>
+            </a:schemeClr>
+          </a:lnRef>
+          <a:fillRef idx="1">
+            <a:schemeClr val="accent1"/>
+          </a:fillRef>
+          <a:effectRef idx="0">
+            <a:schemeClr val="accent1"/>
+          </a:effectRef>
+          <a:fontRef idx="minor">
+            <a:schemeClr val="lt1"/>
+          </a:fontRef>
+        </p:style>
+        <p:txBody>
+          <a:bodyPr rtlCol="0" anchor="ctr"/>
+          <a:lstStyle/>
+          <a:p>
+            <a:pPr algn="ctr"/>
+            <a:endParaRPr lang="zh-CN" altLang="en-US"/>
+          </a:p>
+        </p:txBody>
+      </p:sp>
+      <p:sp>
+        <p:nvSpPr>
+          <p:cNvPr id="82" name="标题 1"/>
+          <p:cNvSpPr>
+            <a:spLocks noGrp="1"/>
+          </p:cNvSpPr>
+          <p:nvPr>
+            <p:ph type="title"/>
+          </p:nvPr>
+        </p:nvSpPr>
+        <p:spPr>
+          <a:xfrm>
+            <a:off x="0" y="184819"/>
+            <a:ext cx="12190930" cy="1325563"/>
+          </a:xfrm>
+        </p:spPr>
+        <p:txBody>
+          <a:bodyPr>
+            <a:normAutofit/>
+          </a:bodyPr>
+          <a:lstStyle/>
+          <a:p>
+            <a:r>
+              <a:rPr lang="zh-CN" altLang="en-US" sz="2400" dirty="0" smtClean="0">
+                <a:solidFill>
+                  <a:schemeClr val="bg1"/>
+                </a:solidFill>
+                <a:latin typeface="苹方 细体" panose="020B0200000000000000" pitchFamily="34" charset="-122"/>
+                <a:ea typeface="苹方 细体" panose="020B0200000000000000" pitchFamily="34" charset="-122"/>
+              </a:rPr>
+              <a:t>            </a:t>
+            </a:r>
+            <a:r>
+              <a:rPr lang="en-US" altLang="zh-CN" sz="2800" dirty="0" smtClean="0">
+                <a:solidFill>
+                  <a:schemeClr val="bg1"/>
+                </a:solidFill>
+                <a:latin typeface="苹方 细体" panose="020B0200000000000000" pitchFamily="34" charset="-122"/>
+                <a:ea typeface="苹方 细体" panose="020B0200000000000000" pitchFamily="34" charset="-122"/>
+              </a:rPr>
+              <a:t>Phoenix</a:t>
+            </a:r>
+            <a:endParaRPr lang="zh-CN" altLang="en-US" sz="2400" dirty="0">
+              <a:solidFill>
+                <a:schemeClr val="bg1"/>
+              </a:solidFill>
+              <a:latin typeface="微软雅黑" panose="020B0503020204020204" pitchFamily="34" charset="-122"/>
+              <a:ea typeface="微软雅黑" panose="020B0503020204020204" pitchFamily="34" charset="-122"/>
+            </a:endParaRPr>
+          </a:p>
+        </p:txBody>
+      </p:sp>
+      <p:sp>
+        <p:nvSpPr>
+          <p:cNvPr id="3" name="文本框 2"/>
+          <p:cNvSpPr txBox="1"/>
+          <p:nvPr/>
+        </p:nvSpPr>
+        <p:spPr>
+          <a:xfrm>
+            <a:off x="1221187" y="1794200"/>
+            <a:ext cx="9620518" cy="559769"/>
+          </a:xfrm>
+          <a:prstGeom prst="rect">
+            <a:avLst/>
+          </a:prstGeom>
+          <a:noFill/>
+        </p:spPr>
+        <p:txBody>
+          <a:bodyPr wrap="square" rtlCol="0">
+            <a:spAutoFit/>
+          </a:bodyPr>
+          <a:lstStyle/>
+          <a:p>
+            <a:pPr>
+              <a:lnSpc>
+                <a:spcPct val="200000"/>
+              </a:lnSpc>
+            </a:pPr>
+            <a:r>
+              <a:rPr lang="zh-CN" altLang="en-US" dirty="0" smtClean="0">
+                <a:solidFill>
+                  <a:schemeClr val="tx1">
+                    <a:lumMod val="75000"/>
+                    <a:lumOff val="25000"/>
+                  </a:schemeClr>
+                </a:solidFill>
+                <a:latin typeface="微软雅黑" panose="020B0503020204020204" pitchFamily="34" charset="-122"/>
+                <a:ea typeface="微软雅黑" panose="020B0503020204020204" pitchFamily="34" charset="-122"/>
+              </a:rPr>
+              <a:t>通过普通平常的 </a:t>
+            </a:r>
+            <a:r>
+              <a:rPr lang="en-US" altLang="zh-CN" dirty="0" err="1" smtClean="0">
+                <a:solidFill>
+                  <a:schemeClr val="tx1">
+                    <a:lumMod val="75000"/>
+                    <a:lumOff val="25000"/>
+                  </a:schemeClr>
+                </a:solidFill>
+                <a:latin typeface="微软雅黑" panose="020B0503020204020204" pitchFamily="34" charset="-122"/>
+                <a:ea typeface="微软雅黑" panose="020B0503020204020204" pitchFamily="34" charset="-122"/>
+              </a:rPr>
+              <a:t>sql</a:t>
+            </a:r>
+            <a:r>
+              <a:rPr lang="en-US" altLang="zh-CN" dirty="0" smtClean="0">
+                <a:solidFill>
+                  <a:schemeClr val="tx1">
+                    <a:lumMod val="75000"/>
+                    <a:lumOff val="25000"/>
+                  </a:schemeClr>
+                </a:solidFill>
+                <a:latin typeface="微软雅黑" panose="020B0503020204020204" pitchFamily="34" charset="-122"/>
+                <a:ea typeface="微软雅黑" panose="020B0503020204020204" pitchFamily="34" charset="-122"/>
+              </a:rPr>
+              <a:t> </a:t>
+            </a:r>
+            <a:r>
+              <a:rPr lang="zh-CN" altLang="en-US" dirty="0" smtClean="0">
+                <a:solidFill>
+                  <a:schemeClr val="tx1">
+                    <a:lumMod val="75000"/>
+                    <a:lumOff val="25000"/>
+                  </a:schemeClr>
+                </a:solidFill>
+                <a:latin typeface="微软雅黑" panose="020B0503020204020204" pitchFamily="34" charset="-122"/>
+                <a:ea typeface="微软雅黑" panose="020B0503020204020204" pitchFamily="34" charset="-122"/>
+              </a:rPr>
+              <a:t>来对</a:t>
+            </a:r>
+            <a:r>
+              <a:rPr lang="en-US" altLang="zh-CN" dirty="0" err="1" smtClean="0">
+                <a:solidFill>
+                  <a:schemeClr val="tx1">
+                    <a:lumMod val="75000"/>
+                    <a:lumOff val="25000"/>
+                  </a:schemeClr>
+                </a:solidFill>
+                <a:latin typeface="微软雅黑" panose="020B0503020204020204" pitchFamily="34" charset="-122"/>
+                <a:ea typeface="微软雅黑" panose="020B0503020204020204" pitchFamily="34" charset="-122"/>
+              </a:rPr>
+              <a:t>hbase</a:t>
+            </a:r>
+            <a:r>
+              <a:rPr lang="en-US" altLang="zh-CN" dirty="0" smtClean="0">
+                <a:solidFill>
+                  <a:schemeClr val="tx1">
+                    <a:lumMod val="75000"/>
+                    <a:lumOff val="25000"/>
+                  </a:schemeClr>
+                </a:solidFill>
+                <a:latin typeface="微软雅黑" panose="020B0503020204020204" pitchFamily="34" charset="-122"/>
+                <a:ea typeface="微软雅黑" panose="020B0503020204020204" pitchFamily="34" charset="-122"/>
+              </a:rPr>
+              <a:t> </a:t>
+            </a:r>
+            <a:r>
+              <a:rPr lang="zh-CN" altLang="en-US" dirty="0" smtClean="0">
+                <a:solidFill>
+                  <a:schemeClr val="tx1">
+                    <a:lumMod val="75000"/>
+                    <a:lumOff val="25000"/>
+                  </a:schemeClr>
+                </a:solidFill>
+                <a:latin typeface="微软雅黑" panose="020B0503020204020204" pitchFamily="34" charset="-122"/>
+                <a:ea typeface="微软雅黑" panose="020B0503020204020204" pitchFamily="34" charset="-122"/>
+              </a:rPr>
+              <a:t>进行数据的管理</a:t>
+            </a:r>
+            <a:endParaRPr lang="zh-CN" altLang="en-US" dirty="0">
+              <a:solidFill>
+                <a:schemeClr val="tx1">
+                  <a:lumMod val="75000"/>
+                  <a:lumOff val="25000"/>
+                </a:schemeClr>
+              </a:solidFill>
+              <a:latin typeface="微软雅黑" panose="020B0503020204020204" pitchFamily="34" charset="-122"/>
+              <a:ea typeface="微软雅黑" panose="020B0503020204020204" pitchFamily="34" charset="-122"/>
+            </a:endParaRPr>
+          </a:p>
+        </p:txBody>
+      </p:sp>
+      <p:sp>
+        <p:nvSpPr>
+          <p:cNvPr id="7" name="TextBox 6"/>
+          <p:cNvSpPr txBox="1"/>
+          <p:nvPr/>
+        </p:nvSpPr>
+        <p:spPr>
+          <a:xfrm>
+            <a:off x="1296537" y="2674961"/>
+            <a:ext cx="7178722" cy="562783"/>
+          </a:xfrm>
+          <a:prstGeom prst="rect">
+            <a:avLst/>
+          </a:prstGeom>
+          <a:noFill/>
+        </p:spPr>
+        <p:txBody>
+          <a:bodyPr wrap="square" rtlCol="0">
+            <a:spAutoFit/>
+          </a:bodyPr>
+          <a:lstStyle/>
+          <a:p>
+            <a:pPr>
+              <a:lnSpc>
+                <a:spcPct val="200000"/>
+              </a:lnSpc>
+            </a:pPr>
+            <a:r>
+              <a:rPr lang="zh-CN" altLang="en-US" dirty="0" smtClean="0">
+                <a:solidFill>
+                  <a:schemeClr val="tx1">
+                    <a:lumMod val="75000"/>
+                    <a:lumOff val="25000"/>
+                  </a:schemeClr>
+                </a:solidFill>
+                <a:latin typeface="微软雅黑" panose="020B0503020204020204" pitchFamily="34" charset="-122"/>
+                <a:ea typeface="微软雅黑" panose="020B0503020204020204" pitchFamily="34" charset="-122"/>
+              </a:rPr>
+              <a:t>常用</a:t>
+            </a:r>
+            <a:r>
+              <a:rPr lang="en-US" altLang="zh-CN" dirty="0" smtClean="0">
+                <a:solidFill>
+                  <a:schemeClr val="tx1">
+                    <a:lumMod val="75000"/>
+                    <a:lumOff val="25000"/>
+                  </a:schemeClr>
+                </a:solidFill>
+                <a:latin typeface="微软雅黑" panose="020B0503020204020204" pitchFamily="34" charset="-122"/>
+                <a:ea typeface="微软雅黑" panose="020B0503020204020204" pitchFamily="34" charset="-122"/>
+              </a:rPr>
+              <a:t>shell</a:t>
+            </a:r>
+            <a:r>
+              <a:rPr lang="zh-CN" altLang="en-US" dirty="0" smtClean="0">
+                <a:solidFill>
+                  <a:schemeClr val="tx1">
+                    <a:lumMod val="75000"/>
+                    <a:lumOff val="25000"/>
+                  </a:schemeClr>
+                </a:solidFill>
+                <a:latin typeface="微软雅黑" panose="020B0503020204020204" pitchFamily="34" charset="-122"/>
+                <a:ea typeface="微软雅黑" panose="020B0503020204020204" pitchFamily="34" charset="-122"/>
+              </a:rPr>
+              <a:t>指令：</a:t>
+            </a:r>
+            <a:endParaRPr lang="zh-CN" altLang="en-US" dirty="0">
+              <a:solidFill>
+                <a:schemeClr val="tx1">
+                  <a:lumMod val="75000"/>
+                  <a:lumOff val="25000"/>
+                </a:schemeClr>
+              </a:solidFill>
+              <a:latin typeface="微软雅黑" panose="020B0503020204020204" pitchFamily="34" charset="-122"/>
+              <a:ea typeface="微软雅黑" panose="020B0503020204020204" pitchFamily="34" charset="-122"/>
+            </a:endParaRPr>
+          </a:p>
+        </p:txBody>
+      </p:sp>
+      <p:sp>
+        <p:nvSpPr>
+          <p:cNvPr id="8" name="TextBox 7"/>
+          <p:cNvSpPr txBox="1"/>
+          <p:nvPr/>
+        </p:nvSpPr>
+        <p:spPr>
+          <a:xfrm>
+            <a:off x="2060811" y="3370996"/>
+            <a:ext cx="8625385" cy="562783"/>
+          </a:xfrm>
+          <a:prstGeom prst="rect">
+            <a:avLst/>
+          </a:prstGeom>
+          <a:noFill/>
+        </p:spPr>
+        <p:txBody>
+          <a:bodyPr wrap="square" rtlCol="0">
+            <a:spAutoFit/>
+          </a:bodyPr>
+          <a:lstStyle/>
+          <a:p>
+            <a:pPr>
+              <a:lnSpc>
+                <a:spcPct val="200000"/>
+              </a:lnSpc>
+            </a:pPr>
+            <a:r>
+              <a:rPr lang="en-US" altLang="zh-CN" dirty="0" smtClean="0">
+                <a:solidFill>
+                  <a:schemeClr val="tx1">
+                    <a:lumMod val="75000"/>
+                    <a:lumOff val="25000"/>
+                  </a:schemeClr>
+                </a:solidFill>
+                <a:latin typeface="微软雅黑" panose="020B0503020204020204" pitchFamily="34" charset="-122"/>
+                <a:ea typeface="微软雅黑" panose="020B0503020204020204" pitchFamily="34" charset="-122"/>
+              </a:rPr>
+              <a:t>!tables</a:t>
+            </a:r>
+          </a:p>
+        </p:txBody>
+      </p:sp>
+      <p:pic>
+        <p:nvPicPr>
+          <p:cNvPr id="1026" name="Picture 2"/>
+          <p:cNvPicPr>
+            <a:picLocks noChangeAspect="1" noChangeArrowheads="1"/>
+          </p:cNvPicPr>
+          <p:nvPr/>
+        </p:nvPicPr>
+        <p:blipFill>
+          <a:blip r:embed="rId3"/>
+          <a:srcRect/>
+          <a:stretch>
+            <a:fillRect/>
+          </a:stretch>
+        </p:blipFill>
+        <p:spPr bwMode="auto">
+          <a:xfrm>
+            <a:off x="1774209" y="4273455"/>
+            <a:ext cx="9724161" cy="2181936"/>
+          </a:xfrm>
+          <a:prstGeom prst="rect">
+            <a:avLst/>
+          </a:prstGeom>
+          <a:noFill/>
+          <a:ln w="9525">
+            <a:noFill/>
+            <a:miter lim="800000"/>
+            <a:headEnd/>
+            <a:tailEnd/>
+          </a:ln>
+          <a:effectLst/>
+        </p:spPr>
+      </p:pic>
+    </p:spTree>
+    <p:extLst>
+      <p:ext uri="{BB962C8B-B14F-4D97-AF65-F5344CB8AC3E}">
+        <p14:creationId xmlns:p14="http://schemas.microsoft.com/office/powerpoint/2010/main" xmlns="" val="1087999994"/>
+      </p:ext>
+    </p:extLst>
+  </p:cSld>
+  <p:clrMapOvr>
+    <a:masterClrMapping/>
+  </p:clrMapOvr>
+  <mc:AlternateContent xmlns:mc="http://schemas.openxmlformats.org/markup-compatibility/2006">
+    <mc:Choice xmlns:p14="http://schemas.microsoft.com/office/powerpoint/2010/main" xmlns="" Requires="p14">
+      <p:transition spd="slow" p14:dur="2500" advClick="0">
+        <p:checker/>
+      </p:transition>
+    </mc:Choice>
+    <mc:Fallback>
+      <p:transition spd="slow" advClick="0">
+        <p:checker/>
+      </p:transition>
+    </mc:Fallback>
+  </mc:AlternateContent>
+  <p:timing>
+    <p:tnLst>
+      <p:par>
+        <p:cTn id="1" dur="indefinite" restart="never" nodeType="tmRoot"/>
+      </p:par>
+    </p:tnLst>
+  </p:timing>
+</p:sld>
+</file>
+
+<file path=ppt/slides/slide26.xml><?xml version="1.0" encoding="utf-8"?>
+<p:sld xmlns:a="http://schemas.openxmlformats.org/drawingml/2006/main" xmlns:r="http://schemas.openxmlformats.org/officeDocument/2006/relationships" xmlns:p="http://schemas.openxmlformats.org/presentationml/2006/main">
+  <p:cSld>
+    <p:spTree>
+      <p:nvGrpSpPr>
+        <p:cNvPr id="1" name=""/>
+        <p:cNvGrpSpPr/>
+        <p:nvPr/>
+      </p:nvGrpSpPr>
+      <p:grpSpPr>
+        <a:xfrm>
+          <a:off x="0" y="0"/>
+          <a:ext cx="0" cy="0"/>
+          <a:chOff x="0" y="0"/>
+          <a:chExt cx="0" cy="0"/>
+        </a:xfrm>
+      </p:grpSpPr>
+      <p:pic>
+        <p:nvPicPr>
+          <p:cNvPr id="83" name="图片 82"/>
+          <p:cNvPicPr>
+            <a:picLocks noChangeAspect="1"/>
+          </p:cNvPicPr>
+          <p:nvPr/>
+        </p:nvPicPr>
+        <p:blipFill>
+          <a:blip r:embed="rId2">
+            <a:extLst>
+              <a:ext uri="{28A0092B-C50C-407E-A947-70E740481C1C}">
+                <a14:useLocalDpi xmlns:a14="http://schemas.microsoft.com/office/drawing/2010/main" xmlns="" val="0"/>
+              </a:ext>
+            </a:extLst>
+          </a:blip>
+          <a:stretch>
+            <a:fillRect/>
+          </a:stretch>
+        </p:blipFill>
+        <p:spPr>
+          <a:xfrm>
+            <a:off x="24000" y="0"/>
+            <a:ext cx="12192000" cy="6858000"/>
+          </a:xfrm>
+          <a:prstGeom prst="rect">
+            <a:avLst/>
+          </a:prstGeom>
+        </p:spPr>
+      </p:pic>
+      <p:sp>
+        <p:nvSpPr>
+          <p:cNvPr id="81" name="剪去单角的矩形 80"/>
+          <p:cNvSpPr/>
+          <p:nvPr/>
+        </p:nvSpPr>
+        <p:spPr>
+          <a:xfrm flipV="1">
+            <a:off x="0" y="566671"/>
+            <a:ext cx="6120000" cy="540000"/>
+          </a:xfrm>
+          <a:prstGeom prst="snip1Rect">
+            <a:avLst/>
+          </a:prstGeom>
+          <a:solidFill>
+            <a:schemeClr val="bg1">
+              <a:lumMod val="65000"/>
+            </a:schemeClr>
+          </a:solidFill>
+          <a:ln>
+            <a:noFill/>
+          </a:ln>
+        </p:spPr>
+        <p:style>
+          <a:lnRef idx="2">
+            <a:schemeClr val="accent1">
+              <a:shade val="50000"/>
+            </a:schemeClr>
+          </a:lnRef>
+          <a:fillRef idx="1">
+            <a:schemeClr val="accent1"/>
+          </a:fillRef>
+          <a:effectRef idx="0">
+            <a:schemeClr val="accent1"/>
+          </a:effectRef>
+          <a:fontRef idx="minor">
+            <a:schemeClr val="lt1"/>
+          </a:fontRef>
+        </p:style>
+        <p:txBody>
+          <a:bodyPr rtlCol="0" anchor="ctr"/>
+          <a:lstStyle/>
+          <a:p>
+            <a:pPr algn="ctr"/>
+            <a:endParaRPr lang="zh-CN" altLang="en-US"/>
+          </a:p>
+        </p:txBody>
+      </p:sp>
+      <p:sp>
+        <p:nvSpPr>
+          <p:cNvPr id="82" name="标题 1"/>
+          <p:cNvSpPr>
+            <a:spLocks noGrp="1"/>
+          </p:cNvSpPr>
+          <p:nvPr>
+            <p:ph type="title"/>
+          </p:nvPr>
+        </p:nvSpPr>
+        <p:spPr>
+          <a:xfrm>
+            <a:off x="0" y="184819"/>
+            <a:ext cx="12190930" cy="1325563"/>
+          </a:xfrm>
+        </p:spPr>
+        <p:txBody>
+          <a:bodyPr>
+            <a:normAutofit/>
+          </a:bodyPr>
+          <a:lstStyle/>
+          <a:p>
+            <a:r>
+              <a:rPr lang="zh-CN" altLang="en-US" sz="2400" dirty="0" smtClean="0">
+                <a:solidFill>
+                  <a:schemeClr val="bg1"/>
+                </a:solidFill>
+                <a:latin typeface="苹方 细体" panose="020B0200000000000000" pitchFamily="34" charset="-122"/>
+                <a:ea typeface="苹方 细体" panose="020B0200000000000000" pitchFamily="34" charset="-122"/>
+              </a:rPr>
+              <a:t>            </a:t>
+            </a:r>
+            <a:r>
+              <a:rPr lang="en-US" altLang="zh-CN" sz="2800" dirty="0" smtClean="0">
+                <a:solidFill>
+                  <a:schemeClr val="bg1"/>
+                </a:solidFill>
+                <a:latin typeface="苹方 细体" panose="020B0200000000000000" pitchFamily="34" charset="-122"/>
+                <a:ea typeface="苹方 细体" panose="020B0200000000000000" pitchFamily="34" charset="-122"/>
+              </a:rPr>
+              <a:t>Phoenix</a:t>
+            </a:r>
+            <a:endParaRPr lang="zh-CN" altLang="en-US" sz="2400" dirty="0">
+              <a:solidFill>
+                <a:schemeClr val="bg1"/>
+              </a:solidFill>
+              <a:latin typeface="微软雅黑" panose="020B0503020204020204" pitchFamily="34" charset="-122"/>
+              <a:ea typeface="微软雅黑" panose="020B0503020204020204" pitchFamily="34" charset="-122"/>
+            </a:endParaRPr>
+          </a:p>
+        </p:txBody>
+      </p:sp>
+      <p:pic>
+        <p:nvPicPr>
+          <p:cNvPr id="2050" name="Picture 2"/>
+          <p:cNvPicPr>
+            <a:picLocks noChangeAspect="1" noChangeArrowheads="1"/>
+          </p:cNvPicPr>
+          <p:nvPr/>
+        </p:nvPicPr>
+        <p:blipFill>
+          <a:blip r:embed="rId3"/>
+          <a:srcRect/>
+          <a:stretch>
+            <a:fillRect/>
+          </a:stretch>
+        </p:blipFill>
+        <p:spPr bwMode="auto">
+          <a:xfrm>
+            <a:off x="272957" y="4124114"/>
+            <a:ext cx="11746302" cy="1526060"/>
+          </a:xfrm>
+          <a:prstGeom prst="rect">
+            <a:avLst/>
+          </a:prstGeom>
+          <a:noFill/>
+          <a:ln w="9525">
+            <a:noFill/>
+            <a:miter lim="800000"/>
+            <a:headEnd/>
+            <a:tailEnd/>
+          </a:ln>
+          <a:effectLst/>
+        </p:spPr>
+      </p:pic>
+      <p:sp>
+        <p:nvSpPr>
+          <p:cNvPr id="10" name="TextBox 9"/>
+          <p:cNvSpPr txBox="1"/>
+          <p:nvPr/>
+        </p:nvSpPr>
+        <p:spPr>
+          <a:xfrm>
+            <a:off x="600501" y="1897039"/>
+            <a:ext cx="10522424" cy="1754326"/>
+          </a:xfrm>
+          <a:prstGeom prst="rect">
+            <a:avLst/>
+          </a:prstGeom>
+          <a:noFill/>
+        </p:spPr>
+        <p:txBody>
+          <a:bodyPr wrap="square" rtlCol="0">
+            <a:spAutoFit/>
+          </a:bodyPr>
+          <a:lstStyle/>
+          <a:p>
+            <a:pPr>
+              <a:lnSpc>
+                <a:spcPct val="200000"/>
+              </a:lnSpc>
+            </a:pPr>
+            <a:r>
+              <a:rPr lang="en-US" altLang="zh-CN" dirty="0" smtClean="0">
+                <a:solidFill>
+                  <a:schemeClr val="tx1">
+                    <a:lumMod val="75000"/>
+                    <a:lumOff val="25000"/>
+                  </a:schemeClr>
+                </a:solidFill>
+                <a:latin typeface="微软雅黑" panose="020B0503020204020204" pitchFamily="34" charset="-122"/>
+                <a:ea typeface="微软雅黑" panose="020B0503020204020204" pitchFamily="34" charset="-122"/>
+              </a:rPr>
+              <a:t>create table IF NOT EXISTS </a:t>
+            </a:r>
+            <a:r>
+              <a:rPr lang="en-US" altLang="zh-CN" dirty="0" err="1" smtClean="0">
+                <a:solidFill>
+                  <a:schemeClr val="tx1">
+                    <a:lumMod val="75000"/>
+                    <a:lumOff val="25000"/>
+                  </a:schemeClr>
+                </a:solidFill>
+                <a:latin typeface="微软雅黑" panose="020B0503020204020204" pitchFamily="34" charset="-122"/>
+                <a:ea typeface="微软雅黑" panose="020B0503020204020204" pitchFamily="34" charset="-122"/>
+              </a:rPr>
+              <a:t>test.Person</a:t>
+            </a:r>
+            <a:r>
+              <a:rPr lang="en-US" altLang="zh-CN" dirty="0" smtClean="0">
+                <a:solidFill>
+                  <a:schemeClr val="tx1">
+                    <a:lumMod val="75000"/>
+                    <a:lumOff val="25000"/>
+                  </a:schemeClr>
+                </a:solidFill>
+                <a:latin typeface="微软雅黑" panose="020B0503020204020204" pitchFamily="34" charset="-122"/>
+                <a:ea typeface="微软雅黑" panose="020B0503020204020204" pitchFamily="34" charset="-122"/>
+              </a:rPr>
+              <a:t> (</a:t>
+            </a:r>
+            <a:r>
+              <a:rPr lang="en-US" altLang="zh-CN" dirty="0" err="1" smtClean="0">
+                <a:solidFill>
+                  <a:schemeClr val="tx1">
+                    <a:lumMod val="75000"/>
+                    <a:lumOff val="25000"/>
+                  </a:schemeClr>
+                </a:solidFill>
+                <a:latin typeface="微软雅黑" panose="020B0503020204020204" pitchFamily="34" charset="-122"/>
+                <a:ea typeface="微软雅黑" panose="020B0503020204020204" pitchFamily="34" charset="-122"/>
+              </a:rPr>
+              <a:t>IDCardNum</a:t>
+            </a:r>
+            <a:r>
+              <a:rPr lang="en-US" altLang="zh-CN" dirty="0" smtClean="0">
+                <a:solidFill>
+                  <a:schemeClr val="tx1">
+                    <a:lumMod val="75000"/>
+                    <a:lumOff val="25000"/>
+                  </a:schemeClr>
+                </a:solidFill>
+                <a:latin typeface="微软雅黑" panose="020B0503020204020204" pitchFamily="34" charset="-122"/>
+                <a:ea typeface="微软雅黑" panose="020B0503020204020204" pitchFamily="34" charset="-122"/>
+              </a:rPr>
+              <a:t> INTEGER not null primary key, Name </a:t>
+            </a:r>
+            <a:r>
+              <a:rPr lang="en-US" altLang="zh-CN" dirty="0" err="1" smtClean="0">
+                <a:solidFill>
+                  <a:schemeClr val="tx1">
+                    <a:lumMod val="75000"/>
+                    <a:lumOff val="25000"/>
+                  </a:schemeClr>
+                </a:solidFill>
+                <a:latin typeface="微软雅黑" panose="020B0503020204020204" pitchFamily="34" charset="-122"/>
+                <a:ea typeface="微软雅黑" panose="020B0503020204020204" pitchFamily="34" charset="-122"/>
+              </a:rPr>
+              <a:t>varchar</a:t>
+            </a:r>
+            <a:r>
+              <a:rPr lang="en-US" altLang="zh-CN" dirty="0" smtClean="0">
+                <a:solidFill>
+                  <a:schemeClr val="tx1">
+                    <a:lumMod val="75000"/>
+                    <a:lumOff val="25000"/>
+                  </a:schemeClr>
+                </a:solidFill>
+                <a:latin typeface="微软雅黑" panose="020B0503020204020204" pitchFamily="34" charset="-122"/>
+                <a:ea typeface="微软雅黑" panose="020B0503020204020204" pitchFamily="34" charset="-122"/>
+              </a:rPr>
+              <a:t>(20),Age INTEGER);</a:t>
+            </a:r>
+          </a:p>
+          <a:p>
+            <a:pPr>
+              <a:lnSpc>
+                <a:spcPct val="200000"/>
+              </a:lnSpc>
+            </a:pPr>
+            <a:r>
+              <a:rPr lang="en-US" altLang="zh-CN" dirty="0" smtClean="0">
+                <a:solidFill>
+                  <a:schemeClr val="tx1">
+                    <a:lumMod val="75000"/>
+                    <a:lumOff val="25000"/>
+                  </a:schemeClr>
+                </a:solidFill>
+                <a:latin typeface="微软雅黑" panose="020B0503020204020204" pitchFamily="34" charset="-122"/>
+                <a:ea typeface="微软雅黑" panose="020B0503020204020204" pitchFamily="34" charset="-122"/>
+              </a:rPr>
+              <a:t>!describe </a:t>
+            </a:r>
+            <a:r>
+              <a:rPr lang="en-US" altLang="zh-CN" dirty="0" err="1" smtClean="0">
+                <a:solidFill>
+                  <a:schemeClr val="tx1">
+                    <a:lumMod val="75000"/>
+                    <a:lumOff val="25000"/>
+                  </a:schemeClr>
+                </a:solidFill>
+                <a:latin typeface="微软雅黑" panose="020B0503020204020204" pitchFamily="34" charset="-122"/>
+                <a:ea typeface="微软雅黑" panose="020B0503020204020204" pitchFamily="34" charset="-122"/>
+              </a:rPr>
+              <a:t>test.person</a:t>
+            </a:r>
+            <a:endParaRPr lang="en-US" altLang="zh-CN" dirty="0" smtClean="0">
+              <a:solidFill>
+                <a:schemeClr val="tx1">
+                  <a:lumMod val="75000"/>
+                  <a:lumOff val="25000"/>
+                </a:schemeClr>
+              </a:solidFill>
+              <a:latin typeface="微软雅黑" panose="020B0503020204020204" pitchFamily="34" charset="-122"/>
+              <a:ea typeface="微软雅黑" panose="020B0503020204020204" pitchFamily="34" charset="-122"/>
+            </a:endParaRPr>
+          </a:p>
+        </p:txBody>
+      </p:sp>
+      <p:sp>
+        <p:nvSpPr>
+          <p:cNvPr id="11" name="TextBox 10"/>
+          <p:cNvSpPr txBox="1"/>
+          <p:nvPr/>
+        </p:nvSpPr>
+        <p:spPr>
+          <a:xfrm>
+            <a:off x="382138" y="1419368"/>
+            <a:ext cx="2634017" cy="523220"/>
+          </a:xfrm>
+          <a:prstGeom prst="rect">
+            <a:avLst/>
+          </a:prstGeom>
+          <a:noFill/>
+        </p:spPr>
+        <p:txBody>
+          <a:bodyPr wrap="square" rtlCol="0">
+            <a:spAutoFit/>
+          </a:bodyPr>
+          <a:lstStyle/>
+          <a:p>
+            <a:r>
+              <a:rPr lang="en-US" altLang="zh-CN" sz="2800" b="1" dirty="0" smtClean="0"/>
+              <a:t>Create</a:t>
+            </a:r>
+            <a:r>
+              <a:rPr lang="zh-CN" altLang="en-US" sz="2800" b="1" dirty="0" smtClean="0"/>
+              <a:t>：</a:t>
+            </a:r>
+            <a:endParaRPr lang="zh-CN" altLang="en-US" sz="2800" b="1" dirty="0"/>
+          </a:p>
+        </p:txBody>
+      </p:sp>
+    </p:spTree>
+    <p:extLst>
+      <p:ext uri="{BB962C8B-B14F-4D97-AF65-F5344CB8AC3E}">
+        <p14:creationId xmlns:p14="http://schemas.microsoft.com/office/powerpoint/2010/main" xmlns="" val="1087999994"/>
+      </p:ext>
+    </p:extLst>
+  </p:cSld>
+  <p:clrMapOvr>
+    <a:masterClrMapping/>
+  </p:clrMapOvr>
+  <mc:AlternateContent xmlns:mc="http://schemas.openxmlformats.org/markup-compatibility/2006">
+    <mc:Choice xmlns:p14="http://schemas.microsoft.com/office/powerpoint/2010/main" xmlns="" Requires="p14">
+      <p:transition spd="slow" p14:dur="2500" advClick="0">
+        <p:checker/>
+      </p:transition>
+    </mc:Choice>
+    <mc:Fallback>
+      <p:transition spd="slow" advClick="0">
+        <p:checker/>
+      </p:transition>
+    </mc:Fallback>
+  </mc:AlternateContent>
+  <p:timing>
+    <p:tnLst>
+      <p:par>
+        <p:cTn id="1" dur="indefinite" restart="never" nodeType="tmRoot"/>
+      </p:par>
+    </p:tnLst>
+  </p:timing>
+</p:sld>
+</file>
+
+<file path=ppt/slides/slide27.xml><?xml version="1.0" encoding="utf-8"?>
+<p:sld xmlns:a="http://schemas.openxmlformats.org/drawingml/2006/main" xmlns:r="http://schemas.openxmlformats.org/officeDocument/2006/relationships" xmlns:p="http://schemas.openxmlformats.org/presentationml/2006/main">
+  <p:cSld>
+    <p:spTree>
+      <p:nvGrpSpPr>
+        <p:cNvPr id="1" name=""/>
+        <p:cNvGrpSpPr/>
+        <p:nvPr/>
+      </p:nvGrpSpPr>
+      <p:grpSpPr>
+        <a:xfrm>
+          <a:off x="0" y="0"/>
+          <a:ext cx="0" cy="0"/>
+          <a:chOff x="0" y="0"/>
+          <a:chExt cx="0" cy="0"/>
+        </a:xfrm>
+      </p:grpSpPr>
+      <p:pic>
+        <p:nvPicPr>
+          <p:cNvPr id="83" name="图片 82"/>
+          <p:cNvPicPr>
+            <a:picLocks noChangeAspect="1"/>
+          </p:cNvPicPr>
+          <p:nvPr/>
+        </p:nvPicPr>
+        <p:blipFill>
+          <a:blip r:embed="rId2">
+            <a:extLst>
+              <a:ext uri="{28A0092B-C50C-407E-A947-70E740481C1C}">
+                <a14:useLocalDpi xmlns:a14="http://schemas.microsoft.com/office/drawing/2010/main" xmlns="" val="0"/>
+              </a:ext>
+            </a:extLst>
+          </a:blip>
+          <a:stretch>
+            <a:fillRect/>
+          </a:stretch>
+        </p:blipFill>
+        <p:spPr>
+          <a:xfrm>
+            <a:off x="24000" y="0"/>
+            <a:ext cx="12192000" cy="6858000"/>
+          </a:xfrm>
+          <a:prstGeom prst="rect">
+            <a:avLst/>
+          </a:prstGeom>
+        </p:spPr>
+      </p:pic>
+      <p:sp>
+        <p:nvSpPr>
+          <p:cNvPr id="81" name="剪去单角的矩形 80"/>
+          <p:cNvSpPr/>
+          <p:nvPr/>
+        </p:nvSpPr>
+        <p:spPr>
+          <a:xfrm flipV="1">
+            <a:off x="0" y="566671"/>
+            <a:ext cx="6120000" cy="540000"/>
+          </a:xfrm>
+          <a:prstGeom prst="snip1Rect">
+            <a:avLst/>
+          </a:prstGeom>
+          <a:solidFill>
+            <a:schemeClr val="bg1">
+              <a:lumMod val="65000"/>
+            </a:schemeClr>
+          </a:solidFill>
+          <a:ln>
+            <a:noFill/>
+          </a:ln>
+        </p:spPr>
+        <p:style>
+          <a:lnRef idx="2">
+            <a:schemeClr val="accent1">
+              <a:shade val="50000"/>
+            </a:schemeClr>
+          </a:lnRef>
+          <a:fillRef idx="1">
+            <a:schemeClr val="accent1"/>
+          </a:fillRef>
+          <a:effectRef idx="0">
+            <a:schemeClr val="accent1"/>
+          </a:effectRef>
+          <a:fontRef idx="minor">
+            <a:schemeClr val="lt1"/>
+          </a:fontRef>
+        </p:style>
+        <p:txBody>
+          <a:bodyPr rtlCol="0" anchor="ctr"/>
+          <a:lstStyle/>
+          <a:p>
+            <a:pPr algn="ctr"/>
+            <a:endParaRPr lang="zh-CN" altLang="en-US"/>
+          </a:p>
+        </p:txBody>
+      </p:sp>
+      <p:sp>
+        <p:nvSpPr>
+          <p:cNvPr id="82" name="标题 1"/>
+          <p:cNvSpPr>
+            <a:spLocks noGrp="1"/>
+          </p:cNvSpPr>
+          <p:nvPr>
+            <p:ph type="title"/>
+          </p:nvPr>
+        </p:nvSpPr>
+        <p:spPr>
+          <a:xfrm>
+            <a:off x="0" y="184819"/>
+            <a:ext cx="12190930" cy="1325563"/>
+          </a:xfrm>
+        </p:spPr>
+        <p:txBody>
+          <a:bodyPr>
+            <a:normAutofit/>
+          </a:bodyPr>
+          <a:lstStyle/>
+          <a:p>
+            <a:r>
+              <a:rPr lang="zh-CN" altLang="en-US" sz="2400" dirty="0" smtClean="0">
+                <a:solidFill>
+                  <a:schemeClr val="bg1"/>
+                </a:solidFill>
+                <a:latin typeface="苹方 细体" panose="020B0200000000000000" pitchFamily="34" charset="-122"/>
+                <a:ea typeface="苹方 细体" panose="020B0200000000000000" pitchFamily="34" charset="-122"/>
+              </a:rPr>
+              <a:t>            </a:t>
+            </a:r>
+            <a:r>
+              <a:rPr lang="en-US" altLang="zh-CN" sz="2800" dirty="0" smtClean="0">
+                <a:solidFill>
+                  <a:schemeClr val="bg1"/>
+                </a:solidFill>
+                <a:latin typeface="苹方 细体" panose="020B0200000000000000" pitchFamily="34" charset="-122"/>
+                <a:ea typeface="苹方 细体" panose="020B0200000000000000" pitchFamily="34" charset="-122"/>
+              </a:rPr>
+              <a:t>Phoenix</a:t>
+            </a:r>
+            <a:endParaRPr lang="zh-CN" altLang="en-US" sz="2400" dirty="0">
+              <a:solidFill>
+                <a:schemeClr val="bg1"/>
+              </a:solidFill>
+              <a:latin typeface="微软雅黑" panose="020B0503020204020204" pitchFamily="34" charset="-122"/>
+              <a:ea typeface="微软雅黑" panose="020B0503020204020204" pitchFamily="34" charset="-122"/>
+            </a:endParaRPr>
+          </a:p>
+        </p:txBody>
+      </p:sp>
+      <p:sp>
+        <p:nvSpPr>
+          <p:cNvPr id="10" name="TextBox 9"/>
+          <p:cNvSpPr txBox="1"/>
+          <p:nvPr/>
+        </p:nvSpPr>
+        <p:spPr>
+          <a:xfrm>
+            <a:off x="777922" y="2183642"/>
+            <a:ext cx="10522424" cy="563103"/>
+          </a:xfrm>
+          <a:prstGeom prst="rect">
+            <a:avLst/>
+          </a:prstGeom>
+          <a:noFill/>
+        </p:spPr>
+        <p:txBody>
+          <a:bodyPr wrap="square" rtlCol="0">
+            <a:spAutoFit/>
+          </a:bodyPr>
+          <a:lstStyle/>
+          <a:p>
+            <a:pPr>
+              <a:lnSpc>
+                <a:spcPct val="200000"/>
+              </a:lnSpc>
+            </a:pPr>
+            <a:r>
+              <a:rPr lang="en-US" altLang="zh-CN" dirty="0" err="1" smtClean="0">
+                <a:solidFill>
+                  <a:schemeClr val="tx1">
+                    <a:lumMod val="75000"/>
+                    <a:lumOff val="25000"/>
+                  </a:schemeClr>
+                </a:solidFill>
+                <a:latin typeface="微软雅黑" panose="020B0503020204020204" pitchFamily="34" charset="-122"/>
+                <a:ea typeface="微软雅黑" panose="020B0503020204020204" pitchFamily="34" charset="-122"/>
+              </a:rPr>
+              <a:t>upsert</a:t>
+            </a:r>
+            <a:r>
+              <a:rPr lang="en-US" altLang="zh-CN" dirty="0" smtClean="0">
+                <a:solidFill>
+                  <a:schemeClr val="tx1">
+                    <a:lumMod val="75000"/>
+                    <a:lumOff val="25000"/>
+                  </a:schemeClr>
+                </a:solidFill>
+                <a:latin typeface="微软雅黑" panose="020B0503020204020204" pitchFamily="34" charset="-122"/>
+                <a:ea typeface="微软雅黑" panose="020B0503020204020204" pitchFamily="34" charset="-122"/>
+              </a:rPr>
+              <a:t> into </a:t>
+            </a:r>
+            <a:r>
+              <a:rPr lang="en-US" altLang="zh-CN" dirty="0" err="1" smtClean="0">
+                <a:solidFill>
+                  <a:schemeClr val="tx1">
+                    <a:lumMod val="75000"/>
+                    <a:lumOff val="25000"/>
+                  </a:schemeClr>
+                </a:solidFill>
+                <a:latin typeface="微软雅黑" panose="020B0503020204020204" pitchFamily="34" charset="-122"/>
+                <a:ea typeface="微软雅黑" panose="020B0503020204020204" pitchFamily="34" charset="-122"/>
+              </a:rPr>
+              <a:t>test.Person</a:t>
+            </a:r>
+            <a:r>
+              <a:rPr lang="en-US" altLang="zh-CN" dirty="0" smtClean="0">
+                <a:solidFill>
+                  <a:schemeClr val="tx1">
+                    <a:lumMod val="75000"/>
+                    <a:lumOff val="25000"/>
+                  </a:schemeClr>
+                </a:solidFill>
+                <a:latin typeface="微软雅黑" panose="020B0503020204020204" pitchFamily="34" charset="-122"/>
+                <a:ea typeface="微软雅黑" panose="020B0503020204020204" pitchFamily="34" charset="-122"/>
+              </a:rPr>
+              <a:t> (</a:t>
+            </a:r>
+            <a:r>
+              <a:rPr lang="en-US" altLang="zh-CN" dirty="0" err="1" smtClean="0">
+                <a:solidFill>
+                  <a:schemeClr val="tx1">
+                    <a:lumMod val="75000"/>
+                    <a:lumOff val="25000"/>
+                  </a:schemeClr>
+                </a:solidFill>
+                <a:latin typeface="微软雅黑" panose="020B0503020204020204" pitchFamily="34" charset="-122"/>
+                <a:ea typeface="微软雅黑" panose="020B0503020204020204" pitchFamily="34" charset="-122"/>
+              </a:rPr>
+              <a:t>IDCardNum,Name,Age</a:t>
+            </a:r>
+            <a:r>
+              <a:rPr lang="en-US" altLang="zh-CN" dirty="0" smtClean="0">
+                <a:solidFill>
+                  <a:schemeClr val="tx1">
+                    <a:lumMod val="75000"/>
+                    <a:lumOff val="25000"/>
+                  </a:schemeClr>
+                </a:solidFill>
+                <a:latin typeface="微软雅黑" panose="020B0503020204020204" pitchFamily="34" charset="-122"/>
+                <a:ea typeface="微软雅黑" panose="020B0503020204020204" pitchFamily="34" charset="-122"/>
+              </a:rPr>
+              <a:t>) values (100,'小明',12);</a:t>
+            </a:r>
+          </a:p>
+        </p:txBody>
+      </p:sp>
+      <p:sp>
+        <p:nvSpPr>
+          <p:cNvPr id="11" name="TextBox 10"/>
+          <p:cNvSpPr txBox="1"/>
+          <p:nvPr/>
+        </p:nvSpPr>
+        <p:spPr>
+          <a:xfrm>
+            <a:off x="382138" y="1419368"/>
+            <a:ext cx="2634017" cy="523220"/>
+          </a:xfrm>
+          <a:prstGeom prst="rect">
+            <a:avLst/>
+          </a:prstGeom>
+          <a:noFill/>
+        </p:spPr>
+        <p:txBody>
+          <a:bodyPr wrap="square" rtlCol="0">
+            <a:spAutoFit/>
+          </a:bodyPr>
+          <a:lstStyle/>
+          <a:p>
+            <a:r>
+              <a:rPr lang="en-US" altLang="zh-CN" sz="2800" b="1" dirty="0" smtClean="0"/>
+              <a:t>Insert</a:t>
+            </a:r>
+            <a:r>
+              <a:rPr lang="zh-CN" altLang="en-US" sz="2800" b="1" dirty="0" smtClean="0"/>
+              <a:t>：</a:t>
+            </a:r>
+            <a:endParaRPr lang="zh-CN" altLang="en-US" sz="2800" b="1" dirty="0"/>
+          </a:p>
+        </p:txBody>
+      </p:sp>
+      <p:pic>
+        <p:nvPicPr>
+          <p:cNvPr id="2" name="Picture 2"/>
+          <p:cNvPicPr>
+            <a:picLocks noChangeAspect="1" noChangeArrowheads="1"/>
+          </p:cNvPicPr>
+          <p:nvPr/>
+        </p:nvPicPr>
+        <p:blipFill>
+          <a:blip r:embed="rId3"/>
+          <a:srcRect/>
+          <a:stretch>
+            <a:fillRect/>
+          </a:stretch>
+        </p:blipFill>
+        <p:spPr bwMode="auto">
+          <a:xfrm>
+            <a:off x="818439" y="3249730"/>
+            <a:ext cx="5541418" cy="2268249"/>
+          </a:xfrm>
+          <a:prstGeom prst="rect">
+            <a:avLst/>
+          </a:prstGeom>
+          <a:noFill/>
+          <a:ln w="9525">
+            <a:noFill/>
+            <a:miter lim="800000"/>
+            <a:headEnd/>
+            <a:tailEnd/>
+          </a:ln>
+          <a:effectLst/>
+        </p:spPr>
+      </p:pic>
+    </p:spTree>
+    <p:extLst>
+      <p:ext uri="{BB962C8B-B14F-4D97-AF65-F5344CB8AC3E}">
+        <p14:creationId xmlns:p14="http://schemas.microsoft.com/office/powerpoint/2010/main" xmlns="" val="1087999994"/>
+      </p:ext>
+    </p:extLst>
+  </p:cSld>
+  <p:clrMapOvr>
+    <a:masterClrMapping/>
+  </p:clrMapOvr>
+  <mc:AlternateContent xmlns:mc="http://schemas.openxmlformats.org/markup-compatibility/2006">
+    <mc:Choice xmlns:p14="http://schemas.microsoft.com/office/powerpoint/2010/main" xmlns="" Requires="p14">
+      <p:transition spd="slow" p14:dur="2500" advClick="0">
+        <p:checker/>
+      </p:transition>
+    </mc:Choice>
+    <mc:Fallback>
+      <p:transition spd="slow" advClick="0">
+        <p:checker/>
+      </p:transition>
+    </mc:Fallback>
+  </mc:AlternateContent>
+  <p:timing>
+    <p:tnLst>
+      <p:par>
+        <p:cTn id="1" dur="indefinite" restart="never" nodeType="tmRoot"/>
+      </p:par>
+    </p:tnLst>
+  </p:timing>
+</p:sld>
+</file>
+
+<file path=ppt/slides/slide28.xml><?xml version="1.0" encoding="utf-8"?>
+<p:sld xmlns:a="http://schemas.openxmlformats.org/drawingml/2006/main" xmlns:r="http://schemas.openxmlformats.org/officeDocument/2006/relationships" xmlns:p="http://schemas.openxmlformats.org/presentationml/2006/main">
+  <p:cSld>
+    <p:spTree>
+      <p:nvGrpSpPr>
+        <p:cNvPr id="1" name=""/>
+        <p:cNvGrpSpPr/>
+        <p:nvPr/>
+      </p:nvGrpSpPr>
+      <p:grpSpPr>
+        <a:xfrm>
+          <a:off x="0" y="0"/>
+          <a:ext cx="0" cy="0"/>
+          <a:chOff x="0" y="0"/>
+          <a:chExt cx="0" cy="0"/>
+        </a:xfrm>
+      </p:grpSpPr>
+      <p:pic>
+        <p:nvPicPr>
+          <p:cNvPr id="83" name="图片 82"/>
+          <p:cNvPicPr>
+            <a:picLocks noChangeAspect="1"/>
+          </p:cNvPicPr>
+          <p:nvPr/>
+        </p:nvPicPr>
+        <p:blipFill>
+          <a:blip r:embed="rId2">
+            <a:extLst>
+              <a:ext uri="{28A0092B-C50C-407E-A947-70E740481C1C}">
+                <a14:useLocalDpi xmlns:a14="http://schemas.microsoft.com/office/drawing/2010/main" xmlns="" val="0"/>
+              </a:ext>
+            </a:extLst>
+          </a:blip>
+          <a:stretch>
+            <a:fillRect/>
+          </a:stretch>
+        </p:blipFill>
+        <p:spPr>
+          <a:xfrm>
+            <a:off x="24000" y="0"/>
+            <a:ext cx="12192000" cy="6858000"/>
+          </a:xfrm>
+          <a:prstGeom prst="rect">
+            <a:avLst/>
+          </a:prstGeom>
+        </p:spPr>
+      </p:pic>
+      <p:sp>
+        <p:nvSpPr>
+          <p:cNvPr id="81" name="剪去单角的矩形 80"/>
+          <p:cNvSpPr/>
+          <p:nvPr/>
+        </p:nvSpPr>
+        <p:spPr>
+          <a:xfrm flipV="1">
+            <a:off x="0" y="566671"/>
+            <a:ext cx="6120000" cy="540000"/>
+          </a:xfrm>
+          <a:prstGeom prst="snip1Rect">
+            <a:avLst/>
+          </a:prstGeom>
+          <a:solidFill>
+            <a:schemeClr val="bg1">
+              <a:lumMod val="65000"/>
+            </a:schemeClr>
+          </a:solidFill>
+          <a:ln>
+            <a:noFill/>
+          </a:ln>
+        </p:spPr>
+        <p:style>
+          <a:lnRef idx="2">
+            <a:schemeClr val="accent1">
+              <a:shade val="50000"/>
+            </a:schemeClr>
+          </a:lnRef>
+          <a:fillRef idx="1">
+            <a:schemeClr val="accent1"/>
+          </a:fillRef>
+          <a:effectRef idx="0">
+            <a:schemeClr val="accent1"/>
+          </a:effectRef>
+          <a:fontRef idx="minor">
+            <a:schemeClr val="lt1"/>
+          </a:fontRef>
+        </p:style>
+        <p:txBody>
+          <a:bodyPr rtlCol="0" anchor="ctr"/>
+          <a:lstStyle/>
+          <a:p>
+            <a:pPr algn="ctr"/>
+            <a:endParaRPr lang="zh-CN" altLang="en-US"/>
+          </a:p>
+        </p:txBody>
+      </p:sp>
+      <p:sp>
+        <p:nvSpPr>
+          <p:cNvPr id="82" name="标题 1"/>
+          <p:cNvSpPr>
+            <a:spLocks noGrp="1"/>
+          </p:cNvSpPr>
+          <p:nvPr>
+            <p:ph type="title"/>
+          </p:nvPr>
+        </p:nvSpPr>
+        <p:spPr>
+          <a:xfrm>
+            <a:off x="0" y="184819"/>
+            <a:ext cx="12190930" cy="1325563"/>
+          </a:xfrm>
+        </p:spPr>
+        <p:txBody>
+          <a:bodyPr>
+            <a:normAutofit/>
+          </a:bodyPr>
+          <a:lstStyle/>
+          <a:p>
+            <a:r>
+              <a:rPr lang="zh-CN" altLang="en-US" sz="2400" dirty="0" smtClean="0">
+                <a:solidFill>
+                  <a:schemeClr val="bg1"/>
+                </a:solidFill>
+                <a:latin typeface="苹方 细体" panose="020B0200000000000000" pitchFamily="34" charset="-122"/>
+                <a:ea typeface="苹方 细体" panose="020B0200000000000000" pitchFamily="34" charset="-122"/>
+              </a:rPr>
+              <a:t>            </a:t>
+            </a:r>
+            <a:r>
+              <a:rPr lang="en-US" altLang="zh-CN" sz="2800" dirty="0" smtClean="0">
+                <a:solidFill>
+                  <a:schemeClr val="bg1"/>
+                </a:solidFill>
+                <a:latin typeface="苹方 细体" panose="020B0200000000000000" pitchFamily="34" charset="-122"/>
+                <a:ea typeface="苹方 细体" panose="020B0200000000000000" pitchFamily="34" charset="-122"/>
+              </a:rPr>
+              <a:t>Phoenix</a:t>
+            </a:r>
+            <a:endParaRPr lang="zh-CN" altLang="en-US" sz="2400" dirty="0">
+              <a:solidFill>
+                <a:schemeClr val="bg1"/>
+              </a:solidFill>
+              <a:latin typeface="微软雅黑" panose="020B0503020204020204" pitchFamily="34" charset="-122"/>
+              <a:ea typeface="微软雅黑" panose="020B0503020204020204" pitchFamily="34" charset="-122"/>
+            </a:endParaRPr>
+          </a:p>
+        </p:txBody>
+      </p:sp>
+      <p:sp>
+        <p:nvSpPr>
+          <p:cNvPr id="10" name="TextBox 9"/>
+          <p:cNvSpPr txBox="1"/>
+          <p:nvPr/>
+        </p:nvSpPr>
+        <p:spPr>
+          <a:xfrm>
+            <a:off x="777922" y="2074460"/>
+            <a:ext cx="10522424" cy="562783"/>
+          </a:xfrm>
+          <a:prstGeom prst="rect">
+            <a:avLst/>
+          </a:prstGeom>
+          <a:noFill/>
+        </p:spPr>
+        <p:txBody>
+          <a:bodyPr wrap="square" rtlCol="0">
+            <a:spAutoFit/>
+          </a:bodyPr>
+          <a:lstStyle/>
+          <a:p>
+            <a:pPr>
+              <a:lnSpc>
+                <a:spcPct val="200000"/>
+              </a:lnSpc>
+            </a:pPr>
+            <a:r>
+              <a:rPr lang="en-US" altLang="zh-CN" dirty="0" smtClean="0">
+                <a:solidFill>
+                  <a:schemeClr val="tx1">
+                    <a:lumMod val="75000"/>
+                    <a:lumOff val="25000"/>
+                  </a:schemeClr>
+                </a:solidFill>
+                <a:latin typeface="微软雅黑" panose="020B0503020204020204" pitchFamily="34" charset="-122"/>
+                <a:ea typeface="微软雅黑" panose="020B0503020204020204" pitchFamily="34" charset="-122"/>
+              </a:rPr>
+              <a:t>Select * from </a:t>
+            </a:r>
+            <a:r>
+              <a:rPr lang="en-US" altLang="zh-CN" dirty="0" err="1" smtClean="0">
+                <a:solidFill>
+                  <a:schemeClr val="tx1">
+                    <a:lumMod val="75000"/>
+                    <a:lumOff val="25000"/>
+                  </a:schemeClr>
+                </a:solidFill>
+                <a:latin typeface="微软雅黑" panose="020B0503020204020204" pitchFamily="34" charset="-122"/>
+                <a:ea typeface="微软雅黑" panose="020B0503020204020204" pitchFamily="34" charset="-122"/>
+              </a:rPr>
+              <a:t>test.person</a:t>
+            </a:r>
+            <a:r>
+              <a:rPr lang="en-US" altLang="zh-CN" dirty="0" smtClean="0">
+                <a:solidFill>
+                  <a:schemeClr val="tx1">
+                    <a:lumMod val="75000"/>
+                    <a:lumOff val="25000"/>
+                  </a:schemeClr>
+                </a:solidFill>
+                <a:latin typeface="微软雅黑" panose="020B0503020204020204" pitchFamily="34" charset="-122"/>
+                <a:ea typeface="微软雅黑" panose="020B0503020204020204" pitchFamily="34" charset="-122"/>
+              </a:rPr>
+              <a:t> where age &gt;12 ;</a:t>
+            </a:r>
+          </a:p>
+        </p:txBody>
+      </p:sp>
+      <p:sp>
+        <p:nvSpPr>
+          <p:cNvPr id="11" name="TextBox 10"/>
+          <p:cNvSpPr txBox="1"/>
+          <p:nvPr/>
+        </p:nvSpPr>
+        <p:spPr>
+          <a:xfrm>
+            <a:off x="382138" y="1419368"/>
+            <a:ext cx="2634017" cy="523220"/>
+          </a:xfrm>
+          <a:prstGeom prst="rect">
+            <a:avLst/>
+          </a:prstGeom>
+          <a:noFill/>
+        </p:spPr>
+        <p:txBody>
+          <a:bodyPr wrap="square" rtlCol="0">
+            <a:spAutoFit/>
+          </a:bodyPr>
+          <a:lstStyle/>
+          <a:p>
+            <a:r>
+              <a:rPr lang="en-US" altLang="zh-CN" sz="2800" b="1" dirty="0" smtClean="0"/>
+              <a:t>Select</a:t>
+            </a:r>
+            <a:r>
+              <a:rPr lang="zh-CN" altLang="en-US" sz="2800" b="1" dirty="0" smtClean="0"/>
+              <a:t>：</a:t>
+            </a:r>
+            <a:endParaRPr lang="zh-CN" altLang="en-US" sz="2800" b="1" dirty="0"/>
+          </a:p>
+        </p:txBody>
+      </p:sp>
+      <p:pic>
+        <p:nvPicPr>
+          <p:cNvPr id="1026" name="Picture 2"/>
+          <p:cNvPicPr>
+            <a:picLocks noChangeAspect="1" noChangeArrowheads="1"/>
+          </p:cNvPicPr>
+          <p:nvPr/>
+        </p:nvPicPr>
+        <p:blipFill>
+          <a:blip r:embed="rId3"/>
+          <a:srcRect/>
+          <a:stretch>
+            <a:fillRect/>
+          </a:stretch>
+        </p:blipFill>
+        <p:spPr bwMode="auto">
+          <a:xfrm>
+            <a:off x="740462" y="3579978"/>
+            <a:ext cx="4924425" cy="2400300"/>
+          </a:xfrm>
+          <a:prstGeom prst="rect">
+            <a:avLst/>
+          </a:prstGeom>
+          <a:noFill/>
+          <a:ln w="9525">
+            <a:noFill/>
+            <a:miter lim="800000"/>
+            <a:headEnd/>
+            <a:tailEnd/>
+          </a:ln>
+          <a:effectLst/>
+        </p:spPr>
+      </p:pic>
+      <p:pic>
+        <p:nvPicPr>
+          <p:cNvPr id="1027" name="Picture 3"/>
+          <p:cNvPicPr>
+            <a:picLocks noChangeAspect="1" noChangeArrowheads="1"/>
+          </p:cNvPicPr>
+          <p:nvPr/>
+        </p:nvPicPr>
+        <p:blipFill>
+          <a:blip r:embed="rId4"/>
+          <a:srcRect/>
+          <a:stretch>
+            <a:fillRect/>
+          </a:stretch>
+        </p:blipFill>
+        <p:spPr bwMode="auto">
+          <a:xfrm>
+            <a:off x="5964854" y="3739416"/>
+            <a:ext cx="5857875" cy="1781175"/>
+          </a:xfrm>
+          <a:prstGeom prst="rect">
+            <a:avLst/>
+          </a:prstGeom>
+          <a:noFill/>
+          <a:ln w="9525">
+            <a:noFill/>
+            <a:miter lim="800000"/>
+            <a:headEnd/>
+            <a:tailEnd/>
+          </a:ln>
+          <a:effectLst/>
+        </p:spPr>
+      </p:pic>
+    </p:spTree>
+    <p:extLst>
+      <p:ext uri="{BB962C8B-B14F-4D97-AF65-F5344CB8AC3E}">
+        <p14:creationId xmlns:p14="http://schemas.microsoft.com/office/powerpoint/2010/main" xmlns="" val="1087999994"/>
+      </p:ext>
+    </p:extLst>
+  </p:cSld>
+  <p:clrMapOvr>
+    <a:masterClrMapping/>
+  </p:clrMapOvr>
+  <mc:AlternateContent xmlns:mc="http://schemas.openxmlformats.org/markup-compatibility/2006">
+    <mc:Choice xmlns:p14="http://schemas.microsoft.com/office/powerpoint/2010/main" xmlns="" Requires="p14">
+      <p:transition spd="slow" p14:dur="2500" advClick="0">
+        <p:checker/>
+      </p:transition>
+    </mc:Choice>
+    <mc:Fallback>
+      <p:transition spd="slow" advClick="0">
+        <p:checker/>
+      </p:transition>
+    </mc:Fallback>
+  </mc:AlternateContent>
+  <p:timing>
+    <p:tnLst>
+      <p:par>
+        <p:cTn id="1" dur="indefinite" restart="never" nodeType="tmRoot"/>
+      </p:par>
+    </p:tnLst>
+  </p:timing>
+</p:sld>
+</file>
+
+<file path=ppt/slides/slide29.xml><?xml version="1.0" encoding="utf-8"?>
+<p:sld xmlns:a="http://schemas.openxmlformats.org/drawingml/2006/main" xmlns:r="http://schemas.openxmlformats.org/officeDocument/2006/relationships" xmlns:p="http://schemas.openxmlformats.org/presentationml/2006/main">
+  <p:cSld>
+    <p:spTree>
+      <p:nvGrpSpPr>
+        <p:cNvPr id="1" name=""/>
+        <p:cNvGrpSpPr/>
+        <p:nvPr/>
+      </p:nvGrpSpPr>
+      <p:grpSpPr>
+        <a:xfrm>
+          <a:off x="0" y="0"/>
+          <a:ext cx="0" cy="0"/>
+          <a:chOff x="0" y="0"/>
+          <a:chExt cx="0" cy="0"/>
+        </a:xfrm>
+      </p:grpSpPr>
+      <p:pic>
+        <p:nvPicPr>
+          <p:cNvPr id="83" name="图片 82"/>
+          <p:cNvPicPr>
+            <a:picLocks noChangeAspect="1"/>
+          </p:cNvPicPr>
+          <p:nvPr/>
+        </p:nvPicPr>
+        <p:blipFill>
+          <a:blip r:embed="rId2">
+            <a:extLst>
+              <a:ext uri="{28A0092B-C50C-407E-A947-70E740481C1C}">
+                <a14:useLocalDpi xmlns:a14="http://schemas.microsoft.com/office/drawing/2010/main" xmlns="" val="0"/>
+              </a:ext>
+            </a:extLst>
+          </a:blip>
+          <a:stretch>
+            <a:fillRect/>
+          </a:stretch>
+        </p:blipFill>
+        <p:spPr>
+          <a:xfrm>
+            <a:off x="24000" y="0"/>
+            <a:ext cx="12192000" cy="6858000"/>
+          </a:xfrm>
+          <a:prstGeom prst="rect">
+            <a:avLst/>
+          </a:prstGeom>
+        </p:spPr>
+      </p:pic>
+      <p:sp>
+        <p:nvSpPr>
+          <p:cNvPr id="81" name="剪去单角的矩形 80"/>
+          <p:cNvSpPr/>
+          <p:nvPr/>
+        </p:nvSpPr>
+        <p:spPr>
+          <a:xfrm flipV="1">
+            <a:off x="0" y="566671"/>
+            <a:ext cx="6120000" cy="540000"/>
+          </a:xfrm>
+          <a:prstGeom prst="snip1Rect">
+            <a:avLst/>
+          </a:prstGeom>
+          <a:solidFill>
+            <a:schemeClr val="bg1">
+              <a:lumMod val="65000"/>
+            </a:schemeClr>
+          </a:solidFill>
+          <a:ln>
+            <a:noFill/>
+          </a:ln>
+        </p:spPr>
+        <p:style>
+          <a:lnRef idx="2">
+            <a:schemeClr val="accent1">
+              <a:shade val="50000"/>
+            </a:schemeClr>
+          </a:lnRef>
+          <a:fillRef idx="1">
+            <a:schemeClr val="accent1"/>
+          </a:fillRef>
+          <a:effectRef idx="0">
+            <a:schemeClr val="accent1"/>
+          </a:effectRef>
+          <a:fontRef idx="minor">
+            <a:schemeClr val="lt1"/>
+          </a:fontRef>
+        </p:style>
+        <p:txBody>
+          <a:bodyPr rtlCol="0" anchor="ctr"/>
+          <a:lstStyle/>
+          <a:p>
+            <a:pPr algn="ctr"/>
+            <a:endParaRPr lang="zh-CN" altLang="en-US"/>
+          </a:p>
+        </p:txBody>
+      </p:sp>
+      <p:sp>
+        <p:nvSpPr>
+          <p:cNvPr id="82" name="标题 1"/>
+          <p:cNvSpPr>
+            <a:spLocks noGrp="1"/>
+          </p:cNvSpPr>
+          <p:nvPr>
+            <p:ph type="title"/>
+          </p:nvPr>
+        </p:nvSpPr>
+        <p:spPr>
+          <a:xfrm>
+            <a:off x="0" y="184819"/>
+            <a:ext cx="12190930" cy="1325563"/>
+          </a:xfrm>
+        </p:spPr>
+        <p:txBody>
+          <a:bodyPr>
+            <a:normAutofit/>
+          </a:bodyPr>
+          <a:lstStyle/>
+          <a:p>
+            <a:r>
+              <a:rPr lang="zh-CN" altLang="en-US" sz="2400" dirty="0" smtClean="0">
+                <a:solidFill>
+                  <a:schemeClr val="bg1"/>
+                </a:solidFill>
+                <a:latin typeface="苹方 细体" panose="020B0200000000000000" pitchFamily="34" charset="-122"/>
+                <a:ea typeface="苹方 细体" panose="020B0200000000000000" pitchFamily="34" charset="-122"/>
+              </a:rPr>
+              <a:t>            </a:t>
+            </a:r>
+            <a:r>
+              <a:rPr lang="en-US" altLang="zh-CN" sz="2800" dirty="0" smtClean="0">
+                <a:solidFill>
+                  <a:schemeClr val="bg1"/>
+                </a:solidFill>
+                <a:latin typeface="苹方 细体" panose="020B0200000000000000" pitchFamily="34" charset="-122"/>
+                <a:ea typeface="苹方 细体" panose="020B0200000000000000" pitchFamily="34" charset="-122"/>
+              </a:rPr>
+              <a:t>Phoenix</a:t>
+            </a:r>
+            <a:endParaRPr lang="zh-CN" altLang="en-US" sz="2400" dirty="0">
+              <a:solidFill>
+                <a:schemeClr val="bg1"/>
+              </a:solidFill>
+              <a:latin typeface="微软雅黑" panose="020B0503020204020204" pitchFamily="34" charset="-122"/>
+              <a:ea typeface="微软雅黑" panose="020B0503020204020204" pitchFamily="34" charset="-122"/>
+            </a:endParaRPr>
+          </a:p>
+        </p:txBody>
+      </p:sp>
+      <p:sp>
+        <p:nvSpPr>
+          <p:cNvPr id="10" name="TextBox 9"/>
+          <p:cNvSpPr txBox="1"/>
+          <p:nvPr/>
+        </p:nvSpPr>
+        <p:spPr>
+          <a:xfrm>
+            <a:off x="982639" y="2101756"/>
+            <a:ext cx="10522424" cy="1200329"/>
+          </a:xfrm>
+          <a:prstGeom prst="rect">
+            <a:avLst/>
+          </a:prstGeom>
+          <a:noFill/>
+        </p:spPr>
+        <p:txBody>
+          <a:bodyPr wrap="square" rtlCol="0">
+            <a:spAutoFit/>
+          </a:bodyPr>
+          <a:lstStyle/>
+          <a:p>
+            <a:pPr>
+              <a:lnSpc>
+                <a:spcPct val="200000"/>
+              </a:lnSpc>
+            </a:pPr>
+            <a:r>
+              <a:rPr lang="en-US" altLang="zh-CN" dirty="0" smtClean="0">
+                <a:solidFill>
+                  <a:schemeClr val="tx1">
+                    <a:lumMod val="75000"/>
+                    <a:lumOff val="25000"/>
+                  </a:schemeClr>
+                </a:solidFill>
+                <a:latin typeface="微软雅黑" panose="020B0503020204020204" pitchFamily="34" charset="-122"/>
+                <a:ea typeface="微软雅黑" panose="020B0503020204020204" pitchFamily="34" charset="-122"/>
+              </a:rPr>
+              <a:t>delete from </a:t>
+            </a:r>
+            <a:r>
+              <a:rPr lang="en-US" altLang="zh-CN" dirty="0" err="1" smtClean="0">
+                <a:solidFill>
+                  <a:schemeClr val="tx1">
+                    <a:lumMod val="75000"/>
+                    <a:lumOff val="25000"/>
+                  </a:schemeClr>
+                </a:solidFill>
+                <a:latin typeface="微软雅黑" panose="020B0503020204020204" pitchFamily="34" charset="-122"/>
+                <a:ea typeface="微软雅黑" panose="020B0503020204020204" pitchFamily="34" charset="-122"/>
+              </a:rPr>
+              <a:t>test.Person</a:t>
+            </a:r>
+            <a:r>
+              <a:rPr lang="en-US" altLang="zh-CN" dirty="0" smtClean="0">
+                <a:solidFill>
+                  <a:schemeClr val="tx1">
+                    <a:lumMod val="75000"/>
+                    <a:lumOff val="25000"/>
+                  </a:schemeClr>
+                </a:solidFill>
+                <a:latin typeface="微软雅黑" panose="020B0503020204020204" pitchFamily="34" charset="-122"/>
+                <a:ea typeface="微软雅黑" panose="020B0503020204020204" pitchFamily="34" charset="-122"/>
+              </a:rPr>
+              <a:t> where </a:t>
+            </a:r>
+            <a:r>
+              <a:rPr lang="en-US" altLang="zh-CN" dirty="0" err="1" smtClean="0">
+                <a:solidFill>
+                  <a:schemeClr val="tx1">
+                    <a:lumMod val="75000"/>
+                    <a:lumOff val="25000"/>
+                  </a:schemeClr>
+                </a:solidFill>
+                <a:latin typeface="微软雅黑" panose="020B0503020204020204" pitchFamily="34" charset="-122"/>
+                <a:ea typeface="微软雅黑" panose="020B0503020204020204" pitchFamily="34" charset="-122"/>
+              </a:rPr>
+              <a:t>idcardnum</a:t>
+            </a:r>
+            <a:r>
+              <a:rPr lang="en-US" altLang="zh-CN" dirty="0" smtClean="0">
+                <a:solidFill>
+                  <a:schemeClr val="tx1">
+                    <a:lumMod val="75000"/>
+                    <a:lumOff val="25000"/>
+                  </a:schemeClr>
+                </a:solidFill>
+                <a:latin typeface="微软雅黑" panose="020B0503020204020204" pitchFamily="34" charset="-122"/>
+                <a:ea typeface="微软雅黑" panose="020B0503020204020204" pitchFamily="34" charset="-122"/>
+              </a:rPr>
+              <a:t>=100;</a:t>
+            </a:r>
+          </a:p>
+          <a:p>
+            <a:pPr>
+              <a:lnSpc>
+                <a:spcPct val="200000"/>
+              </a:lnSpc>
+            </a:pPr>
+            <a:r>
+              <a:rPr lang="en-US" altLang="zh-CN" dirty="0" smtClean="0">
+                <a:solidFill>
+                  <a:schemeClr val="tx1">
+                    <a:lumMod val="75000"/>
+                    <a:lumOff val="25000"/>
+                  </a:schemeClr>
+                </a:solidFill>
+                <a:latin typeface="微软雅黑" panose="020B0503020204020204" pitchFamily="34" charset="-122"/>
+                <a:ea typeface="微软雅黑" panose="020B0503020204020204" pitchFamily="34" charset="-122"/>
+              </a:rPr>
+              <a:t>drop table </a:t>
+            </a:r>
+            <a:r>
+              <a:rPr lang="en-US" altLang="zh-CN" dirty="0" err="1" smtClean="0">
+                <a:solidFill>
+                  <a:schemeClr val="tx1">
+                    <a:lumMod val="75000"/>
+                    <a:lumOff val="25000"/>
+                  </a:schemeClr>
+                </a:solidFill>
+                <a:latin typeface="微软雅黑" panose="020B0503020204020204" pitchFamily="34" charset="-122"/>
+                <a:ea typeface="微软雅黑" panose="020B0503020204020204" pitchFamily="34" charset="-122"/>
+              </a:rPr>
+              <a:t>test.person</a:t>
+            </a:r>
+            <a:r>
+              <a:rPr lang="en-US" altLang="zh-CN" dirty="0" smtClean="0">
+                <a:solidFill>
+                  <a:schemeClr val="tx1">
+                    <a:lumMod val="75000"/>
+                    <a:lumOff val="25000"/>
+                  </a:schemeClr>
+                </a:solidFill>
+                <a:latin typeface="微软雅黑" panose="020B0503020204020204" pitchFamily="34" charset="-122"/>
+                <a:ea typeface="微软雅黑" panose="020B0503020204020204" pitchFamily="34" charset="-122"/>
+              </a:rPr>
+              <a:t>;</a:t>
+            </a:r>
+          </a:p>
+        </p:txBody>
+      </p:sp>
+      <p:sp>
+        <p:nvSpPr>
+          <p:cNvPr id="11" name="TextBox 10"/>
+          <p:cNvSpPr txBox="1"/>
+          <p:nvPr/>
+        </p:nvSpPr>
+        <p:spPr>
+          <a:xfrm>
+            <a:off x="382138" y="1419368"/>
+            <a:ext cx="2634017" cy="523220"/>
+          </a:xfrm>
+          <a:prstGeom prst="rect">
+            <a:avLst/>
+          </a:prstGeom>
+          <a:noFill/>
+        </p:spPr>
+        <p:txBody>
+          <a:bodyPr wrap="square" rtlCol="0">
+            <a:spAutoFit/>
+          </a:bodyPr>
+          <a:lstStyle/>
+          <a:p>
+            <a:r>
+              <a:rPr lang="en-US" altLang="zh-CN" sz="2800" b="1" dirty="0" smtClean="0"/>
+              <a:t>Delete</a:t>
+            </a:r>
+            <a:r>
+              <a:rPr lang="zh-CN" altLang="en-US" sz="2800" b="1" dirty="0" smtClean="0"/>
+              <a:t>：</a:t>
+            </a:r>
+            <a:endParaRPr lang="zh-CN" altLang="en-US" sz="2800" b="1" dirty="0"/>
+          </a:p>
+        </p:txBody>
+      </p:sp>
+    </p:spTree>
+    <p:extLst>
+      <p:ext uri="{BB962C8B-B14F-4D97-AF65-F5344CB8AC3E}">
+        <p14:creationId xmlns:p14="http://schemas.microsoft.com/office/powerpoint/2010/main" xmlns="" val="1087999994"/>
+      </p:ext>
+    </p:extLst>
+  </p:cSld>
+  <p:clrMapOvr>
+    <a:masterClrMapping/>
+  </p:clrMapOvr>
+  <mc:AlternateContent xmlns:mc="http://schemas.openxmlformats.org/markup-compatibility/2006">
+    <mc:Choice xmlns:p14="http://schemas.microsoft.com/office/powerpoint/2010/main" xmlns="" Requires="p14">
+      <p:transition spd="slow" p14:dur="2500" advClick="0">
+        <p:checker/>
+      </p:transition>
+    </mc:Choice>
+    <mc:Fallback>
+      <p:transition spd="slow" advClick="0">
+        <p:checker/>
+      </p:transition>
+    </mc:Fallback>
+  </mc:AlternateContent>
+  <p:timing>
+    <p:tnLst>
+      <p:par>
+        <p:cTn id="1" dur="indefinite" restart="never" nodeType="tmRoot"/>
+      </p:par>
+    </p:tnLst>
+  </p:timing>
+</p:sld>
+</file>
+
+<file path=ppt/slides/slide3.xml><?xml version="1.0" encoding="utf-8"?>
+<p:sld xmlns:a="http://schemas.openxmlformats.org/drawingml/2006/main" xmlns:r="http://schemas.openxmlformats.org/officeDocument/2006/relationships" xmlns:p="http://schemas.openxmlformats.org/presentationml/2006/main">
+  <p:cSld>
+    <p:spTree>
+      <p:nvGrpSpPr>
+        <p:cNvPr id="1" name=""/>
+        <p:cNvGrpSpPr/>
+        <p:nvPr/>
+      </p:nvGrpSpPr>
+      <p:grpSpPr>
+        <a:xfrm>
+          <a:off x="0" y="0"/>
+          <a:ext cx="0" cy="0"/>
+          <a:chOff x="0" y="0"/>
+          <a:chExt cx="0" cy="0"/>
+        </a:xfrm>
+      </p:grpSpPr>
+      <p:pic>
+        <p:nvPicPr>
           <p:cNvPr id="6" name="图片 5"/>
           <p:cNvPicPr>
             <a:picLocks noChangeAspect="1"/>
@@ -11041,7 +13559,1050 @@
           <a:blip r:embed="rId2">
             <a:extLst>
               <a:ext uri="{28A0092B-C50C-407E-A947-70E740481C1C}">
-                <a14:useLocalDpi xmlns:a14="http://schemas.microsoft.com/office/drawing/2010/main" val="0"/>
+                <a14:useLocalDpi xmlns:a14="http://schemas.microsoft.com/office/drawing/2010/main" xmlns="" val="0"/>
+              </a:ext>
+            </a:extLst>
+          </a:blip>
+          <a:stretch>
+            <a:fillRect/>
+          </a:stretch>
+        </p:blipFill>
+        <p:spPr>
+          <a:xfrm>
+            <a:off x="0" y="0"/>
+            <a:ext cx="12192000" cy="6858000"/>
+          </a:xfrm>
+          <a:prstGeom prst="rect">
+            <a:avLst/>
+          </a:prstGeom>
+        </p:spPr>
+      </p:pic>
+      <p:sp>
+        <p:nvSpPr>
+          <p:cNvPr id="23" name="流程图: 卡片 22"/>
+          <p:cNvSpPr/>
+          <p:nvPr/>
+        </p:nvSpPr>
+        <p:spPr>
+          <a:xfrm flipH="1" flipV="1">
+            <a:off x="5316920" y="2204305"/>
+            <a:ext cx="6875080" cy="2520000"/>
+          </a:xfrm>
+          <a:prstGeom prst="flowChartPunchedCard">
+            <a:avLst/>
+          </a:prstGeom>
+          <a:solidFill>
+            <a:srgbClr val="002060"/>
+          </a:solidFill>
+          <a:ln>
+            <a:noFill/>
+          </a:ln>
+          <a:effectLst/>
+        </p:spPr>
+        <p:style>
+          <a:lnRef idx="2">
+            <a:schemeClr val="accent1">
+              <a:shade val="50000"/>
+            </a:schemeClr>
+          </a:lnRef>
+          <a:fillRef idx="1">
+            <a:schemeClr val="accent1"/>
+          </a:fillRef>
+          <a:effectRef idx="0">
+            <a:schemeClr val="accent1"/>
+          </a:effectRef>
+          <a:fontRef idx="minor">
+            <a:schemeClr val="lt1"/>
+          </a:fontRef>
+        </p:style>
+        <p:txBody>
+          <a:bodyPr rtlCol="0" anchor="ctr"/>
+          <a:lstStyle/>
+          <a:p>
+            <a:pPr algn="ctr"/>
+            <a:endParaRPr lang="zh-CN" altLang="en-US"/>
+          </a:p>
+        </p:txBody>
+      </p:sp>
+      <p:sp>
+        <p:nvSpPr>
+          <p:cNvPr id="10" name="任意多边形 9"/>
+          <p:cNvSpPr/>
+          <p:nvPr/>
+        </p:nvSpPr>
+        <p:spPr>
+          <a:xfrm>
+            <a:off x="4451448" y="2190450"/>
+            <a:ext cx="720000" cy="2520000"/>
+          </a:xfrm>
+          <a:custGeom>
+            <a:avLst/>
+            <a:gdLst/>
+            <a:ahLst/>
+            <a:cxnLst/>
+            <a:rect l="l" t="t" r="r" b="b"/>
+            <a:pathLst>
+              <a:path w="720000" h="2520000">
+                <a:moveTo>
+                  <a:pt x="531854" y="89764"/>
+                </a:moveTo>
+                <a:lnTo>
+                  <a:pt x="125832" y="563456"/>
+                </a:lnTo>
+                <a:lnTo>
+                  <a:pt x="125832" y="602524"/>
+                </a:lnTo>
+                <a:lnTo>
+                  <a:pt x="230477" y="602524"/>
+                </a:lnTo>
+                <a:lnTo>
+                  <a:pt x="230477" y="2382880"/>
+                </a:lnTo>
+                <a:lnTo>
+                  <a:pt x="531854" y="2382880"/>
+                </a:lnTo>
+                <a:close/>
+                <a:moveTo>
+                  <a:pt x="0" y="0"/>
+                </a:moveTo>
+                <a:lnTo>
+                  <a:pt x="720000" y="0"/>
+                </a:lnTo>
+                <a:lnTo>
+                  <a:pt x="720000" y="2520000"/>
+                </a:lnTo>
+                <a:lnTo>
+                  <a:pt x="0" y="2520000"/>
+                </a:lnTo>
+                <a:close/>
+              </a:path>
+            </a:pathLst>
+          </a:custGeom>
+          <a:solidFill>
+            <a:srgbClr val="002060"/>
+          </a:solidFill>
+          <a:ln>
+            <a:solidFill>
+              <a:srgbClr val="002060"/>
+            </a:solidFill>
+          </a:ln>
+        </p:spPr>
+        <p:style>
+          <a:lnRef idx="2">
+            <a:schemeClr val="accent1">
+              <a:shade val="50000"/>
+            </a:schemeClr>
+          </a:lnRef>
+          <a:fillRef idx="1">
+            <a:schemeClr val="accent1"/>
+          </a:fillRef>
+          <a:effectRef idx="0">
+            <a:schemeClr val="accent1"/>
+          </a:effectRef>
+          <a:fontRef idx="minor">
+            <a:schemeClr val="lt1"/>
+          </a:fontRef>
+        </p:style>
+        <p:txBody>
+          <a:bodyPr rtlCol="0" anchor="ctr"/>
+          <a:lstStyle/>
+          <a:p>
+            <a:pPr algn="ctr"/>
+            <a:endParaRPr lang="zh-CN" altLang="en-US"/>
+          </a:p>
+        </p:txBody>
+      </p:sp>
+      <p:sp>
+        <p:nvSpPr>
+          <p:cNvPr id="13" name="文本框 12"/>
+          <p:cNvSpPr txBox="1"/>
+          <p:nvPr/>
+        </p:nvSpPr>
+        <p:spPr>
+          <a:xfrm>
+            <a:off x="5625413" y="3099180"/>
+            <a:ext cx="3441314" cy="769441"/>
+          </a:xfrm>
+          <a:prstGeom prst="rect">
+            <a:avLst/>
+          </a:prstGeom>
+          <a:noFill/>
+        </p:spPr>
+        <p:txBody>
+          <a:bodyPr wrap="square" rtlCol="0">
+            <a:spAutoFit/>
+          </a:bodyPr>
+          <a:lstStyle/>
+          <a:p>
+            <a:pPr algn="ctr"/>
+            <a:r>
+              <a:rPr lang="zh-CN" altLang="en-US" sz="4400" dirty="0" smtClean="0">
+                <a:solidFill>
+                  <a:schemeClr val="bg1"/>
+                </a:solidFill>
+                <a:latin typeface="微软雅黑" panose="020B0503020204020204" pitchFamily="34" charset="-122"/>
+                <a:ea typeface="微软雅黑" panose="020B0503020204020204" pitchFamily="34" charset="-122"/>
+              </a:rPr>
+              <a:t>表结构设计</a:t>
+            </a:r>
+            <a:endParaRPr lang="zh-CN" altLang="en-US" sz="4400" dirty="0">
+              <a:solidFill>
+                <a:schemeClr val="bg1"/>
+              </a:solidFill>
+              <a:latin typeface="微软雅黑" panose="020B0503020204020204" pitchFamily="34" charset="-122"/>
+              <a:ea typeface="微软雅黑" panose="020B0503020204020204" pitchFamily="34" charset="-122"/>
+            </a:endParaRPr>
+          </a:p>
+        </p:txBody>
+      </p:sp>
+      <p:sp>
+        <p:nvSpPr>
+          <p:cNvPr id="7" name="文本框 6"/>
+          <p:cNvSpPr txBox="1"/>
+          <p:nvPr/>
+        </p:nvSpPr>
+        <p:spPr>
+          <a:xfrm>
+            <a:off x="267496" y="1853079"/>
+            <a:ext cx="3916457" cy="1862048"/>
+          </a:xfrm>
+          <a:prstGeom prst="rect">
+            <a:avLst/>
+          </a:prstGeom>
+          <a:noFill/>
+        </p:spPr>
+        <p:txBody>
+          <a:bodyPr wrap="none" rtlCol="0">
+            <a:spAutoFit/>
+          </a:bodyPr>
+          <a:lstStyle/>
+          <a:p>
+            <a:r>
+              <a:rPr lang="en-US" altLang="zh-CN" sz="11500" dirty="0" smtClean="0">
+                <a:solidFill>
+                  <a:schemeClr val="tx1">
+                    <a:lumMod val="50000"/>
+                    <a:lumOff val="50000"/>
+                  </a:schemeClr>
+                </a:solidFill>
+                <a:latin typeface="苹方 细体" panose="020B0200000000000000" pitchFamily="34" charset="-122"/>
+                <a:ea typeface="苹方 细体" panose="020B0200000000000000" pitchFamily="34" charset="-122"/>
+              </a:rPr>
+              <a:t>PART</a:t>
+            </a:r>
+            <a:endParaRPr lang="zh-CN" altLang="en-US" sz="11500" dirty="0">
+              <a:solidFill>
+                <a:schemeClr val="tx1">
+                  <a:lumMod val="50000"/>
+                  <a:lumOff val="50000"/>
+                </a:schemeClr>
+              </a:solidFill>
+              <a:latin typeface="苹方 细体" panose="020B0200000000000000" pitchFamily="34" charset="-122"/>
+              <a:ea typeface="苹方 细体" panose="020B0200000000000000" pitchFamily="34" charset="-122"/>
+            </a:endParaRPr>
+          </a:p>
+        </p:txBody>
+      </p:sp>
+      <p:sp>
+        <p:nvSpPr>
+          <p:cNvPr id="16" name="文本框 15"/>
+          <p:cNvSpPr txBox="1"/>
+          <p:nvPr/>
+        </p:nvSpPr>
+        <p:spPr>
+          <a:xfrm>
+            <a:off x="267496" y="3576578"/>
+            <a:ext cx="2757486" cy="1569660"/>
+          </a:xfrm>
+          <a:prstGeom prst="rect">
+            <a:avLst/>
+          </a:prstGeom>
+          <a:noFill/>
+        </p:spPr>
+        <p:txBody>
+          <a:bodyPr wrap="none" rtlCol="0">
+            <a:spAutoFit/>
+          </a:bodyPr>
+          <a:lstStyle/>
+          <a:p>
+            <a:r>
+              <a:rPr lang="en-US" altLang="zh-CN" sz="9600" dirty="0" smtClean="0">
+                <a:solidFill>
+                  <a:schemeClr val="tx1">
+                    <a:lumMod val="50000"/>
+                    <a:lumOff val="50000"/>
+                  </a:schemeClr>
+                </a:solidFill>
+                <a:latin typeface="苹方 细体" panose="020B0200000000000000" pitchFamily="34" charset="-122"/>
+                <a:ea typeface="苹方 细体" panose="020B0200000000000000" pitchFamily="34" charset="-122"/>
+              </a:rPr>
+              <a:t>ONE</a:t>
+            </a:r>
+            <a:endParaRPr lang="zh-CN" altLang="en-US" sz="9600" dirty="0">
+              <a:solidFill>
+                <a:schemeClr val="tx1">
+                  <a:lumMod val="50000"/>
+                  <a:lumOff val="50000"/>
+                </a:schemeClr>
+              </a:solidFill>
+              <a:latin typeface="苹方 细体" panose="020B0200000000000000" pitchFamily="34" charset="-122"/>
+              <a:ea typeface="苹方 细体" panose="020B0200000000000000" pitchFamily="34" charset="-122"/>
+            </a:endParaRPr>
+          </a:p>
+        </p:txBody>
+      </p:sp>
+      <p:sp>
+        <p:nvSpPr>
+          <p:cNvPr id="9" name="文本框 8"/>
+          <p:cNvSpPr txBox="1"/>
+          <p:nvPr/>
+        </p:nvSpPr>
+        <p:spPr>
+          <a:xfrm>
+            <a:off x="5405501" y="6359949"/>
+            <a:ext cx="1408719" cy="276999"/>
+          </a:xfrm>
+          <a:prstGeom prst="rect">
+            <a:avLst/>
+          </a:prstGeom>
+          <a:noFill/>
+        </p:spPr>
+        <p:txBody>
+          <a:bodyPr wrap="none" rtlCol="0">
+            <a:spAutoFit/>
+          </a:bodyPr>
+          <a:lstStyle/>
+          <a:p>
+            <a:pPr algn="ctr"/>
+            <a:r>
+              <a:rPr lang="en-US" altLang="zh-CN" sz="1200" dirty="0">
+                <a:solidFill>
+                  <a:srgbClr val="404040"/>
+                </a:solidFill>
+                <a:latin typeface="微软雅黑" panose="020B0503020204020204" pitchFamily="34" charset="-122"/>
+                <a:ea typeface="微软雅黑" panose="020B0503020204020204" pitchFamily="34" charset="-122"/>
+              </a:rPr>
+              <a:t>ROAS 2016/8/28</a:t>
+            </a:r>
+            <a:endParaRPr lang="zh-CN" altLang="en-US" sz="1200" dirty="0">
+              <a:solidFill>
+                <a:srgbClr val="404040"/>
+              </a:solidFill>
+              <a:latin typeface="微软雅黑" panose="020B0503020204020204" pitchFamily="34" charset="-122"/>
+              <a:ea typeface="微软雅黑" panose="020B0503020204020204" pitchFamily="34" charset="-122"/>
+            </a:endParaRPr>
+          </a:p>
+        </p:txBody>
+      </p:sp>
+    </p:spTree>
+    <p:extLst>
+      <p:ext uri="{BB962C8B-B14F-4D97-AF65-F5344CB8AC3E}">
+        <p14:creationId xmlns:p14="http://schemas.microsoft.com/office/powerpoint/2010/main" xmlns="" val="1598093936"/>
+      </p:ext>
+    </p:extLst>
+  </p:cSld>
+  <p:clrMapOvr>
+    <a:masterClrMapping/>
+  </p:clrMapOvr>
+  <mc:AlternateContent xmlns:mc="http://schemas.openxmlformats.org/markup-compatibility/2006">
+    <mc:Choice xmlns:p15="http://schemas.microsoft.com/office/powerpoint/2012/main" xmlns="" Requires="p15">
+      <p:transition xmlns:p14="http://schemas.microsoft.com/office/powerpoint/2010/main" spd="slow" p14:dur="1250" advClick="0">
+        <p15:prstTrans prst="pageCurlDouble"/>
+      </p:transition>
+    </mc:Choice>
+    <mc:Fallback>
+      <p:transition spd="slow" advClick="0">
+        <p:fade/>
+      </p:transition>
+    </mc:Fallback>
+  </mc:AlternateContent>
+  <p:timing>
+    <p:tnLst>
+      <p:par>
+        <p:cTn id="1" dur="indefinite" restart="never" nodeType="tmRoot"/>
+      </p:par>
+    </p:tnLst>
+  </p:timing>
+</p:sld>
+</file>
+
+<file path=ppt/slides/slide30.xml><?xml version="1.0" encoding="utf-8"?>
+<p:sld xmlns:a="http://schemas.openxmlformats.org/drawingml/2006/main" xmlns:r="http://schemas.openxmlformats.org/officeDocument/2006/relationships" xmlns:p="http://schemas.openxmlformats.org/presentationml/2006/main">
+  <p:cSld>
+    <p:spTree>
+      <p:nvGrpSpPr>
+        <p:cNvPr id="1" name=""/>
+        <p:cNvGrpSpPr/>
+        <p:nvPr/>
+      </p:nvGrpSpPr>
+      <p:grpSpPr>
+        <a:xfrm>
+          <a:off x="0" y="0"/>
+          <a:ext cx="0" cy="0"/>
+          <a:chOff x="0" y="0"/>
+          <a:chExt cx="0" cy="0"/>
+        </a:xfrm>
+      </p:grpSpPr>
+      <p:pic>
+        <p:nvPicPr>
+          <p:cNvPr id="83" name="图片 82"/>
+          <p:cNvPicPr>
+            <a:picLocks noChangeAspect="1"/>
+          </p:cNvPicPr>
+          <p:nvPr/>
+        </p:nvPicPr>
+        <p:blipFill>
+          <a:blip r:embed="rId2">
+            <a:extLst>
+              <a:ext uri="{28A0092B-C50C-407E-A947-70E740481C1C}">
+                <a14:useLocalDpi xmlns:a14="http://schemas.microsoft.com/office/drawing/2010/main" xmlns="" val="0"/>
+              </a:ext>
+            </a:extLst>
+          </a:blip>
+          <a:stretch>
+            <a:fillRect/>
+          </a:stretch>
+        </p:blipFill>
+        <p:spPr>
+          <a:xfrm>
+            <a:off x="24000" y="0"/>
+            <a:ext cx="12192000" cy="6858000"/>
+          </a:xfrm>
+          <a:prstGeom prst="rect">
+            <a:avLst/>
+          </a:prstGeom>
+        </p:spPr>
+      </p:pic>
+      <p:sp>
+        <p:nvSpPr>
+          <p:cNvPr id="81" name="剪去单角的矩形 80"/>
+          <p:cNvSpPr/>
+          <p:nvPr/>
+        </p:nvSpPr>
+        <p:spPr>
+          <a:xfrm flipV="1">
+            <a:off x="0" y="566671"/>
+            <a:ext cx="6120000" cy="540000"/>
+          </a:xfrm>
+          <a:prstGeom prst="snip1Rect">
+            <a:avLst/>
+          </a:prstGeom>
+          <a:solidFill>
+            <a:schemeClr val="bg1">
+              <a:lumMod val="65000"/>
+            </a:schemeClr>
+          </a:solidFill>
+          <a:ln>
+            <a:noFill/>
+          </a:ln>
+        </p:spPr>
+        <p:style>
+          <a:lnRef idx="2">
+            <a:schemeClr val="accent1">
+              <a:shade val="50000"/>
+            </a:schemeClr>
+          </a:lnRef>
+          <a:fillRef idx="1">
+            <a:schemeClr val="accent1"/>
+          </a:fillRef>
+          <a:effectRef idx="0">
+            <a:schemeClr val="accent1"/>
+          </a:effectRef>
+          <a:fontRef idx="minor">
+            <a:schemeClr val="lt1"/>
+          </a:fontRef>
+        </p:style>
+        <p:txBody>
+          <a:bodyPr rtlCol="0" anchor="ctr"/>
+          <a:lstStyle/>
+          <a:p>
+            <a:pPr algn="ctr"/>
+            <a:endParaRPr lang="zh-CN" altLang="en-US"/>
+          </a:p>
+        </p:txBody>
+      </p:sp>
+      <p:sp>
+        <p:nvSpPr>
+          <p:cNvPr id="82" name="标题 1"/>
+          <p:cNvSpPr>
+            <a:spLocks noGrp="1"/>
+          </p:cNvSpPr>
+          <p:nvPr>
+            <p:ph type="title"/>
+          </p:nvPr>
+        </p:nvSpPr>
+        <p:spPr>
+          <a:xfrm>
+            <a:off x="0" y="184819"/>
+            <a:ext cx="12190930" cy="1325563"/>
+          </a:xfrm>
+        </p:spPr>
+        <p:txBody>
+          <a:bodyPr>
+            <a:normAutofit/>
+          </a:bodyPr>
+          <a:lstStyle/>
+          <a:p>
+            <a:r>
+              <a:rPr lang="zh-CN" altLang="en-US" sz="2400" dirty="0" smtClean="0">
+                <a:solidFill>
+                  <a:schemeClr val="bg1"/>
+                </a:solidFill>
+                <a:latin typeface="苹方 细体" panose="020B0200000000000000" pitchFamily="34" charset="-122"/>
+                <a:ea typeface="苹方 细体" panose="020B0200000000000000" pitchFamily="34" charset="-122"/>
+              </a:rPr>
+              <a:t>            </a:t>
+            </a:r>
+            <a:r>
+              <a:rPr lang="en-US" altLang="zh-CN" sz="2800" dirty="0" smtClean="0">
+                <a:solidFill>
+                  <a:schemeClr val="bg1"/>
+                </a:solidFill>
+                <a:latin typeface="苹方 细体" panose="020B0200000000000000" pitchFamily="34" charset="-122"/>
+                <a:ea typeface="苹方 细体" panose="020B0200000000000000" pitchFamily="34" charset="-122"/>
+              </a:rPr>
+              <a:t>Phoenix</a:t>
+            </a:r>
+            <a:endParaRPr lang="zh-CN" altLang="en-US" sz="2400" dirty="0">
+              <a:solidFill>
+                <a:schemeClr val="bg1"/>
+              </a:solidFill>
+              <a:latin typeface="微软雅黑" panose="020B0503020204020204" pitchFamily="34" charset="-122"/>
+              <a:ea typeface="微软雅黑" panose="020B0503020204020204" pitchFamily="34" charset="-122"/>
+            </a:endParaRPr>
+          </a:p>
+        </p:txBody>
+      </p:sp>
+      <p:sp>
+        <p:nvSpPr>
+          <p:cNvPr id="9" name="TextBox 8"/>
+          <p:cNvSpPr txBox="1"/>
+          <p:nvPr/>
+        </p:nvSpPr>
+        <p:spPr>
+          <a:xfrm>
+            <a:off x="900752" y="1405720"/>
+            <a:ext cx="5295332" cy="562783"/>
+          </a:xfrm>
+          <a:prstGeom prst="rect">
+            <a:avLst/>
+          </a:prstGeom>
+          <a:noFill/>
+        </p:spPr>
+        <p:txBody>
+          <a:bodyPr wrap="square" rtlCol="0">
+            <a:spAutoFit/>
+          </a:bodyPr>
+          <a:lstStyle/>
+          <a:p>
+            <a:pPr>
+              <a:lnSpc>
+                <a:spcPct val="200000"/>
+              </a:lnSpc>
+            </a:pPr>
+            <a:r>
+              <a:rPr lang="zh-CN" altLang="en-US" dirty="0" smtClean="0">
+                <a:solidFill>
+                  <a:schemeClr val="tx1">
+                    <a:lumMod val="75000"/>
+                    <a:lumOff val="25000"/>
+                  </a:schemeClr>
+                </a:solidFill>
+                <a:latin typeface="微软雅黑" panose="020B0503020204020204" pitchFamily="34" charset="-122"/>
+                <a:ea typeface="微软雅黑" panose="020B0503020204020204" pitchFamily="34" charset="-122"/>
+              </a:rPr>
+              <a:t>在</a:t>
+            </a:r>
+            <a:r>
+              <a:rPr lang="en-US" altLang="zh-CN" dirty="0" err="1" smtClean="0">
+                <a:solidFill>
+                  <a:schemeClr val="tx1">
+                    <a:lumMod val="75000"/>
+                    <a:lumOff val="25000"/>
+                  </a:schemeClr>
+                </a:solidFill>
+                <a:latin typeface="微软雅黑" panose="020B0503020204020204" pitchFamily="34" charset="-122"/>
+                <a:ea typeface="微软雅黑" panose="020B0503020204020204" pitchFamily="34" charset="-122"/>
+              </a:rPr>
+              <a:t>hbase</a:t>
+            </a:r>
+            <a:r>
+              <a:rPr lang="zh-CN" altLang="en-US" dirty="0" smtClean="0">
+                <a:solidFill>
+                  <a:schemeClr val="tx1">
+                    <a:lumMod val="75000"/>
+                    <a:lumOff val="25000"/>
+                  </a:schemeClr>
+                </a:solidFill>
+                <a:latin typeface="微软雅黑" panose="020B0503020204020204" pitchFamily="34" charset="-122"/>
+                <a:ea typeface="微软雅黑" panose="020B0503020204020204" pitchFamily="34" charset="-122"/>
+              </a:rPr>
+              <a:t>中，数据的存在以这种形式</a:t>
+            </a:r>
+          </a:p>
+        </p:txBody>
+      </p:sp>
+      <p:pic>
+        <p:nvPicPr>
+          <p:cNvPr id="3074" name="Picture 2"/>
+          <p:cNvPicPr>
+            <a:picLocks noChangeAspect="1" noChangeArrowheads="1"/>
+          </p:cNvPicPr>
+          <p:nvPr/>
+        </p:nvPicPr>
+        <p:blipFill>
+          <a:blip r:embed="rId3"/>
+          <a:srcRect/>
+          <a:stretch>
+            <a:fillRect/>
+          </a:stretch>
+        </p:blipFill>
+        <p:spPr bwMode="auto">
+          <a:xfrm>
+            <a:off x="867557" y="3421822"/>
+            <a:ext cx="9272729" cy="2858568"/>
+          </a:xfrm>
+          <a:prstGeom prst="rect">
+            <a:avLst/>
+          </a:prstGeom>
+          <a:noFill/>
+          <a:ln w="9525">
+            <a:noFill/>
+            <a:miter lim="800000"/>
+            <a:headEnd/>
+            <a:tailEnd/>
+          </a:ln>
+          <a:effectLst/>
+        </p:spPr>
+      </p:pic>
+      <p:sp>
+        <p:nvSpPr>
+          <p:cNvPr id="11" name="TextBox 10"/>
+          <p:cNvSpPr txBox="1"/>
+          <p:nvPr/>
+        </p:nvSpPr>
+        <p:spPr>
+          <a:xfrm>
+            <a:off x="941696" y="2224585"/>
+            <a:ext cx="8529850" cy="646331"/>
+          </a:xfrm>
+          <a:prstGeom prst="rect">
+            <a:avLst/>
+          </a:prstGeom>
+          <a:noFill/>
+        </p:spPr>
+        <p:txBody>
+          <a:bodyPr wrap="square" rtlCol="0">
+            <a:spAutoFit/>
+          </a:bodyPr>
+          <a:lstStyle/>
+          <a:p>
+            <a:pPr>
+              <a:lnSpc>
+                <a:spcPct val="200000"/>
+              </a:lnSpc>
+            </a:pPr>
+            <a:r>
+              <a:rPr lang="en-US" altLang="zh-CN" dirty="0" smtClean="0">
+                <a:solidFill>
+                  <a:schemeClr val="tx1">
+                    <a:lumMod val="75000"/>
+                    <a:lumOff val="25000"/>
+                  </a:schemeClr>
+                </a:solidFill>
+                <a:latin typeface="微软雅黑" panose="020B0503020204020204" pitchFamily="34" charset="-122"/>
+                <a:ea typeface="微软雅黑" panose="020B0503020204020204" pitchFamily="34" charset="-122"/>
+              </a:rPr>
+              <a:t>100</a:t>
+            </a:r>
+            <a:r>
+              <a:rPr lang="zh-CN" altLang="en-US" dirty="0" smtClean="0">
+                <a:solidFill>
+                  <a:schemeClr val="tx1">
+                    <a:lumMod val="75000"/>
+                    <a:lumOff val="25000"/>
+                  </a:schemeClr>
+                </a:solidFill>
+                <a:latin typeface="微软雅黑" panose="020B0503020204020204" pitchFamily="34" charset="-122"/>
+                <a:ea typeface="微软雅黑" panose="020B0503020204020204" pitchFamily="34" charset="-122"/>
+              </a:rPr>
+              <a:t>：</a:t>
+            </a:r>
+            <a:r>
+              <a:rPr lang="en-US" altLang="zh-CN" dirty="0" smtClean="0">
+                <a:solidFill>
+                  <a:schemeClr val="tx1">
+                    <a:lumMod val="75000"/>
+                    <a:lumOff val="25000"/>
+                  </a:schemeClr>
+                </a:solidFill>
+                <a:latin typeface="微软雅黑" panose="020B0503020204020204" pitchFamily="34" charset="-122"/>
+                <a:ea typeface="微软雅黑" panose="020B0503020204020204" pitchFamily="34" charset="-122"/>
+              </a:rPr>
+              <a:t>\x80\x00\x00d</a:t>
+            </a:r>
+            <a:r>
+              <a:rPr lang="zh-CN" altLang="en-US" dirty="0" smtClean="0">
+                <a:solidFill>
+                  <a:schemeClr val="tx1">
+                    <a:lumMod val="75000"/>
+                    <a:lumOff val="25000"/>
+                  </a:schemeClr>
+                </a:solidFill>
+                <a:latin typeface="微软雅黑" panose="020B0503020204020204" pitchFamily="34" charset="-122"/>
+                <a:ea typeface="微软雅黑" panose="020B0503020204020204" pitchFamily="34" charset="-122"/>
+              </a:rPr>
+              <a:t>        小</a:t>
+            </a:r>
+            <a:r>
+              <a:rPr lang="en-US" altLang="zh-CN" dirty="0" smtClean="0">
+                <a:solidFill>
+                  <a:schemeClr val="tx1">
+                    <a:lumMod val="75000"/>
+                    <a:lumOff val="25000"/>
+                  </a:schemeClr>
+                </a:solidFill>
+                <a:latin typeface="微软雅黑" panose="020B0503020204020204" pitchFamily="34" charset="-122"/>
+                <a:ea typeface="微软雅黑" panose="020B0503020204020204" pitchFamily="34" charset="-122"/>
+              </a:rPr>
+              <a:t>:\xe5\xb0\x8f        </a:t>
+            </a:r>
+            <a:r>
+              <a:rPr lang="zh-CN" altLang="en-US" dirty="0" smtClean="0">
+                <a:solidFill>
+                  <a:schemeClr val="tx1">
+                    <a:lumMod val="75000"/>
+                    <a:lumOff val="25000"/>
+                  </a:schemeClr>
+                </a:solidFill>
+                <a:latin typeface="微软雅黑" panose="020B0503020204020204" pitchFamily="34" charset="-122"/>
+                <a:ea typeface="微软雅黑" panose="020B0503020204020204" pitchFamily="34" charset="-122"/>
+              </a:rPr>
+              <a:t>明</a:t>
+            </a:r>
+            <a:r>
+              <a:rPr lang="en-US" altLang="zh-CN" dirty="0" smtClean="0">
+                <a:solidFill>
+                  <a:schemeClr val="tx1">
+                    <a:lumMod val="75000"/>
+                    <a:lumOff val="25000"/>
+                  </a:schemeClr>
+                </a:solidFill>
+                <a:latin typeface="微软雅黑" panose="020B0503020204020204" pitchFamily="34" charset="-122"/>
+                <a:ea typeface="微软雅黑" panose="020B0503020204020204" pitchFamily="34" charset="-122"/>
+              </a:rPr>
+              <a:t>:\xe6\x98\x8e</a:t>
+            </a:r>
+          </a:p>
+        </p:txBody>
+      </p:sp>
+      <p:pic>
+        <p:nvPicPr>
+          <p:cNvPr id="3075" name="Picture 3"/>
+          <p:cNvPicPr>
+            <a:picLocks noChangeAspect="1" noChangeArrowheads="1"/>
+          </p:cNvPicPr>
+          <p:nvPr/>
+        </p:nvPicPr>
+        <p:blipFill>
+          <a:blip r:embed="rId4"/>
+          <a:srcRect/>
+          <a:stretch>
+            <a:fillRect/>
+          </a:stretch>
+        </p:blipFill>
+        <p:spPr bwMode="auto">
+          <a:xfrm>
+            <a:off x="7081055" y="1012849"/>
+            <a:ext cx="4362450" cy="1038225"/>
+          </a:xfrm>
+          <a:prstGeom prst="rect">
+            <a:avLst/>
+          </a:prstGeom>
+          <a:noFill/>
+          <a:ln w="9525">
+            <a:noFill/>
+            <a:miter lim="800000"/>
+            <a:headEnd/>
+            <a:tailEnd/>
+          </a:ln>
+          <a:effectLst/>
+        </p:spPr>
+      </p:pic>
+    </p:spTree>
+    <p:extLst>
+      <p:ext uri="{BB962C8B-B14F-4D97-AF65-F5344CB8AC3E}">
+        <p14:creationId xmlns:p14="http://schemas.microsoft.com/office/powerpoint/2010/main" xmlns="" val="1087999994"/>
+      </p:ext>
+    </p:extLst>
+  </p:cSld>
+  <p:clrMapOvr>
+    <a:masterClrMapping/>
+  </p:clrMapOvr>
+  <mc:AlternateContent xmlns:mc="http://schemas.openxmlformats.org/markup-compatibility/2006">
+    <mc:Choice xmlns:p14="http://schemas.microsoft.com/office/powerpoint/2010/main" xmlns="" Requires="p14">
+      <p:transition spd="slow" p14:dur="2500" advClick="0">
+        <p:checker/>
+      </p:transition>
+    </mc:Choice>
+    <mc:Fallback>
+      <p:transition spd="slow" advClick="0">
+        <p:checker/>
+      </p:transition>
+    </mc:Fallback>
+  </mc:AlternateContent>
+  <p:timing>
+    <p:tnLst>
+      <p:par>
+        <p:cTn id="1" dur="indefinite" restart="never" nodeType="tmRoot"/>
+      </p:par>
+    </p:tnLst>
+  </p:timing>
+</p:sld>
+</file>
+
+<file path=ppt/slides/slide31.xml><?xml version="1.0" encoding="utf-8"?>
+<p:sld xmlns:a="http://schemas.openxmlformats.org/drawingml/2006/main" xmlns:r="http://schemas.openxmlformats.org/officeDocument/2006/relationships" xmlns:p="http://schemas.openxmlformats.org/presentationml/2006/main">
+  <p:cSld>
+    <p:spTree>
+      <p:nvGrpSpPr>
+        <p:cNvPr id="1" name=""/>
+        <p:cNvGrpSpPr/>
+        <p:nvPr/>
+      </p:nvGrpSpPr>
+      <p:grpSpPr>
+        <a:xfrm>
+          <a:off x="0" y="0"/>
+          <a:ext cx="0" cy="0"/>
+          <a:chOff x="0" y="0"/>
+          <a:chExt cx="0" cy="0"/>
+        </a:xfrm>
+      </p:grpSpPr>
+      <p:pic>
+        <p:nvPicPr>
+          <p:cNvPr id="83" name="图片 82"/>
+          <p:cNvPicPr>
+            <a:picLocks noChangeAspect="1"/>
+          </p:cNvPicPr>
+          <p:nvPr/>
+        </p:nvPicPr>
+        <p:blipFill>
+          <a:blip r:embed="rId2">
+            <a:extLst>
+              <a:ext uri="{28A0092B-C50C-407E-A947-70E740481C1C}">
+                <a14:useLocalDpi xmlns:a14="http://schemas.microsoft.com/office/drawing/2010/main" xmlns="" val="0"/>
+              </a:ext>
+            </a:extLst>
+          </a:blip>
+          <a:stretch>
+            <a:fillRect/>
+          </a:stretch>
+        </p:blipFill>
+        <p:spPr>
+          <a:xfrm>
+            <a:off x="24000" y="0"/>
+            <a:ext cx="12192000" cy="6858000"/>
+          </a:xfrm>
+          <a:prstGeom prst="rect">
+            <a:avLst/>
+          </a:prstGeom>
+        </p:spPr>
+      </p:pic>
+      <p:sp>
+        <p:nvSpPr>
+          <p:cNvPr id="81" name="剪去单角的矩形 80"/>
+          <p:cNvSpPr/>
+          <p:nvPr/>
+        </p:nvSpPr>
+        <p:spPr>
+          <a:xfrm flipV="1">
+            <a:off x="0" y="566671"/>
+            <a:ext cx="6120000" cy="540000"/>
+          </a:xfrm>
+          <a:prstGeom prst="snip1Rect">
+            <a:avLst/>
+          </a:prstGeom>
+          <a:solidFill>
+            <a:schemeClr val="bg1">
+              <a:lumMod val="65000"/>
+            </a:schemeClr>
+          </a:solidFill>
+          <a:ln>
+            <a:noFill/>
+          </a:ln>
+        </p:spPr>
+        <p:style>
+          <a:lnRef idx="2">
+            <a:schemeClr val="accent1">
+              <a:shade val="50000"/>
+            </a:schemeClr>
+          </a:lnRef>
+          <a:fillRef idx="1">
+            <a:schemeClr val="accent1"/>
+          </a:fillRef>
+          <a:effectRef idx="0">
+            <a:schemeClr val="accent1"/>
+          </a:effectRef>
+          <a:fontRef idx="minor">
+            <a:schemeClr val="lt1"/>
+          </a:fontRef>
+        </p:style>
+        <p:txBody>
+          <a:bodyPr rtlCol="0" anchor="ctr"/>
+          <a:lstStyle/>
+          <a:p>
+            <a:pPr algn="ctr"/>
+            <a:endParaRPr lang="zh-CN" altLang="en-US"/>
+          </a:p>
+        </p:txBody>
+      </p:sp>
+      <p:sp>
+        <p:nvSpPr>
+          <p:cNvPr id="82" name="标题 1"/>
+          <p:cNvSpPr>
+            <a:spLocks noGrp="1"/>
+          </p:cNvSpPr>
+          <p:nvPr>
+            <p:ph type="title"/>
+          </p:nvPr>
+        </p:nvSpPr>
+        <p:spPr>
+          <a:xfrm>
+            <a:off x="0" y="184819"/>
+            <a:ext cx="12190930" cy="1325563"/>
+          </a:xfrm>
+        </p:spPr>
+        <p:txBody>
+          <a:bodyPr>
+            <a:normAutofit/>
+          </a:bodyPr>
+          <a:lstStyle/>
+          <a:p>
+            <a:r>
+              <a:rPr lang="zh-CN" altLang="en-US" sz="2400" dirty="0" smtClean="0">
+                <a:solidFill>
+                  <a:schemeClr val="bg1"/>
+                </a:solidFill>
+                <a:latin typeface="苹方 细体" panose="020B0200000000000000" pitchFamily="34" charset="-122"/>
+                <a:ea typeface="苹方 细体" panose="020B0200000000000000" pitchFamily="34" charset="-122"/>
+              </a:rPr>
+              <a:t>            </a:t>
+            </a:r>
+            <a:r>
+              <a:rPr lang="en-US" altLang="zh-CN" sz="2800" dirty="0" smtClean="0">
+                <a:solidFill>
+                  <a:schemeClr val="bg1"/>
+                </a:solidFill>
+                <a:latin typeface="苹方 细体" panose="020B0200000000000000" pitchFamily="34" charset="-122"/>
+                <a:ea typeface="苹方 细体" panose="020B0200000000000000" pitchFamily="34" charset="-122"/>
+              </a:rPr>
+              <a:t>Phoenix</a:t>
+            </a:r>
+            <a:endParaRPr lang="zh-CN" altLang="en-US" sz="2400" dirty="0">
+              <a:solidFill>
+                <a:schemeClr val="bg1"/>
+              </a:solidFill>
+              <a:latin typeface="微软雅黑" panose="020B0503020204020204" pitchFamily="34" charset="-122"/>
+              <a:ea typeface="微软雅黑" panose="020B0503020204020204" pitchFamily="34" charset="-122"/>
+            </a:endParaRPr>
+          </a:p>
+        </p:txBody>
+      </p:sp>
+      <p:pic>
+        <p:nvPicPr>
+          <p:cNvPr id="4098" name="Picture 2"/>
+          <p:cNvPicPr>
+            <a:picLocks noChangeAspect="1" noChangeArrowheads="1"/>
+          </p:cNvPicPr>
+          <p:nvPr/>
+        </p:nvPicPr>
+        <p:blipFill>
+          <a:blip r:embed="rId3"/>
+          <a:srcRect/>
+          <a:stretch>
+            <a:fillRect/>
+          </a:stretch>
+        </p:blipFill>
+        <p:spPr bwMode="auto">
+          <a:xfrm>
+            <a:off x="2947772" y="2209305"/>
+            <a:ext cx="6250817" cy="2663525"/>
+          </a:xfrm>
+          <a:prstGeom prst="rect">
+            <a:avLst/>
+          </a:prstGeom>
+          <a:noFill/>
+          <a:ln w="9525">
+            <a:noFill/>
+            <a:miter lim="800000"/>
+            <a:headEnd/>
+            <a:tailEnd/>
+          </a:ln>
+          <a:effectLst/>
+        </p:spPr>
+      </p:pic>
+    </p:spTree>
+    <p:extLst>
+      <p:ext uri="{BB962C8B-B14F-4D97-AF65-F5344CB8AC3E}">
+        <p14:creationId xmlns:p14="http://schemas.microsoft.com/office/powerpoint/2010/main" xmlns="" val="1087999994"/>
+      </p:ext>
+    </p:extLst>
+  </p:cSld>
+  <p:clrMapOvr>
+    <a:masterClrMapping/>
+  </p:clrMapOvr>
+  <mc:AlternateContent xmlns:mc="http://schemas.openxmlformats.org/markup-compatibility/2006">
+    <mc:Choice xmlns:p14="http://schemas.microsoft.com/office/powerpoint/2010/main" xmlns="" Requires="p14">
+      <p:transition spd="slow" p14:dur="2500" advClick="0">
+        <p:checker/>
+      </p:transition>
+    </mc:Choice>
+    <mc:Fallback>
+      <p:transition spd="slow" advClick="0">
+        <p:checker/>
+      </p:transition>
+    </mc:Fallback>
+  </mc:AlternateContent>
+  <p:timing>
+    <p:tnLst>
+      <p:par>
+        <p:cTn id="1" dur="indefinite" restart="never" nodeType="tmRoot"/>
+      </p:par>
+    </p:tnLst>
+  </p:timing>
+</p:sld>
+</file>
+
+<file path=ppt/slides/slide32.xml><?xml version="1.0" encoding="utf-8"?>
+<p:sld xmlns:a="http://schemas.openxmlformats.org/drawingml/2006/main" xmlns:r="http://schemas.openxmlformats.org/officeDocument/2006/relationships" xmlns:p="http://schemas.openxmlformats.org/presentationml/2006/main">
+  <p:cSld>
+    <p:spTree>
+      <p:nvGrpSpPr>
+        <p:cNvPr id="1" name=""/>
+        <p:cNvGrpSpPr/>
+        <p:nvPr/>
+      </p:nvGrpSpPr>
+      <p:grpSpPr>
+        <a:xfrm>
+          <a:off x="0" y="0"/>
+          <a:ext cx="0" cy="0"/>
+          <a:chOff x="0" y="0"/>
+          <a:chExt cx="0" cy="0"/>
+        </a:xfrm>
+      </p:grpSpPr>
+      <p:pic>
+        <p:nvPicPr>
+          <p:cNvPr id="6" name="图片 5"/>
+          <p:cNvPicPr>
+            <a:picLocks noChangeAspect="1"/>
+          </p:cNvPicPr>
+          <p:nvPr/>
+        </p:nvPicPr>
+        <p:blipFill>
+          <a:blip r:embed="rId2">
+            <a:extLst>
+              <a:ext uri="{28A0092B-C50C-407E-A947-70E740481C1C}">
+                <a14:useLocalDpi xmlns:a14="http://schemas.microsoft.com/office/drawing/2010/main" xmlns="" val="0"/>
               </a:ext>
             </a:extLst>
           </a:blip>
@@ -11203,7 +14764,7 @@
           <a:lstStyle/>
           <a:p>
             <a:pPr algn="ctr"/>
-            <a:endParaRPr lang="zh-CN" altLang="en-US"/>
+            <a:endParaRPr lang="zh-CN" altLang="en-US" dirty="0"/>
           </a:p>
         </p:txBody>
       </p:sp>
@@ -11392,7 +14953,7 @@
     </p:spTree>
     <p:extLst>
       <p:ext uri="{BB962C8B-B14F-4D97-AF65-F5344CB8AC3E}">
-        <p14:creationId xmlns:p14="http://schemas.microsoft.com/office/powerpoint/2010/main" val="3627529686"/>
+        <p14:creationId xmlns:p14="http://schemas.microsoft.com/office/powerpoint/2010/main" xmlns="" val="3627529686"/>
       </p:ext>
     </p:extLst>
   </p:cSld>
@@ -11400,7 +14961,7 @@
     <a:masterClrMapping/>
   </p:clrMapOvr>
   <mc:AlternateContent xmlns:mc="http://schemas.openxmlformats.org/markup-compatibility/2006">
-    <mc:Choice xmlns:p15="http://schemas.microsoft.com/office/powerpoint/2012/main" Requires="p15">
+    <mc:Choice xmlns:p15="http://schemas.microsoft.com/office/powerpoint/2012/main" xmlns="" Requires="p15">
       <p:transition xmlns:p14="http://schemas.microsoft.com/office/powerpoint/2010/main" spd="slow" p14:dur="1250" advClick="0">
         <p15:prstTrans prst="pageCurlDouble"/>
       </p:transition>
@@ -11421,7 +14982,7 @@
 </p:sld>
 </file>
 
-<file path=ppt/slides/slide25.xml><?xml version="1.0" encoding="utf-8"?>
+<file path=ppt/slides/slide33.xml><?xml version="1.0" encoding="utf-8"?>
 <p:sld xmlns:a="http://schemas.openxmlformats.org/drawingml/2006/main" xmlns:r="http://schemas.openxmlformats.org/officeDocument/2006/relationships" xmlns:p="http://schemas.openxmlformats.org/presentationml/2006/main">
   <p:cSld>
     <p:spTree>
@@ -11450,7 +15011,7 @@
           <a:blip r:embed="rId2">
             <a:extLst>
               <a:ext uri="{28A0092B-C50C-407E-A947-70E740481C1C}">
-                <a14:useLocalDpi xmlns:a14="http://schemas.microsoft.com/office/drawing/2010/main" val="0"/>
+                <a14:useLocalDpi xmlns:a14="http://schemas.microsoft.com/office/drawing/2010/main" xmlns="" val="0"/>
               </a:ext>
             </a:extLst>
           </a:blip>
@@ -12234,17 +15795,7 @@
                 <a:latin typeface="苹方 细体" panose="020B0200000000000000" pitchFamily="34" charset="-122"/>
                 <a:ea typeface="苹方 细体" panose="020B0200000000000000" pitchFamily="34" charset="-122"/>
               </a:rPr>
-              <a:t>             </a:t>
-            </a:r>
-            <a:r>
-              <a:rPr lang="zh-CN" altLang="en-US" sz="2400" dirty="0" smtClean="0">
-                <a:solidFill>
-                  <a:schemeClr val="bg1"/>
-                </a:solidFill>
-                <a:latin typeface="苹方 细体" panose="020B0200000000000000" pitchFamily="34" charset="-122"/>
-                <a:ea typeface="苹方 细体" panose="020B0200000000000000" pitchFamily="34" charset="-122"/>
-              </a:rPr>
-              <a:t>          </a:t>
+              <a:t>                       </a:t>
             </a:r>
             <a:r>
               <a:rPr lang="en-US" altLang="zh-CN" sz="2400" dirty="0">
@@ -13029,20 +16580,20 @@
     </p:spTree>
     <p:extLst>
       <p:ext uri="{BB962C8B-B14F-4D97-AF65-F5344CB8AC3E}">
-        <p14:creationId xmlns:p14="http://schemas.microsoft.com/office/powerpoint/2010/main" val="2216887205"/>
+        <p14:creationId xmlns:p14="http://schemas.microsoft.com/office/powerpoint/2010/main" xmlns="" val="2216887205"/>
       </p:ext>
     </p:extLst>
   </p:cSld>
   <p:clrMapOvr>
     <a:masterClrMapping/>
   </p:clrMapOvr>
-  <mc:AlternateContent xmlns:mc="http://schemas.openxmlformats.org/markup-compatibility/2006" xmlns:p14="http://schemas.microsoft.com/office/powerpoint/2010/main">
-    <mc:Choice Requires="p14">
+  <mc:AlternateContent xmlns:mc="http://schemas.openxmlformats.org/markup-compatibility/2006">
+    <mc:Choice xmlns:p14="http://schemas.microsoft.com/office/powerpoint/2010/main" xmlns="" Requires="p14">
       <p:transition spd="slow" p14:dur="1600">
         <p14:gallery dir="l"/>
       </p:transition>
     </mc:Choice>
-    <mc:Fallback xmlns="">
+    <mc:Fallback>
       <p:transition spd="slow">
         <p:fade/>
       </p:transition>
@@ -13058,7 +16609,7 @@
 </p:sld>
 </file>
 
-<file path=ppt/slides/slide26.xml><?xml version="1.0" encoding="utf-8"?>
+<file path=ppt/slides/slide34.xml><?xml version="1.0" encoding="utf-8"?>
 <p:sld xmlns:a="http://schemas.openxmlformats.org/drawingml/2006/main" xmlns:r="http://schemas.openxmlformats.org/officeDocument/2006/relationships" xmlns:p="http://schemas.openxmlformats.org/presentationml/2006/main">
   <p:cSld>
     <p:spTree>
@@ -13087,7 +16638,7 @@
           <a:blip r:embed="rId2">
             <a:extLst>
               <a:ext uri="{28A0092B-C50C-407E-A947-70E740481C1C}">
-                <a14:useLocalDpi xmlns:a14="http://schemas.microsoft.com/office/drawing/2010/main" val="0"/>
+                <a14:useLocalDpi xmlns:a14="http://schemas.microsoft.com/office/drawing/2010/main" xmlns="" val="0"/>
               </a:ext>
             </a:extLst>
           </a:blip>
@@ -13183,17 +16734,7 @@
                 <a:latin typeface="苹方 细体" panose="020B0200000000000000" pitchFamily="34" charset="-122"/>
                 <a:ea typeface="苹方 细体" panose="020B0200000000000000" pitchFamily="34" charset="-122"/>
               </a:rPr>
-              <a:t>             </a:t>
-            </a:r>
-            <a:r>
-              <a:rPr lang="zh-CN" altLang="en-US" sz="2400" dirty="0" smtClean="0">
-                <a:solidFill>
-                  <a:schemeClr val="bg1"/>
-                </a:solidFill>
-                <a:latin typeface="苹方 细体" panose="020B0200000000000000" pitchFamily="34" charset="-122"/>
-                <a:ea typeface="苹方 细体" panose="020B0200000000000000" pitchFamily="34" charset="-122"/>
-              </a:rPr>
-              <a:t>          </a:t>
+              <a:t>                       </a:t>
             </a:r>
             <a:r>
               <a:rPr lang="en-US" altLang="zh-CN" sz="2400" dirty="0">
@@ -14225,7 +17766,7 @@
     </p:spTree>
     <p:extLst>
       <p:ext uri="{BB962C8B-B14F-4D97-AF65-F5344CB8AC3E}">
-        <p14:creationId xmlns:p14="http://schemas.microsoft.com/office/powerpoint/2010/main" val="2129019908"/>
+        <p14:creationId xmlns:p14="http://schemas.microsoft.com/office/powerpoint/2010/main" xmlns="" val="2129019908"/>
       </p:ext>
     </p:extLst>
   </p:cSld>
@@ -14233,7 +17774,7 @@
     <a:masterClrMapping/>
   </p:clrMapOvr>
   <mc:AlternateContent xmlns:mc="http://schemas.openxmlformats.org/markup-compatibility/2006">
-    <mc:Choice xmlns:p14="http://schemas.microsoft.com/office/powerpoint/2010/main" Requires="p14">
+    <mc:Choice xmlns:p14="http://schemas.microsoft.com/office/powerpoint/2010/main" xmlns="" Requires="p14">
       <p:transition spd="slow" p14:dur="1600">
         <p14:gallery dir="l"/>
       </p:transition>
@@ -14254,7 +17795,7 @@
 </p:sld>
 </file>
 
-<file path=ppt/slides/slide27.xml><?xml version="1.0" encoding="utf-8"?>
+<file path=ppt/slides/slide35.xml><?xml version="1.0" encoding="utf-8"?>
 <p:sld xmlns:a="http://schemas.openxmlformats.org/drawingml/2006/main" xmlns:r="http://schemas.openxmlformats.org/officeDocument/2006/relationships" xmlns:p="http://schemas.openxmlformats.org/presentationml/2006/main">
   <p:cSld>
     <p:spTree>
@@ -14283,7 +17824,7 @@
           <a:blip r:embed="rId2" cstate="print">
             <a:extLst>
               <a:ext uri="{28A0092B-C50C-407E-A947-70E740481C1C}">
-                <a14:useLocalDpi xmlns:a14="http://schemas.microsoft.com/office/drawing/2010/main" val="0"/>
+                <a14:useLocalDpi xmlns:a14="http://schemas.microsoft.com/office/drawing/2010/main" xmlns="" val="0"/>
               </a:ext>
             </a:extLst>
           </a:blip>
@@ -15632,7 +19173,7 @@
     </p:spTree>
     <p:extLst>
       <p:ext uri="{BB962C8B-B14F-4D97-AF65-F5344CB8AC3E}">
-        <p14:creationId xmlns:p14="http://schemas.microsoft.com/office/powerpoint/2010/main" val="343552454"/>
+        <p14:creationId xmlns:p14="http://schemas.microsoft.com/office/powerpoint/2010/main" xmlns="" val="343552454"/>
       </p:ext>
     </p:extLst>
   </p:cSld>
@@ -15642,402 +19183,6 @@
   <p:transition spd="slow">
     <p:comb/>
   </p:transition>
-  <p:timing>
-    <p:tnLst>
-      <p:par>
-        <p:cTn id="1" dur="indefinite" restart="never" nodeType="tmRoot"/>
-      </p:par>
-    </p:tnLst>
-  </p:timing>
-</p:sld>
-</file>
-
-<file path=ppt/slides/slide3.xml><?xml version="1.0" encoding="utf-8"?>
-<p:sld xmlns:a="http://schemas.openxmlformats.org/drawingml/2006/main" xmlns:r="http://schemas.openxmlformats.org/officeDocument/2006/relationships" xmlns:p="http://schemas.openxmlformats.org/presentationml/2006/main">
-  <p:cSld>
-    <p:spTree>
-      <p:nvGrpSpPr>
-        <p:cNvPr id="1" name=""/>
-        <p:cNvGrpSpPr/>
-        <p:nvPr/>
-      </p:nvGrpSpPr>
-      <p:grpSpPr>
-        <a:xfrm>
-          <a:off x="0" y="0"/>
-          <a:ext cx="0" cy="0"/>
-          <a:chOff x="0" y="0"/>
-          <a:chExt cx="0" cy="0"/>
-        </a:xfrm>
-      </p:grpSpPr>
-      <p:pic>
-        <p:nvPicPr>
-          <p:cNvPr id="6" name="图片 5"/>
-          <p:cNvPicPr>
-            <a:picLocks noChangeAspect="1"/>
-          </p:cNvPicPr>
-          <p:nvPr/>
-        </p:nvPicPr>
-        <p:blipFill>
-          <a:blip r:embed="rId2">
-            <a:extLst>
-              <a:ext uri="{28A0092B-C50C-407E-A947-70E740481C1C}">
-                <a14:useLocalDpi xmlns:a14="http://schemas.microsoft.com/office/drawing/2010/main" val="0"/>
-              </a:ext>
-            </a:extLst>
-          </a:blip>
-          <a:stretch>
-            <a:fillRect/>
-          </a:stretch>
-        </p:blipFill>
-        <p:spPr>
-          <a:xfrm>
-            <a:off x="0" y="0"/>
-            <a:ext cx="12192000" cy="6858000"/>
-          </a:xfrm>
-          <a:prstGeom prst="rect">
-            <a:avLst/>
-          </a:prstGeom>
-        </p:spPr>
-      </p:pic>
-      <p:sp>
-        <p:nvSpPr>
-          <p:cNvPr id="23" name="流程图: 卡片 22"/>
-          <p:cNvSpPr/>
-          <p:nvPr/>
-        </p:nvSpPr>
-        <p:spPr>
-          <a:xfrm flipH="1" flipV="1">
-            <a:off x="5316920" y="2204305"/>
-            <a:ext cx="6875080" cy="2520000"/>
-          </a:xfrm>
-          <a:prstGeom prst="flowChartPunchedCard">
-            <a:avLst/>
-          </a:prstGeom>
-          <a:solidFill>
-            <a:srgbClr val="002060"/>
-          </a:solidFill>
-          <a:ln>
-            <a:noFill/>
-          </a:ln>
-          <a:effectLst/>
-        </p:spPr>
-        <p:style>
-          <a:lnRef idx="2">
-            <a:schemeClr val="accent1">
-              <a:shade val="50000"/>
-            </a:schemeClr>
-          </a:lnRef>
-          <a:fillRef idx="1">
-            <a:schemeClr val="accent1"/>
-          </a:fillRef>
-          <a:effectRef idx="0">
-            <a:schemeClr val="accent1"/>
-          </a:effectRef>
-          <a:fontRef idx="minor">
-            <a:schemeClr val="lt1"/>
-          </a:fontRef>
-        </p:style>
-        <p:txBody>
-          <a:bodyPr rtlCol="0" anchor="ctr"/>
-          <a:lstStyle/>
-          <a:p>
-            <a:pPr algn="ctr"/>
-            <a:endParaRPr lang="zh-CN" altLang="en-US"/>
-          </a:p>
-        </p:txBody>
-      </p:sp>
-      <p:sp>
-        <p:nvSpPr>
-          <p:cNvPr id="10" name="任意多边形 9"/>
-          <p:cNvSpPr/>
-          <p:nvPr/>
-        </p:nvSpPr>
-        <p:spPr>
-          <a:xfrm>
-            <a:off x="4451448" y="2190450"/>
-            <a:ext cx="720000" cy="2520000"/>
-          </a:xfrm>
-          <a:custGeom>
-            <a:avLst/>
-            <a:gdLst/>
-            <a:ahLst/>
-            <a:cxnLst/>
-            <a:rect l="l" t="t" r="r" b="b"/>
-            <a:pathLst>
-              <a:path w="720000" h="2520000">
-                <a:moveTo>
-                  <a:pt x="531854" y="89764"/>
-                </a:moveTo>
-                <a:lnTo>
-                  <a:pt x="125832" y="563456"/>
-                </a:lnTo>
-                <a:lnTo>
-                  <a:pt x="125832" y="602524"/>
-                </a:lnTo>
-                <a:lnTo>
-                  <a:pt x="230477" y="602524"/>
-                </a:lnTo>
-                <a:lnTo>
-                  <a:pt x="230477" y="2382880"/>
-                </a:lnTo>
-                <a:lnTo>
-                  <a:pt x="531854" y="2382880"/>
-                </a:lnTo>
-                <a:close/>
-                <a:moveTo>
-                  <a:pt x="0" y="0"/>
-                </a:moveTo>
-                <a:lnTo>
-                  <a:pt x="720000" y="0"/>
-                </a:lnTo>
-                <a:lnTo>
-                  <a:pt x="720000" y="2520000"/>
-                </a:lnTo>
-                <a:lnTo>
-                  <a:pt x="0" y="2520000"/>
-                </a:lnTo>
-                <a:close/>
-              </a:path>
-            </a:pathLst>
-          </a:custGeom>
-          <a:solidFill>
-            <a:srgbClr val="002060"/>
-          </a:solidFill>
-          <a:ln>
-            <a:solidFill>
-              <a:srgbClr val="002060"/>
-            </a:solidFill>
-          </a:ln>
-        </p:spPr>
-        <p:style>
-          <a:lnRef idx="2">
-            <a:schemeClr val="accent1">
-              <a:shade val="50000"/>
-            </a:schemeClr>
-          </a:lnRef>
-          <a:fillRef idx="1">
-            <a:schemeClr val="accent1"/>
-          </a:fillRef>
-          <a:effectRef idx="0">
-            <a:schemeClr val="accent1"/>
-          </a:effectRef>
-          <a:fontRef idx="minor">
-            <a:schemeClr val="lt1"/>
-          </a:fontRef>
-        </p:style>
-        <p:txBody>
-          <a:bodyPr rtlCol="0" anchor="ctr"/>
-          <a:lstStyle/>
-          <a:p>
-            <a:pPr algn="ctr"/>
-            <a:endParaRPr lang="zh-CN" altLang="en-US"/>
-          </a:p>
-        </p:txBody>
-      </p:sp>
-      <p:sp>
-        <p:nvSpPr>
-          <p:cNvPr id="13" name="文本框 12"/>
-          <p:cNvSpPr txBox="1"/>
-          <p:nvPr/>
-        </p:nvSpPr>
-        <p:spPr>
-          <a:xfrm>
-            <a:off x="5625413" y="3099180"/>
-            <a:ext cx="3441314" cy="769441"/>
-          </a:xfrm>
-          <a:prstGeom prst="rect">
-            <a:avLst/>
-          </a:prstGeom>
-          <a:noFill/>
-        </p:spPr>
-        <p:txBody>
-          <a:bodyPr wrap="square" rtlCol="0">
-            <a:spAutoFit/>
-          </a:bodyPr>
-          <a:lstStyle/>
-          <a:p>
-            <a:pPr algn="ctr"/>
-            <a:r>
-              <a:rPr lang="zh-CN" altLang="en-US" sz="4400" dirty="0" smtClean="0">
-                <a:solidFill>
-                  <a:schemeClr val="bg1"/>
-                </a:solidFill>
-                <a:latin typeface="微软雅黑" panose="020B0503020204020204" pitchFamily="34" charset="-122"/>
-                <a:ea typeface="微软雅黑" panose="020B0503020204020204" pitchFamily="34" charset="-122"/>
-              </a:rPr>
-              <a:t>表结构设计</a:t>
-            </a:r>
-            <a:endParaRPr lang="zh-CN" altLang="en-US" sz="4400" dirty="0">
-              <a:solidFill>
-                <a:schemeClr val="bg1"/>
-              </a:solidFill>
-              <a:latin typeface="微软雅黑" panose="020B0503020204020204" pitchFamily="34" charset="-122"/>
-              <a:ea typeface="微软雅黑" panose="020B0503020204020204" pitchFamily="34" charset="-122"/>
-            </a:endParaRPr>
-          </a:p>
-        </p:txBody>
-      </p:sp>
-      <p:sp>
-        <p:nvSpPr>
-          <p:cNvPr id="7" name="文本框 6"/>
-          <p:cNvSpPr txBox="1"/>
-          <p:nvPr/>
-        </p:nvSpPr>
-        <p:spPr>
-          <a:xfrm>
-            <a:off x="267496" y="1853079"/>
-            <a:ext cx="3916457" cy="1862048"/>
-          </a:xfrm>
-          <a:prstGeom prst="rect">
-            <a:avLst/>
-          </a:prstGeom>
-          <a:noFill/>
-        </p:spPr>
-        <p:txBody>
-          <a:bodyPr wrap="none" rtlCol="0">
-            <a:spAutoFit/>
-          </a:bodyPr>
-          <a:lstStyle/>
-          <a:p>
-            <a:r>
-              <a:rPr lang="en-US" altLang="zh-CN" sz="11500" dirty="0" smtClean="0">
-                <a:solidFill>
-                  <a:schemeClr val="tx1">
-                    <a:lumMod val="50000"/>
-                    <a:lumOff val="50000"/>
-                  </a:schemeClr>
-                </a:solidFill>
-                <a:latin typeface="苹方 细体" panose="020B0200000000000000" pitchFamily="34" charset="-122"/>
-                <a:ea typeface="苹方 细体" panose="020B0200000000000000" pitchFamily="34" charset="-122"/>
-              </a:rPr>
-              <a:t>PART</a:t>
-            </a:r>
-            <a:endParaRPr lang="zh-CN" altLang="en-US" sz="11500" dirty="0">
-              <a:solidFill>
-                <a:schemeClr val="tx1">
-                  <a:lumMod val="50000"/>
-                  <a:lumOff val="50000"/>
-                </a:schemeClr>
-              </a:solidFill>
-              <a:latin typeface="苹方 细体" panose="020B0200000000000000" pitchFamily="34" charset="-122"/>
-              <a:ea typeface="苹方 细体" panose="020B0200000000000000" pitchFamily="34" charset="-122"/>
-            </a:endParaRPr>
-          </a:p>
-        </p:txBody>
-      </p:sp>
-      <p:sp>
-        <p:nvSpPr>
-          <p:cNvPr id="16" name="文本框 15"/>
-          <p:cNvSpPr txBox="1"/>
-          <p:nvPr/>
-        </p:nvSpPr>
-        <p:spPr>
-          <a:xfrm>
-            <a:off x="267496" y="3576578"/>
-            <a:ext cx="2757486" cy="1569660"/>
-          </a:xfrm>
-          <a:prstGeom prst="rect">
-            <a:avLst/>
-          </a:prstGeom>
-          <a:noFill/>
-        </p:spPr>
-        <p:txBody>
-          <a:bodyPr wrap="none" rtlCol="0">
-            <a:spAutoFit/>
-          </a:bodyPr>
-          <a:lstStyle/>
-          <a:p>
-            <a:r>
-              <a:rPr lang="en-US" altLang="zh-CN" sz="9600" dirty="0" smtClean="0">
-                <a:solidFill>
-                  <a:schemeClr val="tx1">
-                    <a:lumMod val="50000"/>
-                    <a:lumOff val="50000"/>
-                  </a:schemeClr>
-                </a:solidFill>
-                <a:latin typeface="苹方 细体" panose="020B0200000000000000" pitchFamily="34" charset="-122"/>
-                <a:ea typeface="苹方 细体" panose="020B0200000000000000" pitchFamily="34" charset="-122"/>
-              </a:rPr>
-              <a:t>ONE</a:t>
-            </a:r>
-            <a:endParaRPr lang="zh-CN" altLang="en-US" sz="9600" dirty="0">
-              <a:solidFill>
-                <a:schemeClr val="tx1">
-                  <a:lumMod val="50000"/>
-                  <a:lumOff val="50000"/>
-                </a:schemeClr>
-              </a:solidFill>
-              <a:latin typeface="苹方 细体" panose="020B0200000000000000" pitchFamily="34" charset="-122"/>
-              <a:ea typeface="苹方 细体" panose="020B0200000000000000" pitchFamily="34" charset="-122"/>
-            </a:endParaRPr>
-          </a:p>
-        </p:txBody>
-      </p:sp>
-      <p:sp>
-        <p:nvSpPr>
-          <p:cNvPr id="9" name="文本框 8"/>
-          <p:cNvSpPr txBox="1"/>
-          <p:nvPr/>
-        </p:nvSpPr>
-        <p:spPr>
-          <a:xfrm>
-            <a:off x="5405501" y="6359949"/>
-            <a:ext cx="1408719" cy="276999"/>
-          </a:xfrm>
-          <a:prstGeom prst="rect">
-            <a:avLst/>
-          </a:prstGeom>
-          <a:noFill/>
-        </p:spPr>
-        <p:txBody>
-          <a:bodyPr wrap="none" rtlCol="0">
-            <a:spAutoFit/>
-          </a:bodyPr>
-          <a:lstStyle/>
-          <a:p>
-            <a:pPr algn="ctr"/>
-            <a:r>
-              <a:rPr lang="en-US" altLang="zh-CN" sz="1200" dirty="0">
-                <a:solidFill>
-                  <a:srgbClr val="404040"/>
-                </a:solidFill>
-                <a:latin typeface="微软雅黑" panose="020B0503020204020204" pitchFamily="34" charset="-122"/>
-                <a:ea typeface="微软雅黑" panose="020B0503020204020204" pitchFamily="34" charset="-122"/>
-              </a:rPr>
-              <a:t>ROAS 2016/8/28</a:t>
-            </a:r>
-            <a:endParaRPr lang="zh-CN" altLang="en-US" sz="1200" dirty="0">
-              <a:solidFill>
-                <a:srgbClr val="404040"/>
-              </a:solidFill>
-              <a:latin typeface="微软雅黑" panose="020B0503020204020204" pitchFamily="34" charset="-122"/>
-              <a:ea typeface="微软雅黑" panose="020B0503020204020204" pitchFamily="34" charset="-122"/>
-            </a:endParaRPr>
-          </a:p>
-        </p:txBody>
-      </p:sp>
-    </p:spTree>
-    <p:extLst>
-      <p:ext uri="{BB962C8B-B14F-4D97-AF65-F5344CB8AC3E}">
-        <p14:creationId xmlns:p14="http://schemas.microsoft.com/office/powerpoint/2010/main" val="1598093936"/>
-      </p:ext>
-    </p:extLst>
-  </p:cSld>
-  <p:clrMapOvr>
-    <a:masterClrMapping/>
-  </p:clrMapOvr>
-  <mc:AlternateContent xmlns:mc="http://schemas.openxmlformats.org/markup-compatibility/2006" xmlns:p15="http://schemas.microsoft.com/office/powerpoint/2012/main">
-    <mc:Choice Requires="p15">
-      <p:transition xmlns:p14="http://schemas.microsoft.com/office/powerpoint/2010/main" spd="slow" p14:dur="1250" advClick="0">
-        <p15:prstTrans prst="pageCurlDouble"/>
-      </p:transition>
-    </mc:Choice>
-    <mc:Fallback xmlns="">
-      <p:transition spd="slow" advClick="0">
-        <p:fade/>
-      </p:transition>
-    </mc:Fallback>
-  </mc:AlternateContent>
   <p:timing>
     <p:tnLst>
       <p:par>
@@ -16077,7 +19222,7 @@
           <a:blip r:embed="rId2">
             <a:extLst>
               <a:ext uri="{28A0092B-C50C-407E-A947-70E740481C1C}">
-                <a14:useLocalDpi xmlns:a14="http://schemas.microsoft.com/office/drawing/2010/main" val="0"/>
+                <a14:useLocalDpi xmlns:a14="http://schemas.microsoft.com/office/drawing/2010/main" xmlns="" val="0"/>
               </a:ext>
             </a:extLst>
           </a:blip>
@@ -17468,14 +20613,14 @@
           </a:ln>
           <a:extLst>
             <a:ext uri="{909E8E84-426E-40DD-AFC4-6F175D3DCCD1}">
-              <a14:hiddenFill xmlns:a14="http://schemas.microsoft.com/office/drawing/2010/main">
+              <a14:hiddenFill xmlns:a14="http://schemas.microsoft.com/office/drawing/2010/main" xmlns="">
                 <a:solidFill>
                   <a:srgbClr val="FFFFFF"/>
                 </a:solidFill>
               </a14:hiddenFill>
             </a:ext>
             <a:ext uri="{91240B29-F687-4F45-9708-019B960494DF}">
-              <a14:hiddenLine xmlns:a14="http://schemas.microsoft.com/office/drawing/2010/main" w="9525">
+              <a14:hiddenLine xmlns:a14="http://schemas.microsoft.com/office/drawing/2010/main" xmlns="" w="9525">
                 <a:solidFill>
                   <a:srgbClr val="000000"/>
                 </a:solidFill>
@@ -18090,14 +21235,14 @@
           </a:ln>
           <a:extLst>
             <a:ext uri="{909E8E84-426E-40DD-AFC4-6F175D3DCCD1}">
-              <a14:hiddenFill xmlns:a14="http://schemas.microsoft.com/office/drawing/2010/main">
+              <a14:hiddenFill xmlns:a14="http://schemas.microsoft.com/office/drawing/2010/main" xmlns="">
                 <a:solidFill>
                   <a:srgbClr val="FFFFFF"/>
                 </a:solidFill>
               </a14:hiddenFill>
             </a:ext>
             <a:ext uri="{91240B29-F687-4F45-9708-019B960494DF}">
-              <a14:hiddenLine xmlns:a14="http://schemas.microsoft.com/office/drawing/2010/main" w="9525">
+              <a14:hiddenLine xmlns:a14="http://schemas.microsoft.com/office/drawing/2010/main" xmlns="" w="9525">
                 <a:solidFill>
                   <a:srgbClr val="000000"/>
                 </a:solidFill>
@@ -18719,17 +21864,7 @@
                 <a:latin typeface="微软雅黑" panose="020B0503020204020204" pitchFamily="34" charset="-122"/>
                 <a:ea typeface="微软雅黑" panose="020B0503020204020204" pitchFamily="34" charset="-122"/>
               </a:rPr>
-              <a:t>             </a:t>
-            </a:r>
-            <a:r>
-              <a:rPr lang="zh-CN" altLang="en-US" sz="2400" dirty="0" smtClean="0">
-                <a:solidFill>
-                  <a:schemeClr val="bg1"/>
-                </a:solidFill>
-                <a:latin typeface="微软雅黑" panose="020B0503020204020204" pitchFamily="34" charset="-122"/>
-                <a:ea typeface="微软雅黑" panose="020B0503020204020204" pitchFamily="34" charset="-122"/>
-              </a:rPr>
-              <a:t>表结构设计</a:t>
+              <a:t>             表结构设计</a:t>
             </a:r>
             <a:endParaRPr lang="zh-CN" altLang="en-US" sz="2400" dirty="0">
               <a:solidFill>
@@ -18973,7 +22108,7 @@
     </p:spTree>
     <p:extLst>
       <p:ext uri="{BB962C8B-B14F-4D97-AF65-F5344CB8AC3E}">
-        <p14:creationId xmlns:p14="http://schemas.microsoft.com/office/powerpoint/2010/main" val="2147995864"/>
+        <p14:creationId xmlns:p14="http://schemas.microsoft.com/office/powerpoint/2010/main" xmlns="" val="2147995864"/>
       </p:ext>
     </p:extLst>
   </p:cSld>
@@ -18981,7 +22116,7 @@
     <a:masterClrMapping/>
   </p:clrMapOvr>
   <mc:AlternateContent xmlns:mc="http://schemas.openxmlformats.org/markup-compatibility/2006">
-    <mc:Choice xmlns:p15="http://schemas.microsoft.com/office/powerpoint/2012/main" Requires="p15">
+    <mc:Choice xmlns:p15="http://schemas.microsoft.com/office/powerpoint/2012/main" xmlns="" Requires="p15">
       <p:transition xmlns:p14="http://schemas.microsoft.com/office/powerpoint/2010/main" spd="slow" p14:dur="1250" advClick="0">
         <p15:prstTrans prst="peelOff"/>
       </p:transition>
@@ -19031,7 +22166,7 @@
           <a:blip r:embed="rId2">
             <a:extLst>
               <a:ext uri="{28A0092B-C50C-407E-A947-70E740481C1C}">
-                <a14:useLocalDpi xmlns:a14="http://schemas.microsoft.com/office/drawing/2010/main" val="0"/>
+                <a14:useLocalDpi xmlns:a14="http://schemas.microsoft.com/office/drawing/2010/main" xmlns="" val="0"/>
               </a:ext>
             </a:extLst>
           </a:blip>
@@ -19127,17 +22262,7 @@
                 <a:latin typeface="苹方 细体" panose="020B0200000000000000" pitchFamily="34" charset="-122"/>
                 <a:ea typeface="苹方 细体" panose="020B0200000000000000" pitchFamily="34" charset="-122"/>
               </a:rPr>
-              <a:t>             </a:t>
-            </a:r>
-            <a:r>
-              <a:rPr lang="zh-CN" altLang="en-US" sz="2400" dirty="0" smtClean="0">
-                <a:solidFill>
-                  <a:schemeClr val="bg1"/>
-                </a:solidFill>
-                <a:latin typeface="苹方 细体" panose="020B0200000000000000" pitchFamily="34" charset="-122"/>
-                <a:ea typeface="苹方 细体" panose="020B0200000000000000" pitchFamily="34" charset="-122"/>
-              </a:rPr>
-              <a:t>表结构设计</a:t>
+              <a:t>             表结构设计</a:t>
             </a:r>
             <a:endParaRPr lang="zh-CN" altLang="en-US" sz="2400" dirty="0">
               <a:solidFill>
@@ -19183,16 +22308,6 @@
               </a:rPr>
               <a:t>逻辑视图</a:t>
             </a:r>
-            <a:endParaRPr lang="zh-CN" altLang="en-US" dirty="0">
-              <a:solidFill>
-                <a:schemeClr val="tx1">
-                  <a:lumMod val="75000"/>
-                  <a:lumOff val="25000"/>
-                </a:schemeClr>
-              </a:solidFill>
-              <a:latin typeface="微软雅黑" panose="020B0503020204020204" pitchFamily="34" charset="-122"/>
-              <a:ea typeface="微软雅黑" panose="020B0503020204020204" pitchFamily="34" charset="-122"/>
-            </a:endParaRPr>
           </a:p>
         </p:txBody>
       </p:sp>
@@ -19229,7 +22344,7 @@
     </p:spTree>
     <p:extLst>
       <p:ext uri="{BB962C8B-B14F-4D97-AF65-F5344CB8AC3E}">
-        <p14:creationId xmlns:p14="http://schemas.microsoft.com/office/powerpoint/2010/main" val="3215190093"/>
+        <p14:creationId xmlns:p14="http://schemas.microsoft.com/office/powerpoint/2010/main" xmlns="" val="3215190093"/>
       </p:ext>
     </p:extLst>
   </p:cSld>
@@ -19237,7 +22352,7 @@
     <a:masterClrMapping/>
   </p:clrMapOvr>
   <mc:AlternateContent xmlns:mc="http://schemas.openxmlformats.org/markup-compatibility/2006">
-    <mc:Choice xmlns:p14="http://schemas.microsoft.com/office/powerpoint/2010/main" Requires="p14">
+    <mc:Choice xmlns:p14="http://schemas.microsoft.com/office/powerpoint/2010/main" xmlns="" Requires="p14">
       <p:transition spd="slow" p14:dur="2500" advClick="0">
         <p:checker/>
       </p:transition>
@@ -19287,7 +22402,7 @@
           <a:blip r:embed="rId2">
             <a:extLst>
               <a:ext uri="{28A0092B-C50C-407E-A947-70E740481C1C}">
-                <a14:useLocalDpi xmlns:a14="http://schemas.microsoft.com/office/drawing/2010/main" val="0"/>
+                <a14:useLocalDpi xmlns:a14="http://schemas.microsoft.com/office/drawing/2010/main" xmlns="" val="0"/>
               </a:ext>
             </a:extLst>
           </a:blip>
@@ -19383,17 +22498,7 @@
                 <a:latin typeface="苹方 细体" panose="020B0200000000000000" pitchFamily="34" charset="-122"/>
                 <a:ea typeface="苹方 细体" panose="020B0200000000000000" pitchFamily="34" charset="-122"/>
               </a:rPr>
-              <a:t>             </a:t>
-            </a:r>
-            <a:r>
-              <a:rPr lang="zh-CN" altLang="en-US" sz="2400" dirty="0" smtClean="0">
-                <a:solidFill>
-                  <a:schemeClr val="bg1"/>
-                </a:solidFill>
-                <a:latin typeface="苹方 细体" panose="020B0200000000000000" pitchFamily="34" charset="-122"/>
-                <a:ea typeface="苹方 细体" panose="020B0200000000000000" pitchFamily="34" charset="-122"/>
-              </a:rPr>
-              <a:t>表结构设计</a:t>
+              <a:t>             表结构设计</a:t>
             </a:r>
             <a:endParaRPr lang="zh-CN" altLang="en-US" sz="2400" dirty="0">
               <a:solidFill>
@@ -19961,7 +23066,7 @@
     </p:spTree>
     <p:extLst>
       <p:ext uri="{BB962C8B-B14F-4D97-AF65-F5344CB8AC3E}">
-        <p14:creationId xmlns:p14="http://schemas.microsoft.com/office/powerpoint/2010/main" val="653714095"/>
+        <p14:creationId xmlns:p14="http://schemas.microsoft.com/office/powerpoint/2010/main" xmlns="" val="653714095"/>
       </p:ext>
     </p:extLst>
   </p:cSld>
@@ -19969,7 +23074,7 @@
     <a:masterClrMapping/>
   </p:clrMapOvr>
   <mc:AlternateContent xmlns:mc="http://schemas.openxmlformats.org/markup-compatibility/2006">
-    <mc:Choice xmlns:p14="http://schemas.microsoft.com/office/powerpoint/2010/main" Requires="p14">
+    <mc:Choice xmlns:p14="http://schemas.microsoft.com/office/powerpoint/2010/main" xmlns="" Requires="p14">
       <p:transition spd="slow" p14:dur="2500" advClick="0">
         <p:checker/>
       </p:transition>
@@ -20019,7 +23124,7 @@
           <a:blip r:embed="rId2">
             <a:extLst>
               <a:ext uri="{28A0092B-C50C-407E-A947-70E740481C1C}">
-                <a14:useLocalDpi xmlns:a14="http://schemas.microsoft.com/office/drawing/2010/main" val="0"/>
+                <a14:useLocalDpi xmlns:a14="http://schemas.microsoft.com/office/drawing/2010/main" xmlns="" val="0"/>
               </a:ext>
             </a:extLst>
           </a:blip>
@@ -20115,17 +23220,7 @@
                 <a:latin typeface="苹方 细体" panose="020B0200000000000000" pitchFamily="34" charset="-122"/>
                 <a:ea typeface="苹方 细体" panose="020B0200000000000000" pitchFamily="34" charset="-122"/>
               </a:rPr>
-              <a:t>             </a:t>
-            </a:r>
-            <a:r>
-              <a:rPr lang="zh-CN" altLang="en-US" sz="2400" dirty="0" smtClean="0">
-                <a:solidFill>
-                  <a:schemeClr val="bg1"/>
-                </a:solidFill>
-                <a:latin typeface="苹方 细体" panose="020B0200000000000000" pitchFamily="34" charset="-122"/>
-                <a:ea typeface="苹方 细体" panose="020B0200000000000000" pitchFamily="34" charset="-122"/>
-              </a:rPr>
-              <a:t>表结构设计</a:t>
+              <a:t>             表结构设计</a:t>
             </a:r>
             <a:endParaRPr lang="zh-CN" altLang="en-US" sz="2400" dirty="0">
               <a:solidFill>
@@ -20622,6 +23717,57 @@
               </a:rPr>
               <a:t>大小：</a:t>
             </a:r>
+          </a:p>
+        </p:txBody>
+      </p:sp>
+      <p:sp>
+        <p:nvSpPr>
+          <p:cNvPr id="6" name="文本框 5"/>
+          <p:cNvSpPr txBox="1"/>
+          <p:nvPr/>
+        </p:nvSpPr>
+        <p:spPr>
+          <a:xfrm>
+            <a:off x="862885" y="3625576"/>
+            <a:ext cx="1815921" cy="369332"/>
+          </a:xfrm>
+          <a:prstGeom prst="rect">
+            <a:avLst/>
+          </a:prstGeom>
+          <a:noFill/>
+        </p:spPr>
+        <p:txBody>
+          <a:bodyPr wrap="square" rtlCol="0">
+            <a:spAutoFit/>
+          </a:bodyPr>
+          <a:lstStyle/>
+          <a:p>
+            <a:r>
+              <a:rPr lang="zh-CN" altLang="en-US" dirty="0" smtClean="0">
+                <a:solidFill>
+                  <a:schemeClr val="tx1">
+                    <a:lumMod val="75000"/>
+                    <a:lumOff val="25000"/>
+                  </a:schemeClr>
+                </a:solidFill>
+                <a:latin typeface="微软雅黑" panose="020B0503020204020204" pitchFamily="34" charset="-122"/>
+                <a:ea typeface="微软雅黑" panose="020B0503020204020204" pitchFamily="34" charset="-122"/>
+              </a:rPr>
+              <a:t>排序</a:t>
+            </a:r>
+            <a:r>
+              <a:rPr lang="en-US" altLang="zh-CN" dirty="0" smtClean="0">
+                <a:solidFill>
+                  <a:schemeClr val="tx1">
+                    <a:lumMod val="75000"/>
+                    <a:lumOff val="25000"/>
+                  </a:schemeClr>
+                </a:solidFill>
+                <a:latin typeface="微软雅黑" panose="020B0503020204020204" pitchFamily="34" charset="-122"/>
+                <a:ea typeface="微软雅黑" panose="020B0503020204020204" pitchFamily="34" charset="-122"/>
+              </a:rPr>
+              <a:t>:</a:t>
+            </a:r>
             <a:endParaRPr lang="zh-CN" altLang="en-US" dirty="0">
               <a:solidFill>
                 <a:schemeClr val="tx1">
@@ -20635,71 +23781,10 @@
           </a:p>
         </p:txBody>
       </p:sp>
-      <p:sp>
-        <p:nvSpPr>
-          <p:cNvPr id="6" name="文本框 5"/>
-          <p:cNvSpPr txBox="1"/>
-          <p:nvPr/>
-        </p:nvSpPr>
-        <p:spPr>
-          <a:xfrm>
-            <a:off x="862885" y="3625576"/>
-            <a:ext cx="1815921" cy="369332"/>
-          </a:xfrm>
-          <a:prstGeom prst="rect">
-            <a:avLst/>
-          </a:prstGeom>
-          <a:noFill/>
-        </p:spPr>
-        <p:txBody>
-          <a:bodyPr wrap="square" rtlCol="0">
-            <a:spAutoFit/>
-          </a:bodyPr>
-          <a:lstStyle/>
-          <a:p>
-            <a:r>
-              <a:rPr lang="zh-CN" altLang="en-US" dirty="0" smtClean="0">
-                <a:solidFill>
-                  <a:schemeClr val="tx1">
-                    <a:lumMod val="75000"/>
-                    <a:lumOff val="25000"/>
-                  </a:schemeClr>
-                </a:solidFill>
-                <a:latin typeface="微软雅黑" panose="020B0503020204020204" pitchFamily="34" charset="-122"/>
-                <a:ea typeface="微软雅黑" panose="020B0503020204020204" pitchFamily="34" charset="-122"/>
-              </a:rPr>
-              <a:t>排序</a:t>
-            </a:r>
-            <a:r>
-              <a:rPr lang="en-US" altLang="zh-CN" dirty="0" smtClean="0">
-                <a:solidFill>
-                  <a:schemeClr val="tx1">
-                    <a:lumMod val="75000"/>
-                    <a:lumOff val="25000"/>
-                  </a:schemeClr>
-                </a:solidFill>
-                <a:latin typeface="微软雅黑" panose="020B0503020204020204" pitchFamily="34" charset="-122"/>
-                <a:ea typeface="微软雅黑" panose="020B0503020204020204" pitchFamily="34" charset="-122"/>
-              </a:rPr>
-              <a:t>:</a:t>
-            </a:r>
-            <a:endParaRPr lang="zh-CN" altLang="en-US" dirty="0">
-              <a:solidFill>
-                <a:schemeClr val="tx1">
-                  <a:lumMod val="75000"/>
-                  <a:lumOff val="25000"/>
-                </a:schemeClr>
-              </a:solidFill>
-              <a:latin typeface="微软雅黑" panose="020B0503020204020204" pitchFamily="34" charset="-122"/>
-              <a:ea typeface="微软雅黑" panose="020B0503020204020204" pitchFamily="34" charset="-122"/>
-            </a:endParaRPr>
-          </a:p>
-        </p:txBody>
-      </p:sp>
     </p:spTree>
     <p:extLst>
       <p:ext uri="{BB962C8B-B14F-4D97-AF65-F5344CB8AC3E}">
-        <p14:creationId xmlns:p14="http://schemas.microsoft.com/office/powerpoint/2010/main" val="3348459047"/>
+        <p14:creationId xmlns:p14="http://schemas.microsoft.com/office/powerpoint/2010/main" xmlns="" val="3348459047"/>
       </p:ext>
     </p:extLst>
   </p:cSld>
@@ -20707,7 +23792,7 @@
     <a:masterClrMapping/>
   </p:clrMapOvr>
   <mc:AlternateContent xmlns:mc="http://schemas.openxmlformats.org/markup-compatibility/2006">
-    <mc:Choice xmlns:p14="http://schemas.microsoft.com/office/powerpoint/2010/main" Requires="p14">
+    <mc:Choice xmlns:p14="http://schemas.microsoft.com/office/powerpoint/2010/main" xmlns="" Requires="p14">
       <p:transition spd="slow" p14:dur="2500" advClick="0">
         <p:checker/>
       </p:transition>
@@ -20757,7 +23842,7 @@
           <a:blip r:embed="rId2">
             <a:extLst>
               <a:ext uri="{28A0092B-C50C-407E-A947-70E740481C1C}">
-                <a14:useLocalDpi xmlns:a14="http://schemas.microsoft.com/office/drawing/2010/main" val="0"/>
+                <a14:useLocalDpi xmlns:a14="http://schemas.microsoft.com/office/drawing/2010/main" xmlns="" val="0"/>
               </a:ext>
             </a:extLst>
           </a:blip>
@@ -20853,17 +23938,7 @@
                 <a:latin typeface="苹方 细体" panose="020B0200000000000000" pitchFamily="34" charset="-122"/>
                 <a:ea typeface="苹方 细体" panose="020B0200000000000000" pitchFamily="34" charset="-122"/>
               </a:rPr>
-              <a:t>             </a:t>
-            </a:r>
-            <a:r>
-              <a:rPr lang="zh-CN" altLang="en-US" sz="2400" dirty="0" smtClean="0">
-                <a:solidFill>
-                  <a:schemeClr val="bg1"/>
-                </a:solidFill>
-                <a:latin typeface="苹方 细体" panose="020B0200000000000000" pitchFamily="34" charset="-122"/>
-                <a:ea typeface="苹方 细体" panose="020B0200000000000000" pitchFamily="34" charset="-122"/>
-              </a:rPr>
-              <a:t>表结构设计</a:t>
+              <a:t>             表结构设计</a:t>
             </a:r>
             <a:endParaRPr lang="zh-CN" altLang="en-US" sz="2400" dirty="0">
               <a:solidFill>
@@ -21090,7 +24165,7 @@
     </p:spTree>
     <p:extLst>
       <p:ext uri="{BB962C8B-B14F-4D97-AF65-F5344CB8AC3E}">
-        <p14:creationId xmlns:p14="http://schemas.microsoft.com/office/powerpoint/2010/main" val="942614305"/>
+        <p14:creationId xmlns:p14="http://schemas.microsoft.com/office/powerpoint/2010/main" xmlns="" val="942614305"/>
       </p:ext>
     </p:extLst>
   </p:cSld>
@@ -21098,7 +24173,7 @@
     <a:masterClrMapping/>
   </p:clrMapOvr>
   <mc:AlternateContent xmlns:mc="http://schemas.openxmlformats.org/markup-compatibility/2006">
-    <mc:Choice xmlns:p14="http://schemas.microsoft.com/office/powerpoint/2010/main" Requires="p14">
+    <mc:Choice xmlns:p14="http://schemas.microsoft.com/office/powerpoint/2010/main" xmlns="" Requires="p14">
       <p:transition spd="slow" p14:dur="2500" advClick="0">
         <p:checker/>
       </p:transition>
@@ -21148,7 +24223,7 @@
           <a:blip r:embed="rId2">
             <a:extLst>
               <a:ext uri="{28A0092B-C50C-407E-A947-70E740481C1C}">
-                <a14:useLocalDpi xmlns:a14="http://schemas.microsoft.com/office/drawing/2010/main" val="0"/>
+                <a14:useLocalDpi xmlns:a14="http://schemas.microsoft.com/office/drawing/2010/main" xmlns="" val="0"/>
               </a:ext>
             </a:extLst>
           </a:blip>
@@ -21244,17 +24319,7 @@
                 <a:latin typeface="苹方 细体" panose="020B0200000000000000" pitchFamily="34" charset="-122"/>
                 <a:ea typeface="苹方 细体" panose="020B0200000000000000" pitchFamily="34" charset="-122"/>
               </a:rPr>
-              <a:t>             </a:t>
-            </a:r>
-            <a:r>
-              <a:rPr lang="zh-CN" altLang="en-US" sz="2400" dirty="0" smtClean="0">
-                <a:solidFill>
-                  <a:schemeClr val="bg1"/>
-                </a:solidFill>
-                <a:latin typeface="苹方 细体" panose="020B0200000000000000" pitchFamily="34" charset="-122"/>
-                <a:ea typeface="苹方 细体" panose="020B0200000000000000" pitchFamily="34" charset="-122"/>
-              </a:rPr>
-              <a:t>表结构设计</a:t>
+              <a:t>             表结构设计</a:t>
             </a:r>
             <a:endParaRPr lang="zh-CN" altLang="en-US" sz="2400" dirty="0">
               <a:solidFill>
@@ -21471,20 +24536,7 @@
                 <a:latin typeface="微软雅黑" panose="020B0503020204020204" pitchFamily="34" charset="-122"/>
                 <a:ea typeface="微软雅黑" panose="020B0503020204020204" pitchFamily="34" charset="-122"/>
               </a:rPr>
-              <a:t>，必须在使用表之前定义</a:t>
-            </a:r>
-            <a:r>
-              <a:rPr lang="zh-CN" altLang="zh-CN" dirty="0">
-                <a:solidFill>
-                  <a:schemeClr val="tx1">
-                    <a:lumMod val="75000"/>
-                    <a:lumOff val="25000"/>
-                  </a:schemeClr>
-                </a:solidFill>
-                <a:latin typeface="微软雅黑" panose="020B0503020204020204" pitchFamily="34" charset="-122"/>
-                <a:ea typeface="微软雅黑" panose="020B0503020204020204" pitchFamily="34" charset="-122"/>
-              </a:rPr>
-              <a:t>。</a:t>
+              <a:t>，必须在使用表之前定义。</a:t>
             </a:r>
             <a:endParaRPr lang="en-US" altLang="zh-CN" dirty="0">
               <a:solidFill>
@@ -21731,7 +24783,7 @@
     </p:spTree>
     <p:extLst>
       <p:ext uri="{BB962C8B-B14F-4D97-AF65-F5344CB8AC3E}">
-        <p14:creationId xmlns:p14="http://schemas.microsoft.com/office/powerpoint/2010/main" val="2839886400"/>
+        <p14:creationId xmlns:p14="http://schemas.microsoft.com/office/powerpoint/2010/main" xmlns="" val="2839886400"/>
       </p:ext>
     </p:extLst>
   </p:cSld>
@@ -21739,7 +24791,7 @@
     <a:masterClrMapping/>
   </p:clrMapOvr>
   <mc:AlternateContent xmlns:mc="http://schemas.openxmlformats.org/markup-compatibility/2006">
-    <mc:Choice xmlns:p14="http://schemas.microsoft.com/office/powerpoint/2010/main" Requires="p14">
+    <mc:Choice xmlns:p14="http://schemas.microsoft.com/office/powerpoint/2010/main" xmlns="" Requires="p14">
       <p:transition spd="slow" p14:dur="2500" advClick="0">
         <p:checker/>
       </p:transition>
@@ -21803,7 +24855,7 @@
     </a:clrScheme>
     <a:fontScheme name="Office">
       <a:majorFont>
-        <a:latin typeface="Calibri Light" panose="020F0302020204030204"/>
+        <a:latin typeface="Calibri Light"/>
         <a:ea typeface=""/>
         <a:cs typeface=""/>
         <a:font script="Jpan" typeface="ＭＳ Ｐゴシック"/>
@@ -21838,7 +24890,7 @@
         <a:font script="Geor" typeface="Sylfaen"/>
       </a:majorFont>
       <a:minorFont>
-        <a:latin typeface="Calibri" panose="020F0502020204030204"/>
+        <a:latin typeface="Calibri"/>
         <a:ea typeface=""/>
         <a:cs typeface=""/>
         <a:font script="Jpan" typeface="ＭＳ Ｐゴシック"/>
@@ -22015,7 +25067,7 @@
   <a:extraClrSchemeLst/>
   <a:extLst>
     <a:ext uri="{05A4C25C-085E-4340-85A3-A5531E510DB2}">
-      <thm15:themeFamily xmlns:thm15="http://schemas.microsoft.com/office/thememl/2012/main" name="Office Theme" id="{62F939B6-93AF-4DB8-9C6B-D6C7DFDC589F}" vid="{4A3C46E8-61CC-4603-A589-7422A47A8E4A}"/>
+      <thm15:themeFamily xmlns:thm15="http://schemas.microsoft.com/office/thememl/2012/main" xmlns="" name="Office Theme" id="{62F939B6-93AF-4DB8-9C6B-D6C7DFDC589F}" vid="{4A3C46E8-61CC-4603-A589-7422A47A8E4A}"/>
     </a:ext>
   </a:extLst>
 </a:theme>

--- a/Hbase学习分享.pptx
+++ b/Hbase学习分享.pptx
@@ -17,14 +17,14 @@
     <p:sldId id="424" r:id="rId11"/>
     <p:sldId id="425" r:id="rId12"/>
     <p:sldId id="379" r:id="rId13"/>
-    <p:sldId id="428" r:id="rId14"/>
-    <p:sldId id="426" r:id="rId15"/>
-    <p:sldId id="429" r:id="rId16"/>
-    <p:sldId id="431" r:id="rId17"/>
-    <p:sldId id="434" r:id="rId18"/>
-    <p:sldId id="435" r:id="rId19"/>
-    <p:sldId id="436" r:id="rId20"/>
-    <p:sldId id="437" r:id="rId21"/>
+    <p:sldId id="426" r:id="rId14"/>
+    <p:sldId id="429" r:id="rId15"/>
+    <p:sldId id="431" r:id="rId16"/>
+    <p:sldId id="434" r:id="rId17"/>
+    <p:sldId id="435" r:id="rId18"/>
+    <p:sldId id="436" r:id="rId19"/>
+    <p:sldId id="437" r:id="rId20"/>
+    <p:sldId id="452" r:id="rId21"/>
     <p:sldId id="438" r:id="rId22"/>
     <p:sldId id="439" r:id="rId23"/>
     <p:sldId id="442" r:id="rId24"/>
@@ -38,7 +38,7 @@
     <p:sldId id="451" r:id="rId32"/>
     <p:sldId id="440" r:id="rId33"/>
     <p:sldId id="398" r:id="rId34"/>
-    <p:sldId id="441" r:id="rId35"/>
+    <p:sldId id="453" r:id="rId35"/>
     <p:sldId id="385" r:id="rId36"/>
   </p:sldIdLst>
   <p:sldSz cx="12192000" cy="6858000"/>
@@ -299,7 +299,7 @@
             <a:fld id="{264220FB-8DE8-4120-B22F-61CCAE7E7B32}" type="datetimeFigureOut">
               <a:rPr lang="zh-CN" altLang="en-US" smtClean="0"/>
               <a:pPr/>
-              <a:t>2016/9/8</a:t>
+              <a:t>2016/9/13</a:t>
             </a:fld>
             <a:endParaRPr lang="zh-CN" altLang="en-US"/>
           </a:p>
@@ -471,7 +471,7 @@
             <a:fld id="{264220FB-8DE8-4120-B22F-61CCAE7E7B32}" type="datetimeFigureOut">
               <a:rPr lang="zh-CN" altLang="en-US" smtClean="0"/>
               <a:pPr/>
-              <a:t>2016/9/8</a:t>
+              <a:t>2016/9/13</a:t>
             </a:fld>
             <a:endParaRPr lang="zh-CN" altLang="en-US"/>
           </a:p>
@@ -653,7 +653,7 @@
             <a:fld id="{264220FB-8DE8-4120-B22F-61CCAE7E7B32}" type="datetimeFigureOut">
               <a:rPr lang="zh-CN" altLang="en-US" smtClean="0"/>
               <a:pPr/>
-              <a:t>2016/9/8</a:t>
+              <a:t>2016/9/13</a:t>
             </a:fld>
             <a:endParaRPr lang="zh-CN" altLang="en-US"/>
           </a:p>
@@ -825,7 +825,7 @@
             <a:fld id="{264220FB-8DE8-4120-B22F-61CCAE7E7B32}" type="datetimeFigureOut">
               <a:rPr lang="zh-CN" altLang="en-US" smtClean="0"/>
               <a:pPr/>
-              <a:t>2016/9/8</a:t>
+              <a:t>2016/9/13</a:t>
             </a:fld>
             <a:endParaRPr lang="zh-CN" altLang="en-US"/>
           </a:p>
@@ -1073,7 +1073,7 @@
             <a:fld id="{264220FB-8DE8-4120-B22F-61CCAE7E7B32}" type="datetimeFigureOut">
               <a:rPr lang="zh-CN" altLang="en-US" smtClean="0"/>
               <a:pPr/>
-              <a:t>2016/9/8</a:t>
+              <a:t>2016/9/13</a:t>
             </a:fld>
             <a:endParaRPr lang="zh-CN" altLang="en-US"/>
           </a:p>
@@ -1307,7 +1307,7 @@
             <a:fld id="{264220FB-8DE8-4120-B22F-61CCAE7E7B32}" type="datetimeFigureOut">
               <a:rPr lang="zh-CN" altLang="en-US" smtClean="0"/>
               <a:pPr/>
-              <a:t>2016/9/8</a:t>
+              <a:t>2016/9/13</a:t>
             </a:fld>
             <a:endParaRPr lang="zh-CN" altLang="en-US"/>
           </a:p>
@@ -1676,7 +1676,7 @@
             <a:fld id="{264220FB-8DE8-4120-B22F-61CCAE7E7B32}" type="datetimeFigureOut">
               <a:rPr lang="zh-CN" altLang="en-US" smtClean="0"/>
               <a:pPr/>
-              <a:t>2016/9/8</a:t>
+              <a:t>2016/9/13</a:t>
             </a:fld>
             <a:endParaRPr lang="zh-CN" altLang="en-US"/>
           </a:p>
@@ -1796,7 +1796,7 @@
             <a:fld id="{264220FB-8DE8-4120-B22F-61CCAE7E7B32}" type="datetimeFigureOut">
               <a:rPr lang="zh-CN" altLang="en-US" smtClean="0"/>
               <a:pPr/>
-              <a:t>2016/9/8</a:t>
+              <a:t>2016/9/13</a:t>
             </a:fld>
             <a:endParaRPr lang="zh-CN" altLang="en-US"/>
           </a:p>
@@ -1893,7 +1893,7 @@
             <a:fld id="{264220FB-8DE8-4120-B22F-61CCAE7E7B32}" type="datetimeFigureOut">
               <a:rPr lang="zh-CN" altLang="en-US" smtClean="0"/>
               <a:pPr/>
-              <a:t>2016/9/8</a:t>
+              <a:t>2016/9/13</a:t>
             </a:fld>
             <a:endParaRPr lang="zh-CN" altLang="en-US"/>
           </a:p>
@@ -2172,7 +2172,7 @@
             <a:fld id="{264220FB-8DE8-4120-B22F-61CCAE7E7B32}" type="datetimeFigureOut">
               <a:rPr lang="zh-CN" altLang="en-US" smtClean="0"/>
               <a:pPr/>
-              <a:t>2016/9/8</a:t>
+              <a:t>2016/9/13</a:t>
             </a:fld>
             <a:endParaRPr lang="zh-CN" altLang="en-US"/>
           </a:p>
@@ -2427,7 +2427,7 @@
             <a:fld id="{264220FB-8DE8-4120-B22F-61CCAE7E7B32}" type="datetimeFigureOut">
               <a:rPr lang="zh-CN" altLang="en-US" smtClean="0"/>
               <a:pPr/>
-              <a:t>2016/9/8</a:t>
+              <a:t>2016/9/13</a:t>
             </a:fld>
             <a:endParaRPr lang="zh-CN" altLang="en-US"/>
           </a:p>
@@ -2645,7 +2645,7 @@
             <a:fld id="{264220FB-8DE8-4120-B22F-61CCAE7E7B32}" type="datetimeFigureOut">
               <a:rPr lang="zh-CN" altLang="en-US" smtClean="0"/>
               <a:pPr/>
-              <a:t>2016/9/8</a:t>
+              <a:t>2016/9/13</a:t>
             </a:fld>
             <a:endParaRPr lang="zh-CN" altLang="en-US"/>
           </a:p>
@@ -4864,10 +4864,10 @@
                 <a:latin typeface="苹方 细体" panose="020B0200000000000000" pitchFamily="34" charset="-122"/>
                 <a:ea typeface="苹方 细体" panose="020B0200000000000000" pitchFamily="34" charset="-122"/>
               </a:rPr>
-              <a:t>            </a:t>
-            </a:r>
-            <a:r>
-              <a:rPr lang="en-US" altLang="zh-CN" sz="2800" dirty="0" smtClean="0">
+              <a:t>             </a:t>
+            </a:r>
+            <a:r>
+              <a:rPr lang="en-US" altLang="zh-CN" sz="2800" dirty="0">
                 <a:solidFill>
                   <a:schemeClr val="bg1"/>
                 </a:solidFill>
@@ -4877,7 +4877,7 @@
               <a:t>DDL</a:t>
             </a:r>
             <a:r>
-              <a:rPr lang="zh-CN" altLang="en-US" sz="2400" dirty="0" smtClean="0">
+              <a:rPr lang="zh-CN" altLang="en-US" sz="2400" dirty="0">
                 <a:solidFill>
                   <a:schemeClr val="bg1"/>
                 </a:solidFill>
@@ -4920,9 +4920,9 @@
           <a:p>
             <a:r>
               <a:rPr lang="zh-CN" altLang="en-US" sz="2800" b="1" dirty="0" smtClean="0"/>
-              <a:t>连接数据库</a:t>
-            </a:r>
-            <a:endParaRPr lang="zh-CN" altLang="zh-CN" sz="2800" dirty="0"/>
+              <a:t>建表</a:t>
+            </a:r>
+            <a:endParaRPr lang="zh-CN" altLang="zh-CN" sz="2800" b="1" dirty="0"/>
           </a:p>
         </p:txBody>
       </p:sp>
@@ -4934,8 +4934,8 @@
         </p:nvSpPr>
         <p:spPr>
           <a:xfrm>
-            <a:off x="1201493" y="3340016"/>
-            <a:ext cx="9787944" cy="562783"/>
+            <a:off x="1201493" y="2247409"/>
+            <a:ext cx="9787944" cy="646331"/>
           </a:xfrm>
           <a:prstGeom prst="rect">
             <a:avLst/>
@@ -4948,11 +4948,6 @@
           </a:bodyPr>
           <a:lstStyle/>
           <a:p>
-            <a:pPr>
-              <a:lnSpc>
-                <a:spcPct val="200000"/>
-              </a:lnSpc>
-            </a:pPr>
             <a:r>
               <a:rPr lang="en-US" altLang="zh-CN" dirty="0">
                 <a:solidFill>
@@ -4964,10 +4959,10 @@
                 <a:latin typeface="微软雅黑" panose="020B0503020204020204" pitchFamily="34" charset="-122"/>
                 <a:ea typeface="微软雅黑" panose="020B0503020204020204" pitchFamily="34" charset="-122"/>
               </a:rPr>
-              <a:t>Java</a:t>
-            </a:r>
-            <a:r>
-              <a:rPr lang="zh-CN" altLang="en-US" dirty="0">
+              <a:t>shell </a:t>
+            </a:r>
+            <a:r>
+              <a:rPr lang="zh-CN" altLang="zh-CN" dirty="0">
                 <a:solidFill>
                   <a:schemeClr val="tx1">
                     <a:lumMod val="75000"/>
@@ -4978,6 +4973,123 @@
                 <a:ea typeface="微软雅黑" panose="020B0503020204020204" pitchFamily="34" charset="-122"/>
               </a:rPr>
               <a:t>：</a:t>
+            </a:r>
+            <a:r>
+              <a:rPr lang="en-US" altLang="zh-CN" dirty="0">
+                <a:solidFill>
+                  <a:schemeClr val="tx1">
+                    <a:lumMod val="75000"/>
+                    <a:lumOff val="25000"/>
+                  </a:schemeClr>
+                </a:solidFill>
+                <a:latin typeface="微软雅黑" panose="020B0503020204020204" pitchFamily="34" charset="-122"/>
+                <a:ea typeface="微软雅黑" panose="020B0503020204020204" pitchFamily="34" charset="-122"/>
+              </a:rPr>
+              <a:t>create '</a:t>
+            </a:r>
+            <a:r>
+              <a:rPr lang="zh-CN" altLang="zh-CN" dirty="0">
+                <a:solidFill>
+                  <a:schemeClr val="tx1">
+                    <a:lumMod val="75000"/>
+                    <a:lumOff val="25000"/>
+                  </a:schemeClr>
+                </a:solidFill>
+                <a:latin typeface="微软雅黑" panose="020B0503020204020204" pitchFamily="34" charset="-122"/>
+                <a:ea typeface="微软雅黑" panose="020B0503020204020204" pitchFamily="34" charset="-122"/>
+              </a:rPr>
+              <a:t>表名称</a:t>
+            </a:r>
+            <a:r>
+              <a:rPr lang="en-US" altLang="zh-CN" dirty="0">
+                <a:solidFill>
+                  <a:schemeClr val="tx1">
+                    <a:lumMod val="75000"/>
+                    <a:lumOff val="25000"/>
+                  </a:schemeClr>
+                </a:solidFill>
+                <a:latin typeface="微软雅黑" panose="020B0503020204020204" pitchFamily="34" charset="-122"/>
+                <a:ea typeface="微软雅黑" panose="020B0503020204020204" pitchFamily="34" charset="-122"/>
+              </a:rPr>
+              <a:t>', '</a:t>
+            </a:r>
+            <a:r>
+              <a:rPr lang="zh-CN" altLang="zh-CN" dirty="0">
+                <a:solidFill>
+                  <a:schemeClr val="tx1">
+                    <a:lumMod val="75000"/>
+                    <a:lumOff val="25000"/>
+                  </a:schemeClr>
+                </a:solidFill>
+                <a:latin typeface="微软雅黑" panose="020B0503020204020204" pitchFamily="34" charset="-122"/>
+                <a:ea typeface="微软雅黑" panose="020B0503020204020204" pitchFamily="34" charset="-122"/>
+              </a:rPr>
+              <a:t>列名称</a:t>
+            </a:r>
+            <a:r>
+              <a:rPr lang="en-US" altLang="zh-CN" dirty="0">
+                <a:solidFill>
+                  <a:schemeClr val="tx1">
+                    <a:lumMod val="75000"/>
+                    <a:lumOff val="25000"/>
+                  </a:schemeClr>
+                </a:solidFill>
+                <a:latin typeface="微软雅黑" panose="020B0503020204020204" pitchFamily="34" charset="-122"/>
+                <a:ea typeface="微软雅黑" panose="020B0503020204020204" pitchFamily="34" charset="-122"/>
+              </a:rPr>
+              <a:t>1','</a:t>
+            </a:r>
+            <a:r>
+              <a:rPr lang="zh-CN" altLang="zh-CN" dirty="0">
+                <a:solidFill>
+                  <a:schemeClr val="tx1">
+                    <a:lumMod val="75000"/>
+                    <a:lumOff val="25000"/>
+                  </a:schemeClr>
+                </a:solidFill>
+                <a:latin typeface="微软雅黑" panose="020B0503020204020204" pitchFamily="34" charset="-122"/>
+                <a:ea typeface="微软雅黑" panose="020B0503020204020204" pitchFamily="34" charset="-122"/>
+              </a:rPr>
+              <a:t>列名称</a:t>
+            </a:r>
+            <a:r>
+              <a:rPr lang="en-US" altLang="zh-CN" dirty="0">
+                <a:solidFill>
+                  <a:schemeClr val="tx1">
+                    <a:lumMod val="75000"/>
+                    <a:lumOff val="25000"/>
+                  </a:schemeClr>
+                </a:solidFill>
+                <a:latin typeface="微软雅黑" panose="020B0503020204020204" pitchFamily="34" charset="-122"/>
+                <a:ea typeface="微软雅黑" panose="020B0503020204020204" pitchFamily="34" charset="-122"/>
+              </a:rPr>
+              <a:t>2','</a:t>
+            </a:r>
+            <a:r>
+              <a:rPr lang="zh-CN" altLang="zh-CN" dirty="0">
+                <a:solidFill>
+                  <a:schemeClr val="tx1">
+                    <a:lumMod val="75000"/>
+                    <a:lumOff val="25000"/>
+                  </a:schemeClr>
+                </a:solidFill>
+                <a:latin typeface="微软雅黑" panose="020B0503020204020204" pitchFamily="34" charset="-122"/>
+                <a:ea typeface="微软雅黑" panose="020B0503020204020204" pitchFamily="34" charset="-122"/>
+              </a:rPr>
+              <a:t>列名称</a:t>
+            </a:r>
+            <a:r>
+              <a:rPr lang="en-US" altLang="zh-CN" dirty="0">
+                <a:solidFill>
+                  <a:schemeClr val="tx1">
+                    <a:lumMod val="75000"/>
+                    <a:lumOff val="25000"/>
+                  </a:schemeClr>
+                </a:solidFill>
+                <a:latin typeface="微软雅黑" panose="020B0503020204020204" pitchFamily="34" charset="-122"/>
+                <a:ea typeface="微软雅黑" panose="020B0503020204020204" pitchFamily="34" charset="-122"/>
+              </a:rPr>
+              <a:t>N'</a:t>
             </a:r>
             <a:endParaRPr lang="zh-CN" altLang="zh-CN" dirty="0">
               <a:solidFill>
@@ -4990,23 +5102,78 @@
               <a:ea typeface="微软雅黑" panose="020B0503020204020204" pitchFamily="34" charset="-122"/>
             </a:endParaRPr>
           </a:p>
-        </p:txBody>
-      </p:sp>
-      <p:sp>
-        <p:nvSpPr>
-          <p:cNvPr id="4" name="文本框 3"/>
-          <p:cNvSpPr txBox="1"/>
+          <a:p>
+            <a:r>
+              <a:rPr lang="en-US" altLang="zh-CN" dirty="0">
+                <a:solidFill>
+                  <a:schemeClr val="tx1">
+                    <a:lumMod val="75000"/>
+                    <a:lumOff val="25000"/>
+                  </a:schemeClr>
+                </a:solidFill>
+                <a:latin typeface="微软雅黑" panose="020B0503020204020204" pitchFamily="34" charset="-122"/>
+                <a:ea typeface="微软雅黑" panose="020B0503020204020204" pitchFamily="34" charset="-122"/>
+              </a:rPr>
+              <a:t> </a:t>
+            </a:r>
+            <a:endParaRPr lang="zh-CN" altLang="zh-CN" dirty="0">
+              <a:solidFill>
+                <a:schemeClr val="tx1">
+                  <a:lumMod val="75000"/>
+                  <a:lumOff val="25000"/>
+                </a:schemeClr>
+              </a:solidFill>
+              <a:latin typeface="微软雅黑" panose="020B0503020204020204" pitchFamily="34" charset="-122"/>
+              <a:ea typeface="微软雅黑" panose="020B0503020204020204" pitchFamily="34" charset="-122"/>
+            </a:endParaRPr>
+          </a:p>
+        </p:txBody>
+      </p:sp>
+      <p:pic>
+        <p:nvPicPr>
+          <p:cNvPr id="7" name="图片 6"/>
+          <p:cNvPicPr/>
           <p:nvPr/>
-        </p:nvSpPr>
-        <p:spPr>
-          <a:xfrm>
-            <a:off x="1197735" y="2202287"/>
-            <a:ext cx="1635617" cy="369332"/>
+        </p:nvPicPr>
+        <p:blipFill>
+          <a:blip r:embed="rId3"/>
+          <a:srcRect/>
+          <a:stretch>
+            <a:fillRect/>
+          </a:stretch>
+        </p:blipFill>
+        <p:spPr bwMode="auto">
+          <a:xfrm>
+            <a:off x="2130661" y="2893740"/>
+            <a:ext cx="8858776" cy="3313877"/>
           </a:xfrm>
           <a:prstGeom prst="rect">
             <a:avLst/>
           </a:prstGeom>
           <a:noFill/>
+          <a:ln w="9525">
+            <a:noFill/>
+            <a:miter lim="800000"/>
+            <a:headEnd/>
+            <a:tailEnd/>
+          </a:ln>
+        </p:spPr>
+      </p:pic>
+      <p:sp>
+        <p:nvSpPr>
+          <p:cNvPr id="4" name="文本框 3"/>
+          <p:cNvSpPr txBox="1"/>
+          <p:nvPr/>
+        </p:nvSpPr>
+        <p:spPr>
+          <a:xfrm>
+            <a:off x="1201493" y="2893740"/>
+            <a:ext cx="794732" cy="369332"/>
+          </a:xfrm>
+          <a:prstGeom prst="rect">
+            <a:avLst/>
+          </a:prstGeom>
+          <a:noFill/>
         </p:spPr>
         <p:txBody>
           <a:bodyPr wrap="square" rtlCol="0">
@@ -5025,7 +5192,7 @@
                 <a:latin typeface="微软雅黑" panose="020B0503020204020204" pitchFamily="34" charset="-122"/>
                 <a:ea typeface="微软雅黑" panose="020B0503020204020204" pitchFamily="34" charset="-122"/>
               </a:rPr>
-              <a:t>Shell</a:t>
+              <a:t>Java</a:t>
             </a:r>
             <a:r>
               <a:rPr lang="zh-CN" altLang="en-US" dirty="0">
@@ -5046,7 +5213,7 @@
     </p:spTree>
     <p:extLst>
       <p:ext uri="{BB962C8B-B14F-4D97-AF65-F5344CB8AC3E}">
-        <p14:creationId xmlns:p14="http://schemas.microsoft.com/office/powerpoint/2010/main" xmlns="" val="80938560"/>
+        <p14:creationId xmlns:p14="http://schemas.microsoft.com/office/powerpoint/2010/main" xmlns="" val="2444322559"/>
       </p:ext>
     </p:extLst>
   </p:cSld>
@@ -5200,10 +5367,10 @@
                 <a:latin typeface="苹方 细体" panose="020B0200000000000000" pitchFamily="34" charset="-122"/>
                 <a:ea typeface="苹方 细体" panose="020B0200000000000000" pitchFamily="34" charset="-122"/>
               </a:rPr>
-              <a:t>             </a:t>
-            </a:r>
-            <a:r>
-              <a:rPr lang="en-US" altLang="zh-CN" sz="2800" dirty="0">
+              <a:t>            </a:t>
+            </a:r>
+            <a:r>
+              <a:rPr lang="en-US" altLang="zh-CN" sz="2800" dirty="0" smtClean="0">
                 <a:solidFill>
                   <a:schemeClr val="bg1"/>
                 </a:solidFill>
@@ -5213,7 +5380,7 @@
               <a:t>DDL</a:t>
             </a:r>
             <a:r>
-              <a:rPr lang="zh-CN" altLang="en-US" sz="2400" dirty="0">
+              <a:rPr lang="zh-CN" altLang="en-US" sz="2400" dirty="0" smtClean="0">
                 <a:solidFill>
                   <a:schemeClr val="bg1"/>
                 </a:solidFill>
@@ -5256,7 +5423,7 @@
           <a:p>
             <a:r>
               <a:rPr lang="zh-CN" altLang="en-US" sz="2800" b="1" dirty="0" smtClean="0"/>
-              <a:t>建表</a:t>
+              <a:t>删除表</a:t>
             </a:r>
             <a:endParaRPr lang="zh-CN" altLang="zh-CN" sz="2800" b="1" dirty="0"/>
           </a:p>
@@ -5270,8 +5437,8 @@
         </p:nvSpPr>
         <p:spPr>
           <a:xfrm>
-            <a:off x="1201493" y="2247409"/>
-            <a:ext cx="9787944" cy="646331"/>
+            <a:off x="1201493" y="3340016"/>
+            <a:ext cx="9787944" cy="562783"/>
           </a:xfrm>
           <a:prstGeom prst="rect">
             <a:avLst/>
@@ -5284,6 +5451,11 @@
           </a:bodyPr>
           <a:lstStyle/>
           <a:p>
+            <a:pPr>
+              <a:lnSpc>
+                <a:spcPct val="200000"/>
+              </a:lnSpc>
+            </a:pPr>
             <a:r>
               <a:rPr lang="en-US" altLang="zh-CN" dirty="0">
                 <a:solidFill>
@@ -5295,10 +5467,10 @@
                 <a:latin typeface="微软雅黑" panose="020B0503020204020204" pitchFamily="34" charset="-122"/>
                 <a:ea typeface="微软雅黑" panose="020B0503020204020204" pitchFamily="34" charset="-122"/>
               </a:rPr>
-              <a:t>shell </a:t>
-            </a:r>
-            <a:r>
-              <a:rPr lang="zh-CN" altLang="zh-CN" dirty="0">
+              <a:t>Java</a:t>
+            </a:r>
+            <a:r>
+              <a:rPr lang="zh-CN" altLang="en-US" dirty="0">
                 <a:solidFill>
                   <a:schemeClr val="tx1">
                     <a:lumMod val="75000"/>
@@ -5309,123 +5481,6 @@
                 <a:ea typeface="微软雅黑" panose="020B0503020204020204" pitchFamily="34" charset="-122"/>
               </a:rPr>
               <a:t>：</a:t>
-            </a:r>
-            <a:r>
-              <a:rPr lang="en-US" altLang="zh-CN" dirty="0">
-                <a:solidFill>
-                  <a:schemeClr val="tx1">
-                    <a:lumMod val="75000"/>
-                    <a:lumOff val="25000"/>
-                  </a:schemeClr>
-                </a:solidFill>
-                <a:latin typeface="微软雅黑" panose="020B0503020204020204" pitchFamily="34" charset="-122"/>
-                <a:ea typeface="微软雅黑" panose="020B0503020204020204" pitchFamily="34" charset="-122"/>
-              </a:rPr>
-              <a:t>create '</a:t>
-            </a:r>
-            <a:r>
-              <a:rPr lang="zh-CN" altLang="zh-CN" dirty="0">
-                <a:solidFill>
-                  <a:schemeClr val="tx1">
-                    <a:lumMod val="75000"/>
-                    <a:lumOff val="25000"/>
-                  </a:schemeClr>
-                </a:solidFill>
-                <a:latin typeface="微软雅黑" panose="020B0503020204020204" pitchFamily="34" charset="-122"/>
-                <a:ea typeface="微软雅黑" panose="020B0503020204020204" pitchFamily="34" charset="-122"/>
-              </a:rPr>
-              <a:t>表名称</a:t>
-            </a:r>
-            <a:r>
-              <a:rPr lang="en-US" altLang="zh-CN" dirty="0">
-                <a:solidFill>
-                  <a:schemeClr val="tx1">
-                    <a:lumMod val="75000"/>
-                    <a:lumOff val="25000"/>
-                  </a:schemeClr>
-                </a:solidFill>
-                <a:latin typeface="微软雅黑" panose="020B0503020204020204" pitchFamily="34" charset="-122"/>
-                <a:ea typeface="微软雅黑" panose="020B0503020204020204" pitchFamily="34" charset="-122"/>
-              </a:rPr>
-              <a:t>', '</a:t>
-            </a:r>
-            <a:r>
-              <a:rPr lang="zh-CN" altLang="zh-CN" dirty="0">
-                <a:solidFill>
-                  <a:schemeClr val="tx1">
-                    <a:lumMod val="75000"/>
-                    <a:lumOff val="25000"/>
-                  </a:schemeClr>
-                </a:solidFill>
-                <a:latin typeface="微软雅黑" panose="020B0503020204020204" pitchFamily="34" charset="-122"/>
-                <a:ea typeface="微软雅黑" panose="020B0503020204020204" pitchFamily="34" charset="-122"/>
-              </a:rPr>
-              <a:t>列名称</a:t>
-            </a:r>
-            <a:r>
-              <a:rPr lang="en-US" altLang="zh-CN" dirty="0">
-                <a:solidFill>
-                  <a:schemeClr val="tx1">
-                    <a:lumMod val="75000"/>
-                    <a:lumOff val="25000"/>
-                  </a:schemeClr>
-                </a:solidFill>
-                <a:latin typeface="微软雅黑" panose="020B0503020204020204" pitchFamily="34" charset="-122"/>
-                <a:ea typeface="微软雅黑" panose="020B0503020204020204" pitchFamily="34" charset="-122"/>
-              </a:rPr>
-              <a:t>1','</a:t>
-            </a:r>
-            <a:r>
-              <a:rPr lang="zh-CN" altLang="zh-CN" dirty="0">
-                <a:solidFill>
-                  <a:schemeClr val="tx1">
-                    <a:lumMod val="75000"/>
-                    <a:lumOff val="25000"/>
-                  </a:schemeClr>
-                </a:solidFill>
-                <a:latin typeface="微软雅黑" panose="020B0503020204020204" pitchFamily="34" charset="-122"/>
-                <a:ea typeface="微软雅黑" panose="020B0503020204020204" pitchFamily="34" charset="-122"/>
-              </a:rPr>
-              <a:t>列名称</a:t>
-            </a:r>
-            <a:r>
-              <a:rPr lang="en-US" altLang="zh-CN" dirty="0">
-                <a:solidFill>
-                  <a:schemeClr val="tx1">
-                    <a:lumMod val="75000"/>
-                    <a:lumOff val="25000"/>
-                  </a:schemeClr>
-                </a:solidFill>
-                <a:latin typeface="微软雅黑" panose="020B0503020204020204" pitchFamily="34" charset="-122"/>
-                <a:ea typeface="微软雅黑" panose="020B0503020204020204" pitchFamily="34" charset="-122"/>
-              </a:rPr>
-              <a:t>2','</a:t>
-            </a:r>
-            <a:r>
-              <a:rPr lang="zh-CN" altLang="zh-CN" dirty="0">
-                <a:solidFill>
-                  <a:schemeClr val="tx1">
-                    <a:lumMod val="75000"/>
-                    <a:lumOff val="25000"/>
-                  </a:schemeClr>
-                </a:solidFill>
-                <a:latin typeface="微软雅黑" panose="020B0503020204020204" pitchFamily="34" charset="-122"/>
-                <a:ea typeface="微软雅黑" panose="020B0503020204020204" pitchFamily="34" charset="-122"/>
-              </a:rPr>
-              <a:t>列名称</a:t>
-            </a:r>
-            <a:r>
-              <a:rPr lang="en-US" altLang="zh-CN" dirty="0">
-                <a:solidFill>
-                  <a:schemeClr val="tx1">
-                    <a:lumMod val="75000"/>
-                    <a:lumOff val="25000"/>
-                  </a:schemeClr>
-                </a:solidFill>
-                <a:latin typeface="微软雅黑" panose="020B0503020204020204" pitchFamily="34" charset="-122"/>
-                <a:ea typeface="微软雅黑" panose="020B0503020204020204" pitchFamily="34" charset="-122"/>
-              </a:rPr>
-              <a:t>N'</a:t>
             </a:r>
             <a:endParaRPr lang="zh-CN" altLang="zh-CN" dirty="0">
               <a:solidFill>
@@ -5438,6 +5493,29 @@
               <a:ea typeface="微软雅黑" panose="020B0503020204020204" pitchFamily="34" charset="-122"/>
             </a:endParaRPr>
           </a:p>
+        </p:txBody>
+      </p:sp>
+      <p:sp>
+        <p:nvSpPr>
+          <p:cNvPr id="4" name="文本框 3"/>
+          <p:cNvSpPr txBox="1"/>
+          <p:nvPr/>
+        </p:nvSpPr>
+        <p:spPr>
+          <a:xfrm>
+            <a:off x="1197735" y="2202287"/>
+            <a:ext cx="1635617" cy="369332"/>
+          </a:xfrm>
+          <a:prstGeom prst="rect">
+            <a:avLst/>
+          </a:prstGeom>
+          <a:noFill/>
+        </p:spPr>
+        <p:txBody>
+          <a:bodyPr wrap="square" rtlCol="0">
+            <a:spAutoFit/>
+          </a:bodyPr>
+          <a:lstStyle/>
           <a:p>
             <a:r>
               <a:rPr lang="en-US" altLang="zh-CN" dirty="0">
@@ -5450,24 +5528,27 @@
                 <a:latin typeface="微软雅黑" panose="020B0503020204020204" pitchFamily="34" charset="-122"/>
                 <a:ea typeface="微软雅黑" panose="020B0503020204020204" pitchFamily="34" charset="-122"/>
               </a:rPr>
-              <a:t> </a:t>
-            </a:r>
-            <a:endParaRPr lang="zh-CN" altLang="zh-CN" dirty="0">
-              <a:solidFill>
-                <a:schemeClr val="tx1">
-                  <a:lumMod val="75000"/>
-                  <a:lumOff val="25000"/>
-                </a:schemeClr>
-              </a:solidFill>
-              <a:latin typeface="微软雅黑" panose="020B0503020204020204" pitchFamily="34" charset="-122"/>
-              <a:ea typeface="微软雅黑" panose="020B0503020204020204" pitchFamily="34" charset="-122"/>
-            </a:endParaRPr>
+              <a:t>Shell</a:t>
+            </a:r>
+            <a:r>
+              <a:rPr lang="zh-CN" altLang="en-US" dirty="0">
+                <a:solidFill>
+                  <a:schemeClr val="tx1">
+                    <a:lumMod val="75000"/>
+                    <a:lumOff val="25000"/>
+                  </a:schemeClr>
+                </a:solidFill>
+                <a:latin typeface="微软雅黑" panose="020B0503020204020204" pitchFamily="34" charset="-122"/>
+                <a:ea typeface="微软雅黑" panose="020B0503020204020204" pitchFamily="34" charset="-122"/>
+              </a:rPr>
+              <a:t>：</a:t>
+            </a:r>
           </a:p>
         </p:txBody>
       </p:sp>
       <p:pic>
         <p:nvPicPr>
-          <p:cNvPr id="7" name="图片 6"/>
+          <p:cNvPr id="8" name="图片 7"/>
           <p:cNvPicPr/>
           <p:nvPr/>
         </p:nvPicPr>
@@ -5480,8 +5561,8 @@
         </p:blipFill>
         <p:spPr bwMode="auto">
           <a:xfrm>
-            <a:off x="2130661" y="2893740"/>
-            <a:ext cx="8858776" cy="3313877"/>
+            <a:off x="2165059" y="3926688"/>
+            <a:ext cx="7481217" cy="1805745"/>
           </a:xfrm>
           <a:prstGeom prst="rect">
             <a:avLst/>
@@ -5497,14 +5578,14 @@
       </p:pic>
       <p:sp>
         <p:nvSpPr>
-          <p:cNvPr id="4" name="文本框 3"/>
+          <p:cNvPr id="5" name="文本框 4"/>
           <p:cNvSpPr txBox="1"/>
           <p:nvPr/>
         </p:nvSpPr>
         <p:spPr>
           <a:xfrm>
-            <a:off x="1201493" y="2893740"/>
-            <a:ext cx="794732" cy="369332"/>
+            <a:off x="2331076" y="2202287"/>
+            <a:ext cx="5228823" cy="923330"/>
           </a:xfrm>
           <a:prstGeom prst="rect">
             <a:avLst/>
@@ -5528,28 +5609,52 @@
                 <a:latin typeface="微软雅黑" panose="020B0503020204020204" pitchFamily="34" charset="-122"/>
                 <a:ea typeface="微软雅黑" panose="020B0503020204020204" pitchFamily="34" charset="-122"/>
               </a:rPr>
-              <a:t>Java</a:t>
-            </a:r>
-            <a:r>
-              <a:rPr lang="zh-CN" altLang="en-US" dirty="0">
-                <a:solidFill>
-                  <a:schemeClr val="tx1">
-                    <a:lumMod val="75000"/>
-                    <a:lumOff val="25000"/>
-                  </a:schemeClr>
-                </a:solidFill>
-                <a:latin typeface="微软雅黑" panose="020B0503020204020204" pitchFamily="34" charset="-122"/>
-                <a:ea typeface="微软雅黑" panose="020B0503020204020204" pitchFamily="34" charset="-122"/>
-              </a:rPr>
-              <a:t>：</a:t>
-            </a:r>
+              <a:t>disable ‘table'      </a:t>
+            </a:r>
+          </a:p>
+          <a:p>
+            <a:endParaRPr lang="en-US" altLang="zh-CN" dirty="0">
+              <a:solidFill>
+                <a:schemeClr val="tx1">
+                  <a:lumMod val="75000"/>
+                  <a:lumOff val="25000"/>
+                </a:schemeClr>
+              </a:solidFill>
+              <a:latin typeface="微软雅黑" panose="020B0503020204020204" pitchFamily="34" charset="-122"/>
+              <a:ea typeface="微软雅黑" panose="020B0503020204020204" pitchFamily="34" charset="-122"/>
+            </a:endParaRPr>
+          </a:p>
+          <a:p>
+            <a:r>
+              <a:rPr lang="en-US" altLang="zh-CN" dirty="0">
+                <a:solidFill>
+                  <a:schemeClr val="tx1">
+                    <a:lumMod val="75000"/>
+                    <a:lumOff val="25000"/>
+                  </a:schemeClr>
+                </a:solidFill>
+                <a:latin typeface="微软雅黑" panose="020B0503020204020204" pitchFamily="34" charset="-122"/>
+                <a:ea typeface="微软雅黑" panose="020B0503020204020204" pitchFamily="34" charset="-122"/>
+              </a:rPr>
+              <a:t>drop ‘table'</a:t>
+            </a:r>
+            <a:endParaRPr lang="zh-CN" altLang="en-US" dirty="0">
+              <a:solidFill>
+                <a:schemeClr val="tx1">
+                  <a:lumMod val="75000"/>
+                  <a:lumOff val="25000"/>
+                </a:schemeClr>
+              </a:solidFill>
+              <a:latin typeface="微软雅黑" panose="020B0503020204020204" pitchFamily="34" charset="-122"/>
+              <a:ea typeface="微软雅黑" panose="020B0503020204020204" pitchFamily="34" charset="-122"/>
+            </a:endParaRPr>
           </a:p>
         </p:txBody>
       </p:sp>
     </p:spTree>
     <p:extLst>
       <p:ext uri="{BB962C8B-B14F-4D97-AF65-F5344CB8AC3E}">
-        <p14:creationId xmlns:p14="http://schemas.microsoft.com/office/powerpoint/2010/main" xmlns="" val="2444322559"/>
+        <p14:creationId xmlns:p14="http://schemas.microsoft.com/office/powerpoint/2010/main" xmlns="" val="2942056220"/>
       </p:ext>
     </p:extLst>
   </p:cSld>
@@ -5713,7 +5818,7 @@
                 <a:latin typeface="苹方 细体" panose="020B0200000000000000" pitchFamily="34" charset="-122"/>
                 <a:ea typeface="苹方 细体" panose="020B0200000000000000" pitchFamily="34" charset="-122"/>
               </a:rPr>
-              <a:t>DDL</a:t>
+              <a:t>DML</a:t>
             </a:r>
             <a:r>
               <a:rPr lang="zh-CN" altLang="en-US" sz="2400" dirty="0" smtClean="0">
@@ -5723,7 +5828,7 @@
                 <a:latin typeface="苹方 细体" panose="020B0200000000000000" pitchFamily="34" charset="-122"/>
                 <a:ea typeface="苹方 细体" panose="020B0200000000000000" pitchFamily="34" charset="-122"/>
               </a:rPr>
-              <a:t>操作（数据定义语言）</a:t>
+              <a:t>操作（数据操控语言）</a:t>
             </a:r>
             <a:endParaRPr lang="zh-CN" altLang="en-US" sz="2400" dirty="0">
               <a:solidFill>
@@ -5759,7 +5864,7 @@
           <a:p>
             <a:r>
               <a:rPr lang="zh-CN" altLang="en-US" sz="2800" b="1" dirty="0" smtClean="0"/>
-              <a:t>删除表</a:t>
+              <a:t>增加数据：</a:t>
             </a:r>
             <a:endParaRPr lang="zh-CN" altLang="zh-CN" sz="2800" b="1" dirty="0"/>
           </a:p>
@@ -5882,9 +5987,214 @@
           </a:p>
         </p:txBody>
       </p:sp>
+      <p:sp>
+        <p:nvSpPr>
+          <p:cNvPr id="5" name="文本框 4"/>
+          <p:cNvSpPr txBox="1"/>
+          <p:nvPr/>
+        </p:nvSpPr>
+        <p:spPr>
+          <a:xfrm>
+            <a:off x="2331075" y="2137349"/>
+            <a:ext cx="5228823" cy="1200329"/>
+          </a:xfrm>
+          <a:prstGeom prst="rect">
+            <a:avLst/>
+          </a:prstGeom>
+          <a:noFill/>
+        </p:spPr>
+        <p:txBody>
+          <a:bodyPr wrap="square" rtlCol="0">
+            <a:spAutoFit/>
+          </a:bodyPr>
+          <a:lstStyle/>
+          <a:p>
+            <a:r>
+              <a:rPr lang="en-US" altLang="zh-CN" dirty="0">
+                <a:solidFill>
+                  <a:schemeClr val="tx1">
+                    <a:lumMod val="75000"/>
+                    <a:lumOff val="25000"/>
+                  </a:schemeClr>
+                </a:solidFill>
+                <a:latin typeface="微软雅黑" panose="020B0503020204020204" pitchFamily="34" charset="-122"/>
+                <a:ea typeface="微软雅黑" panose="020B0503020204020204" pitchFamily="34" charset="-122"/>
+              </a:rPr>
+              <a:t>hbase&gt; put ‘t1′, ‘r1′, ‘c1′, ‘value', ts1 </a:t>
+            </a:r>
+            <a:br>
+              <a:rPr lang="en-US" altLang="zh-CN" dirty="0">
+                <a:solidFill>
+                  <a:schemeClr val="tx1">
+                    <a:lumMod val="75000"/>
+                    <a:lumOff val="25000"/>
+                  </a:schemeClr>
+                </a:solidFill>
+                <a:latin typeface="微软雅黑" panose="020B0503020204020204" pitchFamily="34" charset="-122"/>
+                <a:ea typeface="微软雅黑" panose="020B0503020204020204" pitchFamily="34" charset="-122"/>
+              </a:rPr>
+            </a:br>
+            <a:r>
+              <a:rPr lang="en-US" altLang="zh-CN" dirty="0">
+                <a:solidFill>
+                  <a:schemeClr val="tx1">
+                    <a:lumMod val="75000"/>
+                    <a:lumOff val="25000"/>
+                  </a:schemeClr>
+                </a:solidFill>
+                <a:latin typeface="微软雅黑" panose="020B0503020204020204" pitchFamily="34" charset="-122"/>
+                <a:ea typeface="微软雅黑" panose="020B0503020204020204" pitchFamily="34" charset="-122"/>
+              </a:rPr>
+              <a:t/>
+            </a:r>
+            <a:br>
+              <a:rPr lang="en-US" altLang="zh-CN" dirty="0">
+                <a:solidFill>
+                  <a:schemeClr val="tx1">
+                    <a:lumMod val="75000"/>
+                    <a:lumOff val="25000"/>
+                  </a:schemeClr>
+                </a:solidFill>
+                <a:latin typeface="微软雅黑" panose="020B0503020204020204" pitchFamily="34" charset="-122"/>
+                <a:ea typeface="微软雅黑" panose="020B0503020204020204" pitchFamily="34" charset="-122"/>
+              </a:rPr>
+            </a:br>
+            <a:r>
+              <a:rPr lang="en-US" altLang="zh-CN" dirty="0">
+                <a:solidFill>
+                  <a:schemeClr val="tx1">
+                    <a:lumMod val="75000"/>
+                    <a:lumOff val="25000"/>
+                  </a:schemeClr>
+                </a:solidFill>
+                <a:latin typeface="微软雅黑" panose="020B0503020204020204" pitchFamily="34" charset="-122"/>
+                <a:ea typeface="微软雅黑" panose="020B0503020204020204" pitchFamily="34" charset="-122"/>
+              </a:rPr>
+              <a:t>t1</a:t>
+            </a:r>
+            <a:r>
+              <a:rPr lang="zh-CN" altLang="en-US" dirty="0">
+                <a:solidFill>
+                  <a:schemeClr val="tx1">
+                    <a:lumMod val="75000"/>
+                    <a:lumOff val="25000"/>
+                  </a:schemeClr>
+                </a:solidFill>
+                <a:latin typeface="微软雅黑" panose="020B0503020204020204" pitchFamily="34" charset="-122"/>
+                <a:ea typeface="微软雅黑" panose="020B0503020204020204" pitchFamily="34" charset="-122"/>
+              </a:rPr>
+              <a:t>指表名，</a:t>
+            </a:r>
+            <a:r>
+              <a:rPr lang="en-US" altLang="zh-CN" dirty="0">
+                <a:solidFill>
+                  <a:schemeClr val="tx1">
+                    <a:lumMod val="75000"/>
+                    <a:lumOff val="25000"/>
+                  </a:schemeClr>
+                </a:solidFill>
+                <a:latin typeface="微软雅黑" panose="020B0503020204020204" pitchFamily="34" charset="-122"/>
+                <a:ea typeface="微软雅黑" panose="020B0503020204020204" pitchFamily="34" charset="-122"/>
+              </a:rPr>
+              <a:t>r1</a:t>
+            </a:r>
+            <a:r>
+              <a:rPr lang="zh-CN" altLang="en-US" dirty="0">
+                <a:solidFill>
+                  <a:schemeClr val="tx1">
+                    <a:lumMod val="75000"/>
+                    <a:lumOff val="25000"/>
+                  </a:schemeClr>
+                </a:solidFill>
+                <a:latin typeface="微软雅黑" panose="020B0503020204020204" pitchFamily="34" charset="-122"/>
+                <a:ea typeface="微软雅黑" panose="020B0503020204020204" pitchFamily="34" charset="-122"/>
+              </a:rPr>
+              <a:t>指行键名，</a:t>
+            </a:r>
+            <a:r>
+              <a:rPr lang="en-US" altLang="zh-CN" dirty="0">
+                <a:solidFill>
+                  <a:schemeClr val="tx1">
+                    <a:lumMod val="75000"/>
+                    <a:lumOff val="25000"/>
+                  </a:schemeClr>
+                </a:solidFill>
+                <a:latin typeface="微软雅黑" panose="020B0503020204020204" pitchFamily="34" charset="-122"/>
+                <a:ea typeface="微软雅黑" panose="020B0503020204020204" pitchFamily="34" charset="-122"/>
+              </a:rPr>
+              <a:t>c1</a:t>
+            </a:r>
+            <a:r>
+              <a:rPr lang="zh-CN" altLang="en-US" dirty="0">
+                <a:solidFill>
+                  <a:schemeClr val="tx1">
+                    <a:lumMod val="75000"/>
+                    <a:lumOff val="25000"/>
+                  </a:schemeClr>
+                </a:solidFill>
+                <a:latin typeface="微软雅黑" panose="020B0503020204020204" pitchFamily="34" charset="-122"/>
+                <a:ea typeface="微软雅黑" panose="020B0503020204020204" pitchFamily="34" charset="-122"/>
+              </a:rPr>
+              <a:t>指列名，</a:t>
+            </a:r>
+            <a:r>
+              <a:rPr lang="en-US" altLang="zh-CN" dirty="0">
+                <a:solidFill>
+                  <a:schemeClr val="tx1">
+                    <a:lumMod val="75000"/>
+                    <a:lumOff val="25000"/>
+                  </a:schemeClr>
+                </a:solidFill>
+                <a:latin typeface="微软雅黑" panose="020B0503020204020204" pitchFamily="34" charset="-122"/>
+                <a:ea typeface="微软雅黑" panose="020B0503020204020204" pitchFamily="34" charset="-122"/>
+              </a:rPr>
+              <a:t>value</a:t>
+            </a:r>
+            <a:r>
+              <a:rPr lang="zh-CN" altLang="en-US" dirty="0">
+                <a:solidFill>
+                  <a:schemeClr val="tx1">
+                    <a:lumMod val="75000"/>
+                    <a:lumOff val="25000"/>
+                  </a:schemeClr>
+                </a:solidFill>
+                <a:latin typeface="微软雅黑" panose="020B0503020204020204" pitchFamily="34" charset="-122"/>
+                <a:ea typeface="微软雅黑" panose="020B0503020204020204" pitchFamily="34" charset="-122"/>
+              </a:rPr>
+              <a:t>指单元格值。</a:t>
+            </a:r>
+            <a:r>
+              <a:rPr lang="en-US" altLang="zh-CN" dirty="0">
+                <a:solidFill>
+                  <a:schemeClr val="tx1">
+                    <a:lumMod val="75000"/>
+                    <a:lumOff val="25000"/>
+                  </a:schemeClr>
+                </a:solidFill>
+                <a:latin typeface="微软雅黑" panose="020B0503020204020204" pitchFamily="34" charset="-122"/>
+                <a:ea typeface="微软雅黑" panose="020B0503020204020204" pitchFamily="34" charset="-122"/>
+              </a:rPr>
+              <a:t>ts1</a:t>
+            </a:r>
+            <a:r>
+              <a:rPr lang="zh-CN" altLang="en-US" dirty="0">
+                <a:solidFill>
+                  <a:schemeClr val="tx1">
+                    <a:lumMod val="75000"/>
+                    <a:lumOff val="25000"/>
+                  </a:schemeClr>
+                </a:solidFill>
+                <a:latin typeface="微软雅黑" panose="020B0503020204020204" pitchFamily="34" charset="-122"/>
+                <a:ea typeface="微软雅黑" panose="020B0503020204020204" pitchFamily="34" charset="-122"/>
+              </a:rPr>
+              <a:t>指时间戳，一般都省略掉了。 </a:t>
+            </a:r>
+          </a:p>
+        </p:txBody>
+      </p:sp>
       <p:pic>
         <p:nvPicPr>
-          <p:cNvPr id="8" name="图片 7"/>
+          <p:cNvPr id="11" name="图片 10"/>
           <p:cNvPicPr/>
           <p:nvPr/>
         </p:nvPicPr>
@@ -5897,8 +6207,8 @@
         </p:blipFill>
         <p:spPr bwMode="auto">
           <a:xfrm>
-            <a:off x="2165059" y="3926688"/>
-            <a:ext cx="7481217" cy="1805745"/>
+            <a:off x="2331074" y="3579201"/>
+            <a:ext cx="6323527" cy="1941330"/>
           </a:xfrm>
           <a:prstGeom prst="rect">
             <a:avLst/>
@@ -5912,85 +6222,40 @@
           </a:ln>
         </p:spPr>
       </p:pic>
-      <p:sp>
-        <p:nvSpPr>
-          <p:cNvPr id="5" name="文本框 4"/>
-          <p:cNvSpPr txBox="1"/>
+      <p:pic>
+        <p:nvPicPr>
+          <p:cNvPr id="12" name="图片 11"/>
+          <p:cNvPicPr/>
           <p:nvPr/>
-        </p:nvSpPr>
-        <p:spPr>
-          <a:xfrm>
-            <a:off x="2331076" y="2202287"/>
-            <a:ext cx="5228823" cy="923330"/>
+        </p:nvPicPr>
+        <p:blipFill>
+          <a:blip r:embed="rId4"/>
+          <a:srcRect/>
+          <a:stretch>
+            <a:fillRect/>
+          </a:stretch>
+        </p:blipFill>
+        <p:spPr bwMode="auto">
+          <a:xfrm>
+            <a:off x="2331075" y="5448398"/>
+            <a:ext cx="6323527" cy="1242550"/>
           </a:xfrm>
           <a:prstGeom prst="rect">
             <a:avLst/>
           </a:prstGeom>
           <a:noFill/>
-        </p:spPr>
-        <p:txBody>
-          <a:bodyPr wrap="square" rtlCol="0">
-            <a:spAutoFit/>
-          </a:bodyPr>
-          <a:lstStyle/>
-          <a:p>
-            <a:r>
-              <a:rPr lang="en-US" altLang="zh-CN" dirty="0">
-                <a:solidFill>
-                  <a:schemeClr val="tx1">
-                    <a:lumMod val="75000"/>
-                    <a:lumOff val="25000"/>
-                  </a:schemeClr>
-                </a:solidFill>
-                <a:latin typeface="微软雅黑" panose="020B0503020204020204" pitchFamily="34" charset="-122"/>
-                <a:ea typeface="微软雅黑" panose="020B0503020204020204" pitchFamily="34" charset="-122"/>
-              </a:rPr>
-              <a:t>disable ‘table'      </a:t>
-            </a:r>
-          </a:p>
-          <a:p>
-            <a:endParaRPr lang="en-US" altLang="zh-CN" dirty="0">
-              <a:solidFill>
-                <a:schemeClr val="tx1">
-                  <a:lumMod val="75000"/>
-                  <a:lumOff val="25000"/>
-                </a:schemeClr>
-              </a:solidFill>
-              <a:latin typeface="微软雅黑" panose="020B0503020204020204" pitchFamily="34" charset="-122"/>
-              <a:ea typeface="微软雅黑" panose="020B0503020204020204" pitchFamily="34" charset="-122"/>
-            </a:endParaRPr>
-          </a:p>
-          <a:p>
-            <a:r>
-              <a:rPr lang="en-US" altLang="zh-CN" dirty="0">
-                <a:solidFill>
-                  <a:schemeClr val="tx1">
-                    <a:lumMod val="75000"/>
-                    <a:lumOff val="25000"/>
-                  </a:schemeClr>
-                </a:solidFill>
-                <a:latin typeface="微软雅黑" panose="020B0503020204020204" pitchFamily="34" charset="-122"/>
-                <a:ea typeface="微软雅黑" panose="020B0503020204020204" pitchFamily="34" charset="-122"/>
-              </a:rPr>
-              <a:t>drop ‘table'</a:t>
-            </a:r>
-            <a:endParaRPr lang="zh-CN" altLang="en-US" dirty="0">
-              <a:solidFill>
-                <a:schemeClr val="tx1">
-                  <a:lumMod val="75000"/>
-                  <a:lumOff val="25000"/>
-                </a:schemeClr>
-              </a:solidFill>
-              <a:latin typeface="微软雅黑" panose="020B0503020204020204" pitchFamily="34" charset="-122"/>
-              <a:ea typeface="微软雅黑" panose="020B0503020204020204" pitchFamily="34" charset="-122"/>
-            </a:endParaRPr>
-          </a:p>
-        </p:txBody>
-      </p:sp>
+          <a:ln w="9525">
+            <a:noFill/>
+            <a:miter lim="800000"/>
+            <a:headEnd/>
+            <a:tailEnd/>
+          </a:ln>
+        </p:spPr>
+      </p:pic>
     </p:spTree>
     <p:extLst>
       <p:ext uri="{BB962C8B-B14F-4D97-AF65-F5344CB8AC3E}">
-        <p14:creationId xmlns:p14="http://schemas.microsoft.com/office/powerpoint/2010/main" xmlns="" val="2942056220"/>
+        <p14:creationId xmlns:p14="http://schemas.microsoft.com/office/powerpoint/2010/main" xmlns="" val="1046492803"/>
       </p:ext>
     </p:extLst>
   </p:cSld>
@@ -6200,7 +6465,7 @@
           <a:p>
             <a:r>
               <a:rPr lang="zh-CN" altLang="en-US" sz="2800" b="1" dirty="0" smtClean="0"/>
-              <a:t>增加数据：</a:t>
+              <a:t>更新数据：</a:t>
             </a:r>
             <a:endParaRPr lang="zh-CN" altLang="zh-CN" sz="2800" b="1" dirty="0"/>
           </a:p>
@@ -6208,14 +6473,14 @@
       </p:sp>
       <p:sp>
         <p:nvSpPr>
-          <p:cNvPr id="3" name="文本框 2"/>
+          <p:cNvPr id="6" name="文本框 5"/>
           <p:cNvSpPr txBox="1"/>
           <p:nvPr/>
         </p:nvSpPr>
         <p:spPr>
           <a:xfrm>
-            <a:off x="1201493" y="3340016"/>
-            <a:ext cx="9787944" cy="562783"/>
+            <a:off x="1223493" y="2434107"/>
+            <a:ext cx="8783392" cy="2778774"/>
           </a:xfrm>
           <a:prstGeom prst="rect">
             <a:avLst/>
@@ -6244,22 +6509,289 @@
                 <a:latin typeface="微软雅黑" panose="020B0503020204020204" pitchFamily="34" charset="-122"/>
                 <a:ea typeface="微软雅黑" panose="020B0503020204020204" pitchFamily="34" charset="-122"/>
               </a:rPr>
-              <a:t>Java</a:t>
-            </a:r>
-            <a:r>
-              <a:rPr lang="zh-CN" altLang="en-US" dirty="0">
-                <a:solidFill>
-                  <a:schemeClr val="tx1">
-                    <a:lumMod val="75000"/>
-                    <a:lumOff val="25000"/>
-                  </a:schemeClr>
-                </a:solidFill>
-                <a:latin typeface="微软雅黑" panose="020B0503020204020204" pitchFamily="34" charset="-122"/>
-                <a:ea typeface="微软雅黑" panose="020B0503020204020204" pitchFamily="34" charset="-122"/>
-              </a:rPr>
-              <a:t>：</a:t>
-            </a:r>
-            <a:endParaRPr lang="zh-CN" altLang="zh-CN" dirty="0">
+              <a:t>mongodb</a:t>
+            </a:r>
+            <a:r>
+              <a:rPr lang="zh-CN" altLang="zh-CN" dirty="0">
+                <a:solidFill>
+                  <a:schemeClr val="tx1">
+                    <a:lumMod val="75000"/>
+                    <a:lumOff val="25000"/>
+                  </a:schemeClr>
+                </a:solidFill>
+                <a:latin typeface="微软雅黑" panose="020B0503020204020204" pitchFamily="34" charset="-122"/>
+                <a:ea typeface="微软雅黑" panose="020B0503020204020204" pitchFamily="34" charset="-122"/>
+              </a:rPr>
+              <a:t>的</a:t>
+            </a:r>
+            <a:r>
+              <a:rPr lang="en-US" altLang="zh-CN" dirty="0">
+                <a:solidFill>
+                  <a:schemeClr val="tx1">
+                    <a:lumMod val="75000"/>
+                    <a:lumOff val="25000"/>
+                  </a:schemeClr>
+                </a:solidFill>
+                <a:latin typeface="微软雅黑" panose="020B0503020204020204" pitchFamily="34" charset="-122"/>
+                <a:ea typeface="微软雅黑" panose="020B0503020204020204" pitchFamily="34" charset="-122"/>
+              </a:rPr>
+              <a:t>update</a:t>
+            </a:r>
+            <a:r>
+              <a:rPr lang="zh-CN" altLang="zh-CN" dirty="0">
+                <a:solidFill>
+                  <a:schemeClr val="tx1">
+                    <a:lumMod val="75000"/>
+                    <a:lumOff val="25000"/>
+                  </a:schemeClr>
+                </a:solidFill>
+                <a:latin typeface="微软雅黑" panose="020B0503020204020204" pitchFamily="34" charset="-122"/>
+                <a:ea typeface="微软雅黑" panose="020B0503020204020204" pitchFamily="34" charset="-122"/>
+              </a:rPr>
+              <a:t>是</a:t>
+            </a:r>
+            <a:r>
+              <a:rPr lang="en-US" altLang="zh-CN" dirty="0">
+                <a:solidFill>
+                  <a:schemeClr val="tx1">
+                    <a:lumMod val="75000"/>
+                    <a:lumOff val="25000"/>
+                  </a:schemeClr>
+                </a:solidFill>
+                <a:latin typeface="微软雅黑" panose="020B0503020204020204" pitchFamily="34" charset="-122"/>
+                <a:ea typeface="微软雅黑" panose="020B0503020204020204" pitchFamily="34" charset="-122"/>
+              </a:rPr>
+              <a:t>update-in-place</a:t>
+            </a:r>
+            <a:r>
+              <a:rPr lang="zh-CN" altLang="zh-CN" dirty="0">
+                <a:solidFill>
+                  <a:schemeClr val="tx1">
+                    <a:lumMod val="75000"/>
+                    <a:lumOff val="25000"/>
+                  </a:schemeClr>
+                </a:solidFill>
+                <a:latin typeface="微软雅黑" panose="020B0503020204020204" pitchFamily="34" charset="-122"/>
+                <a:ea typeface="微软雅黑" panose="020B0503020204020204" pitchFamily="34" charset="-122"/>
+              </a:rPr>
+              <a:t>，也就是原地更新，除非原地容纳不下更新后的数据记录。而</a:t>
+            </a:r>
+            <a:r>
+              <a:rPr lang="en-US" altLang="zh-CN" dirty="0">
+                <a:solidFill>
+                  <a:schemeClr val="tx1">
+                    <a:lumMod val="75000"/>
+                    <a:lumOff val="25000"/>
+                  </a:schemeClr>
+                </a:solidFill>
+                <a:latin typeface="微软雅黑" panose="020B0503020204020204" pitchFamily="34" charset="-122"/>
+                <a:ea typeface="微软雅黑" panose="020B0503020204020204" pitchFamily="34" charset="-122"/>
+              </a:rPr>
+              <a:t>hbase</a:t>
+            </a:r>
+            <a:r>
+              <a:rPr lang="zh-CN" altLang="zh-CN" dirty="0">
+                <a:solidFill>
+                  <a:schemeClr val="tx1">
+                    <a:lumMod val="75000"/>
+                    <a:lumOff val="25000"/>
+                  </a:schemeClr>
+                </a:solidFill>
+                <a:latin typeface="微软雅黑" panose="020B0503020204020204" pitchFamily="34" charset="-122"/>
+                <a:ea typeface="微软雅黑" panose="020B0503020204020204" pitchFamily="34" charset="-122"/>
+              </a:rPr>
+              <a:t>的修改和添加都是同一个命令：</a:t>
+            </a:r>
+            <a:r>
+              <a:rPr lang="en-US" altLang="zh-CN" dirty="0">
+                <a:solidFill>
+                  <a:schemeClr val="tx1">
+                    <a:lumMod val="75000"/>
+                    <a:lumOff val="25000"/>
+                  </a:schemeClr>
+                </a:solidFill>
+                <a:latin typeface="微软雅黑" panose="020B0503020204020204" pitchFamily="34" charset="-122"/>
+                <a:ea typeface="微软雅黑" panose="020B0503020204020204" pitchFamily="34" charset="-122"/>
+              </a:rPr>
+              <a:t>put</a:t>
+            </a:r>
+            <a:r>
+              <a:rPr lang="zh-CN" altLang="zh-CN" dirty="0">
+                <a:solidFill>
+                  <a:schemeClr val="tx1">
+                    <a:lumMod val="75000"/>
+                    <a:lumOff val="25000"/>
+                  </a:schemeClr>
+                </a:solidFill>
+                <a:latin typeface="微软雅黑" panose="020B0503020204020204" pitchFamily="34" charset="-122"/>
+                <a:ea typeface="微软雅黑" panose="020B0503020204020204" pitchFamily="34" charset="-122"/>
+              </a:rPr>
+              <a:t>，如果</a:t>
+            </a:r>
+            <a:r>
+              <a:rPr lang="en-US" altLang="zh-CN" dirty="0">
+                <a:solidFill>
+                  <a:schemeClr val="tx1">
+                    <a:lumMod val="75000"/>
+                    <a:lumOff val="25000"/>
+                  </a:schemeClr>
+                </a:solidFill>
+                <a:latin typeface="微软雅黑" panose="020B0503020204020204" pitchFamily="34" charset="-122"/>
+                <a:ea typeface="微软雅黑" panose="020B0503020204020204" pitchFamily="34" charset="-122"/>
+              </a:rPr>
+              <a:t>put</a:t>
+            </a:r>
+            <a:r>
+              <a:rPr lang="zh-CN" altLang="zh-CN" dirty="0">
+                <a:solidFill>
+                  <a:schemeClr val="tx1">
+                    <a:lumMod val="75000"/>
+                    <a:lumOff val="25000"/>
+                  </a:schemeClr>
+                </a:solidFill>
+                <a:latin typeface="微软雅黑" panose="020B0503020204020204" pitchFamily="34" charset="-122"/>
+                <a:ea typeface="微软雅黑" panose="020B0503020204020204" pitchFamily="34" charset="-122"/>
+              </a:rPr>
+              <a:t>传入的</a:t>
+            </a:r>
+            <a:r>
+              <a:rPr lang="en-US" altLang="zh-CN" dirty="0">
+                <a:solidFill>
+                  <a:schemeClr val="tx1">
+                    <a:lumMod val="75000"/>
+                    <a:lumOff val="25000"/>
+                  </a:schemeClr>
+                </a:solidFill>
+                <a:latin typeface="微软雅黑" panose="020B0503020204020204" pitchFamily="34" charset="-122"/>
+                <a:ea typeface="微软雅黑" panose="020B0503020204020204" pitchFamily="34" charset="-122"/>
+              </a:rPr>
+              <a:t>row key</a:t>
+            </a:r>
+            <a:r>
+              <a:rPr lang="zh-CN" altLang="zh-CN" dirty="0">
+                <a:solidFill>
+                  <a:schemeClr val="tx1">
+                    <a:lumMod val="75000"/>
+                    <a:lumOff val="25000"/>
+                  </a:schemeClr>
+                </a:solidFill>
+                <a:latin typeface="微软雅黑" panose="020B0503020204020204" pitchFamily="34" charset="-122"/>
+                <a:ea typeface="微软雅黑" panose="020B0503020204020204" pitchFamily="34" charset="-122"/>
+              </a:rPr>
+              <a:t>已经存在就更新原记录</a:t>
+            </a:r>
+            <a:r>
+              <a:rPr lang="en-US" altLang="zh-CN" dirty="0">
+                <a:solidFill>
+                  <a:schemeClr val="tx1">
+                    <a:lumMod val="75000"/>
+                    <a:lumOff val="25000"/>
+                  </a:schemeClr>
+                </a:solidFill>
+                <a:latin typeface="微软雅黑" panose="020B0503020204020204" pitchFamily="34" charset="-122"/>
+                <a:ea typeface="微软雅黑" panose="020B0503020204020204" pitchFamily="34" charset="-122"/>
+              </a:rPr>
+              <a:t>,</a:t>
+            </a:r>
+            <a:r>
+              <a:rPr lang="zh-CN" altLang="zh-CN" dirty="0">
+                <a:solidFill>
+                  <a:schemeClr val="tx1">
+                    <a:lumMod val="75000"/>
+                    <a:lumOff val="25000"/>
+                  </a:schemeClr>
+                </a:solidFill>
+                <a:latin typeface="微软雅黑" panose="020B0503020204020204" pitchFamily="34" charset="-122"/>
+                <a:ea typeface="微软雅黑" panose="020B0503020204020204" pitchFamily="34" charset="-122"/>
+              </a:rPr>
+              <a:t>实际上</a:t>
+            </a:r>
+            <a:r>
+              <a:rPr lang="en-US" altLang="zh-CN" dirty="0">
+                <a:solidFill>
+                  <a:schemeClr val="tx1">
+                    <a:lumMod val="75000"/>
+                    <a:lumOff val="25000"/>
+                  </a:schemeClr>
+                </a:solidFill>
+                <a:latin typeface="微软雅黑" panose="020B0503020204020204" pitchFamily="34" charset="-122"/>
+                <a:ea typeface="微软雅黑" panose="020B0503020204020204" pitchFamily="34" charset="-122"/>
+              </a:rPr>
+              <a:t>hbase</a:t>
+            </a:r>
+            <a:r>
+              <a:rPr lang="zh-CN" altLang="zh-CN" dirty="0">
+                <a:solidFill>
+                  <a:schemeClr val="tx1">
+                    <a:lumMod val="75000"/>
+                    <a:lumOff val="25000"/>
+                  </a:schemeClr>
+                </a:solidFill>
+                <a:latin typeface="微软雅黑" panose="020B0503020204020204" pitchFamily="34" charset="-122"/>
+                <a:ea typeface="微软雅黑" panose="020B0503020204020204" pitchFamily="34" charset="-122"/>
+              </a:rPr>
+              <a:t>内部也不是更新，它只是将这一份数据已不同的版本保存下来而已，</a:t>
+            </a:r>
+            <a:r>
+              <a:rPr lang="en-US" altLang="zh-CN" dirty="0">
+                <a:solidFill>
+                  <a:schemeClr val="tx1">
+                    <a:lumMod val="75000"/>
+                    <a:lumOff val="25000"/>
+                  </a:schemeClr>
+                </a:solidFill>
+                <a:latin typeface="微软雅黑" panose="020B0503020204020204" pitchFamily="34" charset="-122"/>
+                <a:ea typeface="微软雅黑" panose="020B0503020204020204" pitchFamily="34" charset="-122"/>
+              </a:rPr>
+              <a:t>hbase</a:t>
+            </a:r>
+            <a:r>
+              <a:rPr lang="zh-CN" altLang="zh-CN" dirty="0">
+                <a:solidFill>
+                  <a:schemeClr val="tx1">
+                    <a:lumMod val="75000"/>
+                    <a:lumOff val="25000"/>
+                  </a:schemeClr>
+                </a:solidFill>
+                <a:latin typeface="微软雅黑" panose="020B0503020204020204" pitchFamily="34" charset="-122"/>
+                <a:ea typeface="微软雅黑" panose="020B0503020204020204" pitchFamily="34" charset="-122"/>
+              </a:rPr>
+              <a:t>默认的保存版本的历史数量是</a:t>
+            </a:r>
+            <a:r>
+              <a:rPr lang="en-US" altLang="zh-CN" dirty="0">
+                <a:solidFill>
+                  <a:schemeClr val="tx1">
+                    <a:lumMod val="75000"/>
+                    <a:lumOff val="25000"/>
+                  </a:schemeClr>
+                </a:solidFill>
+                <a:latin typeface="微软雅黑" panose="020B0503020204020204" pitchFamily="34" charset="-122"/>
+                <a:ea typeface="微软雅黑" panose="020B0503020204020204" pitchFamily="34" charset="-122"/>
+              </a:rPr>
+              <a:t>3</a:t>
+            </a:r>
+            <a:r>
+              <a:rPr lang="zh-CN" altLang="zh-CN" dirty="0">
+                <a:solidFill>
+                  <a:schemeClr val="tx1">
+                    <a:lumMod val="75000"/>
+                    <a:lumOff val="25000"/>
+                  </a:schemeClr>
+                </a:solidFill>
+                <a:latin typeface="微软雅黑" panose="020B0503020204020204" pitchFamily="34" charset="-122"/>
+                <a:ea typeface="微软雅黑" panose="020B0503020204020204" pitchFamily="34" charset="-122"/>
+              </a:rPr>
+              <a:t>。</a:t>
+            </a:r>
+          </a:p>
+          <a:p>
+            <a:pPr>
+              <a:lnSpc>
+                <a:spcPct val="200000"/>
+              </a:lnSpc>
+            </a:pPr>
+            <a:endParaRPr lang="zh-CN" altLang="en-US" dirty="0">
               <a:solidFill>
                 <a:schemeClr val="tx1">
                   <a:lumMod val="75000"/>
@@ -6272,326 +6804,10 @@
           </a:p>
         </p:txBody>
       </p:sp>
-      <p:sp>
-        <p:nvSpPr>
-          <p:cNvPr id="4" name="文本框 3"/>
-          <p:cNvSpPr txBox="1"/>
-          <p:nvPr/>
-        </p:nvSpPr>
-        <p:spPr>
-          <a:xfrm>
-            <a:off x="1197735" y="2202287"/>
-            <a:ext cx="1635617" cy="369332"/>
-          </a:xfrm>
-          <a:prstGeom prst="rect">
-            <a:avLst/>
-          </a:prstGeom>
-          <a:noFill/>
-        </p:spPr>
-        <p:txBody>
-          <a:bodyPr wrap="square" rtlCol="0">
-            <a:spAutoFit/>
-          </a:bodyPr>
-          <a:lstStyle/>
-          <a:p>
-            <a:r>
-              <a:rPr lang="en-US" altLang="zh-CN" dirty="0">
-                <a:solidFill>
-                  <a:schemeClr val="tx1">
-                    <a:lumMod val="75000"/>
-                    <a:lumOff val="25000"/>
-                  </a:schemeClr>
-                </a:solidFill>
-                <a:latin typeface="微软雅黑" panose="020B0503020204020204" pitchFamily="34" charset="-122"/>
-                <a:ea typeface="微软雅黑" panose="020B0503020204020204" pitchFamily="34" charset="-122"/>
-              </a:rPr>
-              <a:t>Shell</a:t>
-            </a:r>
-            <a:r>
-              <a:rPr lang="zh-CN" altLang="en-US" dirty="0">
-                <a:solidFill>
-                  <a:schemeClr val="tx1">
-                    <a:lumMod val="75000"/>
-                    <a:lumOff val="25000"/>
-                  </a:schemeClr>
-                </a:solidFill>
-                <a:latin typeface="微软雅黑" panose="020B0503020204020204" pitchFamily="34" charset="-122"/>
-                <a:ea typeface="微软雅黑" panose="020B0503020204020204" pitchFamily="34" charset="-122"/>
-              </a:rPr>
-              <a:t>：</a:t>
-            </a:r>
-          </a:p>
-        </p:txBody>
-      </p:sp>
-      <p:sp>
-        <p:nvSpPr>
-          <p:cNvPr id="5" name="文本框 4"/>
-          <p:cNvSpPr txBox="1"/>
-          <p:nvPr/>
-        </p:nvSpPr>
-        <p:spPr>
-          <a:xfrm>
-            <a:off x="2331075" y="2137349"/>
-            <a:ext cx="5228823" cy="1200329"/>
-          </a:xfrm>
-          <a:prstGeom prst="rect">
-            <a:avLst/>
-          </a:prstGeom>
-          <a:noFill/>
-        </p:spPr>
-        <p:txBody>
-          <a:bodyPr wrap="square" rtlCol="0">
-            <a:spAutoFit/>
-          </a:bodyPr>
-          <a:lstStyle/>
-          <a:p>
-            <a:r>
-              <a:rPr lang="en-US" altLang="zh-CN" dirty="0">
-                <a:solidFill>
-                  <a:schemeClr val="tx1">
-                    <a:lumMod val="75000"/>
-                    <a:lumOff val="25000"/>
-                  </a:schemeClr>
-                </a:solidFill>
-                <a:latin typeface="微软雅黑" panose="020B0503020204020204" pitchFamily="34" charset="-122"/>
-                <a:ea typeface="微软雅黑" panose="020B0503020204020204" pitchFamily="34" charset="-122"/>
-              </a:rPr>
-              <a:t>hbase&gt; put ‘t1′, ‘r1′, ‘c1′, ‘value', ts1 </a:t>
-            </a:r>
-            <a:br>
-              <a:rPr lang="en-US" altLang="zh-CN" dirty="0">
-                <a:solidFill>
-                  <a:schemeClr val="tx1">
-                    <a:lumMod val="75000"/>
-                    <a:lumOff val="25000"/>
-                  </a:schemeClr>
-                </a:solidFill>
-                <a:latin typeface="微软雅黑" panose="020B0503020204020204" pitchFamily="34" charset="-122"/>
-                <a:ea typeface="微软雅黑" panose="020B0503020204020204" pitchFamily="34" charset="-122"/>
-              </a:rPr>
-            </a:br>
-            <a:r>
-              <a:rPr lang="en-US" altLang="zh-CN" dirty="0">
-                <a:solidFill>
-                  <a:schemeClr val="tx1">
-                    <a:lumMod val="75000"/>
-                    <a:lumOff val="25000"/>
-                  </a:schemeClr>
-                </a:solidFill>
-                <a:latin typeface="微软雅黑" panose="020B0503020204020204" pitchFamily="34" charset="-122"/>
-                <a:ea typeface="微软雅黑" panose="020B0503020204020204" pitchFamily="34" charset="-122"/>
-              </a:rPr>
-              <a:t/>
-            </a:r>
-            <a:br>
-              <a:rPr lang="en-US" altLang="zh-CN" dirty="0">
-                <a:solidFill>
-                  <a:schemeClr val="tx1">
-                    <a:lumMod val="75000"/>
-                    <a:lumOff val="25000"/>
-                  </a:schemeClr>
-                </a:solidFill>
-                <a:latin typeface="微软雅黑" panose="020B0503020204020204" pitchFamily="34" charset="-122"/>
-                <a:ea typeface="微软雅黑" panose="020B0503020204020204" pitchFamily="34" charset="-122"/>
-              </a:rPr>
-            </a:br>
-            <a:r>
-              <a:rPr lang="en-US" altLang="zh-CN" dirty="0">
-                <a:solidFill>
-                  <a:schemeClr val="tx1">
-                    <a:lumMod val="75000"/>
-                    <a:lumOff val="25000"/>
-                  </a:schemeClr>
-                </a:solidFill>
-                <a:latin typeface="微软雅黑" panose="020B0503020204020204" pitchFamily="34" charset="-122"/>
-                <a:ea typeface="微软雅黑" panose="020B0503020204020204" pitchFamily="34" charset="-122"/>
-              </a:rPr>
-              <a:t>t1</a:t>
-            </a:r>
-            <a:r>
-              <a:rPr lang="zh-CN" altLang="en-US" dirty="0">
-                <a:solidFill>
-                  <a:schemeClr val="tx1">
-                    <a:lumMod val="75000"/>
-                    <a:lumOff val="25000"/>
-                  </a:schemeClr>
-                </a:solidFill>
-                <a:latin typeface="微软雅黑" panose="020B0503020204020204" pitchFamily="34" charset="-122"/>
-                <a:ea typeface="微软雅黑" panose="020B0503020204020204" pitchFamily="34" charset="-122"/>
-              </a:rPr>
-              <a:t>指表名，</a:t>
-            </a:r>
-            <a:r>
-              <a:rPr lang="en-US" altLang="zh-CN" dirty="0">
-                <a:solidFill>
-                  <a:schemeClr val="tx1">
-                    <a:lumMod val="75000"/>
-                    <a:lumOff val="25000"/>
-                  </a:schemeClr>
-                </a:solidFill>
-                <a:latin typeface="微软雅黑" panose="020B0503020204020204" pitchFamily="34" charset="-122"/>
-                <a:ea typeface="微软雅黑" panose="020B0503020204020204" pitchFamily="34" charset="-122"/>
-              </a:rPr>
-              <a:t>r1</a:t>
-            </a:r>
-            <a:r>
-              <a:rPr lang="zh-CN" altLang="en-US" dirty="0">
-                <a:solidFill>
-                  <a:schemeClr val="tx1">
-                    <a:lumMod val="75000"/>
-                    <a:lumOff val="25000"/>
-                  </a:schemeClr>
-                </a:solidFill>
-                <a:latin typeface="微软雅黑" panose="020B0503020204020204" pitchFamily="34" charset="-122"/>
-                <a:ea typeface="微软雅黑" panose="020B0503020204020204" pitchFamily="34" charset="-122"/>
-              </a:rPr>
-              <a:t>指行键名，</a:t>
-            </a:r>
-            <a:r>
-              <a:rPr lang="en-US" altLang="zh-CN" dirty="0">
-                <a:solidFill>
-                  <a:schemeClr val="tx1">
-                    <a:lumMod val="75000"/>
-                    <a:lumOff val="25000"/>
-                  </a:schemeClr>
-                </a:solidFill>
-                <a:latin typeface="微软雅黑" panose="020B0503020204020204" pitchFamily="34" charset="-122"/>
-                <a:ea typeface="微软雅黑" panose="020B0503020204020204" pitchFamily="34" charset="-122"/>
-              </a:rPr>
-              <a:t>c1</a:t>
-            </a:r>
-            <a:r>
-              <a:rPr lang="zh-CN" altLang="en-US" dirty="0">
-                <a:solidFill>
-                  <a:schemeClr val="tx1">
-                    <a:lumMod val="75000"/>
-                    <a:lumOff val="25000"/>
-                  </a:schemeClr>
-                </a:solidFill>
-                <a:latin typeface="微软雅黑" panose="020B0503020204020204" pitchFamily="34" charset="-122"/>
-                <a:ea typeface="微软雅黑" panose="020B0503020204020204" pitchFamily="34" charset="-122"/>
-              </a:rPr>
-              <a:t>指列名，</a:t>
-            </a:r>
-            <a:r>
-              <a:rPr lang="en-US" altLang="zh-CN" dirty="0">
-                <a:solidFill>
-                  <a:schemeClr val="tx1">
-                    <a:lumMod val="75000"/>
-                    <a:lumOff val="25000"/>
-                  </a:schemeClr>
-                </a:solidFill>
-                <a:latin typeface="微软雅黑" panose="020B0503020204020204" pitchFamily="34" charset="-122"/>
-                <a:ea typeface="微软雅黑" panose="020B0503020204020204" pitchFamily="34" charset="-122"/>
-              </a:rPr>
-              <a:t>value</a:t>
-            </a:r>
-            <a:r>
-              <a:rPr lang="zh-CN" altLang="en-US" dirty="0">
-                <a:solidFill>
-                  <a:schemeClr val="tx1">
-                    <a:lumMod val="75000"/>
-                    <a:lumOff val="25000"/>
-                  </a:schemeClr>
-                </a:solidFill>
-                <a:latin typeface="微软雅黑" panose="020B0503020204020204" pitchFamily="34" charset="-122"/>
-                <a:ea typeface="微软雅黑" panose="020B0503020204020204" pitchFamily="34" charset="-122"/>
-              </a:rPr>
-              <a:t>指单元格值。</a:t>
-            </a:r>
-            <a:r>
-              <a:rPr lang="en-US" altLang="zh-CN" dirty="0">
-                <a:solidFill>
-                  <a:schemeClr val="tx1">
-                    <a:lumMod val="75000"/>
-                    <a:lumOff val="25000"/>
-                  </a:schemeClr>
-                </a:solidFill>
-                <a:latin typeface="微软雅黑" panose="020B0503020204020204" pitchFamily="34" charset="-122"/>
-                <a:ea typeface="微软雅黑" panose="020B0503020204020204" pitchFamily="34" charset="-122"/>
-              </a:rPr>
-              <a:t>ts1</a:t>
-            </a:r>
-            <a:r>
-              <a:rPr lang="zh-CN" altLang="en-US" dirty="0">
-                <a:solidFill>
-                  <a:schemeClr val="tx1">
-                    <a:lumMod val="75000"/>
-                    <a:lumOff val="25000"/>
-                  </a:schemeClr>
-                </a:solidFill>
-                <a:latin typeface="微软雅黑" panose="020B0503020204020204" pitchFamily="34" charset="-122"/>
-                <a:ea typeface="微软雅黑" panose="020B0503020204020204" pitchFamily="34" charset="-122"/>
-              </a:rPr>
-              <a:t>指时间戳，一般都省略掉了。 </a:t>
-            </a:r>
-          </a:p>
-        </p:txBody>
-      </p:sp>
-      <p:pic>
-        <p:nvPicPr>
-          <p:cNvPr id="11" name="图片 10"/>
-          <p:cNvPicPr/>
-          <p:nvPr/>
-        </p:nvPicPr>
-        <p:blipFill>
-          <a:blip r:embed="rId3"/>
-          <a:srcRect/>
-          <a:stretch>
-            <a:fillRect/>
-          </a:stretch>
-        </p:blipFill>
-        <p:spPr bwMode="auto">
-          <a:xfrm>
-            <a:off x="2331074" y="3579201"/>
-            <a:ext cx="6323527" cy="1941330"/>
-          </a:xfrm>
-          <a:prstGeom prst="rect">
-            <a:avLst/>
-          </a:prstGeom>
-          <a:noFill/>
-          <a:ln w="9525">
-            <a:noFill/>
-            <a:miter lim="800000"/>
-            <a:headEnd/>
-            <a:tailEnd/>
-          </a:ln>
-        </p:spPr>
-      </p:pic>
-      <p:pic>
-        <p:nvPicPr>
-          <p:cNvPr id="12" name="图片 11"/>
-          <p:cNvPicPr/>
-          <p:nvPr/>
-        </p:nvPicPr>
-        <p:blipFill>
-          <a:blip r:embed="rId4"/>
-          <a:srcRect/>
-          <a:stretch>
-            <a:fillRect/>
-          </a:stretch>
-        </p:blipFill>
-        <p:spPr bwMode="auto">
-          <a:xfrm>
-            <a:off x="2331075" y="5448398"/>
-            <a:ext cx="6323527" cy="1242550"/>
-          </a:xfrm>
-          <a:prstGeom prst="rect">
-            <a:avLst/>
-          </a:prstGeom>
-          <a:noFill/>
-          <a:ln w="9525">
-            <a:noFill/>
-            <a:miter lim="800000"/>
-            <a:headEnd/>
-            <a:tailEnd/>
-          </a:ln>
-        </p:spPr>
-      </p:pic>
     </p:spTree>
     <p:extLst>
       <p:ext uri="{BB962C8B-B14F-4D97-AF65-F5344CB8AC3E}">
-        <p14:creationId xmlns:p14="http://schemas.microsoft.com/office/powerpoint/2010/main" xmlns="" val="1046492803"/>
+        <p14:creationId xmlns:p14="http://schemas.microsoft.com/office/powerpoint/2010/main" xmlns="" val="1378945060"/>
       </p:ext>
     </p:extLst>
   </p:cSld>
@@ -6801,7 +7017,7 @@
           <a:p>
             <a:r>
               <a:rPr lang="zh-CN" altLang="en-US" sz="2800" b="1" dirty="0" smtClean="0"/>
-              <a:t>更新数据：</a:t>
+              <a:t>获取数据：</a:t>
             </a:r>
             <a:endParaRPr lang="zh-CN" altLang="zh-CN" sz="2800" b="1" dirty="0"/>
           </a:p>
@@ -6809,14 +7025,14 @@
       </p:sp>
       <p:sp>
         <p:nvSpPr>
-          <p:cNvPr id="6" name="文本框 5"/>
+          <p:cNvPr id="4" name="文本框 3"/>
           <p:cNvSpPr txBox="1"/>
           <p:nvPr/>
         </p:nvSpPr>
         <p:spPr>
           <a:xfrm>
-            <a:off x="1223493" y="2434107"/>
-            <a:ext cx="8783392" cy="2778774"/>
+            <a:off x="978793" y="2136242"/>
+            <a:ext cx="1635617" cy="369332"/>
           </a:xfrm>
           <a:prstGeom prst="rect">
             <a:avLst/>
@@ -6829,9 +7045,60 @@
           </a:bodyPr>
           <a:lstStyle/>
           <a:p>
+            <a:r>
+              <a:rPr lang="en-US" altLang="zh-CN" dirty="0">
+                <a:solidFill>
+                  <a:schemeClr val="tx1">
+                    <a:lumMod val="75000"/>
+                    <a:lumOff val="25000"/>
+                  </a:schemeClr>
+                </a:solidFill>
+                <a:latin typeface="微软雅黑" panose="020B0503020204020204" pitchFamily="34" charset="-122"/>
+                <a:ea typeface="微软雅黑" panose="020B0503020204020204" pitchFamily="34" charset="-122"/>
+              </a:rPr>
+              <a:t>Shell</a:t>
+            </a:r>
+            <a:r>
+              <a:rPr lang="zh-CN" altLang="en-US" dirty="0">
+                <a:solidFill>
+                  <a:schemeClr val="tx1">
+                    <a:lumMod val="75000"/>
+                    <a:lumOff val="25000"/>
+                  </a:schemeClr>
+                </a:solidFill>
+                <a:latin typeface="微软雅黑" panose="020B0503020204020204" pitchFamily="34" charset="-122"/>
+                <a:ea typeface="微软雅黑" panose="020B0503020204020204" pitchFamily="34" charset="-122"/>
+              </a:rPr>
+              <a:t>：</a:t>
+            </a:r>
+          </a:p>
+        </p:txBody>
+      </p:sp>
+      <p:sp>
+        <p:nvSpPr>
+          <p:cNvPr id="6" name="文本框 5"/>
+          <p:cNvSpPr txBox="1"/>
+          <p:nvPr/>
+        </p:nvSpPr>
+        <p:spPr>
+          <a:xfrm>
+            <a:off x="2015543" y="2084994"/>
+            <a:ext cx="9897415" cy="4198393"/>
+          </a:xfrm>
+          <a:prstGeom prst="rect">
+            <a:avLst/>
+          </a:prstGeom>
+          <a:noFill/>
+        </p:spPr>
+        <p:txBody>
+          <a:bodyPr wrap="square" rtlCol="0">
+            <a:spAutoFit/>
+          </a:bodyPr>
+          <a:lstStyle/>
+          <a:p>
             <a:pPr>
               <a:lnSpc>
-                <a:spcPct val="200000"/>
+                <a:spcPct val="150000"/>
               </a:lnSpc>
             </a:pPr>
             <a:r>
@@ -6845,22 +7112,9 @@
                 <a:latin typeface="微软雅黑" panose="020B0503020204020204" pitchFamily="34" charset="-122"/>
                 <a:ea typeface="微软雅黑" panose="020B0503020204020204" pitchFamily="34" charset="-122"/>
               </a:rPr>
-              <a:t>mongodb</a:t>
-            </a:r>
-            <a:r>
-              <a:rPr lang="zh-CN" altLang="zh-CN" dirty="0">
-                <a:solidFill>
-                  <a:schemeClr val="tx1">
-                    <a:lumMod val="75000"/>
-                    <a:lumOff val="25000"/>
-                  </a:schemeClr>
-                </a:solidFill>
-                <a:latin typeface="微软雅黑" panose="020B0503020204020204" pitchFamily="34" charset="-122"/>
-                <a:ea typeface="微软雅黑" panose="020B0503020204020204" pitchFamily="34" charset="-122"/>
-              </a:rPr>
-              <a:t>的</a:t>
-            </a:r>
-            <a:r>
+              <a:t>hbase&gt; get ‘t1′, ‘r1′ </a:t>
+            </a:r>
+            <a:br>
               <a:rPr lang="en-US" altLang="zh-CN" dirty="0">
                 <a:solidFill>
                   <a:schemeClr val="tx1">
@@ -6871,21 +7125,7 @@
                 <a:latin typeface="微软雅黑" panose="020B0503020204020204" pitchFamily="34" charset="-122"/>
                 <a:ea typeface="微软雅黑" panose="020B0503020204020204" pitchFamily="34" charset="-122"/>
               </a:rPr>
-              <a:t>update</a:t>
-            </a:r>
-            <a:r>
-              <a:rPr lang="zh-CN" altLang="zh-CN" dirty="0">
-                <a:solidFill>
-                  <a:schemeClr val="tx1">
-                    <a:lumMod val="75000"/>
-                    <a:lumOff val="25000"/>
-                  </a:schemeClr>
-                </a:solidFill>
-                <a:latin typeface="微软雅黑" panose="020B0503020204020204" pitchFamily="34" charset="-122"/>
-                <a:ea typeface="微软雅黑" panose="020B0503020204020204" pitchFamily="34" charset="-122"/>
-              </a:rPr>
-              <a:t>是</a:t>
-            </a:r>
+            </a:br>
             <a:r>
               <a:rPr lang="en-US" altLang="zh-CN" dirty="0">
                 <a:solidFill>
@@ -6897,22 +7137,9 @@
                 <a:latin typeface="微软雅黑" panose="020B0503020204020204" pitchFamily="34" charset="-122"/>
                 <a:ea typeface="微软雅黑" panose="020B0503020204020204" pitchFamily="34" charset="-122"/>
               </a:rPr>
-              <a:t>update-in-place</a:t>
-            </a:r>
-            <a:r>
-              <a:rPr lang="zh-CN" altLang="zh-CN" dirty="0">
-                <a:solidFill>
-                  <a:schemeClr val="tx1">
-                    <a:lumMod val="75000"/>
-                    <a:lumOff val="25000"/>
-                  </a:schemeClr>
-                </a:solidFill>
-                <a:latin typeface="微软雅黑" panose="020B0503020204020204" pitchFamily="34" charset="-122"/>
-                <a:ea typeface="微软雅黑" panose="020B0503020204020204" pitchFamily="34" charset="-122"/>
-              </a:rPr>
-              <a:t>，也就是原地更新，除非原地容纳不下更新后的数据记录。而</a:t>
-            </a:r>
-            <a:r>
+              <a:t>hbase&gt; get ‘t1′, ‘r1′, {TIMERANGE =&gt; [ts1, ts2]} </a:t>
+            </a:r>
+            <a:br>
               <a:rPr lang="en-US" altLang="zh-CN" dirty="0">
                 <a:solidFill>
                   <a:schemeClr val="tx1">
@@ -6923,21 +7150,7 @@
                 <a:latin typeface="微软雅黑" panose="020B0503020204020204" pitchFamily="34" charset="-122"/>
                 <a:ea typeface="微软雅黑" panose="020B0503020204020204" pitchFamily="34" charset="-122"/>
               </a:rPr>
-              <a:t>hbase</a:t>
-            </a:r>
-            <a:r>
-              <a:rPr lang="zh-CN" altLang="zh-CN" dirty="0">
-                <a:solidFill>
-                  <a:schemeClr val="tx1">
-                    <a:lumMod val="75000"/>
-                    <a:lumOff val="25000"/>
-                  </a:schemeClr>
-                </a:solidFill>
-                <a:latin typeface="微软雅黑" panose="020B0503020204020204" pitchFamily="34" charset="-122"/>
-                <a:ea typeface="微软雅黑" panose="020B0503020204020204" pitchFamily="34" charset="-122"/>
-              </a:rPr>
-              <a:t>的修改和添加都是同一个命令：</a:t>
-            </a:r>
+            </a:br>
             <a:r>
               <a:rPr lang="en-US" altLang="zh-CN" dirty="0">
                 <a:solidFill>
@@ -6949,22 +7162,9 @@
                 <a:latin typeface="微软雅黑" panose="020B0503020204020204" pitchFamily="34" charset="-122"/>
                 <a:ea typeface="微软雅黑" panose="020B0503020204020204" pitchFamily="34" charset="-122"/>
               </a:rPr>
-              <a:t>put</a:t>
-            </a:r>
-            <a:r>
-              <a:rPr lang="zh-CN" altLang="zh-CN" dirty="0">
-                <a:solidFill>
-                  <a:schemeClr val="tx1">
-                    <a:lumMod val="75000"/>
-                    <a:lumOff val="25000"/>
-                  </a:schemeClr>
-                </a:solidFill>
-                <a:latin typeface="微软雅黑" panose="020B0503020204020204" pitchFamily="34" charset="-122"/>
-                <a:ea typeface="微软雅黑" panose="020B0503020204020204" pitchFamily="34" charset="-122"/>
-              </a:rPr>
-              <a:t>，如果</a:t>
-            </a:r>
-            <a:r>
+              <a:t>hbase&gt; get ‘t1′, ‘r1′, {COLUMN =&gt; ‘c1′} </a:t>
+            </a:r>
+            <a:br>
               <a:rPr lang="en-US" altLang="zh-CN" dirty="0">
                 <a:solidFill>
                   <a:schemeClr val="tx1">
@@ -6975,21 +7175,7 @@
                 <a:latin typeface="微软雅黑" panose="020B0503020204020204" pitchFamily="34" charset="-122"/>
                 <a:ea typeface="微软雅黑" panose="020B0503020204020204" pitchFamily="34" charset="-122"/>
               </a:rPr>
-              <a:t>put</a:t>
-            </a:r>
-            <a:r>
-              <a:rPr lang="zh-CN" altLang="zh-CN" dirty="0">
-                <a:solidFill>
-                  <a:schemeClr val="tx1">
-                    <a:lumMod val="75000"/>
-                    <a:lumOff val="25000"/>
-                  </a:schemeClr>
-                </a:solidFill>
-                <a:latin typeface="微软雅黑" panose="020B0503020204020204" pitchFamily="34" charset="-122"/>
-                <a:ea typeface="微软雅黑" panose="020B0503020204020204" pitchFamily="34" charset="-122"/>
-              </a:rPr>
-              <a:t>传入的</a:t>
-            </a:r>
+            </a:br>
             <a:r>
               <a:rPr lang="en-US" altLang="zh-CN" dirty="0">
                 <a:solidFill>
@@ -7001,22 +7187,9 @@
                 <a:latin typeface="微软雅黑" panose="020B0503020204020204" pitchFamily="34" charset="-122"/>
                 <a:ea typeface="微软雅黑" panose="020B0503020204020204" pitchFamily="34" charset="-122"/>
               </a:rPr>
-              <a:t>row key</a:t>
-            </a:r>
-            <a:r>
-              <a:rPr lang="zh-CN" altLang="zh-CN" dirty="0">
-                <a:solidFill>
-                  <a:schemeClr val="tx1">
-                    <a:lumMod val="75000"/>
-                    <a:lumOff val="25000"/>
-                  </a:schemeClr>
-                </a:solidFill>
-                <a:latin typeface="微软雅黑" panose="020B0503020204020204" pitchFamily="34" charset="-122"/>
-                <a:ea typeface="微软雅黑" panose="020B0503020204020204" pitchFamily="34" charset="-122"/>
-              </a:rPr>
-              <a:t>已经存在就更新原记录</a:t>
-            </a:r>
-            <a:r>
+              <a:t>hbase&gt; get ‘t1′, ‘r1′, {COLUMN =&gt; ['c1', 'c2', 'c3']} </a:t>
+            </a:r>
+            <a:br>
               <a:rPr lang="en-US" altLang="zh-CN" dirty="0">
                 <a:solidFill>
                   <a:schemeClr val="tx1">
@@ -7027,21 +7200,7 @@
                 <a:latin typeface="微软雅黑" panose="020B0503020204020204" pitchFamily="34" charset="-122"/>
                 <a:ea typeface="微软雅黑" panose="020B0503020204020204" pitchFamily="34" charset="-122"/>
               </a:rPr>
-              <a:t>,</a:t>
-            </a:r>
-            <a:r>
-              <a:rPr lang="zh-CN" altLang="zh-CN" dirty="0">
-                <a:solidFill>
-                  <a:schemeClr val="tx1">
-                    <a:lumMod val="75000"/>
-                    <a:lumOff val="25000"/>
-                  </a:schemeClr>
-                </a:solidFill>
-                <a:latin typeface="微软雅黑" panose="020B0503020204020204" pitchFamily="34" charset="-122"/>
-                <a:ea typeface="微软雅黑" panose="020B0503020204020204" pitchFamily="34" charset="-122"/>
-              </a:rPr>
-              <a:t>实际上</a:t>
-            </a:r>
+            </a:br>
             <a:r>
               <a:rPr lang="en-US" altLang="zh-CN" dirty="0">
                 <a:solidFill>
@@ -7053,22 +7212,9 @@
                 <a:latin typeface="微软雅黑" panose="020B0503020204020204" pitchFamily="34" charset="-122"/>
                 <a:ea typeface="微软雅黑" panose="020B0503020204020204" pitchFamily="34" charset="-122"/>
               </a:rPr>
-              <a:t>hbase</a:t>
-            </a:r>
-            <a:r>
-              <a:rPr lang="zh-CN" altLang="zh-CN" dirty="0">
-                <a:solidFill>
-                  <a:schemeClr val="tx1">
-                    <a:lumMod val="75000"/>
-                    <a:lumOff val="25000"/>
-                  </a:schemeClr>
-                </a:solidFill>
-                <a:latin typeface="微软雅黑" panose="020B0503020204020204" pitchFamily="34" charset="-122"/>
-                <a:ea typeface="微软雅黑" panose="020B0503020204020204" pitchFamily="34" charset="-122"/>
-              </a:rPr>
-              <a:t>内部也不是更新，它只是将这一份数据已不同的版本保存下来而已，</a:t>
-            </a:r>
-            <a:r>
+              <a:t>hbase&gt; get ‘t1′, ‘r1′, {COLUMN =&gt; ‘c1′, TIMESTAMP =&gt; ts1} </a:t>
+            </a:r>
+            <a:br>
               <a:rPr lang="en-US" altLang="zh-CN" dirty="0">
                 <a:solidFill>
                   <a:schemeClr val="tx1">
@@ -7079,21 +7225,7 @@
                 <a:latin typeface="微软雅黑" panose="020B0503020204020204" pitchFamily="34" charset="-122"/>
                 <a:ea typeface="微软雅黑" panose="020B0503020204020204" pitchFamily="34" charset="-122"/>
               </a:rPr>
-              <a:t>hbase</a:t>
-            </a:r>
-            <a:r>
-              <a:rPr lang="zh-CN" altLang="zh-CN" dirty="0">
-                <a:solidFill>
-                  <a:schemeClr val="tx1">
-                    <a:lumMod val="75000"/>
-                    <a:lumOff val="25000"/>
-                  </a:schemeClr>
-                </a:solidFill>
-                <a:latin typeface="微软雅黑" panose="020B0503020204020204" pitchFamily="34" charset="-122"/>
-                <a:ea typeface="微软雅黑" panose="020B0503020204020204" pitchFamily="34" charset="-122"/>
-              </a:rPr>
-              <a:t>默认的保存版本的历史数量是</a:t>
-            </a:r>
+            </a:br>
             <a:r>
               <a:rPr lang="en-US" altLang="zh-CN" dirty="0">
                 <a:solidFill>
@@ -7105,28 +7237,108 @@
                 <a:latin typeface="微软雅黑" panose="020B0503020204020204" pitchFamily="34" charset="-122"/>
                 <a:ea typeface="微软雅黑" panose="020B0503020204020204" pitchFamily="34" charset="-122"/>
               </a:rPr>
-              <a:t>3</a:t>
-            </a:r>
-            <a:r>
-              <a:rPr lang="zh-CN" altLang="zh-CN" dirty="0">
-                <a:solidFill>
-                  <a:schemeClr val="tx1">
-                    <a:lumMod val="75000"/>
-                    <a:lumOff val="25000"/>
-                  </a:schemeClr>
-                </a:solidFill>
-                <a:latin typeface="微软雅黑" panose="020B0503020204020204" pitchFamily="34" charset="-122"/>
-                <a:ea typeface="微软雅黑" panose="020B0503020204020204" pitchFamily="34" charset="-122"/>
-              </a:rPr>
-              <a:t>。</a:t>
-            </a:r>
-          </a:p>
-          <a:p>
-            <a:pPr>
-              <a:lnSpc>
-                <a:spcPct val="200000"/>
-              </a:lnSpc>
-            </a:pPr>
+              <a:t>hbase&gt; get ‘t1′, ‘r1′, {COLUMN =&gt; ‘c1′, TIMERANGE =&gt; [ts1, ts2], VERSIONS =&gt; 4} </a:t>
+            </a:r>
+            <a:br>
+              <a:rPr lang="en-US" altLang="zh-CN" dirty="0">
+                <a:solidFill>
+                  <a:schemeClr val="tx1">
+                    <a:lumMod val="75000"/>
+                    <a:lumOff val="25000"/>
+                  </a:schemeClr>
+                </a:solidFill>
+                <a:latin typeface="微软雅黑" panose="020B0503020204020204" pitchFamily="34" charset="-122"/>
+                <a:ea typeface="微软雅黑" panose="020B0503020204020204" pitchFamily="34" charset="-122"/>
+              </a:rPr>
+            </a:br>
+            <a:r>
+              <a:rPr lang="en-US" altLang="zh-CN" dirty="0">
+                <a:solidFill>
+                  <a:schemeClr val="tx1">
+                    <a:lumMod val="75000"/>
+                    <a:lumOff val="25000"/>
+                  </a:schemeClr>
+                </a:solidFill>
+                <a:latin typeface="微软雅黑" panose="020B0503020204020204" pitchFamily="34" charset="-122"/>
+                <a:ea typeface="微软雅黑" panose="020B0503020204020204" pitchFamily="34" charset="-122"/>
+              </a:rPr>
+              <a:t>hbase&gt; get ‘t1′, ‘r1′, {COLUMN =&gt; ‘c1′, TIMESTAMP =&gt; ts1, VERSIONS =&gt; 4} </a:t>
+            </a:r>
+            <a:br>
+              <a:rPr lang="en-US" altLang="zh-CN" dirty="0">
+                <a:solidFill>
+                  <a:schemeClr val="tx1">
+                    <a:lumMod val="75000"/>
+                    <a:lumOff val="25000"/>
+                  </a:schemeClr>
+                </a:solidFill>
+                <a:latin typeface="微软雅黑" panose="020B0503020204020204" pitchFamily="34" charset="-122"/>
+                <a:ea typeface="微软雅黑" panose="020B0503020204020204" pitchFamily="34" charset="-122"/>
+              </a:rPr>
+            </a:br>
+            <a:r>
+              <a:rPr lang="en-US" altLang="zh-CN" dirty="0">
+                <a:solidFill>
+                  <a:schemeClr val="tx1">
+                    <a:lumMod val="75000"/>
+                    <a:lumOff val="25000"/>
+                  </a:schemeClr>
+                </a:solidFill>
+                <a:latin typeface="微软雅黑" panose="020B0503020204020204" pitchFamily="34" charset="-122"/>
+                <a:ea typeface="微软雅黑" panose="020B0503020204020204" pitchFamily="34" charset="-122"/>
+              </a:rPr>
+              <a:t>hbase&gt; get ‘t1′, ‘r1′, ‘c1′ </a:t>
+            </a:r>
+            <a:br>
+              <a:rPr lang="en-US" altLang="zh-CN" dirty="0">
+                <a:solidFill>
+                  <a:schemeClr val="tx1">
+                    <a:lumMod val="75000"/>
+                    <a:lumOff val="25000"/>
+                  </a:schemeClr>
+                </a:solidFill>
+                <a:latin typeface="微软雅黑" panose="020B0503020204020204" pitchFamily="34" charset="-122"/>
+                <a:ea typeface="微软雅黑" panose="020B0503020204020204" pitchFamily="34" charset="-122"/>
+              </a:rPr>
+            </a:br>
+            <a:r>
+              <a:rPr lang="en-US" altLang="zh-CN" dirty="0">
+                <a:solidFill>
+                  <a:schemeClr val="tx1">
+                    <a:lumMod val="75000"/>
+                    <a:lumOff val="25000"/>
+                  </a:schemeClr>
+                </a:solidFill>
+                <a:latin typeface="微软雅黑" panose="020B0503020204020204" pitchFamily="34" charset="-122"/>
+                <a:ea typeface="微软雅黑" panose="020B0503020204020204" pitchFamily="34" charset="-122"/>
+              </a:rPr>
+              <a:t>hbase&gt; get ‘t1′, ‘r1′, ‘c1′, ‘c2′ </a:t>
+            </a:r>
+            <a:br>
+              <a:rPr lang="en-US" altLang="zh-CN" dirty="0">
+                <a:solidFill>
+                  <a:schemeClr val="tx1">
+                    <a:lumMod val="75000"/>
+                    <a:lumOff val="25000"/>
+                  </a:schemeClr>
+                </a:solidFill>
+                <a:latin typeface="微软雅黑" panose="020B0503020204020204" pitchFamily="34" charset="-122"/>
+                <a:ea typeface="微软雅黑" panose="020B0503020204020204" pitchFamily="34" charset="-122"/>
+              </a:rPr>
+            </a:br>
+            <a:r>
+              <a:rPr lang="en-US" altLang="zh-CN" dirty="0">
+                <a:solidFill>
+                  <a:schemeClr val="tx1">
+                    <a:lumMod val="75000"/>
+                    <a:lumOff val="25000"/>
+                  </a:schemeClr>
+                </a:solidFill>
+                <a:latin typeface="微软雅黑" panose="020B0503020204020204" pitchFamily="34" charset="-122"/>
+                <a:ea typeface="微软雅黑" panose="020B0503020204020204" pitchFamily="34" charset="-122"/>
+              </a:rPr>
+              <a:t>hbase&gt; get ‘t1′, ‘r1′, ['c1', 'c2'] </a:t>
+            </a:r>
             <a:endParaRPr lang="zh-CN" altLang="en-US" dirty="0">
               <a:solidFill>
                 <a:schemeClr val="tx1">
@@ -7143,7 +7355,7 @@
     </p:spTree>
     <p:extLst>
       <p:ext uri="{BB962C8B-B14F-4D97-AF65-F5344CB8AC3E}">
-        <p14:creationId xmlns:p14="http://schemas.microsoft.com/office/powerpoint/2010/main" xmlns="" val="1378945060"/>
+        <p14:creationId xmlns:p14="http://schemas.microsoft.com/office/powerpoint/2010/main" xmlns="" val="977844192"/>
       </p:ext>
     </p:extLst>
   </p:cSld>
@@ -7382,20 +7594,20 @@
           <a:lstStyle/>
           <a:p>
             <a:r>
-              <a:rPr lang="en-US" altLang="zh-CN" dirty="0">
-                <a:solidFill>
-                  <a:schemeClr val="tx1">
-                    <a:lumMod val="75000"/>
-                    <a:lumOff val="25000"/>
-                  </a:schemeClr>
-                </a:solidFill>
-                <a:latin typeface="微软雅黑" panose="020B0503020204020204" pitchFamily="34" charset="-122"/>
-                <a:ea typeface="微软雅黑" panose="020B0503020204020204" pitchFamily="34" charset="-122"/>
-              </a:rPr>
-              <a:t>Shell</a:t>
-            </a:r>
-            <a:r>
-              <a:rPr lang="zh-CN" altLang="en-US" dirty="0">
+              <a:rPr lang="en-US" altLang="zh-CN" dirty="0" smtClean="0">
+                <a:solidFill>
+                  <a:schemeClr val="tx1">
+                    <a:lumMod val="75000"/>
+                    <a:lumOff val="25000"/>
+                  </a:schemeClr>
+                </a:solidFill>
+                <a:latin typeface="微软雅黑" panose="020B0503020204020204" pitchFamily="34" charset="-122"/>
+                <a:ea typeface="微软雅黑" panose="020B0503020204020204" pitchFamily="34" charset="-122"/>
+              </a:rPr>
+              <a:t>java</a:t>
+            </a:r>
+            <a:r>
+              <a:rPr lang="zh-CN" altLang="en-US" dirty="0" smtClean="0">
                 <a:solidFill>
                   <a:schemeClr val="tx1">
                     <a:lumMod val="75000"/>
@@ -7406,274 +7618,6 @@
                 <a:ea typeface="微软雅黑" panose="020B0503020204020204" pitchFamily="34" charset="-122"/>
               </a:rPr>
               <a:t>：</a:t>
-            </a:r>
-          </a:p>
-        </p:txBody>
-      </p:sp>
-      <p:sp>
-        <p:nvSpPr>
-          <p:cNvPr id="6" name="文本框 5"/>
-          <p:cNvSpPr txBox="1"/>
-          <p:nvPr/>
-        </p:nvSpPr>
-        <p:spPr>
-          <a:xfrm>
-            <a:off x="2015543" y="2084994"/>
-            <a:ext cx="9897415" cy="4198393"/>
-          </a:xfrm>
-          <a:prstGeom prst="rect">
-            <a:avLst/>
-          </a:prstGeom>
-          <a:noFill/>
-        </p:spPr>
-        <p:txBody>
-          <a:bodyPr wrap="square" rtlCol="0">
-            <a:spAutoFit/>
-          </a:bodyPr>
-          <a:lstStyle/>
-          <a:p>
-            <a:pPr>
-              <a:lnSpc>
-                <a:spcPct val="150000"/>
-              </a:lnSpc>
-            </a:pPr>
-            <a:r>
-              <a:rPr lang="en-US" altLang="zh-CN" dirty="0">
-                <a:solidFill>
-                  <a:schemeClr val="tx1">
-                    <a:lumMod val="75000"/>
-                    <a:lumOff val="25000"/>
-                  </a:schemeClr>
-                </a:solidFill>
-                <a:latin typeface="微软雅黑" panose="020B0503020204020204" pitchFamily="34" charset="-122"/>
-                <a:ea typeface="微软雅黑" panose="020B0503020204020204" pitchFamily="34" charset="-122"/>
-              </a:rPr>
-              <a:t>hbase&gt; get ‘t1′, ‘r1′ </a:t>
-            </a:r>
-            <a:br>
-              <a:rPr lang="en-US" altLang="zh-CN" dirty="0">
-                <a:solidFill>
-                  <a:schemeClr val="tx1">
-                    <a:lumMod val="75000"/>
-                    <a:lumOff val="25000"/>
-                  </a:schemeClr>
-                </a:solidFill>
-                <a:latin typeface="微软雅黑" panose="020B0503020204020204" pitchFamily="34" charset="-122"/>
-                <a:ea typeface="微软雅黑" panose="020B0503020204020204" pitchFamily="34" charset="-122"/>
-              </a:rPr>
-            </a:br>
-            <a:r>
-              <a:rPr lang="en-US" altLang="zh-CN" dirty="0">
-                <a:solidFill>
-                  <a:schemeClr val="tx1">
-                    <a:lumMod val="75000"/>
-                    <a:lumOff val="25000"/>
-                  </a:schemeClr>
-                </a:solidFill>
-                <a:latin typeface="微软雅黑" panose="020B0503020204020204" pitchFamily="34" charset="-122"/>
-                <a:ea typeface="微软雅黑" panose="020B0503020204020204" pitchFamily="34" charset="-122"/>
-              </a:rPr>
-              <a:t>hbase&gt; get ‘t1′, ‘r1′, {TIMERANGE =&gt; [ts1, ts2]} </a:t>
-            </a:r>
-            <a:br>
-              <a:rPr lang="en-US" altLang="zh-CN" dirty="0">
-                <a:solidFill>
-                  <a:schemeClr val="tx1">
-                    <a:lumMod val="75000"/>
-                    <a:lumOff val="25000"/>
-                  </a:schemeClr>
-                </a:solidFill>
-                <a:latin typeface="微软雅黑" panose="020B0503020204020204" pitchFamily="34" charset="-122"/>
-                <a:ea typeface="微软雅黑" panose="020B0503020204020204" pitchFamily="34" charset="-122"/>
-              </a:rPr>
-            </a:br>
-            <a:r>
-              <a:rPr lang="en-US" altLang="zh-CN" dirty="0">
-                <a:solidFill>
-                  <a:schemeClr val="tx1">
-                    <a:lumMod val="75000"/>
-                    <a:lumOff val="25000"/>
-                  </a:schemeClr>
-                </a:solidFill>
-                <a:latin typeface="微软雅黑" panose="020B0503020204020204" pitchFamily="34" charset="-122"/>
-                <a:ea typeface="微软雅黑" panose="020B0503020204020204" pitchFamily="34" charset="-122"/>
-              </a:rPr>
-              <a:t>hbase&gt; get ‘t1′, ‘r1′, {COLUMN =&gt; ‘c1′} </a:t>
-            </a:r>
-            <a:br>
-              <a:rPr lang="en-US" altLang="zh-CN" dirty="0">
-                <a:solidFill>
-                  <a:schemeClr val="tx1">
-                    <a:lumMod val="75000"/>
-                    <a:lumOff val="25000"/>
-                  </a:schemeClr>
-                </a:solidFill>
-                <a:latin typeface="微软雅黑" panose="020B0503020204020204" pitchFamily="34" charset="-122"/>
-                <a:ea typeface="微软雅黑" panose="020B0503020204020204" pitchFamily="34" charset="-122"/>
-              </a:rPr>
-            </a:br>
-            <a:r>
-              <a:rPr lang="en-US" altLang="zh-CN" dirty="0">
-                <a:solidFill>
-                  <a:schemeClr val="tx1">
-                    <a:lumMod val="75000"/>
-                    <a:lumOff val="25000"/>
-                  </a:schemeClr>
-                </a:solidFill>
-                <a:latin typeface="微软雅黑" panose="020B0503020204020204" pitchFamily="34" charset="-122"/>
-                <a:ea typeface="微软雅黑" panose="020B0503020204020204" pitchFamily="34" charset="-122"/>
-              </a:rPr>
-              <a:t>hbase&gt; get ‘t1′, ‘r1′, {COLUMN =&gt; ['c1', 'c2', 'c3']} </a:t>
-            </a:r>
-            <a:br>
-              <a:rPr lang="en-US" altLang="zh-CN" dirty="0">
-                <a:solidFill>
-                  <a:schemeClr val="tx1">
-                    <a:lumMod val="75000"/>
-                    <a:lumOff val="25000"/>
-                  </a:schemeClr>
-                </a:solidFill>
-                <a:latin typeface="微软雅黑" panose="020B0503020204020204" pitchFamily="34" charset="-122"/>
-                <a:ea typeface="微软雅黑" panose="020B0503020204020204" pitchFamily="34" charset="-122"/>
-              </a:rPr>
-            </a:br>
-            <a:r>
-              <a:rPr lang="en-US" altLang="zh-CN" dirty="0">
-                <a:solidFill>
-                  <a:schemeClr val="tx1">
-                    <a:lumMod val="75000"/>
-                    <a:lumOff val="25000"/>
-                  </a:schemeClr>
-                </a:solidFill>
-                <a:latin typeface="微软雅黑" panose="020B0503020204020204" pitchFamily="34" charset="-122"/>
-                <a:ea typeface="微软雅黑" panose="020B0503020204020204" pitchFamily="34" charset="-122"/>
-              </a:rPr>
-              <a:t>hbase&gt; get ‘t1′, ‘r1′, {COLUMN =&gt; ‘c1′, TIMESTAMP =&gt; ts1} </a:t>
-            </a:r>
-            <a:br>
-              <a:rPr lang="en-US" altLang="zh-CN" dirty="0">
-                <a:solidFill>
-                  <a:schemeClr val="tx1">
-                    <a:lumMod val="75000"/>
-                    <a:lumOff val="25000"/>
-                  </a:schemeClr>
-                </a:solidFill>
-                <a:latin typeface="微软雅黑" panose="020B0503020204020204" pitchFamily="34" charset="-122"/>
-                <a:ea typeface="微软雅黑" panose="020B0503020204020204" pitchFamily="34" charset="-122"/>
-              </a:rPr>
-            </a:br>
-            <a:r>
-              <a:rPr lang="en-US" altLang="zh-CN" dirty="0">
-                <a:solidFill>
-                  <a:schemeClr val="tx1">
-                    <a:lumMod val="75000"/>
-                    <a:lumOff val="25000"/>
-                  </a:schemeClr>
-                </a:solidFill>
-                <a:latin typeface="微软雅黑" panose="020B0503020204020204" pitchFamily="34" charset="-122"/>
-                <a:ea typeface="微软雅黑" panose="020B0503020204020204" pitchFamily="34" charset="-122"/>
-              </a:rPr>
-              <a:t>hbase&gt; get ‘t1′, ‘r1′, {COLUMN =&gt; ‘c1′, TIMERANGE =&gt; [ts1, ts2], VERSIONS =&gt; 4} </a:t>
-            </a:r>
-            <a:br>
-              <a:rPr lang="en-US" altLang="zh-CN" dirty="0">
-                <a:solidFill>
-                  <a:schemeClr val="tx1">
-                    <a:lumMod val="75000"/>
-                    <a:lumOff val="25000"/>
-                  </a:schemeClr>
-                </a:solidFill>
-                <a:latin typeface="微软雅黑" panose="020B0503020204020204" pitchFamily="34" charset="-122"/>
-                <a:ea typeface="微软雅黑" panose="020B0503020204020204" pitchFamily="34" charset="-122"/>
-              </a:rPr>
-            </a:br>
-            <a:r>
-              <a:rPr lang="en-US" altLang="zh-CN" dirty="0">
-                <a:solidFill>
-                  <a:schemeClr val="tx1">
-                    <a:lumMod val="75000"/>
-                    <a:lumOff val="25000"/>
-                  </a:schemeClr>
-                </a:solidFill>
-                <a:latin typeface="微软雅黑" panose="020B0503020204020204" pitchFamily="34" charset="-122"/>
-                <a:ea typeface="微软雅黑" panose="020B0503020204020204" pitchFamily="34" charset="-122"/>
-              </a:rPr>
-              <a:t>hbase&gt; get ‘t1′, ‘r1′, {COLUMN =&gt; ‘c1′, TIMESTAMP =&gt; ts1, VERSIONS =&gt; 4} </a:t>
-            </a:r>
-            <a:br>
-              <a:rPr lang="en-US" altLang="zh-CN" dirty="0">
-                <a:solidFill>
-                  <a:schemeClr val="tx1">
-                    <a:lumMod val="75000"/>
-                    <a:lumOff val="25000"/>
-                  </a:schemeClr>
-                </a:solidFill>
-                <a:latin typeface="微软雅黑" panose="020B0503020204020204" pitchFamily="34" charset="-122"/>
-                <a:ea typeface="微软雅黑" panose="020B0503020204020204" pitchFamily="34" charset="-122"/>
-              </a:rPr>
-            </a:br>
-            <a:r>
-              <a:rPr lang="en-US" altLang="zh-CN" dirty="0">
-                <a:solidFill>
-                  <a:schemeClr val="tx1">
-                    <a:lumMod val="75000"/>
-                    <a:lumOff val="25000"/>
-                  </a:schemeClr>
-                </a:solidFill>
-                <a:latin typeface="微软雅黑" panose="020B0503020204020204" pitchFamily="34" charset="-122"/>
-                <a:ea typeface="微软雅黑" panose="020B0503020204020204" pitchFamily="34" charset="-122"/>
-              </a:rPr>
-              <a:t>hbase&gt; get ‘t1′, ‘r1′, ‘c1′ </a:t>
-            </a:r>
-            <a:br>
-              <a:rPr lang="en-US" altLang="zh-CN" dirty="0">
-                <a:solidFill>
-                  <a:schemeClr val="tx1">
-                    <a:lumMod val="75000"/>
-                    <a:lumOff val="25000"/>
-                  </a:schemeClr>
-                </a:solidFill>
-                <a:latin typeface="微软雅黑" panose="020B0503020204020204" pitchFamily="34" charset="-122"/>
-                <a:ea typeface="微软雅黑" panose="020B0503020204020204" pitchFamily="34" charset="-122"/>
-              </a:rPr>
-            </a:br>
-            <a:r>
-              <a:rPr lang="en-US" altLang="zh-CN" dirty="0">
-                <a:solidFill>
-                  <a:schemeClr val="tx1">
-                    <a:lumMod val="75000"/>
-                    <a:lumOff val="25000"/>
-                  </a:schemeClr>
-                </a:solidFill>
-                <a:latin typeface="微软雅黑" panose="020B0503020204020204" pitchFamily="34" charset="-122"/>
-                <a:ea typeface="微软雅黑" panose="020B0503020204020204" pitchFamily="34" charset="-122"/>
-              </a:rPr>
-              <a:t>hbase&gt; get ‘t1′, ‘r1′, ‘c1′, ‘c2′ </a:t>
-            </a:r>
-            <a:br>
-              <a:rPr lang="en-US" altLang="zh-CN" dirty="0">
-                <a:solidFill>
-                  <a:schemeClr val="tx1">
-                    <a:lumMod val="75000"/>
-                    <a:lumOff val="25000"/>
-                  </a:schemeClr>
-                </a:solidFill>
-                <a:latin typeface="微软雅黑" panose="020B0503020204020204" pitchFamily="34" charset="-122"/>
-                <a:ea typeface="微软雅黑" panose="020B0503020204020204" pitchFamily="34" charset="-122"/>
-              </a:rPr>
-            </a:br>
-            <a:r>
-              <a:rPr lang="en-US" altLang="zh-CN" dirty="0">
-                <a:solidFill>
-                  <a:schemeClr val="tx1">
-                    <a:lumMod val="75000"/>
-                    <a:lumOff val="25000"/>
-                  </a:schemeClr>
-                </a:solidFill>
-                <a:latin typeface="微软雅黑" panose="020B0503020204020204" pitchFamily="34" charset="-122"/>
-                <a:ea typeface="微软雅黑" panose="020B0503020204020204" pitchFamily="34" charset="-122"/>
-              </a:rPr>
-              <a:t>hbase&gt; get ‘t1′, ‘r1′, ['c1', 'c2'] </a:t>
             </a:r>
             <a:endParaRPr lang="zh-CN" altLang="en-US" dirty="0">
               <a:solidFill>
@@ -7688,10 +7632,137 @@
           </a:p>
         </p:txBody>
       </p:sp>
+      <p:sp>
+        <p:nvSpPr>
+          <p:cNvPr id="3" name="文本框 2"/>
+          <p:cNvSpPr txBox="1"/>
+          <p:nvPr/>
+        </p:nvSpPr>
+        <p:spPr>
+          <a:xfrm>
+            <a:off x="1468192" y="2756079"/>
+            <a:ext cx="3155323" cy="646331"/>
+          </a:xfrm>
+          <a:prstGeom prst="rect">
+            <a:avLst/>
+          </a:prstGeom>
+          <a:noFill/>
+        </p:spPr>
+        <p:txBody>
+          <a:bodyPr wrap="square" rtlCol="0">
+            <a:spAutoFit/>
+          </a:bodyPr>
+          <a:lstStyle/>
+          <a:p>
+            <a:pPr marL="285750" indent="-285750">
+              <a:buFont typeface="Arial" panose="020B0604020202020204" pitchFamily="34" charset="0"/>
+              <a:buChar char="•"/>
+            </a:pPr>
+            <a:r>
+              <a:rPr lang="zh-CN" altLang="zh-CN" dirty="0" smtClean="0">
+                <a:solidFill>
+                  <a:schemeClr val="tx1">
+                    <a:lumMod val="75000"/>
+                    <a:lumOff val="25000"/>
+                  </a:schemeClr>
+                </a:solidFill>
+                <a:latin typeface="微软雅黑" panose="020B0503020204020204" pitchFamily="34" charset="-122"/>
+                <a:ea typeface="微软雅黑" panose="020B0503020204020204" pitchFamily="34" charset="-122"/>
+              </a:rPr>
+              <a:t>通过</a:t>
+            </a:r>
+            <a:r>
+              <a:rPr lang="zh-CN" altLang="zh-CN" dirty="0">
+                <a:solidFill>
+                  <a:schemeClr val="tx1">
+                    <a:lumMod val="75000"/>
+                    <a:lumOff val="25000"/>
+                  </a:schemeClr>
+                </a:solidFill>
+                <a:latin typeface="微软雅黑" panose="020B0503020204020204" pitchFamily="34" charset="-122"/>
+                <a:ea typeface="微软雅黑" panose="020B0503020204020204" pitchFamily="34" charset="-122"/>
+              </a:rPr>
+              <a:t>单个</a:t>
+            </a:r>
+            <a:r>
+              <a:rPr lang="en-US" altLang="zh-CN" dirty="0">
+                <a:solidFill>
+                  <a:schemeClr val="tx1">
+                    <a:lumMod val="75000"/>
+                    <a:lumOff val="25000"/>
+                  </a:schemeClr>
+                </a:solidFill>
+                <a:latin typeface="微软雅黑" panose="020B0503020204020204" pitchFamily="34" charset="-122"/>
+                <a:ea typeface="微软雅黑" panose="020B0503020204020204" pitchFamily="34" charset="-122"/>
+              </a:rPr>
+              <a:t>row key</a:t>
+            </a:r>
+            <a:r>
+              <a:rPr lang="zh-CN" altLang="zh-CN" dirty="0">
+                <a:solidFill>
+                  <a:schemeClr val="tx1">
+                    <a:lumMod val="75000"/>
+                    <a:lumOff val="25000"/>
+                  </a:schemeClr>
+                </a:solidFill>
+                <a:latin typeface="微软雅黑" panose="020B0503020204020204" pitchFamily="34" charset="-122"/>
+                <a:ea typeface="微软雅黑" panose="020B0503020204020204" pitchFamily="34" charset="-122"/>
+              </a:rPr>
+              <a:t>访问</a:t>
+            </a:r>
+          </a:p>
+          <a:p>
+            <a:pPr marL="285750" indent="-285750">
+              <a:buFont typeface="Arial" panose="020B0604020202020204" pitchFamily="34" charset="0"/>
+              <a:buChar char="•"/>
+            </a:pPr>
+            <a:endParaRPr lang="zh-CN" altLang="en-US" dirty="0">
+              <a:solidFill>
+                <a:schemeClr val="tx1">
+                  <a:lumMod val="75000"/>
+                  <a:lumOff val="25000"/>
+                </a:schemeClr>
+              </a:solidFill>
+              <a:latin typeface="微软雅黑" panose="020B0503020204020204" pitchFamily="34" charset="-122"/>
+              <a:ea typeface="微软雅黑" panose="020B0503020204020204" pitchFamily="34" charset="-122"/>
+            </a:endParaRPr>
+          </a:p>
+        </p:txBody>
+      </p:sp>
+      <p:pic>
+        <p:nvPicPr>
+          <p:cNvPr id="9" name="图片 8"/>
+          <p:cNvPicPr/>
+          <p:nvPr/>
+        </p:nvPicPr>
+        <p:blipFill>
+          <a:blip r:embed="rId3"/>
+          <a:srcRect/>
+          <a:stretch>
+            <a:fillRect/>
+          </a:stretch>
+        </p:blipFill>
+        <p:spPr bwMode="auto">
+          <a:xfrm>
+            <a:off x="2248231" y="3402410"/>
+            <a:ext cx="6779859" cy="1993839"/>
+          </a:xfrm>
+          <a:prstGeom prst="rect">
+            <a:avLst/>
+          </a:prstGeom>
+          <a:noFill/>
+          <a:ln w="9525">
+            <a:noFill/>
+            <a:miter lim="800000"/>
+            <a:headEnd/>
+            <a:tailEnd/>
+          </a:ln>
+        </p:spPr>
+      </p:pic>
     </p:spTree>
     <p:extLst>
       <p:ext uri="{BB962C8B-B14F-4D97-AF65-F5344CB8AC3E}">
-        <p14:creationId xmlns:p14="http://schemas.microsoft.com/office/powerpoint/2010/main" xmlns="" val="977844192"/>
+        <p14:creationId xmlns:p14="http://schemas.microsoft.com/office/powerpoint/2010/main" xmlns="" val="195885392"/>
       </p:ext>
     </p:extLst>
   </p:cSld>
@@ -7977,7 +8048,7 @@
         <p:spPr>
           <a:xfrm>
             <a:off x="1468192" y="2756079"/>
-            <a:ext cx="3155323" cy="646331"/>
+            <a:ext cx="3155323" cy="369332"/>
           </a:xfrm>
           <a:prstGeom prst="rect">
             <a:avLst/>
@@ -7995,19 +8066,6 @@
               <a:buChar char="•"/>
             </a:pPr>
             <a:r>
-              <a:rPr lang="zh-CN" altLang="zh-CN" dirty="0" smtClean="0">
-                <a:solidFill>
-                  <a:schemeClr val="tx1">
-                    <a:lumMod val="75000"/>
-                    <a:lumOff val="25000"/>
-                  </a:schemeClr>
-                </a:solidFill>
-                <a:latin typeface="微软雅黑" panose="020B0503020204020204" pitchFamily="34" charset="-122"/>
-                <a:ea typeface="微软雅黑" panose="020B0503020204020204" pitchFamily="34" charset="-122"/>
-              </a:rPr>
-              <a:t>通过</a:t>
-            </a:r>
-            <a:r>
               <a:rPr lang="zh-CN" altLang="zh-CN" dirty="0">
                 <a:solidFill>
                   <a:schemeClr val="tx1">
@@ -8018,7 +8076,7 @@
                 <a:latin typeface="微软雅黑" panose="020B0503020204020204" pitchFamily="34" charset="-122"/>
                 <a:ea typeface="微软雅黑" panose="020B0503020204020204" pitchFamily="34" charset="-122"/>
               </a:rPr>
-              <a:t>单个</a:t>
+              <a:t>全表扫描（</a:t>
             </a:r>
             <a:r>
               <a:rPr lang="en-US" altLang="zh-CN" dirty="0">
@@ -8031,7 +8089,7 @@
                 <a:latin typeface="微软雅黑" panose="020B0503020204020204" pitchFamily="34" charset="-122"/>
                 <a:ea typeface="微软雅黑" panose="020B0503020204020204" pitchFamily="34" charset="-122"/>
               </a:rPr>
-              <a:t>row key</a:t>
+              <a:t>scan</a:t>
             </a:r>
             <a:r>
               <a:rPr lang="zh-CN" altLang="zh-CN" dirty="0">
@@ -8044,14 +8102,8 @@
                 <a:latin typeface="微软雅黑" panose="020B0503020204020204" pitchFamily="34" charset="-122"/>
                 <a:ea typeface="微软雅黑" panose="020B0503020204020204" pitchFamily="34" charset="-122"/>
               </a:rPr>
-              <a:t>访问</a:t>
-            </a:r>
-          </a:p>
-          <a:p>
-            <a:pPr marL="285750" indent="-285750">
-              <a:buFont typeface="Arial" panose="020B0604020202020204" pitchFamily="34" charset="0"/>
-              <a:buChar char="•"/>
-            </a:pPr>
+              <a:t>）</a:t>
+            </a:r>
             <a:endParaRPr lang="zh-CN" altLang="en-US" dirty="0">
               <a:solidFill>
                 <a:schemeClr val="tx1">
@@ -8067,7 +8119,7 @@
       </p:sp>
       <p:pic>
         <p:nvPicPr>
-          <p:cNvPr id="9" name="图片 8"/>
+          <p:cNvPr id="11" name="图片 10"/>
           <p:cNvPicPr/>
           <p:nvPr/>
         </p:nvPicPr>
@@ -8080,8 +8132,8 @@
         </p:blipFill>
         <p:spPr bwMode="auto">
           <a:xfrm>
-            <a:off x="2248231" y="3402410"/>
-            <a:ext cx="6779859" cy="1993839"/>
+            <a:off x="1986359" y="3429000"/>
+            <a:ext cx="7260671" cy="2263462"/>
           </a:xfrm>
           <a:prstGeom prst="rect">
             <a:avLst/>
@@ -8098,7 +8150,7 @@
     </p:spTree>
     <p:extLst>
       <p:ext uri="{BB962C8B-B14F-4D97-AF65-F5344CB8AC3E}">
-        <p14:creationId xmlns:p14="http://schemas.microsoft.com/office/powerpoint/2010/main" xmlns="" val="195885392"/>
+        <p14:creationId xmlns:p14="http://schemas.microsoft.com/office/powerpoint/2010/main" xmlns="" val="2399805559"/>
       </p:ext>
     </p:extLst>
   </p:cSld>
@@ -9337,43 +9389,56 @@
               <a:buChar char="•"/>
             </a:pPr>
             <a:r>
-              <a:rPr lang="zh-CN" altLang="zh-CN" dirty="0">
-                <a:solidFill>
-                  <a:schemeClr val="tx1">
-                    <a:lumMod val="75000"/>
-                    <a:lumOff val="25000"/>
-                  </a:schemeClr>
-                </a:solidFill>
-                <a:latin typeface="微软雅黑" panose="020B0503020204020204" pitchFamily="34" charset="-122"/>
-                <a:ea typeface="微软雅黑" panose="020B0503020204020204" pitchFamily="34" charset="-122"/>
-              </a:rPr>
-              <a:t>全表扫描（</a:t>
-            </a:r>
-            <a:r>
-              <a:rPr lang="en-US" altLang="zh-CN" dirty="0">
-                <a:solidFill>
-                  <a:schemeClr val="tx1">
-                    <a:lumMod val="75000"/>
-                    <a:lumOff val="25000"/>
-                  </a:schemeClr>
-                </a:solidFill>
-                <a:latin typeface="微软雅黑" panose="020B0503020204020204" pitchFamily="34" charset="-122"/>
-                <a:ea typeface="微软雅黑" panose="020B0503020204020204" pitchFamily="34" charset="-122"/>
-              </a:rPr>
-              <a:t>scan</a:t>
-            </a:r>
-            <a:r>
-              <a:rPr lang="zh-CN" altLang="zh-CN" dirty="0">
-                <a:solidFill>
-                  <a:schemeClr val="tx1">
-                    <a:lumMod val="75000"/>
-                    <a:lumOff val="25000"/>
-                  </a:schemeClr>
-                </a:solidFill>
-                <a:latin typeface="微软雅黑" panose="020B0503020204020204" pitchFamily="34" charset="-122"/>
-                <a:ea typeface="微软雅黑" panose="020B0503020204020204" pitchFamily="34" charset="-122"/>
-              </a:rPr>
-              <a:t>）</a:t>
+              <a:rPr lang="zh-CN" altLang="en-US" dirty="0" smtClean="0">
+                <a:solidFill>
+                  <a:schemeClr val="tx1">
+                    <a:lumMod val="75000"/>
+                    <a:lumOff val="25000"/>
+                  </a:schemeClr>
+                </a:solidFill>
+                <a:latin typeface="微软雅黑" panose="020B0503020204020204" pitchFamily="34" charset="-122"/>
+                <a:ea typeface="微软雅黑" panose="020B0503020204020204" pitchFamily="34" charset="-122"/>
+              </a:rPr>
+              <a:t>通过</a:t>
+            </a:r>
+            <a:r>
+              <a:rPr lang="en-US" altLang="zh-CN" dirty="0" err="1" smtClean="0">
+                <a:solidFill>
+                  <a:schemeClr val="tx1">
+                    <a:lumMod val="75000"/>
+                    <a:lumOff val="25000"/>
+                  </a:schemeClr>
+                </a:solidFill>
+                <a:latin typeface="微软雅黑" panose="020B0503020204020204" pitchFamily="34" charset="-122"/>
+                <a:ea typeface="微软雅黑" panose="020B0503020204020204" pitchFamily="34" charset="-122"/>
+              </a:rPr>
+              <a:t>rowkey</a:t>
+            </a:r>
+            <a:r>
+              <a:rPr lang="zh-CN" altLang="en-US" dirty="0" smtClean="0">
+                <a:solidFill>
+                  <a:schemeClr val="tx1">
+                    <a:lumMod val="75000"/>
+                    <a:lumOff val="25000"/>
+                  </a:schemeClr>
+                </a:solidFill>
+                <a:latin typeface="微软雅黑" panose="020B0503020204020204" pitchFamily="34" charset="-122"/>
+                <a:ea typeface="微软雅黑" panose="020B0503020204020204" pitchFamily="34" charset="-122"/>
+              </a:rPr>
+              <a:t>的</a:t>
+            </a:r>
+            <a:r>
+              <a:rPr lang="en-US" altLang="zh-CN" dirty="0" smtClean="0">
+                <a:solidFill>
+                  <a:schemeClr val="tx1">
+                    <a:lumMod val="75000"/>
+                    <a:lumOff val="25000"/>
+                  </a:schemeClr>
+                </a:solidFill>
+                <a:latin typeface="微软雅黑" panose="020B0503020204020204" pitchFamily="34" charset="-122"/>
+                <a:ea typeface="微软雅黑" panose="020B0503020204020204" pitchFamily="34" charset="-122"/>
+              </a:rPr>
+              <a:t>range</a:t>
             </a:r>
             <a:endParaRPr lang="zh-CN" altLang="en-US" dirty="0">
               <a:solidFill>
@@ -9390,8 +9455,10 @@
       </p:sp>
       <p:pic>
         <p:nvPicPr>
-          <p:cNvPr id="11" name="图片 10"/>
-          <p:cNvPicPr/>
+          <p:cNvPr id="1026" name="Picture 2"/>
+          <p:cNvPicPr>
+            <a:picLocks noChangeAspect="1" noChangeArrowheads="1"/>
+          </p:cNvPicPr>
           <p:nvPr/>
         </p:nvPicPr>
         <p:blipFill>
@@ -9403,8 +9470,8 @@
         </p:blipFill>
         <p:spPr bwMode="auto">
           <a:xfrm>
-            <a:off x="1986359" y="3429000"/>
-            <a:ext cx="7260671" cy="2263462"/>
+            <a:off x="1901729" y="3471932"/>
+            <a:ext cx="8349575" cy="2110001"/>
           </a:xfrm>
           <a:prstGeom prst="rect">
             <a:avLst/>
@@ -9416,6 +9483,7 @@
             <a:headEnd/>
             <a:tailEnd/>
           </a:ln>
+          <a:effectLst/>
         </p:spPr>
       </p:pic>
     </p:spTree>
@@ -15679,7 +15747,7 @@
               <a:t>中</a:t>
             </a:r>
             <a:r>
-              <a:rPr lang="en-US" altLang="zh-CN" dirty="0" err="1">
+              <a:rPr lang="en-US" altLang="zh-CN" dirty="0">
                 <a:solidFill>
                   <a:schemeClr val="tx1">
                     <a:lumMod val="75000"/>
@@ -16175,7 +16243,7 @@
               <a:t>范围查询，根据</a:t>
             </a:r>
             <a:r>
-              <a:rPr lang="en-US" altLang="zh-CN" dirty="0" err="1">
+              <a:rPr lang="en-US" altLang="zh-CN" dirty="0">
                 <a:solidFill>
                   <a:schemeClr val="tx1">
                     <a:lumMod val="75000"/>
@@ -16628,14 +16696,14 @@
       </p:grpSpPr>
       <p:pic>
         <p:nvPicPr>
-          <p:cNvPr id="29" name="图片 28"/>
+          <p:cNvPr id="83" name="图片 82"/>
           <p:cNvPicPr>
             <a:picLocks noChangeAspect="1"/>
           </p:cNvPicPr>
           <p:nvPr/>
         </p:nvPicPr>
         <p:blipFill>
-          <a:blip r:embed="rId2">
+          <a:blip r:embed="rId3">
             <a:extLst>
               <a:ext uri="{28A0092B-C50C-407E-A947-70E740481C1C}">
                 <a14:useLocalDpi xmlns:a14="http://schemas.microsoft.com/office/drawing/2010/main" xmlns="" val="0"/>
@@ -16648,7 +16716,7 @@
         </p:blipFill>
         <p:spPr>
           <a:xfrm>
-            <a:off x="0" y="0"/>
+            <a:off x="24000" y="0"/>
             <a:ext cx="12192000" cy="6858000"/>
           </a:xfrm>
           <a:prstGeom prst="rect">
@@ -16658,7 +16726,7 @@
       </p:pic>
       <p:sp>
         <p:nvSpPr>
-          <p:cNvPr id="27" name="剪去单角的矩形 26"/>
+          <p:cNvPr id="81" name="剪去单角的矩形 80"/>
           <p:cNvSpPr/>
           <p:nvPr/>
         </p:nvSpPr>
@@ -16706,7 +16774,7 @@
       </p:sp>
       <p:sp>
         <p:nvSpPr>
-          <p:cNvPr id="28" name="标题 1"/>
+          <p:cNvPr id="82" name="标题 1"/>
           <p:cNvSpPr>
             <a:spLocks noGrp="1"/>
           </p:cNvSpPr>
@@ -16734,1039 +16802,52 @@
                 <a:latin typeface="苹方 细体" panose="020B0200000000000000" pitchFamily="34" charset="-122"/>
                 <a:ea typeface="苹方 细体" panose="020B0200000000000000" pitchFamily="34" charset="-122"/>
               </a:rPr>
-              <a:t>                       </a:t>
-            </a:r>
-            <a:r>
-              <a:rPr lang="en-US" altLang="zh-CN" sz="2400" dirty="0">
+              <a:t>            </a:t>
+            </a:r>
+            <a:r>
+              <a:rPr lang="en-US" altLang="zh-CN" sz="2800" dirty="0" smtClean="0">
                 <a:solidFill>
                   <a:schemeClr val="bg1"/>
                 </a:solidFill>
-                <a:latin typeface="微软雅黑" panose="020B0503020204020204" pitchFamily="34" charset="-122"/>
-                <a:ea typeface="微软雅黑" panose="020B0503020204020204" pitchFamily="34" charset="-122"/>
-              </a:rPr>
-              <a:t>summary</a:t>
+                <a:latin typeface="苹方 细体" panose="020B0200000000000000" pitchFamily="34" charset="-122"/>
+                <a:ea typeface="苹方 细体" panose="020B0200000000000000" pitchFamily="34" charset="-122"/>
+              </a:rPr>
+              <a:t>Summary</a:t>
             </a:r>
             <a:endParaRPr lang="zh-CN" altLang="en-US" sz="2400" dirty="0">
               <a:solidFill>
                 <a:schemeClr val="bg1"/>
               </a:solidFill>
-            </a:endParaRPr>
-          </a:p>
-        </p:txBody>
-      </p:sp>
-      <p:sp>
-        <p:nvSpPr>
-          <p:cNvPr id="30" name="文本框 29"/>
-          <p:cNvSpPr txBox="1"/>
-          <p:nvPr/>
-        </p:nvSpPr>
-        <p:spPr>
-          <a:xfrm>
-            <a:off x="1284284" y="1295022"/>
-            <a:ext cx="800219" cy="461665"/>
-          </a:xfrm>
-          <a:prstGeom prst="rect">
-            <a:avLst/>
-          </a:prstGeom>
-          <a:noFill/>
-        </p:spPr>
-        <p:txBody>
-          <a:bodyPr wrap="none" rtlCol="0">
-            <a:spAutoFit/>
-          </a:bodyPr>
-          <a:lstStyle/>
-          <a:p>
-            <a:r>
-              <a:rPr lang="zh-CN" altLang="en-US" sz="2400" dirty="0" smtClean="0">
-                <a:solidFill>
-                  <a:srgbClr val="404040"/>
-                </a:solidFill>
-                <a:latin typeface="微软雅黑" panose="020B0503020204020204" pitchFamily="34" charset="-122"/>
-                <a:ea typeface="微软雅黑" panose="020B0503020204020204" pitchFamily="34" charset="-122"/>
-              </a:rPr>
-              <a:t>实例</a:t>
-            </a:r>
-            <a:endParaRPr lang="zh-CN" altLang="en-US" sz="2400" dirty="0">
-              <a:solidFill>
-                <a:srgbClr val="404040"/>
-              </a:solidFill>
               <a:latin typeface="微软雅黑" panose="020B0503020204020204" pitchFamily="34" charset="-122"/>
               <a:ea typeface="微软雅黑" panose="020B0503020204020204" pitchFamily="34" charset="-122"/>
             </a:endParaRPr>
           </a:p>
         </p:txBody>
       </p:sp>
-      <p:sp>
-        <p:nvSpPr>
-          <p:cNvPr id="2" name="文本框 1"/>
-          <p:cNvSpPr txBox="1"/>
+      <p:graphicFrame>
+        <p:nvGraphicFramePr>
+          <p:cNvPr id="1026" name="Object 2"/>
+          <p:cNvGraphicFramePr>
+            <a:graphicFrameLocks noChangeAspect="1"/>
+          </p:cNvGraphicFramePr>
           <p:nvPr/>
-        </p:nvSpPr>
-        <p:spPr>
-          <a:xfrm>
-            <a:off x="1491209" y="1748742"/>
-            <a:ext cx="8706119" cy="5078313"/>
-          </a:xfrm>
-          <a:prstGeom prst="rect">
-            <a:avLst/>
-          </a:prstGeom>
-          <a:noFill/>
-        </p:spPr>
-        <p:txBody>
-          <a:bodyPr wrap="square" rtlCol="0">
-            <a:spAutoFit/>
-          </a:bodyPr>
-          <a:lstStyle/>
-          <a:p>
-            <a:pPr>
-              <a:lnSpc>
-                <a:spcPct val="150000"/>
-              </a:lnSpc>
-            </a:pPr>
-            <a:r>
-              <a:rPr lang="zh-CN" altLang="zh-CN" dirty="0">
-                <a:solidFill>
-                  <a:schemeClr val="tx1">
-                    <a:lumMod val="75000"/>
-                    <a:lumOff val="25000"/>
-                  </a:schemeClr>
-                </a:solidFill>
-                <a:latin typeface="微软雅黑" panose="020B0503020204020204" pitchFamily="34" charset="-122"/>
-                <a:ea typeface="微软雅黑" panose="020B0503020204020204" pitchFamily="34" charset="-122"/>
-              </a:rPr>
-              <a:t>对于基于</a:t>
-            </a:r>
-            <a:r>
-              <a:rPr lang="en-US" altLang="zh-CN" dirty="0" err="1">
-                <a:solidFill>
-                  <a:schemeClr val="tx1">
-                    <a:lumMod val="75000"/>
-                    <a:lumOff val="25000"/>
-                  </a:schemeClr>
-                </a:solidFill>
-                <a:latin typeface="微软雅黑" panose="020B0503020204020204" pitchFamily="34" charset="-122"/>
-                <a:ea typeface="微软雅黑" panose="020B0503020204020204" pitchFamily="34" charset="-122"/>
-              </a:rPr>
-              <a:t>RowKey</a:t>
-            </a:r>
-            <a:r>
-              <a:rPr lang="zh-CN" altLang="zh-CN" dirty="0">
-                <a:solidFill>
-                  <a:schemeClr val="tx1">
-                    <a:lumMod val="75000"/>
-                    <a:lumOff val="25000"/>
-                  </a:schemeClr>
-                </a:solidFill>
-                <a:latin typeface="微软雅黑" panose="020B0503020204020204" pitchFamily="34" charset="-122"/>
-                <a:ea typeface="微软雅黑" panose="020B0503020204020204" pitchFamily="34" charset="-122"/>
-              </a:rPr>
-              <a:t>的范围查询设计，我们来看一个实例：</a:t>
-            </a:r>
-            <a:r>
-              <a:rPr lang="en-US" altLang="zh-CN" dirty="0">
-                <a:solidFill>
-                  <a:schemeClr val="tx1">
-                    <a:lumMod val="75000"/>
-                    <a:lumOff val="25000"/>
-                  </a:schemeClr>
-                </a:solidFill>
-                <a:latin typeface="微软雅黑" panose="020B0503020204020204" pitchFamily="34" charset="-122"/>
-                <a:ea typeface="微软雅黑" panose="020B0503020204020204" pitchFamily="34" charset="-122"/>
-              </a:rPr>
-              <a:t/>
-            </a:r>
-            <a:br>
-              <a:rPr lang="en-US" altLang="zh-CN" dirty="0">
-                <a:solidFill>
-                  <a:schemeClr val="tx1">
-                    <a:lumMod val="75000"/>
-                    <a:lumOff val="25000"/>
-                  </a:schemeClr>
-                </a:solidFill>
-                <a:latin typeface="微软雅黑" panose="020B0503020204020204" pitchFamily="34" charset="-122"/>
-                <a:ea typeface="微软雅黑" panose="020B0503020204020204" pitchFamily="34" charset="-122"/>
-              </a:rPr>
-            </a:br>
-            <a:r>
-              <a:rPr lang="en-US" altLang="zh-CN" dirty="0">
-                <a:solidFill>
-                  <a:schemeClr val="tx1">
-                    <a:lumMod val="75000"/>
-                    <a:lumOff val="25000"/>
-                  </a:schemeClr>
-                </a:solidFill>
-                <a:latin typeface="微软雅黑" panose="020B0503020204020204" pitchFamily="34" charset="-122"/>
-                <a:ea typeface="微软雅黑" panose="020B0503020204020204" pitchFamily="34" charset="-122"/>
-              </a:rPr>
-              <a:t>1. </a:t>
-            </a:r>
-            <a:r>
-              <a:rPr lang="zh-CN" altLang="zh-CN" dirty="0">
-                <a:solidFill>
-                  <a:schemeClr val="tx1">
-                    <a:lumMod val="75000"/>
-                    <a:lumOff val="25000"/>
-                  </a:schemeClr>
-                </a:solidFill>
-                <a:latin typeface="微软雅黑" panose="020B0503020204020204" pitchFamily="34" charset="-122"/>
-                <a:ea typeface="微软雅黑" panose="020B0503020204020204" pitchFamily="34" charset="-122"/>
-              </a:rPr>
-              <a:t>给出</a:t>
-            </a:r>
-            <a:r>
-              <a:rPr lang="en-US" altLang="zh-CN" dirty="0" err="1">
-                <a:solidFill>
-                  <a:schemeClr val="tx1">
-                    <a:lumMod val="75000"/>
-                    <a:lumOff val="25000"/>
-                  </a:schemeClr>
-                </a:solidFill>
-                <a:latin typeface="微软雅黑" panose="020B0503020204020204" pitchFamily="34" charset="-122"/>
-                <a:ea typeface="微软雅黑" panose="020B0503020204020204" pitchFamily="34" charset="-122"/>
-              </a:rPr>
-              <a:t>userid</a:t>
-            </a:r>
-            <a:r>
-              <a:rPr lang="zh-CN" altLang="zh-CN" dirty="0">
-                <a:solidFill>
-                  <a:schemeClr val="tx1">
-                    <a:lumMod val="75000"/>
-                    <a:lumOff val="25000"/>
-                  </a:schemeClr>
-                </a:solidFill>
-                <a:latin typeface="微软雅黑" panose="020B0503020204020204" pitchFamily="34" charset="-122"/>
-                <a:ea typeface="微软雅黑" panose="020B0503020204020204" pitchFamily="34" charset="-122"/>
-              </a:rPr>
-              <a:t>，返回这个</a:t>
-            </a:r>
-            <a:r>
-              <a:rPr lang="en-US" altLang="zh-CN" dirty="0" err="1">
-                <a:solidFill>
-                  <a:schemeClr val="tx1">
-                    <a:lumMod val="75000"/>
-                    <a:lumOff val="25000"/>
-                  </a:schemeClr>
-                </a:solidFill>
-                <a:latin typeface="微软雅黑" panose="020B0503020204020204" pitchFamily="34" charset="-122"/>
-                <a:ea typeface="微软雅黑" panose="020B0503020204020204" pitchFamily="34" charset="-122"/>
-              </a:rPr>
-              <a:t>userid</a:t>
-            </a:r>
-            <a:r>
-              <a:rPr lang="zh-CN" altLang="zh-CN" dirty="0">
-                <a:solidFill>
-                  <a:schemeClr val="tx1">
-                    <a:lumMod val="75000"/>
-                    <a:lumOff val="25000"/>
-                  </a:schemeClr>
-                </a:solidFill>
-                <a:latin typeface="微软雅黑" panose="020B0503020204020204" pitchFamily="34" charset="-122"/>
-                <a:ea typeface="微软雅黑" panose="020B0503020204020204" pitchFamily="34" charset="-122"/>
-              </a:rPr>
-              <a:t>最近插入的</a:t>
-            </a:r>
-            <a:r>
-              <a:rPr lang="en-US" altLang="zh-CN" dirty="0">
-                <a:solidFill>
-                  <a:schemeClr val="tx1">
-                    <a:lumMod val="75000"/>
-                    <a:lumOff val="25000"/>
-                  </a:schemeClr>
-                </a:solidFill>
-                <a:latin typeface="微软雅黑" panose="020B0503020204020204" pitchFamily="34" charset="-122"/>
-                <a:ea typeface="微软雅黑" panose="020B0503020204020204" pitchFamily="34" charset="-122"/>
-              </a:rPr>
-              <a:t>N</a:t>
-            </a:r>
-            <a:r>
-              <a:rPr lang="zh-CN" altLang="zh-CN" dirty="0">
-                <a:solidFill>
-                  <a:schemeClr val="tx1">
-                    <a:lumMod val="75000"/>
-                    <a:lumOff val="25000"/>
-                  </a:schemeClr>
-                </a:solidFill>
-                <a:latin typeface="微软雅黑" panose="020B0503020204020204" pitchFamily="34" charset="-122"/>
-                <a:ea typeface="微软雅黑" panose="020B0503020204020204" pitchFamily="34" charset="-122"/>
-              </a:rPr>
-              <a:t>条数据</a:t>
-            </a:r>
-            <a:r>
-              <a:rPr lang="en-US" altLang="zh-CN" dirty="0">
-                <a:solidFill>
-                  <a:schemeClr val="tx1">
-                    <a:lumMod val="75000"/>
-                    <a:lumOff val="25000"/>
-                  </a:schemeClr>
-                </a:solidFill>
-                <a:latin typeface="微软雅黑" panose="020B0503020204020204" pitchFamily="34" charset="-122"/>
-                <a:ea typeface="微软雅黑" panose="020B0503020204020204" pitchFamily="34" charset="-122"/>
-              </a:rPr>
-              <a:t> </a:t>
-            </a:r>
-            <a:br>
-              <a:rPr lang="en-US" altLang="zh-CN" dirty="0">
-                <a:solidFill>
-                  <a:schemeClr val="tx1">
-                    <a:lumMod val="75000"/>
-                    <a:lumOff val="25000"/>
-                  </a:schemeClr>
-                </a:solidFill>
-                <a:latin typeface="微软雅黑" panose="020B0503020204020204" pitchFamily="34" charset="-122"/>
-                <a:ea typeface="微软雅黑" panose="020B0503020204020204" pitchFamily="34" charset="-122"/>
-              </a:rPr>
-            </a:br>
-            <a:r>
-              <a:rPr lang="en-US" altLang="zh-CN" dirty="0">
-                <a:solidFill>
-                  <a:schemeClr val="tx1">
-                    <a:lumMod val="75000"/>
-                    <a:lumOff val="25000"/>
-                  </a:schemeClr>
-                </a:solidFill>
-                <a:latin typeface="微软雅黑" panose="020B0503020204020204" pitchFamily="34" charset="-122"/>
-                <a:ea typeface="微软雅黑" panose="020B0503020204020204" pitchFamily="34" charset="-122"/>
-              </a:rPr>
-              <a:t>2. </a:t>
-            </a:r>
-            <a:r>
-              <a:rPr lang="zh-CN" altLang="zh-CN" dirty="0">
-                <a:solidFill>
-                  <a:schemeClr val="tx1">
-                    <a:lumMod val="75000"/>
-                    <a:lumOff val="25000"/>
-                  </a:schemeClr>
-                </a:solidFill>
-                <a:latin typeface="微软雅黑" panose="020B0503020204020204" pitchFamily="34" charset="-122"/>
-                <a:ea typeface="微软雅黑" panose="020B0503020204020204" pitchFamily="34" charset="-122"/>
-              </a:rPr>
-              <a:t>给出</a:t>
-            </a:r>
-            <a:r>
-              <a:rPr lang="en-US" altLang="zh-CN" dirty="0" err="1">
-                <a:solidFill>
-                  <a:schemeClr val="tx1">
-                    <a:lumMod val="75000"/>
-                    <a:lumOff val="25000"/>
-                  </a:schemeClr>
-                </a:solidFill>
-                <a:latin typeface="微软雅黑" panose="020B0503020204020204" pitchFamily="34" charset="-122"/>
-                <a:ea typeface="微软雅黑" panose="020B0503020204020204" pitchFamily="34" charset="-122"/>
-              </a:rPr>
-              <a:t>userid</a:t>
-            </a:r>
-            <a:r>
-              <a:rPr lang="zh-CN" altLang="zh-CN" dirty="0">
-                <a:solidFill>
-                  <a:schemeClr val="tx1">
-                    <a:lumMod val="75000"/>
-                    <a:lumOff val="25000"/>
-                  </a:schemeClr>
-                </a:solidFill>
-                <a:latin typeface="微软雅黑" panose="020B0503020204020204" pitchFamily="34" charset="-122"/>
-                <a:ea typeface="微软雅黑" panose="020B0503020204020204" pitchFamily="34" charset="-122"/>
-              </a:rPr>
-              <a:t>，及一个时间区间，返回这个时间区间的</a:t>
-            </a:r>
-            <a:r>
-              <a:rPr lang="en-US" altLang="zh-CN" dirty="0">
-                <a:solidFill>
-                  <a:schemeClr val="tx1">
-                    <a:lumMod val="75000"/>
-                    <a:lumOff val="25000"/>
-                  </a:schemeClr>
-                </a:solidFill>
-                <a:latin typeface="微软雅黑" panose="020B0503020204020204" pitchFamily="34" charset="-122"/>
-                <a:ea typeface="微软雅黑" panose="020B0503020204020204" pitchFamily="34" charset="-122"/>
-              </a:rPr>
-              <a:t>N</a:t>
-            </a:r>
-            <a:r>
-              <a:rPr lang="zh-CN" altLang="zh-CN" dirty="0">
-                <a:solidFill>
-                  <a:schemeClr val="tx1">
-                    <a:lumMod val="75000"/>
-                    <a:lumOff val="25000"/>
-                  </a:schemeClr>
-                </a:solidFill>
-                <a:latin typeface="微软雅黑" panose="020B0503020204020204" pitchFamily="34" charset="-122"/>
-                <a:ea typeface="微软雅黑" panose="020B0503020204020204" pitchFamily="34" charset="-122"/>
-              </a:rPr>
-              <a:t>条数据</a:t>
-            </a:r>
-            <a:r>
-              <a:rPr lang="en-US" altLang="zh-CN" dirty="0">
-                <a:solidFill>
-                  <a:schemeClr val="tx1">
-                    <a:lumMod val="75000"/>
-                    <a:lumOff val="25000"/>
-                  </a:schemeClr>
-                </a:solidFill>
-                <a:latin typeface="微软雅黑" panose="020B0503020204020204" pitchFamily="34" charset="-122"/>
-                <a:ea typeface="微软雅黑" panose="020B0503020204020204" pitchFamily="34" charset="-122"/>
-              </a:rPr>
-              <a:t/>
-            </a:r>
-            <a:br>
-              <a:rPr lang="en-US" altLang="zh-CN" dirty="0">
-                <a:solidFill>
-                  <a:schemeClr val="tx1">
-                    <a:lumMod val="75000"/>
-                    <a:lumOff val="25000"/>
-                  </a:schemeClr>
-                </a:solidFill>
-                <a:latin typeface="微软雅黑" panose="020B0503020204020204" pitchFamily="34" charset="-122"/>
-                <a:ea typeface="微软雅黑" panose="020B0503020204020204" pitchFamily="34" charset="-122"/>
-              </a:rPr>
-            </a:br>
-            <a:r>
-              <a:rPr lang="zh-CN" altLang="zh-CN" dirty="0" smtClean="0">
-                <a:solidFill>
-                  <a:schemeClr val="tx1">
-                    <a:lumMod val="75000"/>
-                    <a:lumOff val="25000"/>
-                  </a:schemeClr>
-                </a:solidFill>
-                <a:latin typeface="微软雅黑" panose="020B0503020204020204" pitchFamily="34" charset="-122"/>
-                <a:ea typeface="微软雅黑" panose="020B0503020204020204" pitchFamily="34" charset="-122"/>
-              </a:rPr>
-              <a:t>针对</a:t>
-            </a:r>
-            <a:r>
-              <a:rPr lang="zh-CN" altLang="zh-CN" dirty="0">
-                <a:solidFill>
-                  <a:schemeClr val="tx1">
-                    <a:lumMod val="75000"/>
-                    <a:lumOff val="25000"/>
-                  </a:schemeClr>
-                </a:solidFill>
-                <a:latin typeface="微软雅黑" panose="020B0503020204020204" pitchFamily="34" charset="-122"/>
-                <a:ea typeface="微软雅黑" panose="020B0503020204020204" pitchFamily="34" charset="-122"/>
-              </a:rPr>
-              <a:t>需求，</a:t>
-            </a:r>
-            <a:r>
-              <a:rPr lang="en-US" altLang="zh-CN" dirty="0">
-                <a:solidFill>
-                  <a:schemeClr val="tx1">
-                    <a:lumMod val="75000"/>
-                    <a:lumOff val="25000"/>
-                  </a:schemeClr>
-                </a:solidFill>
-                <a:latin typeface="微软雅黑" panose="020B0503020204020204" pitchFamily="34" charset="-122"/>
-                <a:ea typeface="微软雅黑" panose="020B0503020204020204" pitchFamily="34" charset="-122"/>
-              </a:rPr>
-              <a:t>Key</a:t>
-            </a:r>
-            <a:r>
-              <a:rPr lang="zh-CN" altLang="zh-CN" dirty="0">
-                <a:solidFill>
-                  <a:schemeClr val="tx1">
-                    <a:lumMod val="75000"/>
-                    <a:lumOff val="25000"/>
-                  </a:schemeClr>
-                </a:solidFill>
-                <a:latin typeface="微软雅黑" panose="020B0503020204020204" pitchFamily="34" charset="-122"/>
-                <a:ea typeface="微软雅黑" panose="020B0503020204020204" pitchFamily="34" charset="-122"/>
-              </a:rPr>
-              <a:t>设计如下：</a:t>
-            </a:r>
-            <a:r>
-              <a:rPr lang="en-US" altLang="zh-CN" dirty="0">
-                <a:solidFill>
-                  <a:schemeClr val="tx1">
-                    <a:lumMod val="75000"/>
-                    <a:lumOff val="25000"/>
-                  </a:schemeClr>
-                </a:solidFill>
-                <a:latin typeface="微软雅黑" panose="020B0503020204020204" pitchFamily="34" charset="-122"/>
-                <a:ea typeface="微软雅黑" panose="020B0503020204020204" pitchFamily="34" charset="-122"/>
-              </a:rPr>
-              <a:t/>
-            </a:r>
-            <a:br>
-              <a:rPr lang="en-US" altLang="zh-CN" dirty="0">
-                <a:solidFill>
-                  <a:schemeClr val="tx1">
-                    <a:lumMod val="75000"/>
-                    <a:lumOff val="25000"/>
-                  </a:schemeClr>
-                </a:solidFill>
-                <a:latin typeface="微软雅黑" panose="020B0503020204020204" pitchFamily="34" charset="-122"/>
-                <a:ea typeface="微软雅黑" panose="020B0503020204020204" pitchFamily="34" charset="-122"/>
-              </a:rPr>
-            </a:br>
-            <a:r>
-              <a:rPr lang="en-US" altLang="zh-CN" dirty="0" err="1">
-                <a:solidFill>
-                  <a:schemeClr val="tx1">
-                    <a:lumMod val="75000"/>
-                    <a:lumOff val="25000"/>
-                  </a:schemeClr>
-                </a:solidFill>
-                <a:latin typeface="微软雅黑" panose="020B0503020204020204" pitchFamily="34" charset="-122"/>
-                <a:ea typeface="微软雅黑" panose="020B0503020204020204" pitchFamily="34" charset="-122"/>
-              </a:rPr>
-              <a:t>Userid_DataTime_InertTime</a:t>
-            </a:r>
-            <a:r>
-              <a:rPr lang="en-US" altLang="zh-CN" dirty="0">
-                <a:solidFill>
-                  <a:schemeClr val="tx1">
-                    <a:lumMod val="75000"/>
-                    <a:lumOff val="25000"/>
-                  </a:schemeClr>
-                </a:solidFill>
-                <a:latin typeface="微软雅黑" panose="020B0503020204020204" pitchFamily="34" charset="-122"/>
-                <a:ea typeface="微软雅黑" panose="020B0503020204020204" pitchFamily="34" charset="-122"/>
-              </a:rPr>
-              <a:t/>
-            </a:r>
-            <a:br>
-              <a:rPr lang="en-US" altLang="zh-CN" dirty="0">
-                <a:solidFill>
-                  <a:schemeClr val="tx1">
-                    <a:lumMod val="75000"/>
-                    <a:lumOff val="25000"/>
-                  </a:schemeClr>
-                </a:solidFill>
-                <a:latin typeface="微软雅黑" panose="020B0503020204020204" pitchFamily="34" charset="-122"/>
-                <a:ea typeface="微软雅黑" panose="020B0503020204020204" pitchFamily="34" charset="-122"/>
-              </a:rPr>
-            </a:br>
-            <a:r>
-              <a:rPr lang="en-US" altLang="zh-CN" dirty="0" err="1">
-                <a:solidFill>
-                  <a:schemeClr val="tx1">
-                    <a:lumMod val="75000"/>
-                    <a:lumOff val="25000"/>
-                  </a:schemeClr>
-                </a:solidFill>
-                <a:latin typeface="微软雅黑" panose="020B0503020204020204" pitchFamily="34" charset="-122"/>
-                <a:ea typeface="微软雅黑" panose="020B0503020204020204" pitchFamily="34" charset="-122"/>
-              </a:rPr>
-              <a:t>Userid</a:t>
-            </a:r>
-            <a:r>
-              <a:rPr lang="zh-CN" altLang="zh-CN" dirty="0">
-                <a:solidFill>
-                  <a:schemeClr val="tx1">
-                    <a:lumMod val="75000"/>
-                    <a:lumOff val="25000"/>
-                  </a:schemeClr>
-                </a:solidFill>
-                <a:latin typeface="微软雅黑" panose="020B0503020204020204" pitchFamily="34" charset="-122"/>
-                <a:ea typeface="微软雅黑" panose="020B0503020204020204" pitchFamily="34" charset="-122"/>
-              </a:rPr>
-              <a:t>：即</a:t>
-            </a:r>
-            <a:r>
-              <a:rPr lang="en-US" altLang="zh-CN" dirty="0" err="1">
-                <a:solidFill>
-                  <a:schemeClr val="tx1">
-                    <a:lumMod val="75000"/>
-                    <a:lumOff val="25000"/>
-                  </a:schemeClr>
-                </a:solidFill>
-                <a:latin typeface="微软雅黑" panose="020B0503020204020204" pitchFamily="34" charset="-122"/>
-                <a:ea typeface="微软雅黑" panose="020B0503020204020204" pitchFamily="34" charset="-122"/>
-              </a:rPr>
-              <a:t>userid</a:t>
-            </a:r>
-            <a:r>
-              <a:rPr lang="en-US" altLang="zh-CN" dirty="0">
-                <a:solidFill>
-                  <a:schemeClr val="tx1">
-                    <a:lumMod val="75000"/>
-                    <a:lumOff val="25000"/>
-                  </a:schemeClr>
-                </a:solidFill>
-                <a:latin typeface="微软雅黑" panose="020B0503020204020204" pitchFamily="34" charset="-122"/>
-                <a:ea typeface="微软雅黑" panose="020B0503020204020204" pitchFamily="34" charset="-122"/>
-              </a:rPr>
-              <a:t/>
-            </a:r>
-            <a:br>
-              <a:rPr lang="en-US" altLang="zh-CN" dirty="0">
-                <a:solidFill>
-                  <a:schemeClr val="tx1">
-                    <a:lumMod val="75000"/>
-                    <a:lumOff val="25000"/>
-                  </a:schemeClr>
-                </a:solidFill>
-                <a:latin typeface="微软雅黑" panose="020B0503020204020204" pitchFamily="34" charset="-122"/>
-                <a:ea typeface="微软雅黑" panose="020B0503020204020204" pitchFamily="34" charset="-122"/>
-              </a:rPr>
-            </a:br>
-            <a:r>
-              <a:rPr lang="en-US" altLang="zh-CN" dirty="0" err="1">
-                <a:solidFill>
-                  <a:schemeClr val="tx1">
-                    <a:lumMod val="75000"/>
-                    <a:lumOff val="25000"/>
-                  </a:schemeClr>
-                </a:solidFill>
-                <a:latin typeface="微软雅黑" panose="020B0503020204020204" pitchFamily="34" charset="-122"/>
-                <a:ea typeface="微软雅黑" panose="020B0503020204020204" pitchFamily="34" charset="-122"/>
-              </a:rPr>
-              <a:t>DataTime</a:t>
-            </a:r>
-            <a:r>
-              <a:rPr lang="zh-CN" altLang="zh-CN" dirty="0">
-                <a:solidFill>
-                  <a:schemeClr val="tx1">
-                    <a:lumMod val="75000"/>
-                    <a:lumOff val="25000"/>
-                  </a:schemeClr>
-                </a:solidFill>
-                <a:latin typeface="微软雅黑" panose="020B0503020204020204" pitchFamily="34" charset="-122"/>
-                <a:ea typeface="微软雅黑" panose="020B0503020204020204" pitchFamily="34" charset="-122"/>
-              </a:rPr>
-              <a:t>：数据所属时间</a:t>
-            </a:r>
-            <a:r>
-              <a:rPr lang="en-US" altLang="zh-CN" dirty="0">
-                <a:solidFill>
-                  <a:schemeClr val="tx1">
-                    <a:lumMod val="75000"/>
-                    <a:lumOff val="25000"/>
-                  </a:schemeClr>
-                </a:solidFill>
-                <a:latin typeface="微软雅黑" panose="020B0503020204020204" pitchFamily="34" charset="-122"/>
-                <a:ea typeface="微软雅黑" panose="020B0503020204020204" pitchFamily="34" charset="-122"/>
-              </a:rPr>
-              <a:t>(</a:t>
-            </a:r>
-            <a:r>
-              <a:rPr lang="en-US" altLang="zh-CN" dirty="0" err="1">
-                <a:solidFill>
-                  <a:schemeClr val="tx1">
-                    <a:lumMod val="75000"/>
-                    <a:lumOff val="25000"/>
-                  </a:schemeClr>
-                </a:solidFill>
-                <a:latin typeface="微软雅黑" panose="020B0503020204020204" pitchFamily="34" charset="-122"/>
-                <a:ea typeface="微软雅黑" panose="020B0503020204020204" pitchFamily="34" charset="-122"/>
-              </a:rPr>
-              <a:t>ms</a:t>
-            </a:r>
-            <a:r>
-              <a:rPr lang="en-US" altLang="zh-CN" dirty="0">
-                <a:solidFill>
-                  <a:schemeClr val="tx1">
-                    <a:lumMod val="75000"/>
-                    <a:lumOff val="25000"/>
-                  </a:schemeClr>
-                </a:solidFill>
-                <a:latin typeface="微软雅黑" panose="020B0503020204020204" pitchFamily="34" charset="-122"/>
-                <a:ea typeface="微软雅黑" panose="020B0503020204020204" pitchFamily="34" charset="-122"/>
-              </a:rPr>
-              <a:t>)</a:t>
-            </a:r>
-            <a:r>
-              <a:rPr lang="zh-CN" altLang="zh-CN" dirty="0">
-                <a:solidFill>
-                  <a:schemeClr val="tx1">
-                    <a:lumMod val="75000"/>
-                    <a:lumOff val="25000"/>
-                  </a:schemeClr>
-                </a:solidFill>
-                <a:latin typeface="微软雅黑" panose="020B0503020204020204" pitchFamily="34" charset="-122"/>
-                <a:ea typeface="微软雅黑" panose="020B0503020204020204" pitchFamily="34" charset="-122"/>
-              </a:rPr>
-              <a:t>，定义为</a:t>
-            </a:r>
-            <a:r>
-              <a:rPr lang="zh-CN" altLang="zh-CN" dirty="0" smtClean="0">
-                <a:solidFill>
-                  <a:schemeClr val="tx1">
-                    <a:lumMod val="75000"/>
-                    <a:lumOff val="25000"/>
-                  </a:schemeClr>
-                </a:solidFill>
-                <a:latin typeface="微软雅黑" panose="020B0503020204020204" pitchFamily="34" charset="-122"/>
-                <a:ea typeface="微软雅黑" panose="020B0503020204020204" pitchFamily="34" charset="-122"/>
-              </a:rPr>
-              <a:t>：</a:t>
-            </a:r>
-            <a:endParaRPr lang="en-US" altLang="zh-CN" dirty="0" smtClean="0">
-              <a:solidFill>
-                <a:schemeClr val="tx1">
-                  <a:lumMod val="75000"/>
-                  <a:lumOff val="25000"/>
-                </a:schemeClr>
-              </a:solidFill>
-              <a:latin typeface="微软雅黑" panose="020B0503020204020204" pitchFamily="34" charset="-122"/>
-              <a:ea typeface="微软雅黑" panose="020B0503020204020204" pitchFamily="34" charset="-122"/>
-            </a:endParaRPr>
-          </a:p>
-          <a:p>
-            <a:pPr>
-              <a:lnSpc>
-                <a:spcPct val="150000"/>
-              </a:lnSpc>
-            </a:pPr>
-            <a:r>
-              <a:rPr lang="en-US" altLang="zh-CN" dirty="0" err="1" smtClean="0">
-                <a:solidFill>
-                  <a:schemeClr val="tx1">
-                    <a:lumMod val="75000"/>
-                    <a:lumOff val="25000"/>
-                  </a:schemeClr>
-                </a:solidFill>
-                <a:latin typeface="微软雅黑" panose="020B0503020204020204" pitchFamily="34" charset="-122"/>
-                <a:ea typeface="微软雅黑" panose="020B0503020204020204" pitchFamily="34" charset="-122"/>
-              </a:rPr>
-              <a:t>Long.MAX_VALUE</a:t>
-            </a:r>
-            <a:r>
-              <a:rPr lang="en-US" altLang="zh-CN" dirty="0" smtClean="0">
-                <a:solidFill>
-                  <a:schemeClr val="tx1">
-                    <a:lumMod val="75000"/>
-                    <a:lumOff val="25000"/>
-                  </a:schemeClr>
-                </a:solidFill>
-                <a:latin typeface="微软雅黑" panose="020B0503020204020204" pitchFamily="34" charset="-122"/>
-                <a:ea typeface="微软雅黑" panose="020B0503020204020204" pitchFamily="34" charset="-122"/>
-              </a:rPr>
-              <a:t> </a:t>
-            </a:r>
-            <a:r>
-              <a:rPr lang="en-US" altLang="zh-CN" dirty="0">
-                <a:solidFill>
-                  <a:schemeClr val="tx1">
-                    <a:lumMod val="75000"/>
-                    <a:lumOff val="25000"/>
-                  </a:schemeClr>
-                </a:solidFill>
-                <a:latin typeface="微软雅黑" panose="020B0503020204020204" pitchFamily="34" charset="-122"/>
-                <a:ea typeface="微软雅黑" panose="020B0503020204020204" pitchFamily="34" charset="-122"/>
-              </a:rPr>
-              <a:t>- </a:t>
-            </a:r>
-            <a:r>
-              <a:rPr lang="en-US" altLang="zh-CN" dirty="0" err="1">
-                <a:solidFill>
-                  <a:schemeClr val="tx1">
-                    <a:lumMod val="75000"/>
-                    <a:lumOff val="25000"/>
-                  </a:schemeClr>
-                </a:solidFill>
-                <a:latin typeface="微软雅黑" panose="020B0503020204020204" pitchFamily="34" charset="-122"/>
-                <a:ea typeface="微软雅黑" panose="020B0503020204020204" pitchFamily="34" charset="-122"/>
-              </a:rPr>
-              <a:t>dataTime.getTime</a:t>
-            </a:r>
-            <a:r>
-              <a:rPr lang="en-US" altLang="zh-CN" dirty="0">
-                <a:solidFill>
-                  <a:schemeClr val="tx1">
-                    <a:lumMod val="75000"/>
-                    <a:lumOff val="25000"/>
-                  </a:schemeClr>
-                </a:solidFill>
-                <a:latin typeface="微软雅黑" panose="020B0503020204020204" pitchFamily="34" charset="-122"/>
-                <a:ea typeface="微软雅黑" panose="020B0503020204020204" pitchFamily="34" charset="-122"/>
-              </a:rPr>
-              <a:t>()</a:t>
-            </a:r>
-            <a:r>
-              <a:rPr lang="zh-CN" altLang="zh-CN" dirty="0">
-                <a:solidFill>
-                  <a:schemeClr val="tx1">
-                    <a:lumMod val="75000"/>
-                    <a:lumOff val="25000"/>
-                  </a:schemeClr>
-                </a:solidFill>
-                <a:latin typeface="微软雅黑" panose="020B0503020204020204" pitchFamily="34" charset="-122"/>
-                <a:ea typeface="微软雅黑" panose="020B0503020204020204" pitchFamily="34" charset="-122"/>
-              </a:rPr>
-              <a:t>，由于</a:t>
-            </a:r>
-            <a:r>
-              <a:rPr lang="en-US" altLang="zh-CN" dirty="0" err="1">
-                <a:solidFill>
-                  <a:schemeClr val="tx1">
-                    <a:lumMod val="75000"/>
-                    <a:lumOff val="25000"/>
-                  </a:schemeClr>
-                </a:solidFill>
-                <a:latin typeface="微软雅黑" panose="020B0503020204020204" pitchFamily="34" charset="-122"/>
-                <a:ea typeface="微软雅黑" panose="020B0503020204020204" pitchFamily="34" charset="-122"/>
-              </a:rPr>
-              <a:t>RowKey</a:t>
-            </a:r>
-            <a:r>
-              <a:rPr lang="zh-CN" altLang="zh-CN" dirty="0">
-                <a:solidFill>
-                  <a:schemeClr val="tx1">
-                    <a:lumMod val="75000"/>
-                    <a:lumOff val="25000"/>
-                  </a:schemeClr>
-                </a:solidFill>
-                <a:latin typeface="微软雅黑" panose="020B0503020204020204" pitchFamily="34" charset="-122"/>
-                <a:ea typeface="微软雅黑" panose="020B0503020204020204" pitchFamily="34" charset="-122"/>
-              </a:rPr>
-              <a:t>字典序排列，可以使最近插入的数据排在前面，支持</a:t>
-            </a:r>
-            <a:r>
-              <a:rPr lang="en-US" altLang="zh-CN" dirty="0">
-                <a:solidFill>
-                  <a:schemeClr val="tx1">
-                    <a:lumMod val="75000"/>
-                    <a:lumOff val="25000"/>
-                  </a:schemeClr>
-                </a:solidFill>
-                <a:latin typeface="微软雅黑" panose="020B0503020204020204" pitchFamily="34" charset="-122"/>
-                <a:ea typeface="微软雅黑" panose="020B0503020204020204" pitchFamily="34" charset="-122"/>
-              </a:rPr>
-              <a:t>“</a:t>
-            </a:r>
-            <a:r>
-              <a:rPr lang="zh-CN" altLang="zh-CN" dirty="0">
-                <a:solidFill>
-                  <a:schemeClr val="tx1">
-                    <a:lumMod val="75000"/>
-                    <a:lumOff val="25000"/>
-                  </a:schemeClr>
-                </a:solidFill>
-                <a:latin typeface="微软雅黑" panose="020B0503020204020204" pitchFamily="34" charset="-122"/>
-                <a:ea typeface="微软雅黑" panose="020B0503020204020204" pitchFamily="34" charset="-122"/>
-              </a:rPr>
-              <a:t>最近插入的</a:t>
-            </a:r>
-            <a:r>
-              <a:rPr lang="en-US" altLang="zh-CN" dirty="0">
-                <a:solidFill>
-                  <a:schemeClr val="tx1">
-                    <a:lumMod val="75000"/>
-                    <a:lumOff val="25000"/>
-                  </a:schemeClr>
-                </a:solidFill>
-                <a:latin typeface="微软雅黑" panose="020B0503020204020204" pitchFamily="34" charset="-122"/>
-                <a:ea typeface="微软雅黑" panose="020B0503020204020204" pitchFamily="34" charset="-122"/>
-              </a:rPr>
-              <a:t>N</a:t>
-            </a:r>
-            <a:r>
-              <a:rPr lang="zh-CN" altLang="zh-CN" dirty="0">
-                <a:solidFill>
-                  <a:schemeClr val="tx1">
-                    <a:lumMod val="75000"/>
-                    <a:lumOff val="25000"/>
-                  </a:schemeClr>
-                </a:solidFill>
-                <a:latin typeface="微软雅黑" panose="020B0503020204020204" pitchFamily="34" charset="-122"/>
-                <a:ea typeface="微软雅黑" panose="020B0503020204020204" pitchFamily="34" charset="-122"/>
-              </a:rPr>
-              <a:t>条数据</a:t>
-            </a:r>
-            <a:r>
-              <a:rPr lang="en-US" altLang="zh-CN" dirty="0">
-                <a:solidFill>
-                  <a:schemeClr val="tx1">
-                    <a:lumMod val="75000"/>
-                    <a:lumOff val="25000"/>
-                  </a:schemeClr>
-                </a:solidFill>
-                <a:latin typeface="微软雅黑" panose="020B0503020204020204" pitchFamily="34" charset="-122"/>
-                <a:ea typeface="微软雅黑" panose="020B0503020204020204" pitchFamily="34" charset="-122"/>
-              </a:rPr>
-              <a:t>”</a:t>
-            </a:r>
-            <a:r>
-              <a:rPr lang="zh-CN" altLang="zh-CN" dirty="0">
-                <a:solidFill>
-                  <a:schemeClr val="tx1">
-                    <a:lumMod val="75000"/>
-                    <a:lumOff val="25000"/>
-                  </a:schemeClr>
-                </a:solidFill>
-                <a:latin typeface="微软雅黑" panose="020B0503020204020204" pitchFamily="34" charset="-122"/>
-                <a:ea typeface="微软雅黑" panose="020B0503020204020204" pitchFamily="34" charset="-122"/>
-              </a:rPr>
-              <a:t>的需求</a:t>
-            </a:r>
-            <a:r>
-              <a:rPr lang="en-US" altLang="zh-CN" dirty="0">
-                <a:solidFill>
-                  <a:schemeClr val="tx1">
-                    <a:lumMod val="75000"/>
-                    <a:lumOff val="25000"/>
-                  </a:schemeClr>
-                </a:solidFill>
-                <a:latin typeface="微软雅黑" panose="020B0503020204020204" pitchFamily="34" charset="-122"/>
-                <a:ea typeface="微软雅黑" panose="020B0503020204020204" pitchFamily="34" charset="-122"/>
-              </a:rPr>
-              <a:t/>
-            </a:r>
-            <a:br>
-              <a:rPr lang="en-US" altLang="zh-CN" dirty="0">
-                <a:solidFill>
-                  <a:schemeClr val="tx1">
-                    <a:lumMod val="75000"/>
-                    <a:lumOff val="25000"/>
-                  </a:schemeClr>
-                </a:solidFill>
-                <a:latin typeface="微软雅黑" panose="020B0503020204020204" pitchFamily="34" charset="-122"/>
-                <a:ea typeface="微软雅黑" panose="020B0503020204020204" pitchFamily="34" charset="-122"/>
-              </a:rPr>
-            </a:br>
-            <a:r>
-              <a:rPr lang="en-US" altLang="zh-CN" dirty="0" err="1">
-                <a:solidFill>
-                  <a:schemeClr val="tx1">
-                    <a:lumMod val="75000"/>
-                    <a:lumOff val="25000"/>
-                  </a:schemeClr>
-                </a:solidFill>
-                <a:latin typeface="微软雅黑" panose="020B0503020204020204" pitchFamily="34" charset="-122"/>
-                <a:ea typeface="微软雅黑" panose="020B0503020204020204" pitchFamily="34" charset="-122"/>
-              </a:rPr>
-              <a:t>InsertTime</a:t>
-            </a:r>
-            <a:r>
-              <a:rPr lang="zh-CN" altLang="zh-CN" dirty="0">
-                <a:solidFill>
-                  <a:schemeClr val="tx1">
-                    <a:lumMod val="75000"/>
-                    <a:lumOff val="25000"/>
-                  </a:schemeClr>
-                </a:solidFill>
-                <a:latin typeface="微软雅黑" panose="020B0503020204020204" pitchFamily="34" charset="-122"/>
-                <a:ea typeface="微软雅黑" panose="020B0503020204020204" pitchFamily="34" charset="-122"/>
-              </a:rPr>
-              <a:t>：数据入库时间</a:t>
-            </a:r>
-            <a:r>
-              <a:rPr lang="en-US" altLang="zh-CN" dirty="0">
-                <a:solidFill>
-                  <a:schemeClr val="tx1">
-                    <a:lumMod val="75000"/>
-                    <a:lumOff val="25000"/>
-                  </a:schemeClr>
-                </a:solidFill>
-                <a:latin typeface="微软雅黑" panose="020B0503020204020204" pitchFamily="34" charset="-122"/>
-                <a:ea typeface="微软雅黑" panose="020B0503020204020204" pitchFamily="34" charset="-122"/>
-              </a:rPr>
-              <a:t>(ns)</a:t>
-            </a:r>
-            <a:r>
-              <a:rPr lang="zh-CN" altLang="zh-CN" dirty="0">
-                <a:solidFill>
-                  <a:schemeClr val="tx1">
-                    <a:lumMod val="75000"/>
-                    <a:lumOff val="25000"/>
-                  </a:schemeClr>
-                </a:solidFill>
-                <a:latin typeface="微软雅黑" panose="020B0503020204020204" pitchFamily="34" charset="-122"/>
-                <a:ea typeface="微软雅黑" panose="020B0503020204020204" pitchFamily="34" charset="-122"/>
-              </a:rPr>
-              <a:t>，取</a:t>
-            </a:r>
-            <a:r>
-              <a:rPr lang="en-US" altLang="zh-CN" dirty="0" err="1">
-                <a:solidFill>
-                  <a:schemeClr val="tx1">
-                    <a:lumMod val="75000"/>
-                    <a:lumOff val="25000"/>
-                  </a:schemeClr>
-                </a:solidFill>
-                <a:latin typeface="微软雅黑" panose="020B0503020204020204" pitchFamily="34" charset="-122"/>
-                <a:ea typeface="微软雅黑" panose="020B0503020204020204" pitchFamily="34" charset="-122"/>
-              </a:rPr>
-              <a:t>nanotime</a:t>
-            </a:r>
-            <a:r>
-              <a:rPr lang="zh-CN" altLang="zh-CN" dirty="0">
-                <a:solidFill>
-                  <a:schemeClr val="tx1">
-                    <a:lumMod val="75000"/>
-                    <a:lumOff val="25000"/>
-                  </a:schemeClr>
-                </a:solidFill>
-                <a:latin typeface="微软雅黑" panose="020B0503020204020204" pitchFamily="34" charset="-122"/>
-                <a:ea typeface="微软雅黑" panose="020B0503020204020204" pitchFamily="34" charset="-122"/>
-              </a:rPr>
-              <a:t>（</a:t>
-            </a:r>
-            <a:r>
-              <a:rPr lang="en-US" altLang="zh-CN" dirty="0" err="1">
-                <a:solidFill>
-                  <a:schemeClr val="tx1">
-                    <a:lumMod val="75000"/>
-                    <a:lumOff val="25000"/>
-                  </a:schemeClr>
-                </a:solidFill>
-                <a:latin typeface="微软雅黑" panose="020B0503020204020204" pitchFamily="34" charset="-122"/>
-                <a:ea typeface="微软雅黑" panose="020B0503020204020204" pitchFamily="34" charset="-122"/>
-              </a:rPr>
-              <a:t>InsertTime</a:t>
-            </a:r>
-            <a:r>
-              <a:rPr lang="zh-CN" altLang="zh-CN" dirty="0">
-                <a:solidFill>
-                  <a:schemeClr val="tx1">
-                    <a:lumMod val="75000"/>
-                    <a:lumOff val="25000"/>
-                  </a:schemeClr>
-                </a:solidFill>
-                <a:latin typeface="微软雅黑" panose="020B0503020204020204" pitchFamily="34" charset="-122"/>
-                <a:ea typeface="微软雅黑" panose="020B0503020204020204" pitchFamily="34" charset="-122"/>
-              </a:rPr>
-              <a:t>的存在是由于在这个应用中，</a:t>
-            </a:r>
-            <a:r>
-              <a:rPr lang="en-US" altLang="zh-CN" dirty="0" err="1">
-                <a:solidFill>
-                  <a:schemeClr val="tx1">
-                    <a:lumMod val="75000"/>
-                    <a:lumOff val="25000"/>
-                  </a:schemeClr>
-                </a:solidFill>
-                <a:latin typeface="微软雅黑" panose="020B0503020204020204" pitchFamily="34" charset="-122"/>
-                <a:ea typeface="微软雅黑" panose="020B0503020204020204" pitchFamily="34" charset="-122"/>
-              </a:rPr>
-              <a:t>Userid+DataTime</a:t>
-            </a:r>
-            <a:r>
-              <a:rPr lang="zh-CN" altLang="zh-CN" dirty="0">
-                <a:solidFill>
-                  <a:schemeClr val="tx1">
-                    <a:lumMod val="75000"/>
-                    <a:lumOff val="25000"/>
-                  </a:schemeClr>
-                </a:solidFill>
-                <a:latin typeface="微软雅黑" panose="020B0503020204020204" pitchFamily="34" charset="-122"/>
-                <a:ea typeface="微软雅黑" panose="020B0503020204020204" pitchFamily="34" charset="-122"/>
-              </a:rPr>
-              <a:t>不能唯一定位一条数据）</a:t>
-            </a:r>
-          </a:p>
-          <a:p>
-            <a:pPr>
-              <a:lnSpc>
-                <a:spcPct val="150000"/>
-              </a:lnSpc>
-            </a:pPr>
-            <a:endParaRPr lang="zh-CN" altLang="en-US" dirty="0">
-              <a:solidFill>
-                <a:schemeClr val="tx1">
-                  <a:lumMod val="75000"/>
-                  <a:lumOff val="25000"/>
-                </a:schemeClr>
-              </a:solidFill>
-              <a:latin typeface="微软雅黑" panose="020B0503020204020204" pitchFamily="34" charset="-122"/>
-              <a:ea typeface="微软雅黑" panose="020B0503020204020204" pitchFamily="34" charset="-122"/>
-            </a:endParaRPr>
-          </a:p>
-        </p:txBody>
-      </p:sp>
+        </p:nvGraphicFramePr>
+        <p:xfrm>
+          <a:off x="5397500" y="3071813"/>
+          <a:ext cx="1397000" cy="711200"/>
+        </p:xfrm>
+        <a:graphic>
+          <a:graphicData uri="http://schemas.openxmlformats.org/presentationml/2006/ole">
+            <p:oleObj spid="_x0000_s1026" name="包装程序外壳对象" showAsIcon="1" r:id="rId4" imgW="1397160" imgH="711360" progId="Package">
+              <p:embed/>
+            </p:oleObj>
+          </a:graphicData>
+        </a:graphic>
+      </p:graphicFrame>
     </p:spTree>
     <p:extLst>
       <p:ext uri="{BB962C8B-B14F-4D97-AF65-F5344CB8AC3E}">
-        <p14:creationId xmlns:p14="http://schemas.microsoft.com/office/powerpoint/2010/main" xmlns="" val="2129019908"/>
+        <p14:creationId xmlns:p14="http://schemas.microsoft.com/office/powerpoint/2010/main" xmlns="" val="1087999994"/>
       </p:ext>
     </p:extLst>
   </p:cSld>
@@ -17775,13 +16856,13 @@
   </p:clrMapOvr>
   <mc:AlternateContent xmlns:mc="http://schemas.openxmlformats.org/markup-compatibility/2006">
     <mc:Choice xmlns:p14="http://schemas.microsoft.com/office/powerpoint/2010/main" xmlns="" Requires="p14">
-      <p:transition spd="slow" p14:dur="1600">
-        <p14:gallery dir="l"/>
+      <p:transition spd="slow" p14:dur="2500" advClick="0">
+        <p:checker/>
       </p:transition>
     </mc:Choice>
     <mc:Fallback>
-      <p:transition spd="slow">
-        <p:fade/>
+      <p:transition spd="slow" advClick="0">
+        <p:checker/>
       </p:transition>
     </mc:Fallback>
   </mc:AlternateContent>
@@ -21884,8 +20965,8 @@
         </p:nvSpPr>
         <p:spPr>
           <a:xfrm>
-            <a:off x="1365340" y="1816878"/>
-            <a:ext cx="9002333" cy="1670778"/>
+            <a:off x="1365340" y="1433015"/>
+            <a:ext cx="9002333" cy="2308324"/>
           </a:xfrm>
           <a:prstGeom prst="rect">
             <a:avLst/>
@@ -21996,7 +21077,99 @@
                 <a:latin typeface="微软雅黑" panose="020B0503020204020204" pitchFamily="34" charset="-122"/>
                 <a:ea typeface="微软雅黑" panose="020B0503020204020204" pitchFamily="34" charset="-122"/>
               </a:rPr>
-              <a:t>（行主键），</a:t>
+              <a:t>（行主键</a:t>
+            </a:r>
+            <a:r>
+              <a:rPr lang="zh-CN" altLang="en-US" dirty="0" smtClean="0">
+                <a:solidFill>
+                  <a:schemeClr val="tx1">
+                    <a:lumMod val="75000"/>
+                    <a:lumOff val="25000"/>
+                  </a:schemeClr>
+                </a:solidFill>
+                <a:latin typeface="微软雅黑" panose="020B0503020204020204" pitchFamily="34" charset="-122"/>
+                <a:ea typeface="微软雅黑" panose="020B0503020204020204" pitchFamily="34" charset="-122"/>
+              </a:rPr>
+              <a:t>）</a:t>
+            </a:r>
+            <a:r>
+              <a:rPr lang="en-US" altLang="zh-CN" dirty="0" smtClean="0">
+                <a:solidFill>
+                  <a:schemeClr val="tx1">
+                    <a:lumMod val="75000"/>
+                    <a:lumOff val="25000"/>
+                  </a:schemeClr>
+                </a:solidFill>
+                <a:latin typeface="微软雅黑" panose="020B0503020204020204" pitchFamily="34" charset="-122"/>
+                <a:ea typeface="微软雅黑" panose="020B0503020204020204" pitchFamily="34" charset="-122"/>
+              </a:rPr>
+              <a:t> </a:t>
+            </a:r>
+          </a:p>
+          <a:p>
+            <a:pPr>
+              <a:lnSpc>
+                <a:spcPct val="200000"/>
+              </a:lnSpc>
+            </a:pPr>
+            <a:r>
+              <a:rPr lang="en-US" altLang="zh-CN" dirty="0" smtClean="0">
+                <a:solidFill>
+                  <a:schemeClr val="tx1">
+                    <a:lumMod val="75000"/>
+                    <a:lumOff val="25000"/>
+                  </a:schemeClr>
+                </a:solidFill>
+                <a:latin typeface="微软雅黑" panose="020B0503020204020204" pitchFamily="34" charset="-122"/>
+                <a:ea typeface="微软雅黑" panose="020B0503020204020204" pitchFamily="34" charset="-122"/>
+              </a:rPr>
+              <a:t>column   key(</a:t>
+            </a:r>
+            <a:r>
+              <a:rPr lang="en-US" altLang="zh-CN" dirty="0" err="1" smtClean="0">
+                <a:solidFill>
+                  <a:schemeClr val="tx1">
+                    <a:lumMod val="75000"/>
+                    <a:lumOff val="25000"/>
+                  </a:schemeClr>
+                </a:solidFill>
+                <a:latin typeface="微软雅黑" panose="020B0503020204020204" pitchFamily="34" charset="-122"/>
+                <a:ea typeface="微软雅黑" panose="020B0503020204020204" pitchFamily="34" charset="-122"/>
+              </a:rPr>
+              <a:t>columnFamily+qualifier</a:t>
+            </a:r>
+            <a:r>
+              <a:rPr lang="en-US" altLang="zh-CN" dirty="0" smtClean="0">
+                <a:solidFill>
+                  <a:schemeClr val="tx1">
+                    <a:lumMod val="75000"/>
+                    <a:lumOff val="25000"/>
+                  </a:schemeClr>
+                </a:solidFill>
+                <a:latin typeface="微软雅黑" panose="020B0503020204020204" pitchFamily="34" charset="-122"/>
+                <a:ea typeface="微软雅黑" panose="020B0503020204020204" pitchFamily="34" charset="-122"/>
+              </a:rPr>
+              <a:t>)</a:t>
+            </a:r>
+          </a:p>
+          <a:p>
+            <a:pPr>
+              <a:lnSpc>
+                <a:spcPct val="200000"/>
+              </a:lnSpc>
+            </a:pPr>
+            <a:r>
+              <a:rPr lang="en-US" altLang="zh-CN" dirty="0" smtClean="0">
+                <a:solidFill>
+                  <a:schemeClr val="tx1">
+                    <a:lumMod val="75000"/>
+                    <a:lumOff val="25000"/>
+                  </a:schemeClr>
+                </a:solidFill>
+                <a:latin typeface="微软雅黑" panose="020B0503020204020204" pitchFamily="34" charset="-122"/>
+                <a:ea typeface="微软雅黑" panose="020B0503020204020204" pitchFamily="34" charset="-122"/>
+              </a:rPr>
+              <a:t>timestamp</a:t>
             </a:r>
             <a:r>
               <a:rPr lang="en-US" altLang="zh-CN" dirty="0">
@@ -22009,59 +21182,7 @@
                 <a:latin typeface="微软雅黑" panose="020B0503020204020204" pitchFamily="34" charset="-122"/>
                 <a:ea typeface="微软雅黑" panose="020B0503020204020204" pitchFamily="34" charset="-122"/>
               </a:rPr>
-              <a:t>column key(</a:t>
-            </a:r>
-            <a:r>
-              <a:rPr lang="en-US" altLang="zh-CN" dirty="0" err="1">
-                <a:solidFill>
-                  <a:schemeClr val="tx1">
-                    <a:lumMod val="75000"/>
-                    <a:lumOff val="25000"/>
-                  </a:schemeClr>
-                </a:solidFill>
-                <a:latin typeface="微软雅黑" panose="020B0503020204020204" pitchFamily="34" charset="-122"/>
-                <a:ea typeface="微软雅黑" panose="020B0503020204020204" pitchFamily="34" charset="-122"/>
-              </a:rPr>
-              <a:t>columnFamily+qualifier</a:t>
-            </a:r>
-            <a:r>
-              <a:rPr lang="en-US" altLang="zh-CN" dirty="0">
-                <a:solidFill>
-                  <a:schemeClr val="tx1">
-                    <a:lumMod val="75000"/>
-                    <a:lumOff val="25000"/>
-                  </a:schemeClr>
-                </a:solidFill>
-                <a:latin typeface="微软雅黑" panose="020B0503020204020204" pitchFamily="34" charset="-122"/>
-                <a:ea typeface="微软雅黑" panose="020B0503020204020204" pitchFamily="34" charset="-122"/>
-              </a:rPr>
-              <a:t>)</a:t>
-            </a:r>
-            <a:r>
-              <a:rPr lang="zh-CN" altLang="en-US" dirty="0">
-                <a:solidFill>
-                  <a:schemeClr val="tx1">
-                    <a:lumMod val="75000"/>
-                    <a:lumOff val="25000"/>
-                  </a:schemeClr>
-                </a:solidFill>
-                <a:latin typeface="微软雅黑" panose="020B0503020204020204" pitchFamily="34" charset="-122"/>
-                <a:ea typeface="微软雅黑" panose="020B0503020204020204" pitchFamily="34" charset="-122"/>
-              </a:rPr>
-              <a:t>，</a:t>
-            </a:r>
-            <a:r>
-              <a:rPr lang="en-US" altLang="zh-CN" dirty="0">
-                <a:solidFill>
-                  <a:schemeClr val="tx1">
-                    <a:lumMod val="75000"/>
-                    <a:lumOff val="25000"/>
-                  </a:schemeClr>
-                </a:solidFill>
-                <a:latin typeface="微软雅黑" panose="020B0503020204020204" pitchFamily="34" charset="-122"/>
-                <a:ea typeface="微软雅黑" panose="020B0503020204020204" pitchFamily="34" charset="-122"/>
-              </a:rPr>
-              <a:t>timestamp(</a:t>
+              <a:t>(</a:t>
             </a:r>
             <a:r>
               <a:rPr lang="zh-CN" altLang="en-US" dirty="0">
@@ -22762,7 +21883,7 @@
               <a:t>也有</a:t>
             </a:r>
             <a:r>
-              <a:rPr lang="en-US" altLang="zh-CN" dirty="0" err="1" smtClean="0">
+              <a:rPr lang="en-US" altLang="zh-CN" dirty="0" smtClean="0">
                 <a:solidFill>
                   <a:schemeClr val="tx1">
                     <a:lumMod val="75000"/>
